--- a/Project1-1/Phase3/Presentation-Phase3.pptx
+++ b/Project1-1/Phase3/Presentation-Phase3.pptx
@@ -2,7 +2,7 @@
 <file path=ppt/presentation.xml><?xml version="1.0" encoding="utf-8"?>
 <p:presentation xmlns:a="http://schemas.openxmlformats.org/drawingml/2006/main" xmlns:r="http://schemas.openxmlformats.org/officeDocument/2006/relationships" xmlns:p="http://schemas.openxmlformats.org/presentationml/2006/main" saveSubsetFonts="1">
   <p:sldMasterIdLst>
-    <p:sldMasterId id="2147483708" r:id="rId1"/>
+    <p:sldMasterId id="2147483816" r:id="rId1"/>
   </p:sldMasterIdLst>
   <p:sldIdLst>
     <p:sldId id="269" r:id="rId2"/>
@@ -11,10 +11,16 @@
     <p:sldId id="258" r:id="rId5"/>
     <p:sldId id="259" r:id="rId6"/>
     <p:sldId id="260" r:id="rId7"/>
-    <p:sldId id="261" r:id="rId8"/>
-    <p:sldId id="273" r:id="rId9"/>
-    <p:sldId id="274" r:id="rId10"/>
-    <p:sldId id="262" r:id="rId11"/>
+    <p:sldId id="283" r:id="rId8"/>
+    <p:sldId id="276" r:id="rId9"/>
+    <p:sldId id="277" r:id="rId10"/>
+    <p:sldId id="281" r:id="rId11"/>
+    <p:sldId id="282" r:id="rId12"/>
+    <p:sldId id="279" r:id="rId13"/>
+    <p:sldId id="261" r:id="rId14"/>
+    <p:sldId id="273" r:id="rId15"/>
+    <p:sldId id="274" r:id="rId16"/>
+    <p:sldId id="262" r:id="rId17"/>
   </p:sldIdLst>
   <p:sldSz cx="9144000" cy="6858000" type="screen4x3"/>
   <p:notesSz cx="6858000" cy="9144000"/>
@@ -117,8 +123,13 @@
 </file>
 
 <file path=ppt/slideLayouts/slideLayout1.xml><?xml version="1.0" encoding="utf-8"?>
-<p:sldLayout xmlns:a="http://schemas.openxmlformats.org/drawingml/2006/main" xmlns:r="http://schemas.openxmlformats.org/officeDocument/2006/relationships" xmlns:p="http://schemas.openxmlformats.org/presentationml/2006/main" type="title" preserve="1">
+<p:sldLayout xmlns:a="http://schemas.openxmlformats.org/drawingml/2006/main" xmlns:r="http://schemas.openxmlformats.org/officeDocument/2006/relationships" xmlns:p="http://schemas.openxmlformats.org/presentationml/2006/main" showMasterSp="0" type="title" preserve="1">
   <p:cSld name="Title Slide">
+    <p:bg>
+      <p:bgRef idx="1002">
+        <a:schemeClr val="bg1"/>
+      </p:bgRef>
+    </p:bg>
     <p:spTree>
       <p:nvGrpSpPr>
         <p:cNvPr id="1" name=""/>
@@ -135,7 +146,126 @@
       </p:grpSpPr>
       <p:sp>
         <p:nvSpPr>
-          <p:cNvPr id="8" name="Title 7"/>
+          <p:cNvPr id="8" name="Rectangle 7"/>
+          <p:cNvSpPr/>
+          <p:nvPr/>
+        </p:nvSpPr>
+        <p:spPr>
+          <a:xfrm flipH="1">
+            <a:off x="2667000" y="0"/>
+            <a:ext cx="6477000" cy="6858000"/>
+          </a:xfrm>
+          <a:prstGeom prst="rect">
+            <a:avLst/>
+          </a:prstGeom>
+          <a:blipFill>
+            <a:blip r:embed="rId2">
+              <a:alphaModFix amt="43000"/>
+            </a:blip>
+            <a:tile tx="0" ty="0" sx="50000" sy="50000" flip="none" algn="tl"/>
+          </a:blipFill>
+          <a:ln w="0" cap="flat" cmpd="sng" algn="ctr">
+            <a:noFill/>
+            <a:prstDash val="solid"/>
+          </a:ln>
+          <a:effectLst>
+            <a:fillOverlay blend="mult">
+              <a:gradFill rotWithShape="1">
+                <a:gsLst>
+                  <a:gs pos="0">
+                    <a:schemeClr val="tx2">
+                      <a:tint val="62000"/>
+                      <a:satMod val="420000"/>
+                    </a:schemeClr>
+                  </a:gs>
+                  <a:gs pos="100000">
+                    <a:schemeClr val="tx2">
+                      <a:shade val="20000"/>
+                      <a:satMod val="170000"/>
+                    </a:schemeClr>
+                  </a:gs>
+                </a:gsLst>
+                <a:path path="circle">
+                  <a:fillToRect l="50000" t="100000" r="50000"/>
+                </a:path>
+                <a:tileRect/>
+              </a:gradFill>
+            </a:fillOverlay>
+            <a:innerShdw blurRad="63500" dist="44450" dir="10800000">
+              <a:srgbClr val="000000">
+                <a:alpha val="50000"/>
+              </a:srgbClr>
+            </a:innerShdw>
+          </a:effectLst>
+        </p:spPr>
+        <p:style>
+          <a:lnRef idx="3">
+            <a:schemeClr val="lt1"/>
+          </a:lnRef>
+          <a:fillRef idx="1">
+            <a:schemeClr val="accent1"/>
+          </a:fillRef>
+          <a:effectRef idx="1">
+            <a:schemeClr val="accent1"/>
+          </a:effectRef>
+          <a:fontRef idx="minor">
+            <a:schemeClr val="lt1"/>
+          </a:fontRef>
+        </p:style>
+        <p:txBody>
+          <a:bodyPr anchor="ctr"/>
+          <a:lstStyle>
+            <a:extLst/>
+          </a:lstStyle>
+          <a:p>
+            <a:pPr algn="ctr" eaLnBrk="1" latinLnBrk="0" hangingPunct="1"/>
+            <a:endParaRPr kumimoji="0" lang="en-US"/>
+          </a:p>
+        </p:txBody>
+      </p:sp>
+      <p:sp>
+        <p:nvSpPr>
+          <p:cNvPr id="9" name="Straight Connector 8"/>
+          <p:cNvSpPr>
+            <a:spLocks noChangeShapeType="1"/>
+          </p:cNvSpPr>
+          <p:nvPr/>
+        </p:nvSpPr>
+        <p:spPr bwMode="auto">
+          <a:xfrm rot="16200000">
+            <a:off x="-762000" y="3429000"/>
+            <a:ext cx="6858000" cy="0"/>
+          </a:xfrm>
+          <a:prstGeom prst="line">
+            <a:avLst/>
+          </a:prstGeom>
+          <a:noFill/>
+          <a:ln w="11430" cap="flat" cmpd="sng" algn="ctr">
+            <a:solidFill>
+              <a:schemeClr val="bg1">
+                <a:shade val="95000"/>
+              </a:schemeClr>
+            </a:solidFill>
+            <a:prstDash val="solid"/>
+            <a:miter lim="800000"/>
+            <a:headEnd type="none" w="med" len="med"/>
+            <a:tailEnd type="none" w="med" len="med"/>
+          </a:ln>
+          <a:effectLst/>
+        </p:spPr>
+        <p:txBody>
+          <a:bodyPr vert="horz" wrap="square" lIns="91440" tIns="45720" rIns="91440" bIns="45720" anchor="t" compatLnSpc="1"/>
+          <a:lstStyle>
+            <a:extLst/>
+          </a:lstStyle>
+          <a:p>
+            <a:endParaRPr kumimoji="0" lang="en-US"/>
+          </a:p>
+        </p:txBody>
+      </p:sp>
+      <p:sp>
+        <p:nvSpPr>
+          <p:cNvPr id="12" name="Title 11"/>
           <p:cNvSpPr>
             <a:spLocks noGrp="1"/>
           </p:cNvSpPr>
@@ -145,61 +275,19 @@
         </p:nvSpPr>
         <p:spPr>
           <a:xfrm>
-            <a:off x="422030" y="1371600"/>
-            <a:ext cx="8229600" cy="1828800"/>
+            <a:off x="3366868" y="533400"/>
+            <a:ext cx="5105400" cy="2868168"/>
           </a:xfrm>
         </p:spPr>
         <p:txBody>
-          <a:bodyPr vert="horz" lIns="45720" tIns="0" rIns="45720" bIns="0" anchor="b">
-            <a:normAutofit/>
-            <a:scene3d>
-              <a:camera prst="orthographicFront"/>
-              <a:lightRig rig="soft" dir="t">
-                <a:rot lat="0" lon="0" rev="17220000"/>
-              </a:lightRig>
-            </a:scene3d>
-            <a:sp3d prstMaterial="softEdge">
-              <a:bevelT w="38100" h="38100"/>
-            </a:sp3d>
+          <a:bodyPr lIns="45720" tIns="0" rIns="45720">
+            <a:noAutofit/>
           </a:bodyPr>
           <a:lstStyle>
-            <a:lvl1pPr>
-              <a:defRPr sz="4800" b="1" cap="all" baseline="0">
-                <a:ln w="6350">
-                  <a:noFill/>
-                </a:ln>
-                <a:gradFill>
-                  <a:gsLst>
-                    <a:gs pos="0">
-                      <a:schemeClr val="accent1">
-                        <a:tint val="73000"/>
-                        <a:satMod val="145000"/>
-                      </a:schemeClr>
-                    </a:gs>
-                    <a:gs pos="73000">
-                      <a:schemeClr val="accent1">
-                        <a:tint val="73000"/>
-                        <a:satMod val="145000"/>
-                      </a:schemeClr>
-                    </a:gs>
-                    <a:gs pos="100000">
-                      <a:schemeClr val="accent1">
-                        <a:tint val="83000"/>
-                        <a:satMod val="143000"/>
-                      </a:schemeClr>
-                    </a:gs>
-                  </a:gsLst>
-                  <a:lin ang="4800000" scaled="1"/>
-                </a:gradFill>
-                <a:effectLst>
-                  <a:outerShdw blurRad="127000" dist="200000" dir="2700000" algn="tl" rotWithShape="0">
-                    <a:srgbClr val="000000">
-                      <a:alpha val="30000"/>
-                    </a:srgbClr>
-                  </a:outerShdw>
-                </a:effectLst>
-              </a:defRPr>
+            <a:lvl1pPr algn="r">
+              <a:defRPr sz="4200" b="1"/>
             </a:lvl1pPr>
+            <a:extLst/>
           </a:lstStyle>
           <a:p>
             <a:r>
@@ -212,74 +300,7 @@
       </p:sp>
       <p:sp>
         <p:nvSpPr>
-          <p:cNvPr id="28" name="Date Placeholder 27"/>
-          <p:cNvSpPr>
-            <a:spLocks noGrp="1"/>
-          </p:cNvSpPr>
-          <p:nvPr>
-            <p:ph type="dt" sz="half" idx="10"/>
-          </p:nvPr>
-        </p:nvSpPr>
-        <p:spPr/>
-        <p:txBody>
-          <a:bodyPr/>
-          <a:lstStyle/>
-          <a:p>
-            <a:fld id="{BD1DE68A-3EC6-4755-BF6D-7AA5B70F304A}" type="datetimeFigureOut">
-              <a:rPr lang="en-US" smtClean="0"/>
-              <a:pPr/>
-              <a:t>1/17/2019</a:t>
-            </a:fld>
-            <a:endParaRPr lang="en-US"/>
-          </a:p>
-        </p:txBody>
-      </p:sp>
-      <p:sp>
-        <p:nvSpPr>
-          <p:cNvPr id="17" name="Footer Placeholder 16"/>
-          <p:cNvSpPr>
-            <a:spLocks noGrp="1"/>
-          </p:cNvSpPr>
-          <p:nvPr>
-            <p:ph type="ftr" sz="quarter" idx="11"/>
-          </p:nvPr>
-        </p:nvSpPr>
-        <p:spPr/>
-        <p:txBody>
-          <a:bodyPr/>
-          <a:lstStyle/>
-          <a:p>
-            <a:endParaRPr lang="en-US"/>
-          </a:p>
-        </p:txBody>
-      </p:sp>
-      <p:sp>
-        <p:nvSpPr>
-          <p:cNvPr id="29" name="Slide Number Placeholder 28"/>
-          <p:cNvSpPr>
-            <a:spLocks noGrp="1"/>
-          </p:cNvSpPr>
-          <p:nvPr>
-            <p:ph type="sldNum" sz="quarter" idx="12"/>
-          </p:nvPr>
-        </p:nvSpPr>
-        <p:spPr/>
-        <p:txBody>
-          <a:bodyPr/>
-          <a:lstStyle/>
-          <a:p>
-            <a:fld id="{7200EB88-BA5E-4C42-8EC7-BD2ED3DE0F3C}" type="slidenum">
-              <a:rPr lang="en-US" smtClean="0"/>
-              <a:pPr/>
-              <a:t>‹#›</a:t>
-            </a:fld>
-            <a:endParaRPr lang="en-US"/>
-          </a:p>
-        </p:txBody>
-      </p:sp>
-      <p:sp>
-        <p:nvSpPr>
-          <p:cNvPr id="9" name="Subtitle 8"/>
+          <p:cNvPr id="25" name="Subtitle 24"/>
           <p:cNvSpPr>
             <a:spLocks noGrp="1"/>
           </p:cNvSpPr>
@@ -289,19 +310,20 @@
         </p:nvSpPr>
         <p:spPr>
           <a:xfrm>
-            <a:off x="1371600" y="3331698"/>
-            <a:ext cx="6400800" cy="1752600"/>
+            <a:off x="3354442" y="3539864"/>
+            <a:ext cx="5114778" cy="1101248"/>
           </a:xfrm>
         </p:spPr>
         <p:txBody>
-          <a:bodyPr/>
+          <a:bodyPr lIns="45720" tIns="0" rIns="45720" bIns="0"/>
           <a:lstStyle>
-            <a:lvl1pPr marL="0" indent="0" algn="ctr">
+            <a:lvl1pPr marL="0" indent="0" algn="r">
               <a:buNone/>
-              <a:defRPr>
+              <a:defRPr sz="2200">
                 <a:solidFill>
-                  <a:schemeClr val="tx1"/>
+                  <a:srgbClr val="FFFFFF"/>
                 </a:solidFill>
+                <a:effectLst/>
               </a:defRPr>
             </a:lvl1pPr>
             <a:lvl2pPr marL="457200" indent="0" algn="ctr">
@@ -328,6 +350,7 @@
             <a:lvl9pPr marL="3657600" indent="0" algn="ctr">
               <a:buNone/>
             </a:lvl9pPr>
+            <a:extLst/>
           </a:lstStyle>
           <a:p>
             <a:r>
@@ -335,13 +358,122 @@
               <a:t>Click to edit Master subtitle style</a:t>
             </a:r>
             <a:endParaRPr kumimoji="0" lang="en-US"/>
+          </a:p>
+        </p:txBody>
+      </p:sp>
+      <p:sp>
+        <p:nvSpPr>
+          <p:cNvPr id="31" name="Date Placeholder 30"/>
+          <p:cNvSpPr>
+            <a:spLocks noGrp="1"/>
+          </p:cNvSpPr>
+          <p:nvPr>
+            <p:ph type="dt" sz="half" idx="10"/>
+          </p:nvPr>
+        </p:nvSpPr>
+        <p:spPr>
+          <a:xfrm>
+            <a:off x="5871224" y="6557946"/>
+            <a:ext cx="2002464" cy="226902"/>
+          </a:xfrm>
+        </p:spPr>
+        <p:txBody>
+          <a:bodyPr/>
+          <a:lstStyle>
+            <a:lvl1pPr>
+              <a:defRPr lang="en-US" smtClean="0">
+                <a:solidFill>
+                  <a:srgbClr val="FFFFFF"/>
+                </a:solidFill>
+              </a:defRPr>
+            </a:lvl1pPr>
+            <a:extLst/>
+          </a:lstStyle>
+          <a:p>
+            <a:fld id="{BD1DE68A-3EC6-4755-BF6D-7AA5B70F304A}" type="datetimeFigureOut">
+              <a:rPr lang="en-US" smtClean="0"/>
+              <a:pPr/>
+              <a:t>1/17/2019</a:t>
+            </a:fld>
+            <a:endParaRPr lang="en-US"/>
+          </a:p>
+        </p:txBody>
+      </p:sp>
+      <p:sp>
+        <p:nvSpPr>
+          <p:cNvPr id="18" name="Footer Placeholder 17"/>
+          <p:cNvSpPr>
+            <a:spLocks noGrp="1"/>
+          </p:cNvSpPr>
+          <p:nvPr>
+            <p:ph type="ftr" sz="quarter" idx="11"/>
+          </p:nvPr>
+        </p:nvSpPr>
+        <p:spPr>
+          <a:xfrm>
+            <a:off x="2819400" y="6557946"/>
+            <a:ext cx="2927722" cy="228600"/>
+          </a:xfrm>
+        </p:spPr>
+        <p:txBody>
+          <a:bodyPr/>
+          <a:lstStyle>
+            <a:lvl1pPr>
+              <a:defRPr lang="en-US" dirty="0">
+                <a:solidFill>
+                  <a:srgbClr val="FFFFFF"/>
+                </a:solidFill>
+              </a:defRPr>
+            </a:lvl1pPr>
+            <a:extLst/>
+          </a:lstStyle>
+          <a:p>
+            <a:endParaRPr lang="en-US"/>
+          </a:p>
+        </p:txBody>
+      </p:sp>
+      <p:sp>
+        <p:nvSpPr>
+          <p:cNvPr id="29" name="Slide Number Placeholder 28"/>
+          <p:cNvSpPr>
+            <a:spLocks noGrp="1"/>
+          </p:cNvSpPr>
+          <p:nvPr>
+            <p:ph type="sldNum" sz="quarter" idx="12"/>
+          </p:nvPr>
+        </p:nvSpPr>
+        <p:spPr>
+          <a:xfrm>
+            <a:off x="7880884" y="6556248"/>
+            <a:ext cx="588336" cy="228600"/>
+          </a:xfrm>
+        </p:spPr>
+        <p:txBody>
+          <a:bodyPr/>
+          <a:lstStyle>
+            <a:lvl1pPr>
+              <a:defRPr lang="en-US" smtClean="0">
+                <a:solidFill>
+                  <a:srgbClr val="FFFFFF"/>
+                </a:solidFill>
+              </a:defRPr>
+            </a:lvl1pPr>
+            <a:extLst/>
+          </a:lstStyle>
+          <a:p>
+            <a:fld id="{7200EB88-BA5E-4C42-8EC7-BD2ED3DE0F3C}" type="slidenum">
+              <a:rPr lang="en-US" smtClean="0"/>
+              <a:pPr/>
+              <a:t>‹#›</a:t>
+            </a:fld>
+            <a:endParaRPr lang="en-US"/>
           </a:p>
         </p:txBody>
       </p:sp>
     </p:spTree>
   </p:cSld>
   <p:clrMapOvr>
-    <a:masterClrMapping/>
+    <a:overrideClrMapping bg1="lt1" tx1="dk1" bg2="lt2" tx2="dk2" accent1="accent1" accent2="accent2" accent3="accent3" accent4="accent4" accent5="accent5" accent6="accent6" hlink="hlink" folHlink="folHlink"/>
   </p:clrMapOvr>
 </p:sldLayout>
 </file>
@@ -376,7 +508,9 @@
         <p:spPr/>
         <p:txBody>
           <a:bodyPr/>
-          <a:lstStyle/>
+          <a:lstStyle>
+            <a:extLst/>
+          </a:lstStyle>
           <a:p>
             <a:r>
               <a:rPr kumimoji="0" lang="en-US" smtClean="0"/>
@@ -399,7 +533,9 @@
         <p:spPr/>
         <p:txBody>
           <a:bodyPr vert="eaVert"/>
-          <a:lstStyle/>
+          <a:lstStyle>
+            <a:extLst/>
+          </a:lstStyle>
           <a:p>
             <a:pPr lvl="0" eaLnBrk="1" latinLnBrk="0" hangingPunct="1"/>
             <a:r>
@@ -451,7 +587,9 @@
         <p:spPr/>
         <p:txBody>
           <a:bodyPr/>
-          <a:lstStyle/>
+          <a:lstStyle>
+            <a:extLst/>
+          </a:lstStyle>
           <a:p>
             <a:fld id="{BD1DE68A-3EC6-4755-BF6D-7AA5B70F304A}" type="datetimeFigureOut">
               <a:rPr lang="en-US" smtClean="0"/>
@@ -475,7 +613,9 @@
         <p:spPr/>
         <p:txBody>
           <a:bodyPr/>
-          <a:lstStyle/>
+          <a:lstStyle>
+            <a:extLst/>
+          </a:lstStyle>
           <a:p>
             <a:endParaRPr lang="en-US"/>
           </a:p>
@@ -494,7 +634,9 @@
         <p:spPr/>
         <p:txBody>
           <a:bodyPr/>
-          <a:lstStyle/>
+          <a:lstStyle>
+            <a:extLst/>
+          </a:lstStyle>
           <a:p>
             <a:fld id="{7200EB88-BA5E-4C42-8EC7-BD2ED3DE0F3C}" type="slidenum">
               <a:rPr lang="en-US" smtClean="0"/>
@@ -542,13 +684,15 @@
         </p:nvSpPr>
         <p:spPr>
           <a:xfrm>
-            <a:off x="6629401" y="274640"/>
-            <a:ext cx="2057400" cy="5851525"/>
+            <a:off x="6553200" y="274955"/>
+            <a:ext cx="1524000" cy="5851525"/>
           </a:xfrm>
         </p:spPr>
         <p:txBody>
-          <a:bodyPr vert="eaVert"/>
-          <a:lstStyle/>
+          <a:bodyPr vert="eaVert" anchor="t"/>
+          <a:lstStyle>
+            <a:extLst/>
+          </a:lstStyle>
           <a:p>
             <a:r>
               <a:rPr kumimoji="0" lang="en-US" smtClean="0"/>
@@ -570,13 +714,15 @@
         </p:nvSpPr>
         <p:spPr>
           <a:xfrm>
-            <a:off x="457200" y="274640"/>
+            <a:off x="457200" y="274642"/>
             <a:ext cx="6019800" cy="5851525"/>
           </a:xfrm>
         </p:spPr>
         <p:txBody>
           <a:bodyPr vert="eaVert"/>
-          <a:lstStyle/>
+          <a:lstStyle>
+            <a:extLst/>
+          </a:lstStyle>
           <a:p>
             <a:pPr lvl="0" eaLnBrk="1" latinLnBrk="0" hangingPunct="1"/>
             <a:r>
@@ -625,10 +771,17 @@
             <p:ph type="dt" sz="half" idx="10"/>
           </p:nvPr>
         </p:nvSpPr>
-        <p:spPr/>
+        <p:spPr>
+          <a:xfrm>
+            <a:off x="4242816" y="6557946"/>
+            <a:ext cx="2002464" cy="226902"/>
+          </a:xfrm>
+        </p:spPr>
         <p:txBody>
           <a:bodyPr/>
-          <a:lstStyle/>
+          <a:lstStyle>
+            <a:extLst/>
+          </a:lstStyle>
           <a:p>
             <a:fld id="{BD1DE68A-3EC6-4755-BF6D-7AA5B70F304A}" type="datetimeFigureOut">
               <a:rPr lang="en-US" smtClean="0"/>
@@ -649,10 +802,17 @@
             <p:ph type="ftr" sz="quarter" idx="11"/>
           </p:nvPr>
         </p:nvSpPr>
-        <p:spPr/>
+        <p:spPr>
+          <a:xfrm>
+            <a:off x="457200" y="6556248"/>
+            <a:ext cx="3657600" cy="228600"/>
+          </a:xfrm>
+        </p:spPr>
         <p:txBody>
           <a:bodyPr/>
-          <a:lstStyle/>
+          <a:lstStyle>
+            <a:extLst/>
+          </a:lstStyle>
           <a:p>
             <a:endParaRPr lang="en-US"/>
           </a:p>
@@ -668,10 +828,24 @@
             <p:ph type="sldNum" sz="quarter" idx="12"/>
           </p:nvPr>
         </p:nvSpPr>
-        <p:spPr/>
+        <p:spPr>
+          <a:xfrm>
+            <a:off x="6254496" y="6553200"/>
+            <a:ext cx="588336" cy="228600"/>
+          </a:xfrm>
+        </p:spPr>
         <p:txBody>
           <a:bodyPr/>
-          <a:lstStyle/>
+          <a:lstStyle>
+            <a:lvl1pPr>
+              <a:defRPr>
+                <a:solidFill>
+                  <a:schemeClr val="tx2"/>
+                </a:solidFill>
+              </a:defRPr>
+            </a:lvl1pPr>
+            <a:extLst/>
+          </a:lstStyle>
           <a:p>
             <a:fld id="{7200EB88-BA5E-4C42-8EC7-BD2ED3DE0F3C}" type="slidenum">
               <a:rPr lang="en-US" smtClean="0"/>
@@ -720,7 +894,9 @@
         <p:spPr/>
         <p:txBody>
           <a:bodyPr/>
-          <a:lstStyle/>
+          <a:lstStyle>
+            <a:extLst/>
+          </a:lstStyle>
           <a:p>
             <a:r>
               <a:rPr kumimoji="0" lang="en-US" smtClean="0"/>
@@ -743,7 +919,9 @@
         <p:spPr/>
         <p:txBody>
           <a:bodyPr/>
-          <a:lstStyle/>
+          <a:lstStyle>
+            <a:extLst/>
+          </a:lstStyle>
           <a:p>
             <a:pPr lvl="0" eaLnBrk="1" latinLnBrk="0" hangingPunct="1"/>
             <a:r>
@@ -795,7 +973,9 @@
         <p:spPr/>
         <p:txBody>
           <a:bodyPr/>
-          <a:lstStyle/>
+          <a:lstStyle>
+            <a:extLst/>
+          </a:lstStyle>
           <a:p>
             <a:fld id="{BD1DE68A-3EC6-4755-BF6D-7AA5B70F304A}" type="datetimeFigureOut">
               <a:rPr lang="en-US" smtClean="0"/>
@@ -819,7 +999,9 @@
         <p:spPr/>
         <p:txBody>
           <a:bodyPr/>
-          <a:lstStyle/>
+          <a:lstStyle>
+            <a:extLst/>
+          </a:lstStyle>
           <a:p>
             <a:endParaRPr lang="en-US"/>
           </a:p>
@@ -838,7 +1020,9 @@
         <p:spPr/>
         <p:txBody>
           <a:bodyPr/>
-          <a:lstStyle/>
+          <a:lstStyle>
+            <a:extLst/>
+          </a:lstStyle>
           <a:p>
             <a:fld id="{7200EB88-BA5E-4C42-8EC7-BD2ED3DE0F3C}" type="slidenum">
               <a:rPr lang="en-US" smtClean="0"/>
@@ -861,8 +1045,8 @@
 <p:sldLayout xmlns:a="http://schemas.openxmlformats.org/drawingml/2006/main" xmlns:r="http://schemas.openxmlformats.org/officeDocument/2006/relationships" xmlns:p="http://schemas.openxmlformats.org/presentationml/2006/main" type="secHead" preserve="1">
   <p:cSld name="Section Header">
     <p:bg>
-      <p:bgRef idx="1003">
-        <a:schemeClr val="bg2"/>
+      <p:bgRef idx="1001">
+        <a:schemeClr val="bg1"/>
       </p:bgRef>
     </p:bg>
     <p:spTree>
@@ -891,56 +1075,18 @@
         </p:nvSpPr>
         <p:spPr>
           <a:xfrm>
-            <a:off x="1600200" y="609600"/>
-            <a:ext cx="7086600" cy="1828800"/>
+            <a:off x="1066800" y="2821837"/>
+            <a:ext cx="6255488" cy="1362075"/>
           </a:xfrm>
         </p:spPr>
         <p:txBody>
-          <a:bodyPr vert="horz" bIns="0" anchor="b">
-            <a:noAutofit/>
-            <a:scene3d>
-              <a:camera prst="orthographicFront"/>
-              <a:lightRig rig="soft" dir="t">
-                <a:rot lat="0" lon="0" rev="17220000"/>
-              </a:lightRig>
-            </a:scene3d>
-            <a:sp3d prstMaterial="softEdge">
-              <a:bevelT w="38100" h="38100"/>
-              <a:contourClr>
-                <a:schemeClr val="tx2">
-                  <a:shade val="50000"/>
-                </a:schemeClr>
-              </a:contourClr>
-            </a:sp3d>
-          </a:bodyPr>
+          <a:bodyPr tIns="0" anchor="t"/>
           <a:lstStyle>
-            <a:lvl1pPr algn="l" rtl="0">
-              <a:spcBef>
-                <a:spcPct val="0"/>
-              </a:spcBef>
+            <a:lvl1pPr algn="r">
               <a:buNone/>
-              <a:defRPr sz="4800" b="1" cap="none" baseline="0">
-                <a:ln w="6350">
-                  <a:noFill/>
-                </a:ln>
-                <a:solidFill>
-                  <a:schemeClr val="accent1">
-                    <a:tint val="90000"/>
-                    <a:satMod val="120000"/>
-                  </a:schemeClr>
-                </a:solidFill>
-                <a:effectLst>
-                  <a:outerShdw blurRad="114300" dist="101600" dir="2700000" algn="tl" rotWithShape="0">
-                    <a:srgbClr val="000000">
-                      <a:alpha val="40000"/>
-                    </a:srgbClr>
-                  </a:outerShdw>
-                </a:effectLst>
-                <a:latin typeface="+mj-lt"/>
-                <a:ea typeface="+mj-ea"/>
-                <a:cs typeface="+mj-cs"/>
-              </a:defRPr>
+              <a:defRPr sz="4200" b="1" cap="all"/>
             </a:lvl1pPr>
+            <a:extLst/>
           </a:lstStyle>
           <a:p>
             <a:r>
@@ -963,19 +1109,20 @@
         </p:nvSpPr>
         <p:spPr>
           <a:xfrm>
-            <a:off x="1600200" y="2507786"/>
-            <a:ext cx="7086600" cy="1509712"/>
+            <a:off x="1066800" y="1905000"/>
+            <a:ext cx="6255488" cy="743507"/>
           </a:xfrm>
         </p:spPr>
         <p:txBody>
-          <a:bodyPr anchor="t"/>
+          <a:bodyPr anchor="b"/>
           <a:lstStyle>
-            <a:lvl1pPr marL="73152" indent="0" algn="l">
+            <a:lvl1pPr marL="0" indent="0" algn="r">
               <a:buNone/>
               <a:defRPr sz="2000">
                 <a:solidFill>
                   <a:schemeClr val="tx1"/>
                 </a:solidFill>
+                <a:effectLst/>
               </a:defRPr>
             </a:lvl1pPr>
             <a:lvl2pPr>
@@ -1018,6 +1165,7 @@
                 </a:solidFill>
               </a:defRPr>
             </a:lvl5pPr>
+            <a:extLst/>
           </a:lstStyle>
           <a:p>
             <a:pPr lvl="0" eaLnBrk="1" latinLnBrk="0" hangingPunct="1"/>
@@ -1038,10 +1186,24 @@
             <p:ph type="dt" sz="half" idx="10"/>
           </p:nvPr>
         </p:nvSpPr>
-        <p:spPr/>
-        <p:txBody>
-          <a:bodyPr/>
-          <a:lstStyle/>
+        <p:spPr>
+          <a:xfrm>
+            <a:off x="4724238" y="6556810"/>
+            <a:ext cx="2002464" cy="226902"/>
+          </a:xfrm>
+        </p:spPr>
+        <p:txBody>
+          <a:bodyPr bIns="0" anchor="b"/>
+          <a:lstStyle>
+            <a:lvl1pPr>
+              <a:defRPr>
+                <a:solidFill>
+                  <a:schemeClr val="tx2"/>
+                </a:solidFill>
+              </a:defRPr>
+            </a:lvl1pPr>
+            <a:extLst/>
+          </a:lstStyle>
           <a:p>
             <a:fld id="{BD1DE68A-3EC6-4755-BF6D-7AA5B70F304A}" type="datetimeFigureOut">
               <a:rPr lang="en-US" smtClean="0"/>
@@ -1062,34 +1224,50 @@
             <p:ph type="ftr" sz="quarter" idx="11"/>
           </p:nvPr>
         </p:nvSpPr>
-        <p:spPr/>
-        <p:txBody>
-          <a:bodyPr/>
-          <a:lstStyle/>
-          <a:p>
-            <a:endParaRPr lang="en-US"/>
-          </a:p>
-        </p:txBody>
-      </p:sp>
-      <p:sp>
-        <p:nvSpPr>
-          <p:cNvPr id="6" name="Slide Number Placeholder 5"/>
-          <p:cNvSpPr>
-            <a:spLocks noGrp="1"/>
-          </p:cNvSpPr>
-          <p:nvPr>
-            <p:ph type="sldNum" sz="quarter" idx="12"/>
-          </p:nvPr>
-        </p:nvSpPr>
         <p:spPr>
           <a:xfrm>
-            <a:off x="7924801" y="6416677"/>
-            <a:ext cx="762000" cy="365125"/>
+            <a:off x="1735358" y="6556810"/>
+            <a:ext cx="2895600" cy="228600"/>
           </a:xfrm>
         </p:spPr>
         <p:txBody>
+          <a:bodyPr bIns="0" anchor="b"/>
+          <a:lstStyle>
+            <a:lvl1pPr>
+              <a:defRPr>
+                <a:solidFill>
+                  <a:schemeClr val="tx2"/>
+                </a:solidFill>
+              </a:defRPr>
+            </a:lvl1pPr>
+            <a:extLst/>
+          </a:lstStyle>
+          <a:p>
+            <a:endParaRPr lang="en-US"/>
+          </a:p>
+        </p:txBody>
+      </p:sp>
+      <p:sp>
+        <p:nvSpPr>
+          <p:cNvPr id="6" name="Slide Number Placeholder 5"/>
+          <p:cNvSpPr>
+            <a:spLocks noGrp="1"/>
+          </p:cNvSpPr>
+          <p:nvPr>
+            <p:ph type="sldNum" sz="quarter" idx="12"/>
+          </p:nvPr>
+        </p:nvSpPr>
+        <p:spPr>
+          <a:xfrm>
+            <a:off x="6733952" y="6555112"/>
+            <a:ext cx="588336" cy="228600"/>
+          </a:xfrm>
+        </p:spPr>
+        <p:txBody>
           <a:bodyPr/>
-          <a:lstStyle/>
+          <a:lstStyle>
+            <a:extLst/>
+          </a:lstStyle>
           <a:p>
             <a:fld id="{7200EB88-BA5E-4C42-8EC7-BD2ED3DE0F3C}" type="slidenum">
               <a:rPr lang="en-US" smtClean="0"/>
@@ -1103,7 +1281,7 @@
     </p:spTree>
   </p:cSld>
   <p:clrMapOvr>
-    <a:overrideClrMapping bg1="dk1" tx1="lt1" bg2="dk2" tx2="lt2" accent1="accent1" accent2="accent2" accent3="accent3" accent4="accent4" accent5="accent5" accent6="accent6" hlink="hlink" folHlink="folHlink"/>
+    <a:overrideClrMapping bg1="lt1" tx1="dk1" bg2="lt2" tx2="dk2" accent1="accent1" accent2="accent2" accent3="accent3" accent4="accent4" accent5="accent5" accent6="accent6" hlink="hlink" folHlink="folHlink"/>
   </p:clrMapOvr>
 </p:sldLayout>
 </file>
@@ -1135,10 +1313,17 @@
             <p:ph type="title"/>
           </p:nvPr>
         </p:nvSpPr>
-        <p:spPr/>
+        <p:spPr>
+          <a:xfrm>
+            <a:off x="457200" y="320040"/>
+            <a:ext cx="7242048" cy="1143000"/>
+          </a:xfrm>
+        </p:spPr>
         <p:txBody>
           <a:bodyPr/>
-          <a:lstStyle/>
+          <a:lstStyle>
+            <a:extLst/>
+          </a:lstStyle>
           <a:p>
             <a:r>
               <a:rPr kumimoji="0" lang="en-US" smtClean="0"/>
@@ -1160,15 +1345,15 @@
         </p:nvSpPr>
         <p:spPr>
           <a:xfrm>
-            <a:off x="457200" y="1600202"/>
-            <a:ext cx="4038600" cy="4525963"/>
+            <a:off x="457200" y="1600200"/>
+            <a:ext cx="3520440" cy="4525963"/>
           </a:xfrm>
         </p:spPr>
         <p:txBody>
-          <a:bodyPr/>
+          <a:bodyPr anchor="t"/>
           <a:lstStyle>
             <a:lvl1pPr>
-              <a:defRPr sz="2600"/>
+              <a:defRPr sz="2800"/>
             </a:lvl1pPr>
             <a:lvl2pPr>
               <a:defRPr sz="2400"/>
@@ -1182,6 +1367,7 @@
             <a:lvl5pPr>
               <a:defRPr sz="1800"/>
             </a:lvl5pPr>
+            <a:extLst/>
           </a:lstStyle>
           <a:p>
             <a:pPr lvl="0" eaLnBrk="1" latinLnBrk="0" hangingPunct="1"/>
@@ -1233,15 +1419,15 @@
         </p:nvSpPr>
         <p:spPr>
           <a:xfrm>
-            <a:off x="4648200" y="1600202"/>
-            <a:ext cx="4038600" cy="4525963"/>
+            <a:off x="4178808" y="1600200"/>
+            <a:ext cx="3520440" cy="4525963"/>
           </a:xfrm>
         </p:spPr>
         <p:txBody>
-          <a:bodyPr/>
+          <a:bodyPr anchor="t"/>
           <a:lstStyle>
             <a:lvl1pPr>
-              <a:defRPr sz="2600"/>
+              <a:defRPr sz="2800"/>
             </a:lvl1pPr>
             <a:lvl2pPr>
               <a:defRPr sz="2400"/>
@@ -1255,6 +1441,7 @@
             <a:lvl5pPr>
               <a:defRPr sz="1800"/>
             </a:lvl5pPr>
+            <a:extLst/>
           </a:lstStyle>
           <a:p>
             <a:pPr lvl="0" eaLnBrk="1" latinLnBrk="0" hangingPunct="1"/>
@@ -1307,7 +1494,9 @@
         <p:spPr/>
         <p:txBody>
           <a:bodyPr/>
-          <a:lstStyle/>
+          <a:lstStyle>
+            <a:extLst/>
+          </a:lstStyle>
           <a:p>
             <a:fld id="{BD1DE68A-3EC6-4755-BF6D-7AA5B70F304A}" type="datetimeFigureOut">
               <a:rPr lang="en-US" smtClean="0"/>
@@ -1331,7 +1520,9 @@
         <p:spPr/>
         <p:txBody>
           <a:bodyPr/>
-          <a:lstStyle/>
+          <a:lstStyle>
+            <a:extLst/>
+          </a:lstStyle>
           <a:p>
             <a:endParaRPr lang="en-US"/>
           </a:p>
@@ -1350,7 +1541,9 @@
         <p:spPr/>
         <p:txBody>
           <a:bodyPr/>
-          <a:lstStyle/>
+          <a:lstStyle>
+            <a:extLst/>
+          </a:lstStyle>
           <a:p>
             <a:fld id="{7200EB88-BA5E-4C42-8EC7-BD2ED3DE0F3C}" type="slidenum">
               <a:rPr lang="en-US" smtClean="0"/>
@@ -1398,16 +1591,17 @@
         </p:nvSpPr>
         <p:spPr>
           <a:xfrm>
-            <a:off x="457200" y="273050"/>
-            <a:ext cx="8229600" cy="1143000"/>
+            <a:off x="457200" y="320040"/>
+            <a:ext cx="7242048" cy="1143000"/>
           </a:xfrm>
         </p:spPr>
         <p:txBody>
-          <a:bodyPr anchor="ctr"/>
+          <a:bodyPr anchor="b"/>
           <a:lstStyle>
             <a:lvl1pPr>
               <a:defRPr/>
             </a:lvl1pPr>
+            <a:extLst/>
           </a:lstStyle>
           <a:p>
             <a:r>
@@ -1430,19 +1624,42 @@
         </p:nvSpPr>
         <p:spPr>
           <a:xfrm>
-            <a:off x="457200" y="1535113"/>
-            <a:ext cx="4040188" cy="750887"/>
+            <a:off x="457200" y="5867400"/>
+            <a:ext cx="3520440" cy="457200"/>
           </a:xfrm>
+          <a:noFill/>
+          <a:ln w="12700" cap="flat" cmpd="sng" algn="ctr">
+            <a:solidFill>
+              <a:schemeClr val="tx2"/>
+            </a:solidFill>
+            <a:prstDash val="solid"/>
+          </a:ln>
+          <a:effectLst/>
         </p:spPr>
+        <p:style>
+          <a:lnRef idx="1">
+            <a:schemeClr val="accent1"/>
+          </a:lnRef>
+          <a:fillRef idx="3">
+            <a:schemeClr val="accent1"/>
+          </a:fillRef>
+          <a:effectRef idx="2">
+            <a:schemeClr val="accent1"/>
+          </a:effectRef>
+          <a:fontRef idx="minor">
+            <a:schemeClr val="lt1"/>
+          </a:fontRef>
+        </p:style>
         <p:txBody>
           <a:bodyPr anchor="ctr"/>
           <a:lstStyle>
-            <a:lvl1pPr marL="0" indent="0">
+            <a:lvl1pPr marL="0" indent="0" algn="ctr">
               <a:buNone/>
-              <a:defRPr sz="2400" b="0" cap="all" baseline="0">
+              <a:defRPr sz="1800" b="1">
                 <a:solidFill>
-                  <a:schemeClr val="tx1"/>
+                  <a:schemeClr val="tx2"/>
                 </a:solidFill>
+                <a:effectLst/>
               </a:defRPr>
             </a:lvl1pPr>
             <a:lvl2pPr>
@@ -1461,6 +1678,7 @@
               <a:buNone/>
               <a:defRPr sz="1600" b="1"/>
             </a:lvl5pPr>
+            <a:extLst/>
           </a:lstStyle>
           <a:p>
             <a:pPr lvl="0" eaLnBrk="1" latinLnBrk="0" hangingPunct="1"/>
@@ -1483,19 +1701,42 @@
         </p:nvSpPr>
         <p:spPr>
           <a:xfrm>
-            <a:off x="4645025" y="1535113"/>
-            <a:ext cx="4041775" cy="750887"/>
+            <a:off x="4178808" y="5867400"/>
+            <a:ext cx="3520440" cy="457200"/>
           </a:xfrm>
+          <a:noFill/>
+          <a:ln w="12700" cap="flat" cmpd="sng" algn="ctr">
+            <a:solidFill>
+              <a:schemeClr val="tx2"/>
+            </a:solidFill>
+            <a:prstDash val="solid"/>
+          </a:ln>
+          <a:effectLst/>
         </p:spPr>
+        <p:style>
+          <a:lnRef idx="1">
+            <a:schemeClr val="accent2"/>
+          </a:lnRef>
+          <a:fillRef idx="3">
+            <a:schemeClr val="accent2"/>
+          </a:fillRef>
+          <a:effectRef idx="2">
+            <a:schemeClr val="accent2"/>
+          </a:effectRef>
+          <a:fontRef idx="minor">
+            <a:schemeClr val="lt1"/>
+          </a:fontRef>
+        </p:style>
         <p:txBody>
           <a:bodyPr anchor="ctr"/>
           <a:lstStyle>
-            <a:lvl1pPr marL="0" indent="0">
+            <a:lvl1pPr marL="0" indent="0" algn="ctr">
               <a:buNone/>
-              <a:defRPr sz="2400" b="0" cap="all" baseline="0">
+              <a:defRPr sz="1800" b="1">
                 <a:solidFill>
-                  <a:schemeClr val="tx1"/>
+                  <a:schemeClr val="tx2"/>
                 </a:solidFill>
+                <a:effectLst/>
               </a:defRPr>
             </a:lvl1pPr>
             <a:lvl2pPr>
@@ -1514,6 +1755,7 @@
               <a:buNone/>
               <a:defRPr sz="1600" b="1"/>
             </a:lvl5pPr>
+            <a:extLst/>
           </a:lstStyle>
           <a:p>
             <a:pPr lvl="0" eaLnBrk="1" latinLnBrk="0" hangingPunct="1"/>
@@ -1536,8 +1778,8 @@
         </p:nvSpPr>
         <p:spPr>
           <a:xfrm>
-            <a:off x="457200" y="2362202"/>
-            <a:ext cx="4040188" cy="3763963"/>
+            <a:off x="457200" y="1711840"/>
+            <a:ext cx="3520440" cy="4114800"/>
           </a:xfrm>
         </p:spPr>
         <p:txBody>
@@ -1558,6 +1800,7 @@
             <a:lvl5pPr>
               <a:defRPr sz="1600"/>
             </a:lvl5pPr>
+            <a:extLst/>
           </a:lstStyle>
           <a:p>
             <a:pPr lvl="0" eaLnBrk="1" latinLnBrk="0" hangingPunct="1"/>
@@ -1609,8 +1852,8 @@
         </p:nvSpPr>
         <p:spPr>
           <a:xfrm>
-            <a:off x="4645025" y="2362202"/>
-            <a:ext cx="4041775" cy="3763963"/>
+            <a:off x="4178808" y="1711840"/>
+            <a:ext cx="3520440" cy="4114800"/>
           </a:xfrm>
         </p:spPr>
         <p:txBody>
@@ -1631,6 +1874,7 @@
             <a:lvl5pPr>
               <a:defRPr sz="1600"/>
             </a:lvl5pPr>
+            <a:extLst/>
           </a:lstStyle>
           <a:p>
             <a:pPr lvl="0" eaLnBrk="1" latinLnBrk="0" hangingPunct="1"/>
@@ -1683,7 +1927,9 @@
         <p:spPr/>
         <p:txBody>
           <a:bodyPr/>
-          <a:lstStyle/>
+          <a:lstStyle>
+            <a:extLst/>
+          </a:lstStyle>
           <a:p>
             <a:fld id="{BD1DE68A-3EC6-4755-BF6D-7AA5B70F304A}" type="datetimeFigureOut">
               <a:rPr lang="en-US" smtClean="0"/>
@@ -1707,7 +1953,9 @@
         <p:spPr/>
         <p:txBody>
           <a:bodyPr/>
-          <a:lstStyle/>
+          <a:lstStyle>
+            <a:extLst/>
+          </a:lstStyle>
           <a:p>
             <a:endParaRPr lang="en-US"/>
           </a:p>
@@ -1726,7 +1974,9 @@
         <p:spPr/>
         <p:txBody>
           <a:bodyPr/>
-          <a:lstStyle/>
+          <a:lstStyle>
+            <a:extLst/>
+          </a:lstStyle>
           <a:p>
             <a:fld id="{7200EB88-BA5E-4C42-8EC7-BD2ED3DE0F3C}" type="slidenum">
               <a:rPr lang="en-US" smtClean="0"/>
@@ -1772,10 +2022,17 @@
             <p:ph type="title"/>
           </p:nvPr>
         </p:nvSpPr>
-        <p:spPr/>
+        <p:spPr>
+          <a:xfrm>
+            <a:off x="457200" y="320040"/>
+            <a:ext cx="7242048" cy="1143000"/>
+          </a:xfrm>
+        </p:spPr>
         <p:txBody>
           <a:bodyPr/>
-          <a:lstStyle/>
+          <a:lstStyle>
+            <a:extLst/>
+          </a:lstStyle>
           <a:p>
             <a:r>
               <a:rPr kumimoji="0" lang="en-US" smtClean="0"/>
@@ -1798,7 +2055,9 @@
         <p:spPr/>
         <p:txBody>
           <a:bodyPr/>
-          <a:lstStyle/>
+          <a:lstStyle>
+            <a:extLst/>
+          </a:lstStyle>
           <a:p>
             <a:fld id="{BD1DE68A-3EC6-4755-BF6D-7AA5B70F304A}" type="datetimeFigureOut">
               <a:rPr lang="en-US" smtClean="0"/>
@@ -1822,7 +2081,9 @@
         <p:spPr/>
         <p:txBody>
           <a:bodyPr/>
-          <a:lstStyle/>
+          <a:lstStyle>
+            <a:extLst/>
+          </a:lstStyle>
           <a:p>
             <a:endParaRPr lang="en-US"/>
           </a:p>
@@ -1841,7 +2102,9 @@
         <p:spPr/>
         <p:txBody>
           <a:bodyPr/>
-          <a:lstStyle/>
+          <a:lstStyle>
+            <a:extLst/>
+          </a:lstStyle>
           <a:p>
             <a:fld id="{7200EB88-BA5E-4C42-8EC7-BD2ED3DE0F3C}" type="slidenum">
               <a:rPr lang="en-US" smtClean="0"/>
@@ -1890,7 +2153,16 @@
         <p:spPr/>
         <p:txBody>
           <a:bodyPr/>
-          <a:lstStyle/>
+          <a:lstStyle>
+            <a:lvl1pPr>
+              <a:defRPr>
+                <a:solidFill>
+                  <a:schemeClr val="tx2"/>
+                </a:solidFill>
+              </a:defRPr>
+            </a:lvl1pPr>
+            <a:extLst/>
+          </a:lstStyle>
           <a:p>
             <a:fld id="{BD1DE68A-3EC6-4755-BF6D-7AA5B70F304A}" type="datetimeFigureOut">
               <a:rPr lang="en-US" smtClean="0"/>
@@ -1914,7 +2186,16 @@
         <p:spPr/>
         <p:txBody>
           <a:bodyPr/>
-          <a:lstStyle/>
+          <a:lstStyle>
+            <a:lvl1pPr>
+              <a:defRPr>
+                <a:solidFill>
+                  <a:schemeClr val="tx2"/>
+                </a:solidFill>
+              </a:defRPr>
+            </a:lvl1pPr>
+            <a:extLst/>
+          </a:lstStyle>
           <a:p>
             <a:endParaRPr lang="en-US"/>
           </a:p>
@@ -1933,7 +2214,9 @@
         <p:spPr/>
         <p:txBody>
           <a:bodyPr/>
-          <a:lstStyle/>
+          <a:lstStyle>
+            <a:extLst/>
+          </a:lstStyle>
           <a:p>
             <a:fld id="{7200EB88-BA5E-4C42-8EC7-BD2ED3DE0F3C}" type="slidenum">
               <a:rPr lang="en-US" smtClean="0"/>
@@ -1981,30 +2264,18 @@
         </p:nvSpPr>
         <p:spPr>
           <a:xfrm>
-            <a:off x="457201" y="273050"/>
-            <a:ext cx="3008313" cy="1162050"/>
+            <a:off x="457200" y="228600"/>
+            <a:ext cx="5897880" cy="1173480"/>
           </a:xfrm>
         </p:spPr>
         <p:txBody>
-          <a:bodyPr vert="horz" anchor="b">
-            <a:normAutofit/>
-            <a:sp3d prstMaterial="softEdge"/>
-          </a:bodyPr>
+          <a:bodyPr wrap="square" anchor="b"/>
           <a:lstStyle>
             <a:lvl1pPr algn="l">
               <a:buNone/>
-              <a:defRPr sz="2200" b="0">
-                <a:ln w="6350">
-                  <a:noFill/>
-                </a:ln>
-                <a:solidFill>
-                  <a:schemeClr val="accent1">
-                    <a:tint val="73000"/>
-                    <a:satMod val="180000"/>
-                  </a:schemeClr>
-                </a:solidFill>
-              </a:defRPr>
+              <a:defRPr lang="en-US" sz="2400" baseline="0" smtClean="0"/>
             </a:lvl1pPr>
+            <a:extLst/>
           </a:lstStyle>
           <a:p>
             <a:r>
@@ -2027,14 +2298,22 @@
         </p:nvSpPr>
         <p:spPr>
           <a:xfrm>
-            <a:off x="457201" y="1524002"/>
-            <a:ext cx="3008313" cy="4602163"/>
+            <a:off x="457200" y="1497416"/>
+            <a:ext cx="5897880" cy="602512"/>
           </a:xfrm>
         </p:spPr>
         <p:txBody>
-          <a:bodyPr/>
+          <a:bodyPr rot="0" spcFirstLastPara="0" vertOverflow="overflow" horzOverflow="overflow" vert="horz" wrap="square" lIns="45720" tIns="0" rIns="0" bIns="0" numCol="1" spcCol="0" rtlCol="0" fromWordArt="0" anchor="t" anchorCtr="0" forceAA="0" compatLnSpc="1">
+            <a:normAutofit/>
+          </a:bodyPr>
           <a:lstStyle>
             <a:lvl1pPr marL="0" indent="0">
+              <a:spcBef>
+                <a:spcPts val="0"/>
+              </a:spcBef>
+              <a:spcAft>
+                <a:spcPts val="0"/>
+              </a:spcAft>
               <a:buNone/>
               <a:defRPr sz="1400"/>
             </a:lvl1pPr>
@@ -2054,6 +2333,7 @@
               <a:buNone/>
               <a:defRPr sz="900"/>
             </a:lvl5pPr>
+            <a:extLst/>
           </a:lstStyle>
           <a:p>
             <a:pPr lvl="0" eaLnBrk="1" latinLnBrk="0" hangingPunct="1"/>
@@ -2076,28 +2356,29 @@
         </p:nvSpPr>
         <p:spPr>
           <a:xfrm>
-            <a:off x="3575050" y="273052"/>
-            <a:ext cx="5111750" cy="5853113"/>
+            <a:off x="457200" y="2133600"/>
+            <a:ext cx="7239000" cy="4371752"/>
           </a:xfrm>
         </p:spPr>
         <p:txBody>
           <a:bodyPr/>
           <a:lstStyle>
             <a:lvl1pPr>
-              <a:defRPr sz="2600"/>
+              <a:defRPr sz="3200"/>
             </a:lvl1pPr>
             <a:lvl2pPr>
-              <a:defRPr sz="2400"/>
+              <a:defRPr sz="2800"/>
             </a:lvl2pPr>
             <a:lvl3pPr>
-              <a:defRPr sz="2200"/>
+              <a:defRPr sz="2400"/>
             </a:lvl3pPr>
             <a:lvl4pPr>
               <a:defRPr sz="2000"/>
             </a:lvl4pPr>
             <a:lvl5pPr>
-              <a:defRPr sz="1800"/>
+              <a:defRPr sz="2000"/>
             </a:lvl5pPr>
+            <a:extLst/>
           </a:lstStyle>
           <a:p>
             <a:pPr lvl="0" eaLnBrk="1" latinLnBrk="0" hangingPunct="1"/>
@@ -2150,7 +2431,9 @@
         <p:spPr/>
         <p:txBody>
           <a:bodyPr/>
-          <a:lstStyle/>
+          <a:lstStyle>
+            <a:extLst/>
+          </a:lstStyle>
           <a:p>
             <a:fld id="{BD1DE68A-3EC6-4755-BF6D-7AA5B70F304A}" type="datetimeFigureOut">
               <a:rPr lang="en-US" smtClean="0"/>
@@ -2174,7 +2457,9 @@
         <p:spPr/>
         <p:txBody>
           <a:bodyPr/>
-          <a:lstStyle/>
+          <a:lstStyle>
+            <a:extLst/>
+          </a:lstStyle>
           <a:p>
             <a:endParaRPr lang="en-US"/>
           </a:p>
@@ -2193,7 +2478,9 @@
         <p:spPr/>
         <p:txBody>
           <a:bodyPr/>
-          <a:lstStyle/>
+          <a:lstStyle>
+            <a:extLst/>
+          </a:lstStyle>
           <a:p>
             <a:fld id="{7200EB88-BA5E-4C42-8EC7-BD2ED3DE0F3C}" type="slidenum">
               <a:rPr lang="en-US" smtClean="0"/>
@@ -2213,276 +2500,10 @@
 </file>
 
 <file path=ppt/slideLayouts/slideLayout9.xml><?xml version="1.0" encoding="utf-8"?>
-<p:sldLayout xmlns:a="http://schemas.openxmlformats.org/drawingml/2006/main" xmlns:r="http://schemas.openxmlformats.org/officeDocument/2006/relationships" xmlns:p="http://schemas.openxmlformats.org/presentationml/2006/main" type="picTx" preserve="1">
+<p:sldLayout xmlns:a="http://schemas.openxmlformats.org/drawingml/2006/main" xmlns:r="http://schemas.openxmlformats.org/officeDocument/2006/relationships" xmlns:p="http://schemas.openxmlformats.org/presentationml/2006/main" showMasterSp="0" type="picTx" preserve="1">
   <p:cSld name="Picture with Caption">
-    <p:spTree>
-      <p:nvGrpSpPr>
-        <p:cNvPr id="1" name=""/>
-        <p:cNvGrpSpPr/>
-        <p:nvPr/>
-      </p:nvGrpSpPr>
-      <p:grpSpPr>
-        <a:xfrm>
-          <a:off x="0" y="0"/>
-          <a:ext cx="0" cy="0"/>
-          <a:chOff x="0" y="0"/>
-          <a:chExt cx="0" cy="0"/>
-        </a:xfrm>
-      </p:grpSpPr>
-      <p:sp>
-        <p:nvSpPr>
-          <p:cNvPr id="2" name="Title 1"/>
-          <p:cNvSpPr>
-            <a:spLocks noGrp="1"/>
-          </p:cNvSpPr>
-          <p:nvPr>
-            <p:ph type="title"/>
-          </p:nvPr>
-        </p:nvSpPr>
-        <p:spPr>
-          <a:xfrm>
-            <a:off x="1828800" y="609600"/>
-            <a:ext cx="5486400" cy="522288"/>
-          </a:xfrm>
-        </p:spPr>
-        <p:txBody>
-          <a:bodyPr lIns="45720" rIns="45720" bIns="0" anchor="b">
-            <a:sp3d prstMaterial="softEdge"/>
-          </a:bodyPr>
-          <a:lstStyle>
-            <a:lvl1pPr algn="ctr">
-              <a:buNone/>
-              <a:defRPr sz="2000" b="1"/>
-            </a:lvl1pPr>
-          </a:lstStyle>
-          <a:p>
-            <a:r>
-              <a:rPr kumimoji="0" lang="en-US" smtClean="0"/>
-              <a:t>Click to edit Master title style</a:t>
-            </a:r>
-            <a:endParaRPr kumimoji="0" lang="en-US"/>
-          </a:p>
-        </p:txBody>
-      </p:sp>
-      <p:sp>
-        <p:nvSpPr>
-          <p:cNvPr id="3" name="Picture Placeholder 2"/>
-          <p:cNvSpPr>
-            <a:spLocks noGrp="1"/>
-          </p:cNvSpPr>
-          <p:nvPr>
-            <p:ph type="pic" idx="1"/>
-          </p:nvPr>
-        </p:nvSpPr>
-        <p:spPr>
-          <a:xfrm>
-            <a:off x="1828800" y="1831975"/>
-            <a:ext cx="5486400" cy="3962400"/>
-          </a:xfrm>
-          <a:solidFill>
-            <a:schemeClr val="bg2"/>
-          </a:solidFill>
-          <a:ln w="44450" cap="sq" cmpd="sng" algn="ctr">
-            <a:solidFill>
-              <a:srgbClr val="FFFFFF"/>
-            </a:solidFill>
-            <a:prstDash val="solid"/>
-            <a:miter lim="800000"/>
-          </a:ln>
-          <a:effectLst>
-            <a:outerShdw blurRad="190500" dist="228600" dir="2700000" sy="90000">
-              <a:srgbClr val="000000">
-                <a:alpha val="25000"/>
-              </a:srgbClr>
-            </a:outerShdw>
-          </a:effectLst>
-          <a:scene3d>
-            <a:camera prst="orthographicFront">
-              <a:rot lat="0" lon="0" rev="0"/>
-            </a:camera>
-            <a:lightRig rig="balanced" dir="tr">
-              <a:rot lat="0" lon="0" rev="2700000"/>
-            </a:lightRig>
-          </a:scene3d>
-          <a:sp3d prstMaterial="matte">
-            <a:contourClr>
-              <a:schemeClr val="tx2">
-                <a:shade val="50000"/>
-              </a:schemeClr>
-            </a:contourClr>
-          </a:sp3d>
-        </p:spPr>
-        <p:style>
-          <a:lnRef idx="3">
-            <a:schemeClr val="lt1"/>
-          </a:lnRef>
-          <a:fillRef idx="1">
-            <a:schemeClr val="accent1"/>
-          </a:fillRef>
-          <a:effectRef idx="1">
-            <a:schemeClr val="accent1"/>
-          </a:effectRef>
-          <a:fontRef idx="minor">
-            <a:schemeClr val="lt1"/>
-          </a:fontRef>
-        </p:style>
-        <p:txBody>
-          <a:bodyPr anchor="t"/>
-          <a:lstStyle>
-            <a:lvl1pPr indent="0">
-              <a:buNone/>
-              <a:defRPr sz="3200"/>
-            </a:lvl1pPr>
-          </a:lstStyle>
-          <a:p>
-            <a:pPr marL="0" algn="l" rtl="0" eaLnBrk="1" latinLnBrk="0" hangingPunct="1"/>
-            <a:r>
-              <a:rPr kumimoji="0" lang="en-US" smtClean="0">
-                <a:solidFill>
-                  <a:schemeClr val="lt1"/>
-                </a:solidFill>
-                <a:latin typeface="+mn-lt"/>
-                <a:ea typeface="+mn-ea"/>
-                <a:cs typeface="+mn-cs"/>
-              </a:rPr>
-              <a:t>Click icon to add picture</a:t>
-            </a:r>
-            <a:endParaRPr kumimoji="0" lang="en-US" dirty="0">
-              <a:solidFill>
-                <a:schemeClr val="lt1"/>
-              </a:solidFill>
-              <a:latin typeface="+mn-lt"/>
-              <a:ea typeface="+mn-ea"/>
-              <a:cs typeface="+mn-cs"/>
-            </a:endParaRPr>
-          </a:p>
-        </p:txBody>
-      </p:sp>
-      <p:sp>
-        <p:nvSpPr>
-          <p:cNvPr id="4" name="Text Placeholder 3"/>
-          <p:cNvSpPr>
-            <a:spLocks noGrp="1"/>
-          </p:cNvSpPr>
-          <p:nvPr>
-            <p:ph type="body" sz="half" idx="2"/>
-          </p:nvPr>
-        </p:nvSpPr>
-        <p:spPr>
-          <a:xfrm>
-            <a:off x="1828800" y="1166787"/>
-            <a:ext cx="5486400" cy="530352"/>
-          </a:xfrm>
-        </p:spPr>
-        <p:txBody>
-          <a:bodyPr lIns="45720" tIns="45720" rIns="45720" anchor="t"/>
-          <a:lstStyle>
-            <a:lvl1pPr marL="0" indent="0" algn="ctr">
-              <a:buNone/>
-              <a:defRPr sz="1400"/>
-            </a:lvl1pPr>
-            <a:lvl2pPr>
-              <a:defRPr sz="1200"/>
-            </a:lvl2pPr>
-            <a:lvl3pPr>
-              <a:defRPr sz="1000"/>
-            </a:lvl3pPr>
-            <a:lvl4pPr>
-              <a:defRPr sz="900"/>
-            </a:lvl4pPr>
-            <a:lvl5pPr>
-              <a:defRPr sz="900"/>
-            </a:lvl5pPr>
-          </a:lstStyle>
-          <a:p>
-            <a:pPr lvl="0" eaLnBrk="1" latinLnBrk="0" hangingPunct="1"/>
-            <a:r>
-              <a:rPr kumimoji="0" lang="en-US" smtClean="0"/>
-              <a:t>Click to edit Master text styles</a:t>
-            </a:r>
-          </a:p>
-        </p:txBody>
-      </p:sp>
-      <p:sp>
-        <p:nvSpPr>
-          <p:cNvPr id="5" name="Date Placeholder 4"/>
-          <p:cNvSpPr>
-            <a:spLocks noGrp="1"/>
-          </p:cNvSpPr>
-          <p:nvPr>
-            <p:ph type="dt" sz="half" idx="10"/>
-          </p:nvPr>
-        </p:nvSpPr>
-        <p:spPr/>
-        <p:txBody>
-          <a:bodyPr/>
-          <a:lstStyle/>
-          <a:p>
-            <a:fld id="{BD1DE68A-3EC6-4755-BF6D-7AA5B70F304A}" type="datetimeFigureOut">
-              <a:rPr lang="en-US" smtClean="0"/>
-              <a:pPr/>
-              <a:t>1/17/2019</a:t>
-            </a:fld>
-            <a:endParaRPr lang="en-US"/>
-          </a:p>
-        </p:txBody>
-      </p:sp>
-      <p:sp>
-        <p:nvSpPr>
-          <p:cNvPr id="6" name="Footer Placeholder 5"/>
-          <p:cNvSpPr>
-            <a:spLocks noGrp="1"/>
-          </p:cNvSpPr>
-          <p:nvPr>
-            <p:ph type="ftr" sz="quarter" idx="11"/>
-          </p:nvPr>
-        </p:nvSpPr>
-        <p:spPr/>
-        <p:txBody>
-          <a:bodyPr/>
-          <a:lstStyle/>
-          <a:p>
-            <a:endParaRPr lang="en-US"/>
-          </a:p>
-        </p:txBody>
-      </p:sp>
-      <p:sp>
-        <p:nvSpPr>
-          <p:cNvPr id="7" name="Slide Number Placeholder 6"/>
-          <p:cNvSpPr>
-            <a:spLocks noGrp="1"/>
-          </p:cNvSpPr>
-          <p:nvPr>
-            <p:ph type="sldNum" sz="quarter" idx="12"/>
-          </p:nvPr>
-        </p:nvSpPr>
-        <p:spPr/>
-        <p:txBody>
-          <a:bodyPr/>
-          <a:lstStyle/>
-          <a:p>
-            <a:fld id="{7200EB88-BA5E-4C42-8EC7-BD2ED3DE0F3C}" type="slidenum">
-              <a:rPr lang="en-US" smtClean="0"/>
-              <a:pPr/>
-              <a:t>‹#›</a:t>
-            </a:fld>
-            <a:endParaRPr lang="en-US"/>
-          </a:p>
-        </p:txBody>
-      </p:sp>
-    </p:spTree>
-  </p:cSld>
-  <p:clrMapOvr>
-    <a:masterClrMapping/>
-  </p:clrMapOvr>
-</p:sldLayout>
-</file>
-
-<file path=ppt/slideMasters/slideMaster1.xml><?xml version="1.0" encoding="utf-8"?>
-<p:sldMaster xmlns:a="http://schemas.openxmlformats.org/drawingml/2006/main" xmlns:r="http://schemas.openxmlformats.org/officeDocument/2006/relationships" xmlns:p="http://schemas.openxmlformats.org/presentationml/2006/main">
-  <p:cSld>
     <p:bg>
-      <p:bgRef idx="1003">
+      <p:bgRef idx="1002">
         <a:schemeClr val="bg2"/>
       </p:bgRef>
     </p:bg>
@@ -2502,139 +2523,282 @@
       </p:grpSpPr>
       <p:sp>
         <p:nvSpPr>
-          <p:cNvPr id="22" name="Title Placeholder 21"/>
-          <p:cNvSpPr>
-            <a:spLocks noGrp="1"/>
-          </p:cNvSpPr>
-          <p:nvPr>
-            <p:ph type="title"/>
-          </p:nvPr>
+          <p:cNvPr id="8" name="Rectangle 7"/>
+          <p:cNvSpPr/>
+          <p:nvPr/>
         </p:nvSpPr>
         <p:spPr>
-          <a:xfrm>
-            <a:off x="457200" y="274638"/>
-            <a:ext cx="8229600" cy="1143000"/>
+          <a:xfrm rot="21240000">
+            <a:off x="597968" y="1004668"/>
+            <a:ext cx="4319527" cy="4312573"/>
           </a:xfrm>
           <a:prstGeom prst="rect">
             <a:avLst/>
           </a:prstGeom>
+          <a:solidFill>
+            <a:srgbClr val="FAFAFA"/>
+          </a:solidFill>
+          <a:ln w="1270" cap="rnd" cmpd="sng" algn="ctr">
+            <a:solidFill>
+              <a:srgbClr val="EAEAEA"/>
+            </a:solidFill>
+            <a:prstDash val="solid"/>
+          </a:ln>
+          <a:effectLst>
+            <a:outerShdw blurRad="25000" dist="12700" dir="5400000" algn="t" rotWithShape="0">
+              <a:srgbClr val="000000">
+                <a:alpha val="40000"/>
+              </a:srgbClr>
+            </a:outerShdw>
+          </a:effectLst>
         </p:spPr>
-        <p:txBody>
-          <a:bodyPr vert="horz" anchor="ctr">
-            <a:normAutofit/>
-            <a:scene3d>
-              <a:camera prst="orthographicFront"/>
-              <a:lightRig rig="soft" dir="t">
-                <a:rot lat="0" lon="0" rev="16800000"/>
-              </a:lightRig>
-            </a:scene3d>
-            <a:sp3d prstMaterial="softEdge">
-              <a:bevelT w="38100" h="38100"/>
-            </a:sp3d>
-          </a:bodyPr>
-          <a:lstStyle/>
-          <a:p>
-            <a:r>
-              <a:rPr kumimoji="0" lang="en-US" smtClean="0"/>
-              <a:t>Click to edit Master title style</a:t>
-            </a:r>
+        <p:style>
+          <a:lnRef idx="2">
+            <a:schemeClr val="accent1"/>
+          </a:lnRef>
+          <a:fillRef idx="1">
+            <a:schemeClr val="accent1"/>
+          </a:fillRef>
+          <a:effectRef idx="0">
+            <a:schemeClr val="accent1"/>
+          </a:effectRef>
+          <a:fontRef idx="minor">
+            <a:schemeClr val="lt1"/>
+          </a:fontRef>
+        </p:style>
+        <p:txBody>
+          <a:bodyPr rtlCol="0" anchor="ctr"/>
+          <a:lstStyle>
+            <a:extLst/>
+          </a:lstStyle>
+          <a:p>
+            <a:pPr algn="ctr" eaLnBrk="1" latinLnBrk="0" hangingPunct="1"/>
             <a:endParaRPr kumimoji="0" lang="en-US"/>
           </a:p>
         </p:txBody>
       </p:sp>
       <p:sp>
         <p:nvSpPr>
-          <p:cNvPr id="13" name="Text Placeholder 12"/>
-          <p:cNvSpPr>
-            <a:spLocks noGrp="1"/>
-          </p:cNvSpPr>
-          <p:nvPr>
-            <p:ph type="body" idx="1"/>
-          </p:nvPr>
+          <p:cNvPr id="9" name="Rectangle 8"/>
+          <p:cNvSpPr/>
+          <p:nvPr/>
         </p:nvSpPr>
         <p:spPr>
-          <a:xfrm>
-            <a:off x="457200" y="1600200"/>
-            <a:ext cx="8229600" cy="4709160"/>
+          <a:xfrm rot="21420000">
+            <a:off x="596706" y="998816"/>
+            <a:ext cx="4319527" cy="4312573"/>
           </a:xfrm>
           <a:prstGeom prst="rect">
             <a:avLst/>
           </a:prstGeom>
+          <a:solidFill>
+            <a:srgbClr val="FAFAFA"/>
+          </a:solidFill>
+          <a:ln w="1270" cap="rnd" cmpd="sng" algn="ctr">
+            <a:solidFill>
+              <a:srgbClr val="EAEAEA"/>
+            </a:solidFill>
+            <a:prstDash val="solid"/>
+          </a:ln>
+          <a:effectLst>
+            <a:outerShdw blurRad="28000" dist="12700" dir="5400000" algn="tl" rotWithShape="0">
+              <a:srgbClr val="000000">
+                <a:alpha val="40000"/>
+              </a:srgbClr>
+            </a:outerShdw>
+          </a:effectLst>
         </p:spPr>
-        <p:txBody>
-          <a:bodyPr vert="horz">
+        <p:style>
+          <a:lnRef idx="2">
+            <a:schemeClr val="accent1"/>
+          </a:lnRef>
+          <a:fillRef idx="1">
+            <a:schemeClr val="accent1"/>
+          </a:fillRef>
+          <a:effectRef idx="0">
+            <a:schemeClr val="accent1"/>
+          </a:effectRef>
+          <a:fontRef idx="minor">
+            <a:schemeClr val="lt1"/>
+          </a:fontRef>
+        </p:style>
+        <p:txBody>
+          <a:bodyPr rtlCol="0" anchor="ctr"/>
+          <a:lstStyle>
+            <a:extLst/>
+          </a:lstStyle>
+          <a:p>
+            <a:pPr algn="ctr" eaLnBrk="1" latinLnBrk="0" hangingPunct="1"/>
+            <a:endParaRPr kumimoji="0" lang="en-US"/>
+          </a:p>
+        </p:txBody>
+      </p:sp>
+      <p:sp>
+        <p:nvSpPr>
+          <p:cNvPr id="2" name="Title 1"/>
+          <p:cNvSpPr>
+            <a:spLocks noGrp="1"/>
+          </p:cNvSpPr>
+          <p:nvPr>
+            <p:ph type="title"/>
+          </p:nvPr>
+        </p:nvSpPr>
+        <p:spPr>
+          <a:xfrm>
+            <a:off x="5389098" y="1143000"/>
+            <a:ext cx="3429000" cy="2057400"/>
+          </a:xfrm>
+        </p:spPr>
+        <p:txBody>
+          <a:bodyPr vert="horz" anchor="b"/>
+          <a:lstStyle>
+            <a:lvl1pPr algn="l">
+              <a:buNone/>
+              <a:defRPr sz="3000" b="1" baseline="0">
+                <a:ln w="500">
+                  <a:solidFill>
+                    <a:schemeClr val="tx2">
+                      <a:shade val="10000"/>
+                      <a:satMod val="135000"/>
+                    </a:schemeClr>
+                  </a:solidFill>
+                </a:ln>
+                <a:gradFill>
+                  <a:gsLst>
+                    <a:gs pos="0">
+                      <a:schemeClr val="accent4">
+                        <a:tint val="13000"/>
+                      </a:schemeClr>
+                    </a:gs>
+                    <a:gs pos="10000">
+                      <a:schemeClr val="accent4">
+                        <a:tint val="20000"/>
+                      </a:schemeClr>
+                    </a:gs>
+                    <a:gs pos="49000">
+                      <a:schemeClr val="accent4">
+                        <a:tint val="70000"/>
+                      </a:schemeClr>
+                    </a:gs>
+                    <a:gs pos="50000">
+                      <a:schemeClr val="accent4">
+                        <a:tint val="97000"/>
+                      </a:schemeClr>
+                    </a:gs>
+                    <a:gs pos="100000">
+                      <a:schemeClr val="accent4">
+                        <a:tint val="20000"/>
+                      </a:schemeClr>
+                    </a:gs>
+                  </a:gsLst>
+                  <a:lin ang="5400000" scaled="1"/>
+                </a:gradFill>
+                <a:effectLst/>
+              </a:defRPr>
+            </a:lvl1pPr>
+            <a:extLst/>
+          </a:lstStyle>
+          <a:p>
+            <a:r>
+              <a:rPr kumimoji="0" lang="en-US" smtClean="0"/>
+              <a:t>Click to edit Master title style</a:t>
+            </a:r>
+            <a:endParaRPr kumimoji="0" lang="en-US" dirty="0"/>
+          </a:p>
+        </p:txBody>
+      </p:sp>
+      <p:sp>
+        <p:nvSpPr>
+          <p:cNvPr id="4" name="Text Placeholder 3"/>
+          <p:cNvSpPr>
+            <a:spLocks noGrp="1"/>
+          </p:cNvSpPr>
+          <p:nvPr>
+            <p:ph type="body" sz="half" idx="2"/>
+          </p:nvPr>
+        </p:nvSpPr>
+        <p:spPr>
+          <a:xfrm>
+            <a:off x="5389098" y="3283634"/>
+            <a:ext cx="3429000" cy="1920240"/>
+          </a:xfrm>
+        </p:spPr>
+        <p:txBody>
+          <a:bodyPr rot="0" spcFirstLastPara="0" vertOverflow="overflow" horzOverflow="overflow" vert="horz" wrap="square" lIns="82296" tIns="0" rIns="0" bIns="0" numCol="1" spcCol="0" rtlCol="0" fromWordArt="0" anchor="t" anchorCtr="0" forceAA="0" compatLnSpc="1">
             <a:normAutofit/>
           </a:bodyPr>
-          <a:lstStyle/>
-          <a:p>
-            <a:pPr lvl="0" eaLnBrk="1" latinLnBrk="0" hangingPunct="1"/>
-            <a:r>
-              <a:rPr kumimoji="0" lang="en-US" smtClean="0"/>
-              <a:t>Click to edit Master text styles</a:t>
-            </a:r>
-          </a:p>
-          <a:p>
-            <a:pPr lvl="1" eaLnBrk="1" latinLnBrk="0" hangingPunct="1"/>
-            <a:r>
-              <a:rPr kumimoji="0" lang="en-US" smtClean="0"/>
-              <a:t>Second level</a:t>
-            </a:r>
-          </a:p>
-          <a:p>
-            <a:pPr lvl="2" eaLnBrk="1" latinLnBrk="0" hangingPunct="1"/>
-            <a:r>
-              <a:rPr kumimoji="0" lang="en-US" smtClean="0"/>
-              <a:t>Third level</a:t>
-            </a:r>
-          </a:p>
-          <a:p>
-            <a:pPr lvl="3" eaLnBrk="1" latinLnBrk="0" hangingPunct="1"/>
-            <a:r>
-              <a:rPr kumimoji="0" lang="en-US" smtClean="0"/>
-              <a:t>Fourth level</a:t>
-            </a:r>
-          </a:p>
-          <a:p>
-            <a:pPr lvl="4" eaLnBrk="1" latinLnBrk="0" hangingPunct="1"/>
-            <a:r>
-              <a:rPr kumimoji="0" lang="en-US" smtClean="0"/>
-              <a:t>Fifth level</a:t>
-            </a:r>
-            <a:endParaRPr kumimoji="0" lang="en-US"/>
-          </a:p>
-        </p:txBody>
-      </p:sp>
-      <p:sp>
-        <p:nvSpPr>
-          <p:cNvPr id="14" name="Date Placeholder 13"/>
-          <p:cNvSpPr>
-            <a:spLocks noGrp="1"/>
-          </p:cNvSpPr>
-          <p:nvPr>
-            <p:ph type="dt" sz="half" idx="2"/>
-          </p:nvPr>
-        </p:nvSpPr>
-        <p:spPr>
-          <a:xfrm>
-            <a:off x="457200" y="6416677"/>
-            <a:ext cx="2133600" cy="365125"/>
-          </a:xfrm>
-          <a:prstGeom prst="rect">
-            <a:avLst/>
-          </a:prstGeom>
-        </p:spPr>
-        <p:txBody>
-          <a:bodyPr vert="horz" anchor="b"/>
           <a:lstStyle>
-            <a:lvl1pPr algn="l" eaLnBrk="1" latinLnBrk="0" hangingPunct="1">
-              <a:defRPr kumimoji="0" sz="1200">
+            <a:lvl1pPr marL="0" indent="0">
+              <a:lnSpc>
+                <a:spcPct val="100000"/>
+              </a:lnSpc>
+              <a:spcBef>
+                <a:spcPts val="0"/>
+              </a:spcBef>
+              <a:buFontTx/>
+              <a:buNone/>
+              <a:defRPr sz="1400" baseline="0">
                 <a:solidFill>
-                  <a:schemeClr val="tx1">
-                    <a:shade val="50000"/>
-                  </a:schemeClr>
+                  <a:schemeClr val="tx1"/>
                 </a:solidFill>
               </a:defRPr>
             </a:lvl1pPr>
+            <a:lvl2pPr>
+              <a:defRPr sz="1200"/>
+            </a:lvl2pPr>
+            <a:lvl3pPr>
+              <a:defRPr sz="1000"/>
+            </a:lvl3pPr>
+            <a:lvl4pPr>
+              <a:defRPr sz="900"/>
+            </a:lvl4pPr>
+            <a:lvl5pPr>
+              <a:defRPr sz="900"/>
+            </a:lvl5pPr>
+            <a:extLst/>
+          </a:lstStyle>
+          <a:p>
+            <a:pPr marL="0" marR="0" lvl="0" indent="0" algn="l" defTabSz="0" rtl="0" eaLnBrk="1" fontAlgn="auto" latinLnBrk="0" hangingPunct="1">
+              <a:lnSpc>
+                <a:spcPct val="100000"/>
+              </a:lnSpc>
+              <a:spcBef>
+                <a:spcPts val="0"/>
+              </a:spcBef>
+              <a:spcAft>
+                <a:spcPts val="0"/>
+              </a:spcAft>
+              <a:buClr>
+                <a:schemeClr val="tx2"/>
+              </a:buClr>
+              <a:buSzPct val="73000"/>
+              <a:buFontTx/>
+              <a:buNone/>
+              <a:tabLst/>
+              <a:defRPr/>
+            </a:pPr>
+            <a:r>
+              <a:rPr kumimoji="0" lang="en-US" smtClean="0"/>
+              <a:t>Click to edit Master text styles</a:t>
+            </a:r>
+          </a:p>
+        </p:txBody>
+      </p:sp>
+      <p:sp>
+        <p:nvSpPr>
+          <p:cNvPr id="5" name="Date Placeholder 4"/>
+          <p:cNvSpPr>
+            <a:spLocks noGrp="1"/>
+          </p:cNvSpPr>
+          <p:nvPr>
+            <p:ph type="dt" sz="half" idx="10"/>
+          </p:nvPr>
+        </p:nvSpPr>
+        <p:spPr/>
+        <p:txBody>
+          <a:bodyPr/>
+          <a:lstStyle>
+            <a:extLst/>
           </a:lstStyle>
           <a:p>
             <a:fld id="{BD1DE68A-3EC6-4755-BF6D-7AA5B70F304A}" type="datetimeFigureOut">
@@ -2648,35 +2812,19 @@
       </p:sp>
       <p:sp>
         <p:nvSpPr>
-          <p:cNvPr id="3" name="Footer Placeholder 2"/>
-          <p:cNvSpPr>
-            <a:spLocks noGrp="1"/>
-          </p:cNvSpPr>
-          <p:nvPr>
-            <p:ph type="ftr" sz="quarter" idx="3"/>
-          </p:nvPr>
-        </p:nvSpPr>
-        <p:spPr>
-          <a:xfrm>
-            <a:off x="3124200" y="6416677"/>
-            <a:ext cx="2895600" cy="365125"/>
-          </a:xfrm>
-          <a:prstGeom prst="rect">
-            <a:avLst/>
-          </a:prstGeom>
-        </p:spPr>
-        <p:txBody>
-          <a:bodyPr vert="horz" anchor="b"/>
+          <p:cNvPr id="6" name="Footer Placeholder 5"/>
+          <p:cNvSpPr>
+            <a:spLocks noGrp="1"/>
+          </p:cNvSpPr>
+          <p:nvPr>
+            <p:ph type="ftr" sz="quarter" idx="11"/>
+          </p:nvPr>
+        </p:nvSpPr>
+        <p:spPr/>
+        <p:txBody>
+          <a:bodyPr/>
           <a:lstStyle>
-            <a:lvl1pPr algn="ctr" eaLnBrk="1" latinLnBrk="0" hangingPunct="1">
-              <a:defRPr kumimoji="0" sz="1200">
-                <a:solidFill>
-                  <a:schemeClr val="tx1">
-                    <a:shade val="50000"/>
-                  </a:schemeClr>
-                </a:solidFill>
-              </a:defRPr>
-            </a:lvl1pPr>
+            <a:extLst/>
           </a:lstStyle>
           <a:p>
             <a:endParaRPr lang="en-US"/>
@@ -2685,35 +2833,19 @@
       </p:sp>
       <p:sp>
         <p:nvSpPr>
-          <p:cNvPr id="23" name="Slide Number Placeholder 22"/>
-          <p:cNvSpPr>
-            <a:spLocks noGrp="1"/>
-          </p:cNvSpPr>
-          <p:nvPr>
-            <p:ph type="sldNum" sz="quarter" idx="4"/>
-          </p:nvPr>
-        </p:nvSpPr>
-        <p:spPr>
-          <a:xfrm>
-            <a:off x="7924801" y="6416677"/>
-            <a:ext cx="762000" cy="365125"/>
-          </a:xfrm>
-          <a:prstGeom prst="rect">
-            <a:avLst/>
-          </a:prstGeom>
-        </p:spPr>
-        <p:txBody>
-          <a:bodyPr vert="horz" lIns="0" rIns="0" anchor="b"/>
+          <p:cNvPr id="7" name="Slide Number Placeholder 6"/>
+          <p:cNvSpPr>
+            <a:spLocks noGrp="1"/>
+          </p:cNvSpPr>
+          <p:nvPr>
+            <p:ph type="sldNum" sz="quarter" idx="12"/>
+          </p:nvPr>
+        </p:nvSpPr>
+        <p:spPr/>
+        <p:txBody>
+          <a:bodyPr/>
           <a:lstStyle>
-            <a:lvl1pPr algn="r" eaLnBrk="1" latinLnBrk="0" hangingPunct="1">
-              <a:defRPr kumimoji="0" sz="1200">
-                <a:solidFill>
-                  <a:schemeClr val="tx1">
-                    <a:shade val="50000"/>
-                  </a:schemeClr>
-                </a:solidFill>
-              </a:defRPr>
-            </a:lvl1pPr>
+            <a:extLst/>
           </a:lstStyle>
           <a:p>
             <a:fld id="{7200EB88-BA5E-4C42-8EC7-BD2ED3DE0F3C}" type="slidenum">
@@ -2725,83 +2857,475 @@
           </a:p>
         </p:txBody>
       </p:sp>
+      <p:sp>
+        <p:nvSpPr>
+          <p:cNvPr id="10" name="Picture Placeholder 9"/>
+          <p:cNvSpPr>
+            <a:spLocks noGrp="1"/>
+          </p:cNvSpPr>
+          <p:nvPr>
+            <p:ph type="pic" idx="1"/>
+          </p:nvPr>
+        </p:nvSpPr>
+        <p:spPr>
+          <a:xfrm>
+            <a:off x="663682" y="1041002"/>
+            <a:ext cx="4206240" cy="4206240"/>
+          </a:xfrm>
+          <a:solidFill>
+            <a:schemeClr val="bg2">
+              <a:shade val="50000"/>
+            </a:schemeClr>
+          </a:solidFill>
+          <a:ln w="107950">
+            <a:solidFill>
+              <a:srgbClr val="FFFFFF"/>
+            </a:solidFill>
+            <a:miter lim="800000"/>
+          </a:ln>
+          <a:effectLst>
+            <a:outerShdw blurRad="44450" dist="3810" dir="5400000" algn="tl" rotWithShape="0">
+              <a:srgbClr val="000000">
+                <a:alpha val="60000"/>
+              </a:srgbClr>
+            </a:outerShdw>
+          </a:effectLst>
+          <a:scene3d>
+            <a:camera prst="orthographicFront"/>
+            <a:lightRig rig="threePt" dir="t"/>
+          </a:scene3d>
+          <a:sp3d contourW="3810">
+            <a:contourClr>
+              <a:srgbClr val="969696"/>
+            </a:contourClr>
+          </a:sp3d>
+        </p:spPr>
+        <p:txBody>
+          <a:bodyPr/>
+          <a:lstStyle>
+            <a:lvl1pPr marL="0" indent="0">
+              <a:buNone/>
+              <a:defRPr sz="3200"/>
+            </a:lvl1pPr>
+            <a:extLst/>
+          </a:lstStyle>
+          <a:p>
+            <a:r>
+              <a:rPr kumimoji="0" lang="en-US" smtClean="0"/>
+              <a:t>Click icon to add picture</a:t>
+            </a:r>
+            <a:endParaRPr kumimoji="0" lang="en-US" dirty="0"/>
+          </a:p>
+        </p:txBody>
+      </p:sp>
     </p:spTree>
   </p:cSld>
-  <p:clrMap bg1="dk1" tx1="lt1" bg2="dk2" tx2="lt2" accent1="accent1" accent2="accent2" accent3="accent3" accent4="accent4" accent5="accent5" accent6="accent6" hlink="hlink" folHlink="folHlink"/>
+  <p:clrMapOvr>
+    <a:overrideClrMapping bg1="dk1" tx1="lt1" bg2="dk2" tx2="lt2" accent1="accent1" accent2="accent2" accent3="accent3" accent4="accent4" accent5="accent5" accent6="accent6" hlink="hlink" folHlink="folHlink"/>
+  </p:clrMapOvr>
+</p:sldLayout>
+</file>
+
+<file path=ppt/slideMasters/slideMaster1.xml><?xml version="1.0" encoding="utf-8"?>
+<p:sldMaster xmlns:a="http://schemas.openxmlformats.org/drawingml/2006/main" xmlns:r="http://schemas.openxmlformats.org/officeDocument/2006/relationships" xmlns:p="http://schemas.openxmlformats.org/presentationml/2006/main">
+  <p:cSld>
+    <p:bg>
+      <p:bgRef idx="1001">
+        <a:schemeClr val="bg1"/>
+      </p:bgRef>
+    </p:bg>
+    <p:spTree>
+      <p:nvGrpSpPr>
+        <p:cNvPr id="1" name=""/>
+        <p:cNvGrpSpPr/>
+        <p:nvPr/>
+      </p:nvGrpSpPr>
+      <p:grpSpPr>
+        <a:xfrm>
+          <a:off x="0" y="0"/>
+          <a:ext cx="0" cy="0"/>
+          <a:chOff x="0" y="0"/>
+          <a:chExt cx="0" cy="0"/>
+        </a:xfrm>
+      </p:grpSpPr>
+      <p:sp>
+        <p:nvSpPr>
+          <p:cNvPr id="9" name="Rectangle 8"/>
+          <p:cNvSpPr/>
+          <p:nvPr/>
+        </p:nvSpPr>
+        <p:spPr>
+          <a:xfrm flipH="1">
+            <a:off x="8153400" y="0"/>
+            <a:ext cx="990600" cy="6858000"/>
+          </a:xfrm>
+          <a:prstGeom prst="rect">
+            <a:avLst/>
+          </a:prstGeom>
+          <a:blipFill>
+            <a:blip r:embed="rId13">
+              <a:alphaModFix amt="43000"/>
+            </a:blip>
+            <a:tile tx="0" ty="0" sx="50000" sy="50000" flip="none" algn="tl"/>
+          </a:blipFill>
+          <a:ln w="0" cap="flat" cmpd="sng" algn="ctr">
+            <a:noFill/>
+            <a:prstDash val="solid"/>
+          </a:ln>
+          <a:effectLst>
+            <a:fillOverlay blend="mult">
+              <a:gradFill rotWithShape="1">
+                <a:gsLst>
+                  <a:gs pos="0">
+                    <a:schemeClr val="tx2">
+                      <a:tint val="62000"/>
+                      <a:satMod val="420000"/>
+                    </a:schemeClr>
+                  </a:gs>
+                  <a:gs pos="100000">
+                    <a:schemeClr val="tx2">
+                      <a:shade val="20000"/>
+                      <a:satMod val="170000"/>
+                    </a:schemeClr>
+                  </a:gs>
+                </a:gsLst>
+                <a:path path="circle">
+                  <a:fillToRect l="50000" t="110000" r="50000" b="-10000"/>
+                </a:path>
+                <a:tileRect/>
+              </a:gradFill>
+            </a:fillOverlay>
+            <a:innerShdw blurRad="63500" dist="44450" dir="10800000">
+              <a:srgbClr val="000000">
+                <a:alpha val="45000"/>
+              </a:srgbClr>
+            </a:innerShdw>
+          </a:effectLst>
+        </p:spPr>
+        <p:style>
+          <a:lnRef idx="3">
+            <a:schemeClr val="lt1"/>
+          </a:lnRef>
+          <a:fillRef idx="1">
+            <a:schemeClr val="accent1"/>
+          </a:fillRef>
+          <a:effectRef idx="1">
+            <a:schemeClr val="accent1"/>
+          </a:effectRef>
+          <a:fontRef idx="minor">
+            <a:schemeClr val="lt1"/>
+          </a:fontRef>
+        </p:style>
+        <p:txBody>
+          <a:bodyPr anchor="ctr"/>
+          <a:lstStyle>
+            <a:extLst/>
+          </a:lstStyle>
+          <a:p>
+            <a:pPr algn="ctr" eaLnBrk="1" latinLnBrk="0" hangingPunct="1"/>
+            <a:endParaRPr kumimoji="0" lang="en-US"/>
+          </a:p>
+        </p:txBody>
+      </p:sp>
+      <p:sp>
+        <p:nvSpPr>
+          <p:cNvPr id="3" name="Title Placeholder 2"/>
+          <p:cNvSpPr>
+            <a:spLocks noGrp="1"/>
+          </p:cNvSpPr>
+          <p:nvPr>
+            <p:ph type="title"/>
+          </p:nvPr>
+        </p:nvSpPr>
+        <p:spPr>
+          <a:xfrm>
+            <a:off x="457200" y="320040"/>
+            <a:ext cx="7239000" cy="1143000"/>
+          </a:xfrm>
+          <a:prstGeom prst="rect">
+            <a:avLst/>
+          </a:prstGeom>
+        </p:spPr>
+        <p:txBody>
+          <a:bodyPr vert="horz" lIns="45720" tIns="0" rIns="45720" bIns="0" anchor="b" anchorCtr="0">
+            <a:normAutofit/>
+          </a:bodyPr>
+          <a:lstStyle>
+            <a:extLst/>
+          </a:lstStyle>
+          <a:p>
+            <a:r>
+              <a:rPr kumimoji="0" lang="en-US" smtClean="0"/>
+              <a:t>Click to edit Master title style</a:t>
+            </a:r>
+            <a:endParaRPr kumimoji="0" lang="en-US"/>
+          </a:p>
+        </p:txBody>
+      </p:sp>
+      <p:sp>
+        <p:nvSpPr>
+          <p:cNvPr id="31" name="Text Placeholder 30"/>
+          <p:cNvSpPr>
+            <a:spLocks noGrp="1"/>
+          </p:cNvSpPr>
+          <p:nvPr>
+            <p:ph type="body" idx="1"/>
+          </p:nvPr>
+        </p:nvSpPr>
+        <p:spPr>
+          <a:xfrm>
+            <a:off x="457200" y="1609416"/>
+            <a:ext cx="7239000" cy="4846320"/>
+          </a:xfrm>
+          <a:prstGeom prst="rect">
+            <a:avLst/>
+          </a:prstGeom>
+        </p:spPr>
+        <p:txBody>
+          <a:bodyPr vert="horz">
+            <a:normAutofit/>
+          </a:bodyPr>
+          <a:lstStyle>
+            <a:extLst/>
+          </a:lstStyle>
+          <a:p>
+            <a:pPr lvl="0" eaLnBrk="1" latinLnBrk="0" hangingPunct="1"/>
+            <a:r>
+              <a:rPr kumimoji="0" lang="en-US" smtClean="0"/>
+              <a:t>Click to edit Master text styles</a:t>
+            </a:r>
+          </a:p>
+          <a:p>
+            <a:pPr lvl="1" eaLnBrk="1" latinLnBrk="0" hangingPunct="1"/>
+            <a:r>
+              <a:rPr kumimoji="0" lang="en-US" smtClean="0"/>
+              <a:t>Second level</a:t>
+            </a:r>
+          </a:p>
+          <a:p>
+            <a:pPr lvl="2" eaLnBrk="1" latinLnBrk="0" hangingPunct="1"/>
+            <a:r>
+              <a:rPr kumimoji="0" lang="en-US" smtClean="0"/>
+              <a:t>Third level</a:t>
+            </a:r>
+          </a:p>
+          <a:p>
+            <a:pPr lvl="3" eaLnBrk="1" latinLnBrk="0" hangingPunct="1"/>
+            <a:r>
+              <a:rPr kumimoji="0" lang="en-US" smtClean="0"/>
+              <a:t>Fourth level</a:t>
+            </a:r>
+          </a:p>
+          <a:p>
+            <a:pPr lvl="4" eaLnBrk="1" latinLnBrk="0" hangingPunct="1"/>
+            <a:r>
+              <a:rPr kumimoji="0" lang="en-US" smtClean="0"/>
+              <a:t>Fifth level</a:t>
+            </a:r>
+            <a:endParaRPr kumimoji="0" lang="en-US"/>
+          </a:p>
+        </p:txBody>
+      </p:sp>
+      <p:sp>
+        <p:nvSpPr>
+          <p:cNvPr id="27" name="Date Placeholder 26"/>
+          <p:cNvSpPr>
+            <a:spLocks noGrp="1"/>
+          </p:cNvSpPr>
+          <p:nvPr>
+            <p:ph type="dt" sz="half" idx="2"/>
+          </p:nvPr>
+        </p:nvSpPr>
+        <p:spPr>
+          <a:xfrm>
+            <a:off x="4245936" y="6557946"/>
+            <a:ext cx="2002464" cy="226902"/>
+          </a:xfrm>
+          <a:prstGeom prst="rect">
+            <a:avLst/>
+          </a:prstGeom>
+        </p:spPr>
+        <p:txBody>
+          <a:bodyPr vert="horz" tIns="0" bIns="0" anchor="b"/>
+          <a:lstStyle>
+            <a:lvl1pPr algn="l" eaLnBrk="1" latinLnBrk="0" hangingPunct="1">
+              <a:defRPr kumimoji="0" sz="1000">
+                <a:solidFill>
+                  <a:schemeClr val="tx2"/>
+                </a:solidFill>
+              </a:defRPr>
+            </a:lvl1pPr>
+            <a:extLst/>
+          </a:lstStyle>
+          <a:p>
+            <a:fld id="{BD1DE68A-3EC6-4755-BF6D-7AA5B70F304A}" type="datetimeFigureOut">
+              <a:rPr lang="en-US" smtClean="0"/>
+              <a:pPr/>
+              <a:t>1/17/2019</a:t>
+            </a:fld>
+            <a:endParaRPr lang="en-US"/>
+          </a:p>
+        </p:txBody>
+      </p:sp>
+      <p:sp>
+        <p:nvSpPr>
+          <p:cNvPr id="4" name="Footer Placeholder 3"/>
+          <p:cNvSpPr>
+            <a:spLocks noGrp="1"/>
+          </p:cNvSpPr>
+          <p:nvPr>
+            <p:ph type="ftr" sz="quarter" idx="3"/>
+          </p:nvPr>
+        </p:nvSpPr>
+        <p:spPr>
+          <a:xfrm>
+            <a:off x="457200" y="6557946"/>
+            <a:ext cx="3657600" cy="228600"/>
+          </a:xfrm>
+          <a:prstGeom prst="rect">
+            <a:avLst/>
+          </a:prstGeom>
+        </p:spPr>
+        <p:txBody>
+          <a:bodyPr vert="horz" tIns="0" bIns="0" anchor="b"/>
+          <a:lstStyle>
+            <a:lvl1pPr algn="r" eaLnBrk="1" latinLnBrk="0" hangingPunct="1">
+              <a:defRPr kumimoji="0" sz="1000">
+                <a:solidFill>
+                  <a:schemeClr val="tx2"/>
+                </a:solidFill>
+              </a:defRPr>
+            </a:lvl1pPr>
+            <a:extLst/>
+          </a:lstStyle>
+          <a:p>
+            <a:endParaRPr lang="en-US"/>
+          </a:p>
+        </p:txBody>
+      </p:sp>
+      <p:sp>
+        <p:nvSpPr>
+          <p:cNvPr id="16" name="Slide Number Placeholder 15"/>
+          <p:cNvSpPr>
+            <a:spLocks noGrp="1"/>
+          </p:cNvSpPr>
+          <p:nvPr>
+            <p:ph type="sldNum" sz="quarter" idx="4"/>
+          </p:nvPr>
+        </p:nvSpPr>
+        <p:spPr>
+          <a:xfrm>
+            <a:off x="6251448" y="6556248"/>
+            <a:ext cx="588336" cy="228600"/>
+          </a:xfrm>
+          <a:prstGeom prst="rect">
+            <a:avLst/>
+          </a:prstGeom>
+        </p:spPr>
+        <p:txBody>
+          <a:bodyPr vert="horz" lIns="0" tIns="0" rIns="0" bIns="0" anchor="b"/>
+          <a:lstStyle>
+            <a:lvl1pPr algn="r" eaLnBrk="1" latinLnBrk="0" hangingPunct="1">
+              <a:defRPr kumimoji="0" sz="1100">
+                <a:solidFill>
+                  <a:schemeClr val="tx2"/>
+                </a:solidFill>
+              </a:defRPr>
+            </a:lvl1pPr>
+            <a:extLst/>
+          </a:lstStyle>
+          <a:p>
+            <a:fld id="{7200EB88-BA5E-4C42-8EC7-BD2ED3DE0F3C}" type="slidenum">
+              <a:rPr lang="en-US" smtClean="0"/>
+              <a:pPr/>
+              <a:t>‹#›</a:t>
+            </a:fld>
+            <a:endParaRPr lang="en-US"/>
+          </a:p>
+        </p:txBody>
+      </p:sp>
+    </p:spTree>
+  </p:cSld>
+  <p:clrMap bg1="lt1" tx1="dk1" bg2="lt2" tx2="dk2" accent1="accent1" accent2="accent2" accent3="accent3" accent4="accent4" accent5="accent5" accent6="accent6" hlink="hlink" folHlink="folHlink"/>
   <p:sldLayoutIdLst>
-    <p:sldLayoutId id="2147483709" r:id="rId1"/>
-    <p:sldLayoutId id="2147483710" r:id="rId2"/>
-    <p:sldLayoutId id="2147483711" r:id="rId3"/>
-    <p:sldLayoutId id="2147483712" r:id="rId4"/>
-    <p:sldLayoutId id="2147483713" r:id="rId5"/>
-    <p:sldLayoutId id="2147483714" r:id="rId6"/>
-    <p:sldLayoutId id="2147483715" r:id="rId7"/>
-    <p:sldLayoutId id="2147483716" r:id="rId8"/>
-    <p:sldLayoutId id="2147483717" r:id="rId9"/>
-    <p:sldLayoutId id="2147483718" r:id="rId10"/>
-    <p:sldLayoutId id="2147483719" r:id="rId11"/>
+    <p:sldLayoutId id="2147483817" r:id="rId1"/>
+    <p:sldLayoutId id="2147483818" r:id="rId2"/>
+    <p:sldLayoutId id="2147483819" r:id="rId3"/>
+    <p:sldLayoutId id="2147483820" r:id="rId4"/>
+    <p:sldLayoutId id="2147483821" r:id="rId5"/>
+    <p:sldLayoutId id="2147483822" r:id="rId6"/>
+    <p:sldLayoutId id="2147483823" r:id="rId7"/>
+    <p:sldLayoutId id="2147483824" r:id="rId8"/>
+    <p:sldLayoutId id="2147483825" r:id="rId9"/>
+    <p:sldLayoutId id="2147483826" r:id="rId10"/>
+    <p:sldLayoutId id="2147483827" r:id="rId11"/>
   </p:sldLayoutIdLst>
   <p:txStyles>
     <p:titleStyle>
-      <a:lvl1pPr algn="ctr" rtl="0" eaLnBrk="1" latinLnBrk="0" hangingPunct="1">
+      <a:lvl1pPr algn="l" rtl="0" eaLnBrk="1" latinLnBrk="0" hangingPunct="1">
         <a:spcBef>
           <a:spcPct val="0"/>
         </a:spcBef>
         <a:buNone/>
-        <a:defRPr kumimoji="0" sz="4100" b="1" kern="1200" cap="none" baseline="0">
-          <a:ln w="6350">
-            <a:noFill/>
+        <a:defRPr kumimoji="0" sz="3800" b="1" kern="1200" cap="all" baseline="0">
+          <a:ln w="500">
+            <a:solidFill>
+              <a:schemeClr val="tx2">
+                <a:shade val="20000"/>
+                <a:satMod val="120000"/>
+              </a:schemeClr>
+            </a:solidFill>
           </a:ln>
           <a:gradFill>
             <a:gsLst>
               <a:gs pos="0">
-                <a:schemeClr val="accent1">
-                  <a:tint val="73000"/>
-                  <a:satMod val="145000"/>
+                <a:schemeClr val="accent4">
+                  <a:tint val="13000"/>
                 </a:schemeClr>
               </a:gs>
-              <a:gs pos="73000">
-                <a:schemeClr val="accent1">
-                  <a:tint val="73000"/>
-                  <a:satMod val="145000"/>
+              <a:gs pos="10000">
+                <a:schemeClr val="accent4">
+                  <a:tint val="20000"/>
+                </a:schemeClr>
+              </a:gs>
+              <a:gs pos="49000">
+                <a:schemeClr val="accent4">
+                  <a:tint val="70000"/>
+                </a:schemeClr>
+              </a:gs>
+              <a:gs pos="50000">
+                <a:schemeClr val="accent4">
+                  <a:tint val="97000"/>
                 </a:schemeClr>
               </a:gs>
               <a:gs pos="100000">
-                <a:schemeClr val="accent1">
-                  <a:tint val="83000"/>
-                  <a:satMod val="143000"/>
+                <a:schemeClr val="accent4">
+                  <a:tint val="20000"/>
                 </a:schemeClr>
               </a:gs>
             </a:gsLst>
-            <a:lin ang="4800000" scaled="1"/>
+            <a:lin ang="5400000" scaled="1"/>
           </a:gradFill>
-          <a:effectLst>
-            <a:outerShdw blurRad="114300" dist="101600" dir="2700000" algn="tl" rotWithShape="0">
-              <a:srgbClr val="000000">
-                <a:alpha val="40000"/>
-              </a:srgbClr>
-            </a:outerShdw>
-          </a:effectLst>
+          <a:effectLst/>
           <a:latin typeface="+mj-lt"/>
           <a:ea typeface="+mj-ea"/>
           <a:cs typeface="+mj-cs"/>
         </a:defRPr>
       </a:lvl1pPr>
+      <a:extLst/>
     </p:titleStyle>
     <p:bodyStyle>
-      <a:lvl1pPr marL="548640" indent="-411480" algn="l" rtl="0" eaLnBrk="1" latinLnBrk="0" hangingPunct="1">
+      <a:lvl1pPr marL="274320" indent="-274320" algn="l" rtl="0" eaLnBrk="1" latinLnBrk="0" hangingPunct="1">
         <a:spcBef>
-          <a:spcPct val="20000"/>
+          <a:spcPts val="600"/>
         </a:spcBef>
         <a:buClr>
-          <a:schemeClr val="tx1">
-            <a:shade val="95000"/>
-          </a:schemeClr>
+          <a:schemeClr val="tx2"/>
         </a:buClr>
-        <a:buSzPct val="65000"/>
+        <a:buSzPct val="73000"/>
         <a:buFont typeface="Wingdings 2"/>
-        <a:buChar char=""/>
-        <a:defRPr kumimoji="0" sz="2800" kern="1200">
+        <a:buChar char=""/>
+        <a:defRPr kumimoji="0" sz="2600" kern="1200" baseline="0">
           <a:solidFill>
             <a:schemeClr val="tx1"/>
           </a:solidFill>
@@ -2810,36 +3334,38 @@
           <a:cs typeface="+mn-cs"/>
         </a:defRPr>
       </a:lvl1pPr>
-      <a:lvl2pPr marL="868680" indent="-283464" algn="l" rtl="0" eaLnBrk="1" latinLnBrk="0" hangingPunct="1">
+      <a:lvl2pPr marL="521208" indent="-228600" algn="l" rtl="0" eaLnBrk="1" latinLnBrk="0" hangingPunct="1">
         <a:spcBef>
-          <a:spcPct val="20000"/>
+          <a:spcPts val="500"/>
         </a:spcBef>
         <a:buClr>
-          <a:schemeClr val="tx1"/>
+          <a:schemeClr val="accent4"/>
         </a:buClr>
         <a:buSzPct val="80000"/>
         <a:buFont typeface="Wingdings 2"/>
         <a:buChar char=""/>
-        <a:defRPr kumimoji="0" sz="2400" kern="1200">
+        <a:defRPr kumimoji="0" sz="2300" kern="1200">
           <a:solidFill>
-            <a:schemeClr val="tx1"/>
+            <a:schemeClr val="tx1">
+              <a:tint val="85000"/>
+            </a:schemeClr>
           </a:solidFill>
           <a:latin typeface="+mn-lt"/>
           <a:ea typeface="+mn-ea"/>
           <a:cs typeface="+mn-cs"/>
         </a:defRPr>
       </a:lvl2pPr>
-      <a:lvl3pPr marL="1133856" indent="-228600" algn="l" rtl="0" eaLnBrk="1" latinLnBrk="0" hangingPunct="1">
+      <a:lvl3pPr marL="758952" indent="-228600" algn="l" rtl="0" eaLnBrk="1" latinLnBrk="0" hangingPunct="1">
         <a:spcBef>
-          <a:spcPct val="20000"/>
+          <a:spcPts val="400"/>
         </a:spcBef>
         <a:buClr>
-          <a:schemeClr val="tx1"/>
+          <a:schemeClr val="accent4"/>
         </a:buClr>
-        <a:buSzPct val="95000"/>
+        <a:buSzPct val="60000"/>
         <a:buFont typeface="Wingdings"/>
-        <a:buChar char=""/>
-        <a:defRPr kumimoji="0" sz="2200" kern="1200">
+        <a:buChar char=""/>
+        <a:defRPr kumimoji="0" sz="2000" kern="1200">
           <a:solidFill>
             <a:schemeClr val="tx1"/>
           </a:solidFill>
@@ -2848,35 +3374,38 @@
           <a:cs typeface="+mn-cs"/>
         </a:defRPr>
       </a:lvl3pPr>
-      <a:lvl4pPr marL="1353312" indent="-182880" algn="l" rtl="0" eaLnBrk="1" latinLnBrk="0" hangingPunct="1">
+      <a:lvl4pPr marL="1005840" indent="-228600" algn="l" rtl="0" eaLnBrk="1" latinLnBrk="0" hangingPunct="1">
         <a:spcBef>
           <a:spcPct val="20000"/>
         </a:spcBef>
         <a:buClr>
-          <a:schemeClr val="tx1"/>
+          <a:schemeClr val="accent4"/>
         </a:buClr>
-        <a:buSzPct val="100000"/>
-        <a:buFont typeface="Wingdings 3"/>
-        <a:buChar char=""/>
+        <a:buSzPct val="80000"/>
+        <a:buFont typeface="Wingdings 2"/>
+        <a:buChar char=""/>
         <a:defRPr kumimoji="0" sz="2000" kern="1200">
           <a:solidFill>
-            <a:schemeClr val="tx1"/>
+            <a:schemeClr val="tx1">
+              <a:tint val="85000"/>
+            </a:schemeClr>
           </a:solidFill>
           <a:latin typeface="+mn-lt"/>
           <a:ea typeface="+mn-ea"/>
           <a:cs typeface="+mn-cs"/>
         </a:defRPr>
       </a:lvl4pPr>
-      <a:lvl5pPr marL="1545336" indent="-182880" algn="l" rtl="0" eaLnBrk="1" latinLnBrk="0" hangingPunct="1">
+      <a:lvl5pPr marL="1280160" indent="-228600" algn="l" rtl="0" eaLnBrk="1" latinLnBrk="0" hangingPunct="1">
         <a:spcBef>
-          <a:spcPct val="20000"/>
+          <a:spcPts val="400"/>
         </a:spcBef>
         <a:buClr>
-          <a:schemeClr val="tx1"/>
+          <a:schemeClr val="accent4"/>
         </a:buClr>
-        <a:buFont typeface="Wingdings 2"/>
-        <a:buChar char=""/>
-        <a:defRPr kumimoji="0" sz="2000" kern="1200">
+        <a:buSzPct val="70000"/>
+        <a:buFont typeface="Wingdings"/>
+        <a:buChar char=""/>
+        <a:defRPr kumimoji="0" sz="1800" kern="1200">
           <a:solidFill>
             <a:schemeClr val="tx1"/>
           </a:solidFill>
@@ -2885,34 +3414,38 @@
           <a:cs typeface="+mn-cs"/>
         </a:defRPr>
       </a:lvl5pPr>
-      <a:lvl6pPr marL="1764792" indent="-182880" algn="l" rtl="0" eaLnBrk="1" latinLnBrk="0" hangingPunct="1">
+      <a:lvl6pPr marL="1472184" indent="-182880" algn="l" rtl="0" eaLnBrk="1" latinLnBrk="0" hangingPunct="1">
         <a:spcBef>
-          <a:spcPct val="20000"/>
+          <a:spcPts val="400"/>
         </a:spcBef>
         <a:buClr>
-          <a:schemeClr val="tx1"/>
+          <a:schemeClr val="accent4"/>
         </a:buClr>
-        <a:buFont typeface="Wingdings 3"/>
-        <a:buChar char=""/>
+        <a:buSzPct val="80000"/>
+        <a:buFont typeface="Wingdings 2"/>
+        <a:buChar char=""/>
         <a:defRPr kumimoji="0" sz="1800" kern="1200">
           <a:solidFill>
-            <a:schemeClr val="tx1"/>
+            <a:schemeClr val="tx1">
+              <a:tint val="85000"/>
+            </a:schemeClr>
           </a:solidFill>
           <a:latin typeface="+mn-lt"/>
           <a:ea typeface="+mn-ea"/>
           <a:cs typeface="+mn-cs"/>
         </a:defRPr>
       </a:lvl6pPr>
-      <a:lvl7pPr marL="1965960" indent="-182880" algn="l" rtl="0" eaLnBrk="1" latinLnBrk="0" hangingPunct="1">
+      <a:lvl7pPr marL="1673352" indent="-182880" algn="l" rtl="0" eaLnBrk="1" latinLnBrk="0" hangingPunct="1">
         <a:spcBef>
           <a:spcPct val="20000"/>
         </a:spcBef>
         <a:buClr>
-          <a:schemeClr val="tx1"/>
+          <a:schemeClr val="accent4"/>
         </a:buClr>
+        <a:buSzPct val="80000"/>
         <a:buFont typeface="Wingdings 2"/>
-        <a:buChar char=""/>
-        <a:defRPr kumimoji="0" sz="1600" kern="1200">
+        <a:buChar char=""/>
+        <a:defRPr kumimoji="0" sz="1600" kern="1200" baseline="0">
           <a:solidFill>
             <a:schemeClr val="tx1"/>
           </a:solidFill>
@@ -2921,33 +3454,36 @@
           <a:cs typeface="+mn-cs"/>
         </a:defRPr>
       </a:lvl7pPr>
-      <a:lvl8pPr marL="2167128" indent="-182880" algn="l" rtl="0" eaLnBrk="1" latinLnBrk="0" hangingPunct="1">
+      <a:lvl8pPr marL="1847088" indent="-182880" algn="l" rtl="0" eaLnBrk="1" latinLnBrk="0" hangingPunct="1">
         <a:spcBef>
-          <a:spcPct val="20000"/>
+          <a:spcPts val="300"/>
         </a:spcBef>
         <a:buClr>
-          <a:schemeClr val="tx1"/>
+          <a:schemeClr val="accent4"/>
         </a:buClr>
-        <a:buFont typeface="Wingdings 2"/>
-        <a:buChar char=""/>
-        <a:defRPr kumimoji="0" sz="1400" kern="1200">
+        <a:buSzPct val="100000"/>
+        <a:buChar char="•"/>
+        <a:defRPr kumimoji="0" sz="1600" kern="1200" baseline="0">
           <a:solidFill>
-            <a:schemeClr val="tx1"/>
+            <a:schemeClr val="tx1">
+              <a:tint val="85000"/>
+            </a:schemeClr>
           </a:solidFill>
           <a:latin typeface="+mn-lt"/>
           <a:ea typeface="+mn-ea"/>
           <a:cs typeface="+mn-cs"/>
         </a:defRPr>
       </a:lvl8pPr>
-      <a:lvl9pPr marL="2368296" indent="-182880" algn="l" rtl="0" eaLnBrk="1" latinLnBrk="0" hangingPunct="1">
+      <a:lvl9pPr marL="2057400" indent="-182880" algn="l" rtl="0" eaLnBrk="1" latinLnBrk="0" hangingPunct="1">
         <a:spcBef>
           <a:spcPct val="20000"/>
         </a:spcBef>
         <a:buClr>
-          <a:schemeClr val="tx1"/>
+          <a:schemeClr val="accent4"/>
         </a:buClr>
-        <a:buFont typeface="Wingdings 2"/>
-        <a:buChar char=""/>
+        <a:buSzPct val="100000"/>
+        <a:buFont typeface="Wingdings"/>
+        <a:buChar char="§"/>
         <a:defRPr kumimoji="0" sz="1400" kern="1200" baseline="0">
           <a:solidFill>
             <a:schemeClr val="tx1"/>
@@ -2957,6 +3493,7 @@
           <a:cs typeface="+mn-cs"/>
         </a:defRPr>
       </a:lvl9pPr>
+      <a:extLst/>
     </p:bodyStyle>
     <p:otherStyle>
       <a:lvl1pPr marL="0" algn="l" rtl="0" eaLnBrk="1" latinLnBrk="0" hangingPunct="1">
@@ -3049,6 +3586,7 @@
           <a:cs typeface="+mn-cs"/>
         </a:defRPr>
       </a:lvl9pPr>
+      <a:extLst/>
     </p:otherStyle>
   </p:txStyles>
 </p:sldMaster>
@@ -3094,10 +3632,10 @@
           <a:lstStyle/>
           <a:p>
             <a:r>
-              <a:rPr lang="en-US" sz="6600" dirty="0" smtClean="0"/>
+              <a:rPr lang="en-US" sz="5400" b="1" dirty="0" smtClean="0"/>
               <a:t>GRAPH-COLORING</a:t>
             </a:r>
-            <a:endParaRPr lang="en-US" sz="6600" dirty="0"/>
+            <a:endParaRPr lang="en-US" sz="5400" b="1" dirty="0"/>
           </a:p>
         </p:txBody>
       </p:sp>
@@ -3113,8 +3651,8 @@
         </p:nvSpPr>
         <p:spPr>
           <a:xfrm>
-            <a:off x="1371600" y="2667000"/>
-            <a:ext cx="6400800" cy="1676400"/>
+            <a:off x="1371600" y="2819400"/>
+            <a:ext cx="6172200" cy="1524000"/>
           </a:xfrm>
         </p:spPr>
         <p:txBody>
@@ -3123,27 +3661,29 @@
           </a:bodyPr>
           <a:lstStyle/>
           <a:p>
-            <a:r>
-              <a:rPr lang="en-US" sz="4400" b="1" dirty="0" smtClean="0">
+            <a:pPr algn="ctr"/>
+            <a:r>
+              <a:rPr lang="en-US" sz="4400" dirty="0" smtClean="0">
                 <a:solidFill>
-                  <a:schemeClr val="accent1"/>
+                  <a:schemeClr val="tx1"/>
                 </a:solidFill>
               </a:rPr>
               <a:t>PROJECT1.1 </a:t>
             </a:r>
           </a:p>
           <a:p>
-            <a:r>
-              <a:rPr lang="en-US" sz="4400" b="1" i="1" dirty="0" smtClean="0">
+            <a:pPr algn="l"/>
+            <a:r>
+              <a:rPr lang="en-US" sz="4400" i="1" dirty="0" smtClean="0">
                 <a:solidFill>
-                  <a:schemeClr val="accent1"/>
+                  <a:schemeClr val="tx1"/>
                 </a:solidFill>
               </a:rPr>
-              <a:t>(Group 10)</a:t>
-            </a:r>
-          </a:p>
-          <a:p>
-            <a:pPr algn="l"/>
+              <a:t>          (Group 10)  </a:t>
+            </a:r>
+          </a:p>
+          <a:p>
+            <a:pPr algn="ctr"/>
             <a:endParaRPr lang="en-US" sz="3600" b="1" dirty="0">
               <a:solidFill>
                 <a:schemeClr val="accent1"/>
@@ -3267,8 +3807,8 @@
         </p:blipFill>
         <p:spPr bwMode="auto">
           <a:xfrm>
-            <a:off x="0" y="4800600"/>
-            <a:ext cx="3072384" cy="1828800"/>
+            <a:off x="128016" y="5029200"/>
+            <a:ext cx="2688336" cy="1600200"/>
           </a:xfrm>
           <a:prstGeom prst="rect">
             <a:avLst/>
@@ -3293,7 +3833,7 @@
         </p:blipFill>
         <p:spPr bwMode="auto">
           <a:xfrm>
-            <a:off x="7239000" y="2743200"/>
+            <a:off x="7340958" y="4876800"/>
             <a:ext cx="1803042" cy="1600200"/>
           </a:xfrm>
           <a:prstGeom prst="rect">
@@ -3344,35 +3884,1779 @@
             <p:ph type="title"/>
           </p:nvPr>
         </p:nvSpPr>
-        <p:spPr/>
+        <p:spPr>
+          <a:xfrm>
+            <a:off x="457200" y="2057400"/>
+            <a:ext cx="7391400" cy="1600200"/>
+          </a:xfrm>
+        </p:spPr>
+        <p:txBody>
+          <a:bodyPr/>
+          <a:lstStyle/>
+          <a:p>
+            <a:pPr algn="ctr"/>
+            <a:r>
+              <a:rPr lang="en-US" sz="7200" dirty="0" smtClean="0"/>
+              <a:t>BRUTE FORCE</a:t>
+            </a:r>
+            <a:endParaRPr lang="en-US" sz="7200" b="1" dirty="0"/>
+          </a:p>
+        </p:txBody>
+      </p:sp>
+    </p:spTree>
+  </p:cSld>
+  <p:clrMapOvr>
+    <a:masterClrMapping/>
+  </p:clrMapOvr>
+  <p:timing>
+    <p:tnLst>
+      <p:par>
+        <p:cTn id="1" dur="indefinite" restart="never" nodeType="tmRoot"/>
+      </p:par>
+    </p:tnLst>
+  </p:timing>
+</p:sld>
+</file>
+
+<file path=ppt/slides/slide11.xml><?xml version="1.0" encoding="utf-8"?>
+<p:sld xmlns:a="http://schemas.openxmlformats.org/drawingml/2006/main" xmlns:r="http://schemas.openxmlformats.org/officeDocument/2006/relationships" xmlns:p="http://schemas.openxmlformats.org/presentationml/2006/main">
+  <p:cSld>
+    <p:spTree>
+      <p:nvGrpSpPr>
+        <p:cNvPr id="1" name=""/>
+        <p:cNvGrpSpPr/>
+        <p:nvPr/>
+      </p:nvGrpSpPr>
+      <p:grpSpPr>
+        <a:xfrm>
+          <a:off x="0" y="0"/>
+          <a:ext cx="0" cy="0"/>
+          <a:chOff x="0" y="0"/>
+          <a:chExt cx="0" cy="0"/>
+        </a:xfrm>
+      </p:grpSpPr>
+      <p:sp>
+        <p:nvSpPr>
+          <p:cNvPr id="2" name="Title 1"/>
+          <p:cNvSpPr>
+            <a:spLocks noGrp="1"/>
+          </p:cNvSpPr>
+          <p:nvPr>
+            <p:ph type="title"/>
+          </p:nvPr>
+        </p:nvSpPr>
+        <p:spPr>
+          <a:xfrm>
+            <a:off x="457200" y="2514600"/>
+            <a:ext cx="7242048" cy="1295400"/>
+          </a:xfrm>
+        </p:spPr>
         <p:txBody>
           <a:bodyPr>
             <a:normAutofit/>
           </a:bodyPr>
           <a:lstStyle/>
           <a:p>
-            <a:r>
-              <a:rPr lang="en-US" dirty="0" err="1" smtClean="0"/>
-              <a:t>Conculsion</a:t>
-            </a:r>
-            <a:endParaRPr lang="en-US" dirty="0"/>
-          </a:p>
-        </p:txBody>
-      </p:sp>
-      <p:sp>
-        <p:nvSpPr>
-          <p:cNvPr id="3" name="Content Placeholder 2"/>
-          <p:cNvSpPr>
-            <a:spLocks noGrp="1"/>
-          </p:cNvSpPr>
-          <p:nvPr>
-            <p:ph idx="1"/>
+            <a:pPr algn="ctr"/>
+            <a:r>
+              <a:rPr lang="en-US" sz="7200" dirty="0" smtClean="0"/>
+              <a:t>LOWER BOUND</a:t>
+            </a:r>
+            <a:endParaRPr lang="en-US" sz="7200" dirty="0"/>
+          </a:p>
+        </p:txBody>
+      </p:sp>
+    </p:spTree>
+  </p:cSld>
+  <p:clrMapOvr>
+    <a:masterClrMapping/>
+  </p:clrMapOvr>
+  <p:timing>
+    <p:tnLst>
+      <p:par>
+        <p:cTn id="1" dur="indefinite" restart="never" nodeType="tmRoot"/>
+      </p:par>
+    </p:tnLst>
+  </p:timing>
+</p:sld>
+</file>
+
+<file path=ppt/slides/slide12.xml><?xml version="1.0" encoding="utf-8"?>
+<p:sld xmlns:a="http://schemas.openxmlformats.org/drawingml/2006/main" xmlns:r="http://schemas.openxmlformats.org/officeDocument/2006/relationships" xmlns:p="http://schemas.openxmlformats.org/presentationml/2006/main">
+  <p:cSld>
+    <p:spTree>
+      <p:nvGrpSpPr>
+        <p:cNvPr id="1" name=""/>
+        <p:cNvGrpSpPr/>
+        <p:nvPr/>
+      </p:nvGrpSpPr>
+      <p:grpSpPr>
+        <a:xfrm>
+          <a:off x="0" y="0"/>
+          <a:ext cx="0" cy="0"/>
+          <a:chOff x="0" y="0"/>
+          <a:chExt cx="0" cy="0"/>
+        </a:xfrm>
+      </p:grpSpPr>
+      <p:sp>
+        <p:nvSpPr>
+          <p:cNvPr id="2" name="Title 1"/>
+          <p:cNvSpPr>
+            <a:spLocks noGrp="1"/>
+          </p:cNvSpPr>
+          <p:nvPr>
+            <p:ph type="title"/>
           </p:nvPr>
         </p:nvSpPr>
         <p:spPr/>
         <p:txBody>
           <a:bodyPr/>
           <a:lstStyle/>
+          <a:p>
+            <a:r>
+              <a:rPr lang="en-US" dirty="0" smtClean="0"/>
+              <a:t>Genetic Algorithm</a:t>
+            </a:r>
+            <a:endParaRPr lang="en-US" dirty="0"/>
+          </a:p>
+        </p:txBody>
+      </p:sp>
+      <p:sp>
+        <p:nvSpPr>
+          <p:cNvPr id="3" name="Content Placeholder 2"/>
+          <p:cNvSpPr>
+            <a:spLocks noGrp="1"/>
+          </p:cNvSpPr>
+          <p:nvPr>
+            <p:ph idx="1"/>
+          </p:nvPr>
+        </p:nvSpPr>
+        <p:spPr/>
+        <p:txBody>
+          <a:bodyPr/>
+          <a:lstStyle/>
+          <a:p>
+            <a:pPr>
+              <a:buFont typeface="Wingdings" pitchFamily="2" charset="2"/>
+              <a:buChar char="Ø"/>
+            </a:pPr>
+            <a:r>
+              <a:rPr lang="en-US" dirty="0" smtClean="0"/>
+              <a:t>Fitness </a:t>
+            </a:r>
+          </a:p>
+          <a:p>
+            <a:pPr>
+              <a:buFont typeface="Wingdings" pitchFamily="2" charset="2"/>
+              <a:buChar char="Ø"/>
+            </a:pPr>
+            <a:r>
+              <a:rPr lang="en-US" dirty="0" smtClean="0"/>
+              <a:t>Selection</a:t>
+            </a:r>
+          </a:p>
+          <a:p>
+            <a:pPr>
+              <a:buFont typeface="Wingdings" pitchFamily="2" charset="2"/>
+              <a:buChar char="Ø"/>
+            </a:pPr>
+            <a:r>
+              <a:rPr lang="en-US" dirty="0" smtClean="0"/>
+              <a:t>Crossover</a:t>
+            </a:r>
+          </a:p>
+          <a:p>
+            <a:pPr>
+              <a:buFont typeface="Wingdings" pitchFamily="2" charset="2"/>
+              <a:buChar char="Ø"/>
+            </a:pPr>
+            <a:r>
+              <a:rPr lang="en-US" dirty="0" smtClean="0"/>
+              <a:t>Mutation</a:t>
+            </a:r>
+            <a:endParaRPr lang="en-US" dirty="0"/>
+          </a:p>
+        </p:txBody>
+      </p:sp>
+    </p:spTree>
+  </p:cSld>
+  <p:clrMapOvr>
+    <a:masterClrMapping/>
+  </p:clrMapOvr>
+  <p:timing>
+    <p:tnLst>
+      <p:par>
+        <p:cTn id="1" dur="indefinite" restart="never" nodeType="tmRoot"/>
+      </p:par>
+    </p:tnLst>
+  </p:timing>
+</p:sld>
+</file>
+
+<file path=ppt/slides/slide13.xml><?xml version="1.0" encoding="utf-8"?>
+<p:sld xmlns:a="http://schemas.openxmlformats.org/drawingml/2006/main" xmlns:r="http://schemas.openxmlformats.org/officeDocument/2006/relationships" xmlns:p="http://schemas.openxmlformats.org/presentationml/2006/main">
+  <p:cSld>
+    <p:spTree>
+      <p:nvGrpSpPr>
+        <p:cNvPr id="1" name=""/>
+        <p:cNvGrpSpPr/>
+        <p:nvPr/>
+      </p:nvGrpSpPr>
+      <p:grpSpPr>
+        <a:xfrm>
+          <a:off x="0" y="0"/>
+          <a:ext cx="0" cy="0"/>
+          <a:chOff x="0" y="0"/>
+          <a:chExt cx="0" cy="0"/>
+        </a:xfrm>
+      </p:grpSpPr>
+      <p:sp>
+        <p:nvSpPr>
+          <p:cNvPr id="2" name="Title 1"/>
+          <p:cNvSpPr>
+            <a:spLocks noGrp="1"/>
+          </p:cNvSpPr>
+          <p:nvPr>
+            <p:ph type="title"/>
+          </p:nvPr>
+        </p:nvSpPr>
+        <p:spPr/>
+        <p:txBody>
+          <a:bodyPr/>
+          <a:lstStyle/>
+          <a:p>
+            <a:r>
+              <a:rPr lang="en-US" b="1" dirty="0" smtClean="0"/>
+              <a:t>Experiments </a:t>
+            </a:r>
+            <a:endParaRPr lang="en-US" b="1" dirty="0"/>
+          </a:p>
+        </p:txBody>
+      </p:sp>
+      <p:sp>
+        <p:nvSpPr>
+          <p:cNvPr id="3" name="Content Placeholder 2"/>
+          <p:cNvSpPr>
+            <a:spLocks noGrp="1"/>
+          </p:cNvSpPr>
+          <p:nvPr>
+            <p:ph idx="1"/>
+          </p:nvPr>
+        </p:nvSpPr>
+        <p:spPr/>
+        <p:txBody>
+          <a:bodyPr>
+            <a:normAutofit/>
+          </a:bodyPr>
+          <a:lstStyle/>
+          <a:p>
+            <a:pPr>
+              <a:buFont typeface="Wingdings" pitchFamily="2" charset="2"/>
+              <a:buChar char="Ø"/>
+            </a:pPr>
+            <a:r>
+              <a:rPr lang="en-US" sz="3600" dirty="0" smtClean="0"/>
+              <a:t>Experiments on the different structure graphs</a:t>
+            </a:r>
+          </a:p>
+          <a:p>
+            <a:pPr>
+              <a:buFont typeface="Wingdings" pitchFamily="2" charset="2"/>
+              <a:buChar char="Ø"/>
+            </a:pPr>
+            <a:r>
+              <a:rPr lang="en-US" sz="3600" dirty="0" smtClean="0"/>
+              <a:t>Genetic Algorithm</a:t>
+            </a:r>
+          </a:p>
+          <a:p>
+            <a:pPr>
+              <a:buNone/>
+            </a:pPr>
+            <a:r>
+              <a:rPr lang="en-US" sz="3200" dirty="0" smtClean="0"/>
+              <a:t>	-Genetic VS Greedy</a:t>
+            </a:r>
+          </a:p>
+          <a:p>
+            <a:pPr>
+              <a:buNone/>
+            </a:pPr>
+            <a:r>
+              <a:rPr lang="en-US" sz="3200" dirty="0" smtClean="0"/>
+              <a:t>	-Altering population/rates</a:t>
+            </a:r>
+            <a:endParaRPr lang="en-US" sz="3200" dirty="0"/>
+          </a:p>
+        </p:txBody>
+      </p:sp>
+    </p:spTree>
+  </p:cSld>
+  <p:clrMapOvr>
+    <a:masterClrMapping/>
+  </p:clrMapOvr>
+  <p:timing>
+    <p:tnLst>
+      <p:par>
+        <p:cTn id="1" dur="indefinite" restart="never" nodeType="tmRoot"/>
+      </p:par>
+    </p:tnLst>
+  </p:timing>
+</p:sld>
+</file>
+
+<file path=ppt/slides/slide14.xml><?xml version="1.0" encoding="utf-8"?>
+<p:sld xmlns:a="http://schemas.openxmlformats.org/drawingml/2006/main" xmlns:r="http://schemas.openxmlformats.org/officeDocument/2006/relationships" xmlns:p="http://schemas.openxmlformats.org/presentationml/2006/main">
+  <p:cSld>
+    <p:spTree>
+      <p:nvGrpSpPr>
+        <p:cNvPr id="1" name=""/>
+        <p:cNvGrpSpPr/>
+        <p:nvPr/>
+      </p:nvGrpSpPr>
+      <p:grpSpPr>
+        <a:xfrm>
+          <a:off x="0" y="0"/>
+          <a:ext cx="0" cy="0"/>
+          <a:chOff x="0" y="0"/>
+          <a:chExt cx="0" cy="0"/>
+        </a:xfrm>
+      </p:grpSpPr>
+      <p:sp>
+        <p:nvSpPr>
+          <p:cNvPr id="2" name="Title 1"/>
+          <p:cNvSpPr>
+            <a:spLocks noGrp="1"/>
+          </p:cNvSpPr>
+          <p:nvPr>
+            <p:ph type="title"/>
+          </p:nvPr>
+        </p:nvSpPr>
+        <p:spPr/>
+        <p:txBody>
+          <a:bodyPr/>
+          <a:lstStyle/>
+          <a:p>
+            <a:r>
+              <a:rPr lang="en-US" b="1" dirty="0" smtClean="0"/>
+              <a:t>Results-Part1</a:t>
+            </a:r>
+            <a:endParaRPr lang="en-US" b="1" dirty="0"/>
+          </a:p>
+        </p:txBody>
+      </p:sp>
+      <p:graphicFrame>
+        <p:nvGraphicFramePr>
+          <p:cNvPr id="6" name="Content Placeholder 5"/>
+          <p:cNvGraphicFramePr>
+            <a:graphicFrameLocks noGrp="1"/>
+          </p:cNvGraphicFramePr>
+          <p:nvPr>
+            <p:ph idx="1"/>
+          </p:nvPr>
+        </p:nvGraphicFramePr>
+        <p:xfrm>
+          <a:off x="457200" y="1609725"/>
+          <a:ext cx="7239000" cy="4348480"/>
+        </p:xfrm>
+        <a:graphic>
+          <a:graphicData uri="http://schemas.openxmlformats.org/drawingml/2006/table">
+            <a:tbl>
+              <a:tblPr firstRow="1" bandRow="1">
+                <a:tableStyleId>{073A0DAA-6AF3-43AB-8588-CEC1D06C72B9}</a:tableStyleId>
+              </a:tblPr>
+              <a:tblGrid>
+                <a:gridCol w="1809750"/>
+                <a:gridCol w="1809750"/>
+                <a:gridCol w="1608667"/>
+                <a:gridCol w="2010833"/>
+              </a:tblGrid>
+              <a:tr h="370840">
+                <a:tc>
+                  <a:txBody>
+                    <a:bodyPr/>
+                    <a:lstStyle/>
+                    <a:p>
+                      <a:r>
+                        <a:rPr lang="en-US" dirty="0" smtClean="0"/>
+                        <a:t>Graphs</a:t>
+                      </a:r>
+                      <a:endParaRPr lang="en-US" dirty="0"/>
+                    </a:p>
+                  </a:txBody>
+                  <a:tcPr marL="80433" marR="80433"/>
+                </a:tc>
+                <a:tc>
+                  <a:txBody>
+                    <a:bodyPr/>
+                    <a:lstStyle/>
+                    <a:p>
+                      <a:r>
+                        <a:rPr lang="en-US" dirty="0" smtClean="0"/>
+                        <a:t>Upper Bound</a:t>
+                      </a:r>
+                      <a:endParaRPr lang="en-US" dirty="0"/>
+                    </a:p>
+                  </a:txBody>
+                  <a:tcPr marL="80433" marR="80433"/>
+                </a:tc>
+                <a:tc>
+                  <a:txBody>
+                    <a:bodyPr/>
+                    <a:lstStyle/>
+                    <a:p>
+                      <a:r>
+                        <a:rPr lang="en-US" dirty="0" smtClean="0"/>
+                        <a:t>Lower Bound</a:t>
+                      </a:r>
+                      <a:endParaRPr lang="en-US" dirty="0"/>
+                    </a:p>
+                  </a:txBody>
+                  <a:tcPr marL="80433" marR="80433"/>
+                </a:tc>
+                <a:tc>
+                  <a:txBody>
+                    <a:bodyPr/>
+                    <a:lstStyle/>
+                    <a:p>
+                      <a:r>
+                        <a:rPr lang="en-US" dirty="0" smtClean="0"/>
+                        <a:t>Chromatic Number</a:t>
+                      </a:r>
+                      <a:endParaRPr lang="en-US" dirty="0"/>
+                    </a:p>
+                  </a:txBody>
+                  <a:tcPr marL="80433" marR="80433"/>
+                </a:tc>
+              </a:tr>
+              <a:tr h="370840">
+                <a:tc>
+                  <a:txBody>
+                    <a:bodyPr/>
+                    <a:lstStyle/>
+                    <a:p>
+                      <a:r>
+                        <a:rPr lang="en-US" dirty="0" smtClean="0"/>
+                        <a:t>Graph 1</a:t>
+                      </a:r>
+                      <a:endParaRPr lang="en-US" dirty="0"/>
+                    </a:p>
+                  </a:txBody>
+                  <a:tcPr marL="80433" marR="80433"/>
+                </a:tc>
+                <a:tc>
+                  <a:txBody>
+                    <a:bodyPr/>
+                    <a:lstStyle/>
+                    <a:p>
+                      <a:r>
+                        <a:rPr lang="en-US" dirty="0" smtClean="0"/>
+                        <a:t>3</a:t>
+                      </a:r>
+                      <a:endParaRPr lang="en-US" dirty="0"/>
+                    </a:p>
+                  </a:txBody>
+                  <a:tcPr marL="80433" marR="80433"/>
+                </a:tc>
+                <a:tc>
+                  <a:txBody>
+                    <a:bodyPr/>
+                    <a:lstStyle/>
+                    <a:p>
+                      <a:endParaRPr lang="en-US"/>
+                    </a:p>
+                  </a:txBody>
+                  <a:tcPr marL="80433" marR="80433"/>
+                </a:tc>
+                <a:tc>
+                  <a:txBody>
+                    <a:bodyPr/>
+                    <a:lstStyle/>
+                    <a:p>
+                      <a:r>
+                        <a:rPr lang="en-US" dirty="0" smtClean="0"/>
+                        <a:t>3</a:t>
+                      </a:r>
+                      <a:endParaRPr lang="en-US" dirty="0"/>
+                    </a:p>
+                  </a:txBody>
+                  <a:tcPr marL="80433" marR="80433"/>
+                </a:tc>
+              </a:tr>
+              <a:tr h="370840">
+                <a:tc>
+                  <a:txBody>
+                    <a:bodyPr/>
+                    <a:lstStyle/>
+                    <a:p>
+                      <a:r>
+                        <a:rPr lang="en-US" dirty="0" smtClean="0"/>
+                        <a:t>Graph 2</a:t>
+                      </a:r>
+                      <a:endParaRPr lang="en-US" dirty="0"/>
+                    </a:p>
+                  </a:txBody>
+                  <a:tcPr marL="80433" marR="80433"/>
+                </a:tc>
+                <a:tc>
+                  <a:txBody>
+                    <a:bodyPr/>
+                    <a:lstStyle/>
+                    <a:p>
+                      <a:r>
+                        <a:rPr lang="en-US" dirty="0" smtClean="0"/>
+                        <a:t>5</a:t>
+                      </a:r>
+                      <a:endParaRPr lang="en-US" dirty="0"/>
+                    </a:p>
+                  </a:txBody>
+                  <a:tcPr marL="80433" marR="80433"/>
+                </a:tc>
+                <a:tc>
+                  <a:txBody>
+                    <a:bodyPr/>
+                    <a:lstStyle/>
+                    <a:p>
+                      <a:r>
+                        <a:rPr lang="en-US" dirty="0" smtClean="0"/>
+                        <a:t>3</a:t>
+                      </a:r>
+                      <a:endParaRPr lang="en-US" dirty="0"/>
+                    </a:p>
+                  </a:txBody>
+                  <a:tcPr marL="80433" marR="80433"/>
+                </a:tc>
+                <a:tc>
+                  <a:txBody>
+                    <a:bodyPr/>
+                    <a:lstStyle/>
+                    <a:p>
+                      <a:endParaRPr lang="en-US" dirty="0"/>
+                    </a:p>
+                  </a:txBody>
+                  <a:tcPr marL="80433" marR="80433"/>
+                </a:tc>
+              </a:tr>
+              <a:tr h="370840">
+                <a:tc>
+                  <a:txBody>
+                    <a:bodyPr/>
+                    <a:lstStyle/>
+                    <a:p>
+                      <a:r>
+                        <a:rPr lang="en-US" dirty="0" smtClean="0"/>
+                        <a:t>Graph 3</a:t>
+                      </a:r>
+                      <a:endParaRPr lang="en-US" dirty="0"/>
+                    </a:p>
+                  </a:txBody>
+                  <a:tcPr marL="80433" marR="80433"/>
+                </a:tc>
+                <a:tc>
+                  <a:txBody>
+                    <a:bodyPr/>
+                    <a:lstStyle/>
+                    <a:p>
+                      <a:r>
+                        <a:rPr lang="en-US" u="none" dirty="0" smtClean="0"/>
+                        <a:t>8</a:t>
+                      </a:r>
+                      <a:endParaRPr lang="en-US" u="none" dirty="0"/>
+                    </a:p>
+                  </a:txBody>
+                  <a:tcPr marL="80433" marR="80433"/>
+                </a:tc>
+                <a:tc>
+                  <a:txBody>
+                    <a:bodyPr/>
+                    <a:lstStyle/>
+                    <a:p>
+                      <a:r>
+                        <a:rPr lang="en-US" dirty="0" smtClean="0"/>
+                        <a:t>6</a:t>
+                      </a:r>
+                      <a:endParaRPr lang="en-US" dirty="0"/>
+                    </a:p>
+                  </a:txBody>
+                  <a:tcPr marL="80433" marR="80433"/>
+                </a:tc>
+                <a:tc>
+                  <a:txBody>
+                    <a:bodyPr/>
+                    <a:lstStyle/>
+                    <a:p>
+                      <a:endParaRPr lang="en-US" dirty="0"/>
+                    </a:p>
+                  </a:txBody>
+                  <a:tcPr marL="80433" marR="80433"/>
+                </a:tc>
+              </a:tr>
+              <a:tr h="370840">
+                <a:tc>
+                  <a:txBody>
+                    <a:bodyPr/>
+                    <a:lstStyle/>
+                    <a:p>
+                      <a:r>
+                        <a:rPr lang="en-US" dirty="0" smtClean="0"/>
+                        <a:t>Graph 4</a:t>
+                      </a:r>
+                      <a:endParaRPr lang="en-US" dirty="0"/>
+                    </a:p>
+                  </a:txBody>
+                  <a:tcPr marL="80433" marR="80433"/>
+                </a:tc>
+                <a:tc>
+                  <a:txBody>
+                    <a:bodyPr/>
+                    <a:lstStyle/>
+                    <a:p>
+                      <a:r>
+                        <a:rPr lang="en-US" dirty="0" smtClean="0"/>
+                        <a:t>7</a:t>
+                      </a:r>
+                      <a:endParaRPr lang="en-US" dirty="0"/>
+                    </a:p>
+                  </a:txBody>
+                  <a:tcPr marL="80433" marR="80433"/>
+                </a:tc>
+                <a:tc>
+                  <a:txBody>
+                    <a:bodyPr/>
+                    <a:lstStyle/>
+                    <a:p>
+                      <a:r>
+                        <a:rPr lang="en-US" dirty="0" smtClean="0"/>
+                        <a:t>3</a:t>
+                      </a:r>
+                      <a:endParaRPr lang="en-US" dirty="0"/>
+                    </a:p>
+                  </a:txBody>
+                  <a:tcPr marL="80433" marR="80433"/>
+                </a:tc>
+                <a:tc>
+                  <a:txBody>
+                    <a:bodyPr/>
+                    <a:lstStyle/>
+                    <a:p>
+                      <a:endParaRPr lang="en-US" dirty="0"/>
+                    </a:p>
+                  </a:txBody>
+                  <a:tcPr marL="80433" marR="80433"/>
+                </a:tc>
+              </a:tr>
+              <a:tr h="370840">
+                <a:tc>
+                  <a:txBody>
+                    <a:bodyPr/>
+                    <a:lstStyle/>
+                    <a:p>
+                      <a:r>
+                        <a:rPr lang="en-US" dirty="0" smtClean="0"/>
+                        <a:t>Graph 5</a:t>
+                      </a:r>
+                      <a:endParaRPr lang="en-US" dirty="0"/>
+                    </a:p>
+                  </a:txBody>
+                  <a:tcPr marL="80433" marR="80433"/>
+                </a:tc>
+                <a:tc>
+                  <a:txBody>
+                    <a:bodyPr/>
+                    <a:lstStyle/>
+                    <a:p>
+                      <a:r>
+                        <a:rPr lang="en-US" dirty="0" smtClean="0"/>
+                        <a:t>4</a:t>
+                      </a:r>
+                      <a:endParaRPr lang="en-US" dirty="0"/>
+                    </a:p>
+                  </a:txBody>
+                  <a:tcPr marL="80433" marR="80433"/>
+                </a:tc>
+                <a:tc>
+                  <a:txBody>
+                    <a:bodyPr/>
+                    <a:lstStyle/>
+                    <a:p>
+                      <a:endParaRPr lang="en-US" dirty="0"/>
+                    </a:p>
+                  </a:txBody>
+                  <a:tcPr marL="80433" marR="80433"/>
+                </a:tc>
+                <a:tc>
+                  <a:txBody>
+                    <a:bodyPr/>
+                    <a:lstStyle/>
+                    <a:p>
+                      <a:r>
+                        <a:rPr lang="en-US" dirty="0" smtClean="0"/>
+                        <a:t>2</a:t>
+                      </a:r>
+                      <a:endParaRPr lang="en-US" dirty="0"/>
+                    </a:p>
+                  </a:txBody>
+                  <a:tcPr marL="80433" marR="80433"/>
+                </a:tc>
+              </a:tr>
+              <a:tr h="370840">
+                <a:tc>
+                  <a:txBody>
+                    <a:bodyPr/>
+                    <a:lstStyle/>
+                    <a:p>
+                      <a:r>
+                        <a:rPr lang="en-US" dirty="0" smtClean="0"/>
+                        <a:t>Graph 6</a:t>
+                      </a:r>
+                      <a:endParaRPr lang="en-US" dirty="0"/>
+                    </a:p>
+                  </a:txBody>
+                  <a:tcPr marL="80433" marR="80433"/>
+                </a:tc>
+                <a:tc>
+                  <a:txBody>
+                    <a:bodyPr/>
+                    <a:lstStyle/>
+                    <a:p>
+                      <a:r>
+                        <a:rPr lang="en-US" dirty="0" smtClean="0"/>
+                        <a:t>3</a:t>
+                      </a:r>
+                      <a:endParaRPr lang="en-US" dirty="0"/>
+                    </a:p>
+                  </a:txBody>
+                  <a:tcPr marL="80433" marR="80433"/>
+                </a:tc>
+                <a:tc>
+                  <a:txBody>
+                    <a:bodyPr/>
+                    <a:lstStyle/>
+                    <a:p>
+                      <a:endParaRPr lang="en-US" dirty="0"/>
+                    </a:p>
+                  </a:txBody>
+                  <a:tcPr marL="80433" marR="80433"/>
+                </a:tc>
+                <a:tc>
+                  <a:txBody>
+                    <a:bodyPr/>
+                    <a:lstStyle/>
+                    <a:p>
+                      <a:r>
+                        <a:rPr lang="en-US" dirty="0" smtClean="0"/>
+                        <a:t>3</a:t>
+                      </a:r>
+                      <a:endParaRPr lang="en-US" dirty="0"/>
+                    </a:p>
+                  </a:txBody>
+                  <a:tcPr marL="80433" marR="80433"/>
+                </a:tc>
+              </a:tr>
+              <a:tr h="370840">
+                <a:tc>
+                  <a:txBody>
+                    <a:bodyPr/>
+                    <a:lstStyle/>
+                    <a:p>
+                      <a:r>
+                        <a:rPr lang="en-US" dirty="0" smtClean="0"/>
+                        <a:t>Graph 7</a:t>
+                      </a:r>
+                      <a:endParaRPr lang="en-US" dirty="0"/>
+                    </a:p>
+                  </a:txBody>
+                  <a:tcPr marL="80433" marR="80433"/>
+                </a:tc>
+                <a:tc>
+                  <a:txBody>
+                    <a:bodyPr/>
+                    <a:lstStyle/>
+                    <a:p>
+                      <a:r>
+                        <a:rPr lang="en-US" dirty="0" smtClean="0"/>
+                        <a:t>12</a:t>
+                      </a:r>
+                      <a:endParaRPr lang="en-US" dirty="0"/>
+                    </a:p>
+                  </a:txBody>
+                  <a:tcPr marL="80433" marR="80433"/>
+                </a:tc>
+                <a:tc>
+                  <a:txBody>
+                    <a:bodyPr/>
+                    <a:lstStyle/>
+                    <a:p>
+                      <a:r>
+                        <a:rPr lang="en-US" dirty="0" smtClean="0"/>
+                        <a:t>3</a:t>
+                      </a:r>
+                      <a:endParaRPr lang="en-US" dirty="0"/>
+                    </a:p>
+                  </a:txBody>
+                  <a:tcPr marL="80433" marR="80433"/>
+                </a:tc>
+                <a:tc>
+                  <a:txBody>
+                    <a:bodyPr/>
+                    <a:lstStyle/>
+                    <a:p>
+                      <a:endParaRPr lang="en-US" dirty="0"/>
+                    </a:p>
+                  </a:txBody>
+                  <a:tcPr marL="80433" marR="80433"/>
+                </a:tc>
+              </a:tr>
+              <a:tr h="370840">
+                <a:tc>
+                  <a:txBody>
+                    <a:bodyPr/>
+                    <a:lstStyle/>
+                    <a:p>
+                      <a:r>
+                        <a:rPr lang="en-US" dirty="0" smtClean="0"/>
+                        <a:t>Graph 8</a:t>
+                      </a:r>
+                      <a:endParaRPr lang="en-US" dirty="0"/>
+                    </a:p>
+                  </a:txBody>
+                  <a:tcPr marL="80433" marR="80433"/>
+                </a:tc>
+                <a:tc>
+                  <a:txBody>
+                    <a:bodyPr/>
+                    <a:lstStyle/>
+                    <a:p>
+                      <a:r>
+                        <a:rPr lang="en-US" dirty="0" smtClean="0"/>
+                        <a:t>98</a:t>
+                      </a:r>
+                      <a:endParaRPr lang="en-US" dirty="0"/>
+                    </a:p>
+                  </a:txBody>
+                  <a:tcPr marL="80433" marR="80433"/>
+                </a:tc>
+                <a:tc>
+                  <a:txBody>
+                    <a:bodyPr/>
+                    <a:lstStyle/>
+                    <a:p>
+                      <a:r>
+                        <a:rPr lang="en-US" dirty="0" smtClean="0"/>
+                        <a:t>3</a:t>
+                      </a:r>
+                      <a:endParaRPr lang="en-US" dirty="0"/>
+                    </a:p>
+                  </a:txBody>
+                  <a:tcPr marL="80433" marR="80433"/>
+                </a:tc>
+                <a:tc>
+                  <a:txBody>
+                    <a:bodyPr/>
+                    <a:lstStyle/>
+                    <a:p>
+                      <a:endParaRPr lang="en-US"/>
+                    </a:p>
+                  </a:txBody>
+                  <a:tcPr marL="80433" marR="80433"/>
+                </a:tc>
+              </a:tr>
+              <a:tr h="370840">
+                <a:tc>
+                  <a:txBody>
+                    <a:bodyPr/>
+                    <a:lstStyle/>
+                    <a:p>
+                      <a:r>
+                        <a:rPr lang="en-US" dirty="0" smtClean="0"/>
+                        <a:t>Graph 9</a:t>
+                      </a:r>
+                      <a:endParaRPr lang="en-US" dirty="0"/>
+                    </a:p>
+                  </a:txBody>
+                  <a:tcPr marL="80433" marR="80433"/>
+                </a:tc>
+                <a:tc>
+                  <a:txBody>
+                    <a:bodyPr/>
+                    <a:lstStyle/>
+                    <a:p>
+                      <a:r>
+                        <a:rPr lang="en-US" dirty="0" smtClean="0"/>
+                        <a:t>6</a:t>
+                      </a:r>
+                      <a:endParaRPr lang="en-US" dirty="0"/>
+                    </a:p>
+                  </a:txBody>
+                  <a:tcPr marL="80433" marR="80433"/>
+                </a:tc>
+                <a:tc>
+                  <a:txBody>
+                    <a:bodyPr/>
+                    <a:lstStyle/>
+                    <a:p>
+                      <a:r>
+                        <a:rPr lang="en-US" dirty="0" smtClean="0"/>
+                        <a:t>3</a:t>
+                      </a:r>
+                      <a:endParaRPr lang="en-US" dirty="0"/>
+                    </a:p>
+                  </a:txBody>
+                  <a:tcPr marL="80433" marR="80433"/>
+                </a:tc>
+                <a:tc>
+                  <a:txBody>
+                    <a:bodyPr/>
+                    <a:lstStyle/>
+                    <a:p>
+                      <a:endParaRPr lang="en-US" dirty="0"/>
+                    </a:p>
+                  </a:txBody>
+                  <a:tcPr marL="80433" marR="80433"/>
+                </a:tc>
+              </a:tr>
+              <a:tr h="370840">
+                <a:tc>
+                  <a:txBody>
+                    <a:bodyPr/>
+                    <a:lstStyle/>
+                    <a:p>
+                      <a:r>
+                        <a:rPr lang="en-US" dirty="0" smtClean="0"/>
+                        <a:t>Graph 10</a:t>
+                      </a:r>
+                      <a:endParaRPr lang="en-US" dirty="0"/>
+                    </a:p>
+                  </a:txBody>
+                  <a:tcPr marL="80433" marR="80433"/>
+                </a:tc>
+                <a:tc>
+                  <a:txBody>
+                    <a:bodyPr/>
+                    <a:lstStyle/>
+                    <a:p>
+                      <a:r>
+                        <a:rPr lang="en-US" dirty="0" smtClean="0"/>
+                        <a:t>3</a:t>
+                      </a:r>
+                      <a:endParaRPr lang="en-US" dirty="0"/>
+                    </a:p>
+                  </a:txBody>
+                  <a:tcPr marL="80433" marR="80433"/>
+                </a:tc>
+                <a:tc>
+                  <a:txBody>
+                    <a:bodyPr/>
+                    <a:lstStyle/>
+                    <a:p>
+                      <a:endParaRPr lang="en-US" dirty="0"/>
+                    </a:p>
+                  </a:txBody>
+                  <a:tcPr marL="80433" marR="80433"/>
+                </a:tc>
+                <a:tc>
+                  <a:txBody>
+                    <a:bodyPr/>
+                    <a:lstStyle/>
+                    <a:p>
+                      <a:r>
+                        <a:rPr lang="en-US" dirty="0" smtClean="0"/>
+                        <a:t>3</a:t>
+                      </a:r>
+                      <a:endParaRPr lang="en-US" dirty="0"/>
+                    </a:p>
+                  </a:txBody>
+                  <a:tcPr marL="80433" marR="80433"/>
+                </a:tc>
+              </a:tr>
+            </a:tbl>
+          </a:graphicData>
+        </a:graphic>
+      </p:graphicFrame>
+    </p:spTree>
+  </p:cSld>
+  <p:clrMapOvr>
+    <a:masterClrMapping/>
+  </p:clrMapOvr>
+  <p:timing>
+    <p:tnLst>
+      <p:par>
+        <p:cTn id="1" dur="indefinite" restart="never" nodeType="tmRoot"/>
+      </p:par>
+    </p:tnLst>
+  </p:timing>
+</p:sld>
+</file>
+
+<file path=ppt/slides/slide15.xml><?xml version="1.0" encoding="utf-8"?>
+<p:sld xmlns:a="http://schemas.openxmlformats.org/drawingml/2006/main" xmlns:r="http://schemas.openxmlformats.org/officeDocument/2006/relationships" xmlns:p="http://schemas.openxmlformats.org/presentationml/2006/main">
+  <p:cSld>
+    <p:spTree>
+      <p:nvGrpSpPr>
+        <p:cNvPr id="1" name=""/>
+        <p:cNvGrpSpPr/>
+        <p:nvPr/>
+      </p:nvGrpSpPr>
+      <p:grpSpPr>
+        <a:xfrm>
+          <a:off x="0" y="0"/>
+          <a:ext cx="0" cy="0"/>
+          <a:chOff x="0" y="0"/>
+          <a:chExt cx="0" cy="0"/>
+        </a:xfrm>
+      </p:grpSpPr>
+      <p:sp>
+        <p:nvSpPr>
+          <p:cNvPr id="2" name="Title 1"/>
+          <p:cNvSpPr>
+            <a:spLocks noGrp="1"/>
+          </p:cNvSpPr>
+          <p:nvPr>
+            <p:ph type="title"/>
+          </p:nvPr>
+        </p:nvSpPr>
+        <p:spPr/>
+        <p:txBody>
+          <a:bodyPr/>
+          <a:lstStyle/>
+          <a:p>
+            <a:r>
+              <a:rPr lang="en-US" b="1" dirty="0" smtClean="0"/>
+              <a:t>Results-Part2</a:t>
+            </a:r>
+            <a:endParaRPr lang="en-US" b="1" dirty="0"/>
+          </a:p>
+        </p:txBody>
+      </p:sp>
+      <p:graphicFrame>
+        <p:nvGraphicFramePr>
+          <p:cNvPr id="4" name="Content Placeholder 3"/>
+          <p:cNvGraphicFramePr>
+            <a:graphicFrameLocks noGrp="1"/>
+          </p:cNvGraphicFramePr>
+          <p:nvPr>
+            <p:ph idx="1"/>
+          </p:nvPr>
+        </p:nvGraphicFramePr>
+        <p:xfrm>
+          <a:off x="457200" y="1609725"/>
+          <a:ext cx="7239000" cy="4348480"/>
+        </p:xfrm>
+        <a:graphic>
+          <a:graphicData uri="http://schemas.openxmlformats.org/drawingml/2006/table">
+            <a:tbl>
+              <a:tblPr firstRow="1" bandRow="1">
+                <a:tableStyleId>{073A0DAA-6AF3-43AB-8588-CEC1D06C72B9}</a:tableStyleId>
+              </a:tblPr>
+              <a:tblGrid>
+                <a:gridCol w="1809750"/>
+                <a:gridCol w="1809750"/>
+                <a:gridCol w="1608667"/>
+                <a:gridCol w="2010833"/>
+              </a:tblGrid>
+              <a:tr h="370840">
+                <a:tc>
+                  <a:txBody>
+                    <a:bodyPr/>
+                    <a:lstStyle/>
+                    <a:p>
+                      <a:r>
+                        <a:rPr lang="en-US" dirty="0" smtClean="0"/>
+                        <a:t>Graphs</a:t>
+                      </a:r>
+                      <a:endParaRPr lang="en-US" dirty="0"/>
+                    </a:p>
+                  </a:txBody>
+                  <a:tcPr marL="80433" marR="80433"/>
+                </a:tc>
+                <a:tc>
+                  <a:txBody>
+                    <a:bodyPr/>
+                    <a:lstStyle/>
+                    <a:p>
+                      <a:r>
+                        <a:rPr lang="en-US" dirty="0" smtClean="0"/>
+                        <a:t>Upper Bound</a:t>
+                      </a:r>
+                      <a:endParaRPr lang="en-US" dirty="0"/>
+                    </a:p>
+                  </a:txBody>
+                  <a:tcPr marL="80433" marR="80433"/>
+                </a:tc>
+                <a:tc>
+                  <a:txBody>
+                    <a:bodyPr/>
+                    <a:lstStyle/>
+                    <a:p>
+                      <a:r>
+                        <a:rPr lang="en-US" dirty="0" smtClean="0"/>
+                        <a:t>Lower Bound</a:t>
+                      </a:r>
+                      <a:endParaRPr lang="en-US" dirty="0"/>
+                    </a:p>
+                  </a:txBody>
+                  <a:tcPr marL="80433" marR="80433"/>
+                </a:tc>
+                <a:tc>
+                  <a:txBody>
+                    <a:bodyPr/>
+                    <a:lstStyle/>
+                    <a:p>
+                      <a:r>
+                        <a:rPr lang="en-US" dirty="0" smtClean="0"/>
+                        <a:t>Chromatic Number</a:t>
+                      </a:r>
+                      <a:endParaRPr lang="en-US" dirty="0"/>
+                    </a:p>
+                  </a:txBody>
+                  <a:tcPr marL="80433" marR="80433"/>
+                </a:tc>
+              </a:tr>
+              <a:tr h="370840">
+                <a:tc>
+                  <a:txBody>
+                    <a:bodyPr/>
+                    <a:lstStyle/>
+                    <a:p>
+                      <a:r>
+                        <a:rPr lang="en-US" dirty="0" smtClean="0"/>
+                        <a:t>Graph 11</a:t>
+                      </a:r>
+                      <a:endParaRPr lang="en-US" dirty="0"/>
+                    </a:p>
+                  </a:txBody>
+                  <a:tcPr marL="80433" marR="80433"/>
+                </a:tc>
+                <a:tc>
+                  <a:txBody>
+                    <a:bodyPr/>
+                    <a:lstStyle/>
+                    <a:p>
+                      <a:r>
+                        <a:rPr lang="en-US" dirty="0" smtClean="0"/>
+                        <a:t>15</a:t>
+                      </a:r>
+                      <a:endParaRPr lang="en-US" dirty="0"/>
+                    </a:p>
+                  </a:txBody>
+                  <a:tcPr marL="80433" marR="80433"/>
+                </a:tc>
+                <a:tc>
+                  <a:txBody>
+                    <a:bodyPr/>
+                    <a:lstStyle/>
+                    <a:p>
+                      <a:r>
+                        <a:rPr lang="en-US" dirty="0" smtClean="0"/>
+                        <a:t>3</a:t>
+                      </a:r>
+                      <a:endParaRPr lang="en-US" dirty="0"/>
+                    </a:p>
+                  </a:txBody>
+                  <a:tcPr marL="80433" marR="80433"/>
+                </a:tc>
+                <a:tc>
+                  <a:txBody>
+                    <a:bodyPr/>
+                    <a:lstStyle/>
+                    <a:p>
+                      <a:endParaRPr lang="en-US"/>
+                    </a:p>
+                  </a:txBody>
+                  <a:tcPr marL="80433" marR="80433"/>
+                </a:tc>
+              </a:tr>
+              <a:tr h="370840">
+                <a:tc>
+                  <a:txBody>
+                    <a:bodyPr/>
+                    <a:lstStyle/>
+                    <a:p>
+                      <a:r>
+                        <a:rPr lang="en-US" dirty="0" smtClean="0"/>
+                        <a:t>Graph 12</a:t>
+                      </a:r>
+                      <a:endParaRPr lang="en-US" dirty="0"/>
+                    </a:p>
+                  </a:txBody>
+                  <a:tcPr marL="80433" marR="80433"/>
+                </a:tc>
+                <a:tc>
+                  <a:txBody>
+                    <a:bodyPr/>
+                    <a:lstStyle/>
+                    <a:p>
+                      <a:r>
+                        <a:rPr lang="en-US" dirty="0" smtClean="0"/>
+                        <a:t>3</a:t>
+                      </a:r>
+                      <a:endParaRPr lang="en-US" dirty="0"/>
+                    </a:p>
+                  </a:txBody>
+                  <a:tcPr marL="80433" marR="80433"/>
+                </a:tc>
+                <a:tc>
+                  <a:txBody>
+                    <a:bodyPr/>
+                    <a:lstStyle/>
+                    <a:p>
+                      <a:endParaRPr lang="en-US" dirty="0"/>
+                    </a:p>
+                  </a:txBody>
+                  <a:tcPr marL="80433" marR="80433"/>
+                </a:tc>
+                <a:tc>
+                  <a:txBody>
+                    <a:bodyPr/>
+                    <a:lstStyle/>
+                    <a:p>
+                      <a:r>
+                        <a:rPr lang="en-US" dirty="0" smtClean="0"/>
+                        <a:t>2</a:t>
+                      </a:r>
+                      <a:endParaRPr lang="en-US" dirty="0"/>
+                    </a:p>
+                  </a:txBody>
+                  <a:tcPr marL="80433" marR="80433"/>
+                </a:tc>
+              </a:tr>
+              <a:tr h="370840">
+                <a:tc>
+                  <a:txBody>
+                    <a:bodyPr/>
+                    <a:lstStyle/>
+                    <a:p>
+                      <a:r>
+                        <a:rPr lang="en-US" dirty="0" smtClean="0"/>
+                        <a:t>Graph 13</a:t>
+                      </a:r>
+                      <a:endParaRPr lang="en-US" dirty="0"/>
+                    </a:p>
+                  </a:txBody>
+                  <a:tcPr marL="80433" marR="80433"/>
+                </a:tc>
+                <a:tc>
+                  <a:txBody>
+                    <a:bodyPr/>
+                    <a:lstStyle/>
+                    <a:p>
+                      <a:r>
+                        <a:rPr lang="en-US" dirty="0" smtClean="0"/>
+                        <a:t>14</a:t>
+                      </a:r>
+                      <a:endParaRPr lang="en-US" dirty="0"/>
+                    </a:p>
+                  </a:txBody>
+                  <a:tcPr marL="80433" marR="80433"/>
+                </a:tc>
+                <a:tc>
+                  <a:txBody>
+                    <a:bodyPr/>
+                    <a:lstStyle/>
+                    <a:p>
+                      <a:r>
+                        <a:rPr lang="en-US" dirty="0" smtClean="0"/>
+                        <a:t>3</a:t>
+                      </a:r>
+                      <a:endParaRPr lang="en-US" dirty="0"/>
+                    </a:p>
+                  </a:txBody>
+                  <a:tcPr marL="80433" marR="80433"/>
+                </a:tc>
+                <a:tc>
+                  <a:txBody>
+                    <a:bodyPr/>
+                    <a:lstStyle/>
+                    <a:p>
+                      <a:endParaRPr lang="en-US" dirty="0"/>
+                    </a:p>
+                  </a:txBody>
+                  <a:tcPr marL="80433" marR="80433"/>
+                </a:tc>
+              </a:tr>
+              <a:tr h="370840">
+                <a:tc>
+                  <a:txBody>
+                    <a:bodyPr/>
+                    <a:lstStyle/>
+                    <a:p>
+                      <a:r>
+                        <a:rPr lang="en-US" dirty="0" smtClean="0"/>
+                        <a:t>Graph 14</a:t>
+                      </a:r>
+                      <a:endParaRPr lang="en-US" dirty="0"/>
+                    </a:p>
+                  </a:txBody>
+                  <a:tcPr marL="80433" marR="80433"/>
+                </a:tc>
+                <a:tc>
+                  <a:txBody>
+                    <a:bodyPr/>
+                    <a:lstStyle/>
+                    <a:p>
+                      <a:r>
+                        <a:rPr lang="en-US" dirty="0" smtClean="0"/>
+                        <a:t>5</a:t>
+                      </a:r>
+                      <a:endParaRPr lang="en-US" dirty="0"/>
+                    </a:p>
+                  </a:txBody>
+                  <a:tcPr marL="80433" marR="80433"/>
+                </a:tc>
+                <a:tc>
+                  <a:txBody>
+                    <a:bodyPr/>
+                    <a:lstStyle/>
+                    <a:p>
+                      <a:r>
+                        <a:rPr lang="en-US" dirty="0" smtClean="0"/>
+                        <a:t>3</a:t>
+                      </a:r>
+                      <a:endParaRPr lang="en-US" dirty="0"/>
+                    </a:p>
+                  </a:txBody>
+                  <a:tcPr marL="80433" marR="80433"/>
+                </a:tc>
+                <a:tc>
+                  <a:txBody>
+                    <a:bodyPr/>
+                    <a:lstStyle/>
+                    <a:p>
+                      <a:endParaRPr lang="en-US" dirty="0"/>
+                    </a:p>
+                  </a:txBody>
+                  <a:tcPr marL="80433" marR="80433"/>
+                </a:tc>
+              </a:tr>
+              <a:tr h="370840">
+                <a:tc>
+                  <a:txBody>
+                    <a:bodyPr/>
+                    <a:lstStyle/>
+                    <a:p>
+                      <a:r>
+                        <a:rPr lang="en-US" dirty="0" smtClean="0"/>
+                        <a:t>Graph 15</a:t>
+                      </a:r>
+                      <a:endParaRPr lang="en-US" dirty="0"/>
+                    </a:p>
+                  </a:txBody>
+                  <a:tcPr marL="80433" marR="80433"/>
+                </a:tc>
+                <a:tc>
+                  <a:txBody>
+                    <a:bodyPr/>
+                    <a:lstStyle/>
+                    <a:p>
+                      <a:r>
+                        <a:rPr lang="en-US" dirty="0" smtClean="0"/>
+                        <a:t>10</a:t>
+                      </a:r>
+                      <a:endParaRPr lang="en-US" dirty="0"/>
+                    </a:p>
+                  </a:txBody>
+                  <a:tcPr marL="80433" marR="80433"/>
+                </a:tc>
+                <a:tc>
+                  <a:txBody>
+                    <a:bodyPr/>
+                    <a:lstStyle/>
+                    <a:p>
+                      <a:r>
+                        <a:rPr lang="en-US" dirty="0" smtClean="0"/>
+                        <a:t>3</a:t>
+                      </a:r>
+                      <a:endParaRPr lang="en-US" dirty="0"/>
+                    </a:p>
+                  </a:txBody>
+                  <a:tcPr marL="80433" marR="80433"/>
+                </a:tc>
+                <a:tc>
+                  <a:txBody>
+                    <a:bodyPr/>
+                    <a:lstStyle/>
+                    <a:p>
+                      <a:endParaRPr lang="en-US" dirty="0"/>
+                    </a:p>
+                  </a:txBody>
+                  <a:tcPr marL="80433" marR="80433"/>
+                </a:tc>
+              </a:tr>
+              <a:tr h="370840">
+                <a:tc>
+                  <a:txBody>
+                    <a:bodyPr/>
+                    <a:lstStyle/>
+                    <a:p>
+                      <a:r>
+                        <a:rPr lang="en-US" dirty="0" smtClean="0"/>
+                        <a:t>Graph 16</a:t>
+                      </a:r>
+                      <a:endParaRPr lang="en-US" dirty="0"/>
+                    </a:p>
+                  </a:txBody>
+                  <a:tcPr marL="80433" marR="80433"/>
+                </a:tc>
+                <a:tc>
+                  <a:txBody>
+                    <a:bodyPr/>
+                    <a:lstStyle/>
+                    <a:p>
+                      <a:r>
+                        <a:rPr lang="en-US" dirty="0" smtClean="0"/>
+                        <a:t>4</a:t>
+                      </a:r>
+                      <a:endParaRPr lang="en-US" dirty="0"/>
+                    </a:p>
+                  </a:txBody>
+                  <a:tcPr marL="80433" marR="80433"/>
+                </a:tc>
+                <a:tc>
+                  <a:txBody>
+                    <a:bodyPr/>
+                    <a:lstStyle/>
+                    <a:p>
+                      <a:r>
+                        <a:rPr lang="en-US" dirty="0" smtClean="0"/>
+                        <a:t>3</a:t>
+                      </a:r>
+                      <a:endParaRPr lang="en-US" dirty="0"/>
+                    </a:p>
+                  </a:txBody>
+                  <a:tcPr marL="80433" marR="80433"/>
+                </a:tc>
+                <a:tc>
+                  <a:txBody>
+                    <a:bodyPr/>
+                    <a:lstStyle/>
+                    <a:p>
+                      <a:endParaRPr lang="en-US" dirty="0"/>
+                    </a:p>
+                  </a:txBody>
+                  <a:tcPr marL="80433" marR="80433"/>
+                </a:tc>
+              </a:tr>
+              <a:tr h="370840">
+                <a:tc>
+                  <a:txBody>
+                    <a:bodyPr/>
+                    <a:lstStyle/>
+                    <a:p>
+                      <a:r>
+                        <a:rPr lang="en-US" dirty="0" smtClean="0"/>
+                        <a:t>Graph 17</a:t>
+                      </a:r>
+                      <a:endParaRPr lang="en-US" dirty="0"/>
+                    </a:p>
+                  </a:txBody>
+                  <a:tcPr marL="80433" marR="80433"/>
+                </a:tc>
+                <a:tc>
+                  <a:txBody>
+                    <a:bodyPr/>
+                    <a:lstStyle/>
+                    <a:p>
+                      <a:r>
+                        <a:rPr lang="en-US" dirty="0" smtClean="0"/>
+                        <a:t>8</a:t>
+                      </a:r>
+                      <a:endParaRPr lang="en-US" dirty="0"/>
+                    </a:p>
+                  </a:txBody>
+                  <a:tcPr marL="80433" marR="80433"/>
+                </a:tc>
+                <a:tc>
+                  <a:txBody>
+                    <a:bodyPr/>
+                    <a:lstStyle/>
+                    <a:p>
+                      <a:r>
+                        <a:rPr lang="en-US" dirty="0" smtClean="0"/>
+                        <a:t>3</a:t>
+                      </a:r>
+                      <a:endParaRPr lang="en-US" dirty="0"/>
+                    </a:p>
+                  </a:txBody>
+                  <a:tcPr marL="80433" marR="80433"/>
+                </a:tc>
+                <a:tc>
+                  <a:txBody>
+                    <a:bodyPr/>
+                    <a:lstStyle/>
+                    <a:p>
+                      <a:endParaRPr lang="en-US" dirty="0"/>
+                    </a:p>
+                  </a:txBody>
+                  <a:tcPr marL="80433" marR="80433"/>
+                </a:tc>
+              </a:tr>
+              <a:tr h="370840">
+                <a:tc>
+                  <a:txBody>
+                    <a:bodyPr/>
+                    <a:lstStyle/>
+                    <a:p>
+                      <a:r>
+                        <a:rPr lang="en-US" dirty="0" smtClean="0"/>
+                        <a:t>Graph 18</a:t>
+                      </a:r>
+                      <a:endParaRPr lang="en-US" dirty="0"/>
+                    </a:p>
+                  </a:txBody>
+                  <a:tcPr marL="80433" marR="80433"/>
+                </a:tc>
+                <a:tc>
+                  <a:txBody>
+                    <a:bodyPr/>
+                    <a:lstStyle/>
+                    <a:p>
+                      <a:r>
+                        <a:rPr lang="en-US" dirty="0" smtClean="0"/>
+                        <a:t>11</a:t>
+                      </a:r>
+                      <a:endParaRPr lang="en-US" dirty="0"/>
+                    </a:p>
+                  </a:txBody>
+                  <a:tcPr marL="80433" marR="80433"/>
+                </a:tc>
+                <a:tc>
+                  <a:txBody>
+                    <a:bodyPr/>
+                    <a:lstStyle/>
+                    <a:p>
+                      <a:r>
+                        <a:rPr lang="en-US" dirty="0" smtClean="0"/>
+                        <a:t>3</a:t>
+                      </a:r>
+                      <a:endParaRPr lang="en-US" dirty="0"/>
+                    </a:p>
+                  </a:txBody>
+                  <a:tcPr marL="80433" marR="80433"/>
+                </a:tc>
+                <a:tc>
+                  <a:txBody>
+                    <a:bodyPr/>
+                    <a:lstStyle/>
+                    <a:p>
+                      <a:endParaRPr lang="en-US" dirty="0"/>
+                    </a:p>
+                  </a:txBody>
+                  <a:tcPr marL="80433" marR="80433"/>
+                </a:tc>
+              </a:tr>
+              <a:tr h="370840">
+                <a:tc>
+                  <a:txBody>
+                    <a:bodyPr/>
+                    <a:lstStyle/>
+                    <a:p>
+                      <a:r>
+                        <a:rPr lang="en-US" dirty="0" smtClean="0"/>
+                        <a:t>Graph 19</a:t>
+                      </a:r>
+                      <a:endParaRPr lang="en-US" dirty="0"/>
+                    </a:p>
+                  </a:txBody>
+                  <a:tcPr marL="80433" marR="80433"/>
+                </a:tc>
+                <a:tc>
+                  <a:txBody>
+                    <a:bodyPr/>
+                    <a:lstStyle/>
+                    <a:p>
+                      <a:r>
+                        <a:rPr lang="en-US" dirty="0" smtClean="0"/>
+                        <a:t>11</a:t>
+                      </a:r>
+                      <a:endParaRPr lang="en-US" dirty="0"/>
+                    </a:p>
+                  </a:txBody>
+                  <a:tcPr marL="80433" marR="80433"/>
+                </a:tc>
+                <a:tc>
+                  <a:txBody>
+                    <a:bodyPr/>
+                    <a:lstStyle/>
+                    <a:p>
+                      <a:r>
+                        <a:rPr lang="en-US" dirty="0" smtClean="0"/>
+                        <a:t>3</a:t>
+                      </a:r>
+                      <a:endParaRPr lang="en-US" dirty="0"/>
+                    </a:p>
+                  </a:txBody>
+                  <a:tcPr marL="80433" marR="80433"/>
+                </a:tc>
+                <a:tc>
+                  <a:txBody>
+                    <a:bodyPr/>
+                    <a:lstStyle/>
+                    <a:p>
+                      <a:endParaRPr lang="en-US" dirty="0"/>
+                    </a:p>
+                  </a:txBody>
+                  <a:tcPr marL="80433" marR="80433"/>
+                </a:tc>
+              </a:tr>
+              <a:tr h="370840">
+                <a:tc>
+                  <a:txBody>
+                    <a:bodyPr/>
+                    <a:lstStyle/>
+                    <a:p>
+                      <a:r>
+                        <a:rPr lang="en-US" dirty="0" smtClean="0"/>
+                        <a:t>Graph 20</a:t>
+                      </a:r>
+                      <a:endParaRPr lang="en-US" dirty="0"/>
+                    </a:p>
+                  </a:txBody>
+                  <a:tcPr marL="80433" marR="80433"/>
+                </a:tc>
+                <a:tc>
+                  <a:txBody>
+                    <a:bodyPr/>
+                    <a:lstStyle/>
+                    <a:p>
+                      <a:r>
+                        <a:rPr lang="en-US" dirty="0" smtClean="0"/>
+                        <a:t>9</a:t>
+                      </a:r>
+                      <a:endParaRPr lang="en-US" dirty="0"/>
+                    </a:p>
+                  </a:txBody>
+                  <a:tcPr marL="80433" marR="80433"/>
+                </a:tc>
+                <a:tc>
+                  <a:txBody>
+                    <a:bodyPr/>
+                    <a:lstStyle/>
+                    <a:p>
+                      <a:r>
+                        <a:rPr lang="en-US" dirty="0" smtClean="0"/>
+                        <a:t>3</a:t>
+                      </a:r>
+                      <a:endParaRPr lang="en-US" dirty="0"/>
+                    </a:p>
+                  </a:txBody>
+                  <a:tcPr marL="80433" marR="80433"/>
+                </a:tc>
+                <a:tc>
+                  <a:txBody>
+                    <a:bodyPr/>
+                    <a:lstStyle/>
+                    <a:p>
+                      <a:endParaRPr lang="en-US" dirty="0"/>
+                    </a:p>
+                  </a:txBody>
+                  <a:tcPr marL="80433" marR="80433"/>
+                </a:tc>
+              </a:tr>
+            </a:tbl>
+          </a:graphicData>
+        </a:graphic>
+      </p:graphicFrame>
+    </p:spTree>
+  </p:cSld>
+  <p:clrMapOvr>
+    <a:masterClrMapping/>
+  </p:clrMapOvr>
+  <p:timing>
+    <p:tnLst>
+      <p:par>
+        <p:cTn id="1" dur="indefinite" restart="never" nodeType="tmRoot"/>
+      </p:par>
+    </p:tnLst>
+  </p:timing>
+</p:sld>
+</file>
+
+<file path=ppt/slides/slide16.xml><?xml version="1.0" encoding="utf-8"?>
+<p:sld xmlns:a="http://schemas.openxmlformats.org/drawingml/2006/main" xmlns:r="http://schemas.openxmlformats.org/officeDocument/2006/relationships" xmlns:p="http://schemas.openxmlformats.org/presentationml/2006/main">
+  <p:cSld>
+    <p:spTree>
+      <p:nvGrpSpPr>
+        <p:cNvPr id="1" name=""/>
+        <p:cNvGrpSpPr/>
+        <p:nvPr/>
+      </p:nvGrpSpPr>
+      <p:grpSpPr>
+        <a:xfrm>
+          <a:off x="0" y="0"/>
+          <a:ext cx="0" cy="0"/>
+          <a:chOff x="0" y="0"/>
+          <a:chExt cx="0" cy="0"/>
+        </a:xfrm>
+      </p:grpSpPr>
+      <p:sp>
+        <p:nvSpPr>
+          <p:cNvPr id="2" name="Title 1"/>
+          <p:cNvSpPr>
+            <a:spLocks noGrp="1"/>
+          </p:cNvSpPr>
+          <p:nvPr>
+            <p:ph type="title"/>
+          </p:nvPr>
+        </p:nvSpPr>
+        <p:spPr/>
+        <p:txBody>
+          <a:bodyPr>
+            <a:normAutofit/>
+          </a:bodyPr>
+          <a:lstStyle/>
+          <a:p>
+            <a:r>
+              <a:rPr lang="en-US" b="1" dirty="0" smtClean="0"/>
+              <a:t>Conclusion</a:t>
+            </a:r>
+            <a:endParaRPr lang="en-US" b="1" dirty="0"/>
+          </a:p>
+        </p:txBody>
+      </p:sp>
+      <p:sp>
+        <p:nvSpPr>
+          <p:cNvPr id="3" name="Content Placeholder 2"/>
+          <p:cNvSpPr>
+            <a:spLocks noGrp="1"/>
+          </p:cNvSpPr>
+          <p:nvPr>
+            <p:ph idx="1"/>
+          </p:nvPr>
+        </p:nvSpPr>
+        <p:spPr/>
+        <p:txBody>
+          <a:bodyPr/>
+          <a:lstStyle/>
+          <a:p>
+            <a:r>
+              <a:rPr lang="en-US" dirty="0" smtClean="0"/>
+              <a:t>Our algorithms work better for smaller graphs.</a:t>
+            </a:r>
+          </a:p>
+          <a:p>
+            <a:r>
+              <a:rPr lang="en-US" dirty="0" smtClean="0"/>
+              <a:t>Our algorithms work better for special structured graphs.</a:t>
+            </a:r>
+          </a:p>
+          <a:p>
+            <a:r>
+              <a:rPr lang="en-US" dirty="0" smtClean="0"/>
+              <a:t>Greedy Algorithm works faster than Genetic Algorithm.</a:t>
+            </a:r>
+          </a:p>
+          <a:p>
+            <a:r>
+              <a:rPr lang="en-US" dirty="0" smtClean="0"/>
+              <a:t>Genetic Algorithm gives better results than Greedy Algorithm.</a:t>
+            </a:r>
+          </a:p>
+          <a:p>
+            <a:endParaRPr lang="en-US" dirty="0" smtClean="0"/>
+          </a:p>
+          <a:p>
+            <a:endParaRPr lang="en-US" dirty="0" smtClean="0"/>
+          </a:p>
           <a:p>
             <a:endParaRPr lang="en-US" dirty="0"/>
           </a:p>
@@ -3430,11 +5714,12 @@
           <a:bodyPr/>
           <a:lstStyle/>
           <a:p>
-            <a:r>
-              <a:rPr lang="en-US" dirty="0" smtClean="0"/>
-              <a:t>Group-members</a:t>
-            </a:r>
-            <a:endParaRPr lang="en-US" dirty="0"/>
+            <a:pPr algn="ctr"/>
+            <a:r>
+              <a:rPr lang="en-US" b="1" dirty="0" smtClean="0"/>
+              <a:t>     Group-Members</a:t>
+            </a:r>
+            <a:endParaRPr lang="en-US" b="1" dirty="0"/>
           </a:p>
         </p:txBody>
       </p:sp>
@@ -3450,7 +5735,7 @@
         </p:nvSpPr>
         <p:spPr>
           <a:xfrm>
-            <a:off x="1371600" y="1981200"/>
+            <a:off x="2743200" y="1752600"/>
             <a:ext cx="6400800" cy="3505200"/>
           </a:xfrm>
         </p:spPr>
@@ -3465,7 +5750,7 @@
               <a:buChar char="Ø"/>
             </a:pPr>
             <a:r>
-              <a:rPr lang="en-US" sz="3200" dirty="0" err="1" smtClean="0">
+              <a:rPr lang="en-US" sz="3200" b="1" dirty="0" err="1" smtClean="0">
                 <a:solidFill>
                   <a:schemeClr val="bg1"/>
                 </a:solidFill>
@@ -3473,7 +5758,7 @@
               <a:t>Tu</a:t>
             </a:r>
             <a:r>
-              <a:rPr lang="en-US" sz="3200" dirty="0" smtClean="0">
+              <a:rPr lang="en-US" sz="3200" b="1" dirty="0" smtClean="0">
                 <a:solidFill>
                   <a:schemeClr val="bg1"/>
                 </a:solidFill>
@@ -3481,7 +5766,7 @@
               <a:t> </a:t>
             </a:r>
             <a:r>
-              <a:rPr lang="en-US" sz="3200" dirty="0" err="1" smtClean="0">
+              <a:rPr lang="en-US" sz="3200" b="1" dirty="0" err="1" smtClean="0">
                 <a:solidFill>
                   <a:schemeClr val="bg1"/>
                 </a:solidFill>
@@ -3489,7 +5774,7 @@
               <a:t>Anh</a:t>
             </a:r>
             <a:r>
-              <a:rPr lang="en-US" sz="3200" dirty="0" smtClean="0">
+              <a:rPr lang="en-US" sz="3200" b="1" dirty="0" smtClean="0">
                 <a:solidFill>
                   <a:schemeClr val="bg1"/>
                 </a:solidFill>
@@ -3497,14 +5782,14 @@
               <a:t> </a:t>
             </a:r>
             <a:r>
-              <a:rPr lang="en-US" sz="3200" dirty="0" err="1" smtClean="0">
+              <a:rPr lang="en-US" sz="3200" b="1" dirty="0" err="1" smtClean="0">
                 <a:solidFill>
                   <a:schemeClr val="bg1"/>
                 </a:solidFill>
               </a:rPr>
               <a:t>Dinh</a:t>
             </a:r>
-            <a:endParaRPr lang="en-US" sz="3200" dirty="0" smtClean="0">
+            <a:endParaRPr lang="en-US" sz="3200" b="1" dirty="0" smtClean="0">
               <a:solidFill>
                 <a:schemeClr val="bg1"/>
               </a:solidFill>
@@ -3516,7 +5801,7 @@
               <a:buChar char="Ø"/>
             </a:pPr>
             <a:r>
-              <a:rPr lang="en-US" sz="3200" dirty="0" err="1" smtClean="0">
+              <a:rPr lang="en-US" sz="3200" b="1" dirty="0" err="1" smtClean="0">
                 <a:solidFill>
                   <a:schemeClr val="bg1"/>
                 </a:solidFill>
@@ -3524,7 +5809,7 @@
               <a:t>Vaishnavi</a:t>
             </a:r>
             <a:r>
-              <a:rPr lang="en-US" sz="3200" dirty="0" smtClean="0">
+              <a:rPr lang="en-US" sz="3200" b="1" dirty="0" smtClean="0">
                 <a:solidFill>
                   <a:schemeClr val="bg1"/>
                 </a:solidFill>
@@ -3532,14 +5817,14 @@
               <a:t> </a:t>
             </a:r>
             <a:r>
-              <a:rPr lang="en-US" sz="3200" dirty="0" err="1" smtClean="0">
+              <a:rPr lang="en-US" sz="3200" b="1" dirty="0" err="1" smtClean="0">
                 <a:solidFill>
                   <a:schemeClr val="bg1"/>
                 </a:solidFill>
               </a:rPr>
               <a:t>Velaga</a:t>
             </a:r>
-            <a:endParaRPr lang="en-US" sz="3200" dirty="0" smtClean="0">
+            <a:endParaRPr lang="en-US" sz="3200" b="1" dirty="0" smtClean="0">
               <a:solidFill>
                 <a:schemeClr val="bg1"/>
               </a:solidFill>
@@ -3551,7 +5836,7 @@
               <a:buChar char="Ø"/>
             </a:pPr>
             <a:r>
-              <a:rPr lang="en-US" sz="3200" dirty="0" smtClean="0">
+              <a:rPr lang="en-US" sz="3200" b="1" dirty="0" smtClean="0">
                 <a:solidFill>
                   <a:schemeClr val="bg1"/>
                 </a:solidFill>
@@ -3559,14 +5844,14 @@
               <a:t>Rudy </a:t>
             </a:r>
             <a:r>
-              <a:rPr lang="en-US" sz="3200" dirty="0" err="1" smtClean="0">
+              <a:rPr lang="en-US" sz="3200" b="1" dirty="0" err="1" smtClean="0">
                 <a:solidFill>
                   <a:schemeClr val="bg1"/>
                 </a:solidFill>
               </a:rPr>
               <a:t>Wessels</a:t>
             </a:r>
-            <a:endParaRPr lang="en-US" sz="3200" dirty="0" smtClean="0">
+            <a:endParaRPr lang="en-US" sz="3200" b="1" dirty="0" smtClean="0">
               <a:solidFill>
                 <a:schemeClr val="bg1"/>
               </a:solidFill>
@@ -3578,7 +5863,7 @@
               <a:buChar char="Ø"/>
             </a:pPr>
             <a:r>
-              <a:rPr lang="en-US" sz="3200" dirty="0" smtClean="0">
+              <a:rPr lang="en-US" sz="3200" b="1" dirty="0" smtClean="0">
                 <a:solidFill>
                   <a:schemeClr val="bg1"/>
                 </a:solidFill>
@@ -3586,14 +5871,14 @@
               <a:t>Oskar </a:t>
             </a:r>
             <a:r>
-              <a:rPr lang="en-US" sz="3200" dirty="0" err="1" smtClean="0">
+              <a:rPr lang="en-US" sz="3200" b="1" dirty="0" err="1" smtClean="0">
                 <a:solidFill>
                   <a:schemeClr val="bg1"/>
                 </a:solidFill>
               </a:rPr>
               <a:t>Wielgos</a:t>
             </a:r>
-            <a:endParaRPr lang="en-US" sz="3200" dirty="0" smtClean="0">
+            <a:endParaRPr lang="en-US" sz="3200" b="1" dirty="0" smtClean="0">
               <a:solidFill>
                 <a:schemeClr val="bg1"/>
               </a:solidFill>
@@ -3605,7 +5890,7 @@
               <a:buChar char="Ø"/>
             </a:pPr>
             <a:r>
-              <a:rPr lang="en-US" sz="3200" dirty="0" smtClean="0">
+              <a:rPr lang="en-US" sz="3200" b="1" dirty="0" smtClean="0">
                 <a:solidFill>
                   <a:schemeClr val="bg1"/>
                 </a:solidFill>
@@ -3613,14 +5898,14 @@
               <a:t>Michal </a:t>
             </a:r>
             <a:r>
-              <a:rPr lang="en-US" sz="3200" dirty="0" err="1" smtClean="0">
+              <a:rPr lang="en-US" sz="3200" b="1" dirty="0" err="1" smtClean="0">
                 <a:solidFill>
                   <a:schemeClr val="bg1"/>
                 </a:solidFill>
               </a:rPr>
               <a:t>Jarski</a:t>
             </a:r>
-            <a:endParaRPr lang="en-US" sz="3200" dirty="0" smtClean="0">
+            <a:endParaRPr lang="en-US" sz="3200" b="1" dirty="0" smtClean="0">
               <a:solidFill>
                 <a:schemeClr val="bg1"/>
               </a:solidFill>
@@ -3632,7 +5917,7 @@
               <a:buChar char="Ø"/>
             </a:pPr>
             <a:r>
-              <a:rPr lang="en-US" sz="3200" dirty="0" smtClean="0">
+              <a:rPr lang="en-US" sz="3200" b="1" dirty="0" smtClean="0">
                 <a:solidFill>
                   <a:schemeClr val="bg1"/>
                 </a:solidFill>
@@ -3640,14 +5925,14 @@
               <a:t>Louis </a:t>
             </a:r>
             <a:r>
-              <a:rPr lang="en-US" sz="3200" dirty="0" err="1" smtClean="0">
+              <a:rPr lang="en-US" sz="3200" b="1" dirty="0" err="1" smtClean="0">
                 <a:solidFill>
                   <a:schemeClr val="bg1"/>
                 </a:solidFill>
               </a:rPr>
               <a:t>Mottet</a:t>
             </a:r>
-            <a:endParaRPr lang="en-US" sz="3200" dirty="0" smtClean="0">
+            <a:endParaRPr lang="en-US" sz="3200" b="1" dirty="0" smtClean="0">
               <a:solidFill>
                 <a:schemeClr val="bg1"/>
               </a:solidFill>
@@ -3660,7 +5945,7 @@
             </a:pPr>
             <a:endParaRPr lang="en-US" sz="3200" dirty="0">
               <a:solidFill>
-                <a:schemeClr val="bg1"/>
+                <a:schemeClr val="tx1"/>
               </a:solidFill>
             </a:endParaRPr>
           </a:p>
@@ -3716,10 +6001,10 @@
           <a:lstStyle/>
           <a:p>
             <a:r>
-              <a:rPr lang="en-US" sz="4800" dirty="0" smtClean="0"/>
+              <a:rPr lang="en-US" sz="4800" b="1" dirty="0" smtClean="0"/>
               <a:t>AGENDA</a:t>
             </a:r>
-            <a:endParaRPr lang="en-US" sz="4800" dirty="0"/>
+            <a:endParaRPr lang="en-US" sz="4800" b="1" dirty="0"/>
           </a:p>
         </p:txBody>
       </p:sp>
@@ -3745,11 +6030,7 @@
               <a:buChar char="Ø"/>
             </a:pPr>
             <a:r>
-              <a:rPr lang="en-US" sz="3600" b="1" dirty="0" smtClean="0">
-                <a:solidFill>
-                  <a:schemeClr val="bg1"/>
-                </a:solidFill>
-              </a:rPr>
+              <a:rPr lang="en-US" sz="3600" b="1" dirty="0" smtClean="0"/>
               <a:t>Problem Statement</a:t>
             </a:r>
           </a:p>
@@ -3759,12 +6040,8 @@
               <a:buChar char="Ø"/>
             </a:pPr>
             <a:r>
-              <a:rPr lang="en-US" sz="3600" b="1" dirty="0" smtClean="0">
-                <a:solidFill>
-                  <a:schemeClr val="bg1"/>
-                </a:solidFill>
-              </a:rPr>
-              <a:t>Flow Chart</a:t>
+              <a:rPr lang="en-US" sz="3600" b="1" dirty="0" smtClean="0"/>
+              <a:t>Work Flow</a:t>
             </a:r>
           </a:p>
           <a:p>
@@ -3773,11 +6050,7 @@
               <a:buChar char="Ø"/>
             </a:pPr>
             <a:r>
-              <a:rPr lang="en-US" sz="3600" b="1" dirty="0" smtClean="0">
-                <a:solidFill>
-                  <a:schemeClr val="bg1"/>
-                </a:solidFill>
-              </a:rPr>
+              <a:rPr lang="en-US" sz="3600" b="1" dirty="0" smtClean="0"/>
               <a:t>Algorithms</a:t>
             </a:r>
           </a:p>
@@ -3787,11 +6060,7 @@
               <a:buChar char="Ø"/>
             </a:pPr>
             <a:r>
-              <a:rPr lang="en-US" sz="3600" b="1" dirty="0" smtClean="0">
-                <a:solidFill>
-                  <a:schemeClr val="bg1"/>
-                </a:solidFill>
-              </a:rPr>
+              <a:rPr lang="en-US" sz="3600" b="1" dirty="0" smtClean="0"/>
               <a:t>Experiments </a:t>
             </a:r>
           </a:p>
@@ -3801,12 +6070,8 @@
               <a:buChar char="Ø"/>
             </a:pPr>
             <a:r>
-              <a:rPr lang="en-US" sz="3600" b="1" dirty="0" smtClean="0">
-                <a:solidFill>
-                  <a:schemeClr val="bg1"/>
-                </a:solidFill>
-              </a:rPr>
-              <a:t> Results</a:t>
+              <a:rPr lang="en-US" sz="3600" b="1" dirty="0" smtClean="0"/>
+              <a:t>Results</a:t>
             </a:r>
           </a:p>
           <a:p>
@@ -3815,18 +6080,10 @@
               <a:buChar char="Ø"/>
             </a:pPr>
             <a:r>
-              <a:rPr lang="en-US" sz="3600" b="1" dirty="0" smtClean="0">
-                <a:solidFill>
-                  <a:schemeClr val="bg1"/>
-                </a:solidFill>
-              </a:rPr>
-              <a:t>Conclusion.</a:t>
-            </a:r>
-            <a:endParaRPr lang="en-US" sz="3600" b="1" dirty="0">
-              <a:solidFill>
-                <a:schemeClr val="bg1"/>
-              </a:solidFill>
-            </a:endParaRPr>
+              <a:rPr lang="en-US" sz="3600" b="1" dirty="0" smtClean="0"/>
+              <a:t>Conclusion</a:t>
+            </a:r>
+            <a:endParaRPr lang="en-US" sz="3600" b="1" dirty="0"/>
           </a:p>
         </p:txBody>
       </p:sp>
@@ -3878,10 +6135,10 @@
           <a:lstStyle/>
           <a:p>
             <a:r>
-              <a:rPr lang="en-US" dirty="0" smtClean="0"/>
+              <a:rPr lang="en-US" b="1" dirty="0" smtClean="0"/>
               <a:t>Problem Statement</a:t>
             </a:r>
-            <a:endParaRPr lang="en-US" dirty="0"/>
+            <a:endParaRPr lang="en-US" b="1" dirty="0"/>
           </a:p>
         </p:txBody>
       </p:sp>
@@ -3902,19 +6159,14 @@
           </a:bodyPr>
           <a:lstStyle/>
           <a:p>
-            <a:r>
-              <a:rPr lang="en-US" sz="5400" b="1" dirty="0" smtClean="0">
-                <a:solidFill>
-                  <a:schemeClr val="bg1"/>
-                </a:solidFill>
-              </a:rPr>
-              <a:t>“Computing  the chromatic number of different graphs”</a:t>
-            </a:r>
-            <a:endParaRPr lang="en-US" sz="5400" b="1" dirty="0">
-              <a:solidFill>
-                <a:schemeClr val="bg1"/>
-              </a:solidFill>
-            </a:endParaRPr>
+            <a:pPr>
+              <a:buNone/>
+            </a:pPr>
+            <a:r>
+              <a:rPr lang="en-US" sz="5400" b="1" dirty="0" smtClean="0"/>
+              <a:t>“How to compute  the chromatic number of different graphs?”</a:t>
+            </a:r>
+            <a:endParaRPr lang="en-US" sz="5400" b="1" dirty="0"/>
           </a:p>
         </p:txBody>
       </p:sp>
@@ -3967,37 +6219,75 @@
           <a:p>
             <a:r>
               <a:rPr lang="en-US" dirty="0" smtClean="0"/>
-              <a:t>Flow Chart</a:t>
+              <a:t>General Work Flow</a:t>
             </a:r>
             <a:endParaRPr lang="en-US" dirty="0"/>
           </a:p>
         </p:txBody>
       </p:sp>
-      <p:pic>
-        <p:nvPicPr>
-          <p:cNvPr id="15" name="Content Placeholder 14" descr="Untitled.png"/>
-          <p:cNvPicPr>
-            <a:picLocks noGrp="1" noChangeAspect="1"/>
-          </p:cNvPicPr>
+      <p:sp>
+        <p:nvSpPr>
+          <p:cNvPr id="4" name="Content Placeholder 3"/>
+          <p:cNvSpPr>
+            <a:spLocks noGrp="1"/>
+          </p:cNvSpPr>
           <p:nvPr>
             <p:ph idx="1"/>
           </p:nvPr>
-        </p:nvPicPr>
-        <p:blipFill>
-          <a:blip r:embed="rId2">
-            <a:lum bright="-10000"/>
-          </a:blip>
-          <a:stretch>
-            <a:fillRect/>
-          </a:stretch>
-        </p:blipFill>
-        <p:spPr>
-          <a:xfrm>
-            <a:off x="3429000" y="1106572"/>
-            <a:ext cx="2743200" cy="5573829"/>
-          </a:xfrm>
-        </p:spPr>
-      </p:pic>
+        </p:nvSpPr>
+        <p:spPr/>
+        <p:txBody>
+          <a:bodyPr/>
+          <a:lstStyle/>
+          <a:p>
+            <a:r>
+              <a:rPr lang="en-US" dirty="0" smtClean="0"/>
+              <a:t>Find upper bound  - Greedy Algorithm</a:t>
+            </a:r>
+          </a:p>
+          <a:p>
+            <a:r>
+              <a:rPr lang="en-US" dirty="0" smtClean="0"/>
+              <a:t>Decompose the graph</a:t>
+            </a:r>
+          </a:p>
+          <a:p>
+            <a:r>
+              <a:rPr lang="en-US" dirty="0" smtClean="0"/>
+              <a:t>For each </a:t>
+            </a:r>
+            <a:r>
+              <a:rPr lang="en-US" dirty="0" err="1" smtClean="0"/>
+              <a:t>subgraph</a:t>
+            </a:r>
+            <a:r>
+              <a:rPr lang="en-US" dirty="0" smtClean="0"/>
+              <a:t> – check special cases – run Brute Force</a:t>
+            </a:r>
+          </a:p>
+          <a:p>
+            <a:r>
+              <a:rPr lang="en-US" dirty="0" smtClean="0"/>
+              <a:t>Genetic Algorithm</a:t>
+            </a:r>
+          </a:p>
+          <a:p>
+            <a:endParaRPr lang="en-US" dirty="0" smtClean="0"/>
+          </a:p>
+          <a:p>
+            <a:pPr>
+              <a:buNone/>
+            </a:pPr>
+            <a:r>
+              <a:rPr lang="en-US" dirty="0" smtClean="0"/>
+              <a:t> </a:t>
+            </a:r>
+          </a:p>
+          <a:p>
+            <a:endParaRPr lang="en-US" dirty="0"/>
+          </a:p>
+        </p:txBody>
+      </p:sp>
     </p:spTree>
   </p:cSld>
   <p:clrMapOvr>
@@ -4046,10 +6336,10 @@
           <a:lstStyle/>
           <a:p>
             <a:r>
-              <a:rPr lang="en-US" dirty="0" smtClean="0"/>
+              <a:rPr lang="en-US" b="1" dirty="0" smtClean="0"/>
               <a:t>Algorithms</a:t>
             </a:r>
-            <a:endParaRPr lang="en-US" dirty="0"/>
+            <a:endParaRPr lang="en-US" b="1" dirty="0"/>
           </a:p>
         </p:txBody>
       </p:sp>
@@ -4075,12 +6365,8 @@
               <a:buChar char="Ø"/>
             </a:pPr>
             <a:r>
-              <a:rPr lang="en-US" sz="3600" b="1" dirty="0" smtClean="0">
-                <a:solidFill>
-                  <a:schemeClr val="bg1"/>
-                </a:solidFill>
-              </a:rPr>
-              <a:t>Graph decomposition</a:t>
+              <a:rPr lang="en-US" sz="3600" b="1" dirty="0" smtClean="0"/>
+              <a:t>Graph Decomposition</a:t>
             </a:r>
           </a:p>
           <a:p>
@@ -4089,12 +6375,8 @@
               <a:buChar char="Ø"/>
             </a:pPr>
             <a:r>
-              <a:rPr lang="en-US" sz="3600" b="1" dirty="0" smtClean="0">
-                <a:solidFill>
-                  <a:schemeClr val="bg1"/>
-                </a:solidFill>
-              </a:rPr>
-              <a:t>Greed Algorithm</a:t>
+              <a:rPr lang="en-US" sz="3600" b="1" dirty="0" smtClean="0"/>
+              <a:t>Greedy Algorithm</a:t>
             </a:r>
           </a:p>
           <a:p>
@@ -4103,12 +6385,8 @@
               <a:buChar char="Ø"/>
             </a:pPr>
             <a:r>
-              <a:rPr lang="en-US" sz="3600" b="1" dirty="0" smtClean="0">
-                <a:solidFill>
-                  <a:schemeClr val="bg1"/>
-                </a:solidFill>
-              </a:rPr>
-              <a:t>Brute Fore</a:t>
+              <a:rPr lang="en-US" sz="3600" b="1" dirty="0" smtClean="0"/>
+              <a:t>Special Cases</a:t>
             </a:r>
           </a:p>
           <a:p>
@@ -4117,12 +6395,8 @@
               <a:buChar char="Ø"/>
             </a:pPr>
             <a:r>
-              <a:rPr lang="en-US" sz="3600" b="1" dirty="0" smtClean="0">
-                <a:solidFill>
-                  <a:schemeClr val="bg1"/>
-                </a:solidFill>
-              </a:rPr>
-              <a:t>Exceptions</a:t>
+              <a:rPr lang="en-US" sz="3600" b="1" dirty="0" smtClean="0"/>
+              <a:t>Brute Force</a:t>
             </a:r>
           </a:p>
           <a:p>
@@ -4131,18 +6405,20 @@
               <a:buChar char="Ø"/>
             </a:pPr>
             <a:r>
-              <a:rPr lang="en-US" sz="3600" b="1" dirty="0" smtClean="0">
-                <a:solidFill>
-                  <a:schemeClr val="bg1"/>
-                </a:solidFill>
-              </a:rPr>
+              <a:rPr lang="en-US" sz="3600" b="1" dirty="0" smtClean="0"/>
+              <a:t>Lower Bound</a:t>
+            </a:r>
+          </a:p>
+          <a:p>
+            <a:pPr>
+              <a:buFont typeface="Wingdings" pitchFamily="2" charset="2"/>
+              <a:buChar char="Ø"/>
+            </a:pPr>
+            <a:r>
+              <a:rPr lang="en-US" sz="3600" b="1" dirty="0" smtClean="0"/>
               <a:t>Genetic Algorithm</a:t>
             </a:r>
-            <a:endParaRPr lang="en-US" sz="3600" b="1" dirty="0">
-              <a:solidFill>
-                <a:schemeClr val="bg1"/>
-              </a:solidFill>
-            </a:endParaRPr>
+            <a:endParaRPr lang="en-US" sz="3600" b="1" dirty="0"/>
           </a:p>
         </p:txBody>
       </p:sp>
@@ -4163,8 +6439,8 @@
         </p:blipFill>
         <p:spPr bwMode="auto">
           <a:xfrm>
-            <a:off x="4191000" y="3241992"/>
-            <a:ext cx="4953000" cy="2431098"/>
+            <a:off x="4191000" y="3657600"/>
+            <a:ext cx="4106261" cy="2015490"/>
           </a:xfrm>
           <a:prstGeom prst="rect">
             <a:avLst/>
@@ -4214,38 +6490,59 @@
             <p:ph type="title"/>
           </p:nvPr>
         </p:nvSpPr>
-        <p:spPr/>
+        <p:spPr>
+          <a:xfrm>
+            <a:off x="457200" y="0"/>
+            <a:ext cx="5791200" cy="685800"/>
+          </a:xfrm>
+        </p:spPr>
         <p:txBody>
           <a:bodyPr/>
           <a:lstStyle/>
           <a:p>
             <a:r>
               <a:rPr lang="en-US" dirty="0" smtClean="0"/>
-              <a:t>Experiments </a:t>
+              <a:t>GRAPH DECOMPOSITION</a:t>
             </a:r>
             <a:endParaRPr lang="en-US" dirty="0"/>
           </a:p>
         </p:txBody>
       </p:sp>
-      <p:sp>
-        <p:nvSpPr>
-          <p:cNvPr id="3" name="Content Placeholder 2"/>
-          <p:cNvSpPr>
-            <a:spLocks noGrp="1"/>
-          </p:cNvSpPr>
+      <p:pic>
+        <p:nvPicPr>
+          <p:cNvPr id="1026" name="Picture 2"/>
+          <p:cNvPicPr>
+            <a:picLocks noGrp="1" noChangeAspect="1" noChangeArrowheads="1"/>
+          </p:cNvPicPr>
           <p:nvPr>
             <p:ph idx="1"/>
           </p:nvPr>
-        </p:nvSpPr>
-        <p:spPr/>
-        <p:txBody>
-          <a:bodyPr/>
-          <a:lstStyle/>
-          <a:p>
-            <a:endParaRPr lang="en-US" dirty="0"/>
-          </a:p>
-        </p:txBody>
-      </p:sp>
+        </p:nvPicPr>
+        <p:blipFill>
+          <a:blip r:embed="rId2"/>
+          <a:srcRect/>
+          <a:stretch>
+            <a:fillRect/>
+          </a:stretch>
+        </p:blipFill>
+        <p:spPr bwMode="auto">
+          <a:xfrm>
+            <a:off x="1371600" y="838200"/>
+            <a:ext cx="5105400" cy="6019800"/>
+          </a:xfrm>
+          <a:prstGeom prst="rect">
+            <a:avLst/>
+          </a:prstGeom>
+          <a:noFill/>
+          <a:ln w="9525">
+            <a:noFill/>
+            <a:miter lim="800000"/>
+            <a:headEnd/>
+            <a:tailEnd/>
+          </a:ln>
+          <a:effectLst/>
+        </p:spPr>
+      </p:pic>
     </p:spTree>
   </p:cSld>
   <p:clrMapOvr>
@@ -4295,640 +6592,47 @@
           <a:p>
             <a:r>
               <a:rPr lang="en-US" dirty="0" smtClean="0"/>
-              <a:t>Results- Part1</a:t>
+              <a:t>Greedy Algorithm</a:t>
             </a:r>
             <a:endParaRPr lang="en-US" dirty="0"/>
           </a:p>
         </p:txBody>
       </p:sp>
-      <p:graphicFrame>
-        <p:nvGraphicFramePr>
-          <p:cNvPr id="6" name="Content Placeholder 5"/>
-          <p:cNvGraphicFramePr>
-            <a:graphicFrameLocks noGrp="1"/>
-          </p:cNvGraphicFramePr>
+      <p:pic>
+        <p:nvPicPr>
+          <p:cNvPr id="2050" name="Picture 2"/>
+          <p:cNvPicPr>
+            <a:picLocks noGrp="1" noChangeAspect="1" noChangeArrowheads="1"/>
+          </p:cNvPicPr>
           <p:nvPr>
             <p:ph idx="1"/>
           </p:nvPr>
-        </p:nvGraphicFramePr>
-        <p:xfrm>
-          <a:off x="457200" y="1600200"/>
-          <a:ext cx="8229600" cy="4079240"/>
-        </p:xfrm>
-        <a:graphic>
-          <a:graphicData uri="http://schemas.openxmlformats.org/drawingml/2006/table">
-            <a:tbl>
-              <a:tblPr firstRow="1" bandRow="1">
-                <a:tableStyleId>{073A0DAA-6AF3-43AB-8588-CEC1D06C72B9}</a:tableStyleId>
-              </a:tblPr>
-              <a:tblGrid>
-                <a:gridCol w="2057400"/>
-                <a:gridCol w="2057400"/>
-                <a:gridCol w="1828800"/>
-                <a:gridCol w="2286000"/>
-              </a:tblGrid>
-              <a:tr h="370840">
-                <a:tc>
-                  <a:txBody>
-                    <a:bodyPr/>
-                    <a:lstStyle/>
-                    <a:p>
-                      <a:r>
-                        <a:rPr lang="en-US" dirty="0" smtClean="0"/>
-                        <a:t>Graphs</a:t>
-                      </a:r>
-                      <a:endParaRPr lang="en-US" dirty="0"/>
-                    </a:p>
-                  </a:txBody>
-                  <a:tcPr/>
-                </a:tc>
-                <a:tc>
-                  <a:txBody>
-                    <a:bodyPr/>
-                    <a:lstStyle/>
-                    <a:p>
-                      <a:r>
-                        <a:rPr lang="en-US" dirty="0" smtClean="0"/>
-                        <a:t>Upper Bound</a:t>
-                      </a:r>
-                      <a:endParaRPr lang="en-US" dirty="0"/>
-                    </a:p>
-                  </a:txBody>
-                  <a:tcPr/>
-                </a:tc>
-                <a:tc>
-                  <a:txBody>
-                    <a:bodyPr/>
-                    <a:lstStyle/>
-                    <a:p>
-                      <a:r>
-                        <a:rPr lang="en-US" dirty="0" smtClean="0"/>
-                        <a:t>Lower Bound</a:t>
-                      </a:r>
-                      <a:endParaRPr lang="en-US" dirty="0"/>
-                    </a:p>
-                  </a:txBody>
-                  <a:tcPr/>
-                </a:tc>
-                <a:tc>
-                  <a:txBody>
-                    <a:bodyPr/>
-                    <a:lstStyle/>
-                    <a:p>
-                      <a:r>
-                        <a:rPr lang="en-US" dirty="0" smtClean="0"/>
-                        <a:t>Chromatic Number</a:t>
-                      </a:r>
-                      <a:endParaRPr lang="en-US" dirty="0"/>
-                    </a:p>
-                  </a:txBody>
-                  <a:tcPr/>
-                </a:tc>
-              </a:tr>
-              <a:tr h="370840">
-                <a:tc>
-                  <a:txBody>
-                    <a:bodyPr/>
-                    <a:lstStyle/>
-                    <a:p>
-                      <a:r>
-                        <a:rPr lang="en-US" dirty="0" smtClean="0"/>
-                        <a:t>Graph 1</a:t>
-                      </a:r>
-                      <a:endParaRPr lang="en-US" dirty="0"/>
-                    </a:p>
-                  </a:txBody>
-                  <a:tcPr/>
-                </a:tc>
-                <a:tc>
-                  <a:txBody>
-                    <a:bodyPr/>
-                    <a:lstStyle/>
-                    <a:p>
-                      <a:r>
-                        <a:rPr lang="en-US" dirty="0" smtClean="0"/>
-                        <a:t>3</a:t>
-                      </a:r>
-                      <a:endParaRPr lang="en-US" dirty="0"/>
-                    </a:p>
-                  </a:txBody>
-                  <a:tcPr/>
-                </a:tc>
-                <a:tc>
-                  <a:txBody>
-                    <a:bodyPr/>
-                    <a:lstStyle/>
-                    <a:p>
-                      <a:endParaRPr lang="en-US"/>
-                    </a:p>
-                  </a:txBody>
-                  <a:tcPr/>
-                </a:tc>
-                <a:tc>
-                  <a:txBody>
-                    <a:bodyPr/>
-                    <a:lstStyle/>
-                    <a:p>
-                      <a:r>
-                        <a:rPr lang="en-US" dirty="0" smtClean="0"/>
-                        <a:t>3</a:t>
-                      </a:r>
-                      <a:endParaRPr lang="en-US" dirty="0"/>
-                    </a:p>
-                  </a:txBody>
-                  <a:tcPr/>
-                </a:tc>
-              </a:tr>
-              <a:tr h="370840">
-                <a:tc>
-                  <a:txBody>
-                    <a:bodyPr/>
-                    <a:lstStyle/>
-                    <a:p>
-                      <a:r>
-                        <a:rPr lang="en-US" dirty="0" smtClean="0"/>
-                        <a:t>Graph 2</a:t>
-                      </a:r>
-                      <a:endParaRPr lang="en-US" dirty="0"/>
-                    </a:p>
-                  </a:txBody>
-                  <a:tcPr/>
-                </a:tc>
-                <a:tc>
-                  <a:txBody>
-                    <a:bodyPr/>
-                    <a:lstStyle/>
-                    <a:p>
-                      <a:r>
-                        <a:rPr lang="en-US" dirty="0" smtClean="0"/>
-                        <a:t>5</a:t>
-                      </a:r>
-                      <a:endParaRPr lang="en-US" dirty="0"/>
-                    </a:p>
-                  </a:txBody>
-                  <a:tcPr/>
-                </a:tc>
-                <a:tc>
-                  <a:txBody>
-                    <a:bodyPr/>
-                    <a:lstStyle/>
-                    <a:p>
-                      <a:r>
-                        <a:rPr lang="en-US" dirty="0" smtClean="0"/>
-                        <a:t>3</a:t>
-                      </a:r>
-                      <a:endParaRPr lang="en-US" dirty="0"/>
-                    </a:p>
-                  </a:txBody>
-                  <a:tcPr/>
-                </a:tc>
-                <a:tc>
-                  <a:txBody>
-                    <a:bodyPr/>
-                    <a:lstStyle/>
-                    <a:p>
-                      <a:endParaRPr lang="en-US" dirty="0"/>
-                    </a:p>
-                  </a:txBody>
-                  <a:tcPr/>
-                </a:tc>
-              </a:tr>
-              <a:tr h="370840">
-                <a:tc>
-                  <a:txBody>
-                    <a:bodyPr/>
-                    <a:lstStyle/>
-                    <a:p>
-                      <a:r>
-                        <a:rPr lang="en-US" dirty="0" smtClean="0"/>
-                        <a:t>Graph 3</a:t>
-                      </a:r>
-                      <a:endParaRPr lang="en-US" dirty="0"/>
-                    </a:p>
-                  </a:txBody>
-                  <a:tcPr/>
-                </a:tc>
-                <a:tc>
-                  <a:txBody>
-                    <a:bodyPr/>
-                    <a:lstStyle/>
-                    <a:p>
-                      <a:r>
-                        <a:rPr lang="en-US" u="none" dirty="0" smtClean="0"/>
-                        <a:t>8</a:t>
-                      </a:r>
-                      <a:endParaRPr lang="en-US" u="none" dirty="0"/>
-                    </a:p>
-                  </a:txBody>
-                  <a:tcPr/>
-                </a:tc>
-                <a:tc>
-                  <a:txBody>
-                    <a:bodyPr/>
-                    <a:lstStyle/>
-                    <a:p>
-                      <a:r>
-                        <a:rPr lang="en-US" dirty="0" smtClean="0"/>
-                        <a:t>6</a:t>
-                      </a:r>
-                      <a:endParaRPr lang="en-US" dirty="0"/>
-                    </a:p>
-                  </a:txBody>
-                  <a:tcPr/>
-                </a:tc>
-                <a:tc>
-                  <a:txBody>
-                    <a:bodyPr/>
-                    <a:lstStyle/>
-                    <a:p>
-                      <a:endParaRPr lang="en-US" dirty="0"/>
-                    </a:p>
-                  </a:txBody>
-                  <a:tcPr/>
-                </a:tc>
-              </a:tr>
-              <a:tr h="370840">
-                <a:tc>
-                  <a:txBody>
-                    <a:bodyPr/>
-                    <a:lstStyle/>
-                    <a:p>
-                      <a:r>
-                        <a:rPr lang="en-US" dirty="0" smtClean="0"/>
-                        <a:t>Graph 4</a:t>
-                      </a:r>
-                      <a:endParaRPr lang="en-US" dirty="0"/>
-                    </a:p>
-                  </a:txBody>
-                  <a:tcPr/>
-                </a:tc>
-                <a:tc>
-                  <a:txBody>
-                    <a:bodyPr/>
-                    <a:lstStyle/>
-                    <a:p>
-                      <a:r>
-                        <a:rPr lang="en-US" dirty="0" smtClean="0"/>
-                        <a:t>7</a:t>
-                      </a:r>
-                      <a:endParaRPr lang="en-US" dirty="0"/>
-                    </a:p>
-                  </a:txBody>
-                  <a:tcPr/>
-                </a:tc>
-                <a:tc>
-                  <a:txBody>
-                    <a:bodyPr/>
-                    <a:lstStyle/>
-                    <a:p>
-                      <a:r>
-                        <a:rPr lang="en-US" dirty="0" smtClean="0"/>
-                        <a:t>3</a:t>
-                      </a:r>
-                      <a:endParaRPr lang="en-US" dirty="0"/>
-                    </a:p>
-                  </a:txBody>
-                  <a:tcPr/>
-                </a:tc>
-                <a:tc>
-                  <a:txBody>
-                    <a:bodyPr/>
-                    <a:lstStyle/>
-                    <a:p>
-                      <a:endParaRPr lang="en-US" dirty="0"/>
-                    </a:p>
-                  </a:txBody>
-                  <a:tcPr/>
-                </a:tc>
-              </a:tr>
-              <a:tr h="370840">
-                <a:tc>
-                  <a:txBody>
-                    <a:bodyPr/>
-                    <a:lstStyle/>
-                    <a:p>
-                      <a:r>
-                        <a:rPr lang="en-US" dirty="0" smtClean="0"/>
-                        <a:t>Graph 5</a:t>
-                      </a:r>
-                      <a:endParaRPr lang="en-US" dirty="0"/>
-                    </a:p>
-                  </a:txBody>
-                  <a:tcPr/>
-                </a:tc>
-                <a:tc>
-                  <a:txBody>
-                    <a:bodyPr/>
-                    <a:lstStyle/>
-                    <a:p>
-                      <a:r>
-                        <a:rPr lang="en-US" dirty="0" smtClean="0"/>
-                        <a:t>4</a:t>
-                      </a:r>
-                      <a:endParaRPr lang="en-US" dirty="0"/>
-                    </a:p>
-                  </a:txBody>
-                  <a:tcPr/>
-                </a:tc>
-                <a:tc>
-                  <a:txBody>
-                    <a:bodyPr/>
-                    <a:lstStyle/>
-                    <a:p>
-                      <a:endParaRPr lang="en-US" dirty="0"/>
-                    </a:p>
-                  </a:txBody>
-                  <a:tcPr/>
-                </a:tc>
-                <a:tc>
-                  <a:txBody>
-                    <a:bodyPr/>
-                    <a:lstStyle/>
-                    <a:p>
-                      <a:r>
-                        <a:rPr lang="en-US" dirty="0" smtClean="0"/>
-                        <a:t>2</a:t>
-                      </a:r>
-                      <a:endParaRPr lang="en-US" dirty="0"/>
-                    </a:p>
-                  </a:txBody>
-                  <a:tcPr/>
-                </a:tc>
-              </a:tr>
-              <a:tr h="370840">
-                <a:tc>
-                  <a:txBody>
-                    <a:bodyPr/>
-                    <a:lstStyle/>
-                    <a:p>
-                      <a:r>
-                        <a:rPr lang="en-US" dirty="0" smtClean="0"/>
-                        <a:t>Graph 6</a:t>
-                      </a:r>
-                      <a:endParaRPr lang="en-US" dirty="0"/>
-                    </a:p>
-                  </a:txBody>
-                  <a:tcPr/>
-                </a:tc>
-                <a:tc>
-                  <a:txBody>
-                    <a:bodyPr/>
-                    <a:lstStyle/>
-                    <a:p>
-                      <a:r>
-                        <a:rPr lang="en-US" dirty="0" smtClean="0"/>
-                        <a:t>3</a:t>
-                      </a:r>
-                      <a:endParaRPr lang="en-US" dirty="0"/>
-                    </a:p>
-                  </a:txBody>
-                  <a:tcPr/>
-                </a:tc>
-                <a:tc>
-                  <a:txBody>
-                    <a:bodyPr/>
-                    <a:lstStyle/>
-                    <a:p>
-                      <a:endParaRPr lang="en-US" dirty="0"/>
-                    </a:p>
-                  </a:txBody>
-                  <a:tcPr/>
-                </a:tc>
-                <a:tc>
-                  <a:txBody>
-                    <a:bodyPr/>
-                    <a:lstStyle/>
-                    <a:p>
-                      <a:r>
-                        <a:rPr lang="en-US" dirty="0" smtClean="0"/>
-                        <a:t>3</a:t>
-                      </a:r>
-                      <a:endParaRPr lang="en-US" dirty="0"/>
-                    </a:p>
-                  </a:txBody>
-                  <a:tcPr/>
-                </a:tc>
-              </a:tr>
-              <a:tr h="370840">
-                <a:tc>
-                  <a:txBody>
-                    <a:bodyPr/>
-                    <a:lstStyle/>
-                    <a:p>
-                      <a:r>
-                        <a:rPr lang="en-US" dirty="0" smtClean="0"/>
-                        <a:t>Graph 7</a:t>
-                      </a:r>
-                      <a:endParaRPr lang="en-US" dirty="0"/>
-                    </a:p>
-                  </a:txBody>
-                  <a:tcPr/>
-                </a:tc>
-                <a:tc>
-                  <a:txBody>
-                    <a:bodyPr/>
-                    <a:lstStyle/>
-                    <a:p>
-                      <a:r>
-                        <a:rPr lang="en-US" dirty="0" smtClean="0"/>
-                        <a:t>12</a:t>
-                      </a:r>
-                      <a:endParaRPr lang="en-US" dirty="0"/>
-                    </a:p>
-                  </a:txBody>
-                  <a:tcPr/>
-                </a:tc>
-                <a:tc>
-                  <a:txBody>
-                    <a:bodyPr/>
-                    <a:lstStyle/>
-                    <a:p>
-                      <a:r>
-                        <a:rPr lang="en-US" dirty="0" smtClean="0"/>
-                        <a:t>3</a:t>
-                      </a:r>
-                      <a:endParaRPr lang="en-US" dirty="0"/>
-                    </a:p>
-                  </a:txBody>
-                  <a:tcPr/>
-                </a:tc>
-                <a:tc>
-                  <a:txBody>
-                    <a:bodyPr/>
-                    <a:lstStyle/>
-                    <a:p>
-                      <a:endParaRPr lang="en-US" dirty="0"/>
-                    </a:p>
-                  </a:txBody>
-                  <a:tcPr/>
-                </a:tc>
-              </a:tr>
-              <a:tr h="370840">
-                <a:tc>
-                  <a:txBody>
-                    <a:bodyPr/>
-                    <a:lstStyle/>
-                    <a:p>
-                      <a:r>
-                        <a:rPr lang="en-US" dirty="0" smtClean="0"/>
-                        <a:t>Graph 8</a:t>
-                      </a:r>
-                      <a:endParaRPr lang="en-US" dirty="0"/>
-                    </a:p>
-                  </a:txBody>
-                  <a:tcPr/>
-                </a:tc>
-                <a:tc>
-                  <a:txBody>
-                    <a:bodyPr/>
-                    <a:lstStyle/>
-                    <a:p>
-                      <a:r>
-                        <a:rPr lang="en-US" dirty="0" smtClean="0"/>
-                        <a:t>98</a:t>
-                      </a:r>
-                      <a:endParaRPr lang="en-US" dirty="0"/>
-                    </a:p>
-                  </a:txBody>
-                  <a:tcPr/>
-                </a:tc>
-                <a:tc>
-                  <a:txBody>
-                    <a:bodyPr/>
-                    <a:lstStyle/>
-                    <a:p>
-                      <a:r>
-                        <a:rPr lang="en-US" dirty="0" smtClean="0"/>
-                        <a:t>3</a:t>
-                      </a:r>
-                      <a:endParaRPr lang="en-US" dirty="0"/>
-                    </a:p>
-                  </a:txBody>
-                  <a:tcPr/>
-                </a:tc>
-                <a:tc>
-                  <a:txBody>
-                    <a:bodyPr/>
-                    <a:lstStyle/>
-                    <a:p>
-                      <a:endParaRPr lang="en-US"/>
-                    </a:p>
-                  </a:txBody>
-                  <a:tcPr/>
-                </a:tc>
-              </a:tr>
-              <a:tr h="370840">
-                <a:tc>
-                  <a:txBody>
-                    <a:bodyPr/>
-                    <a:lstStyle/>
-                    <a:p>
-                      <a:r>
-                        <a:rPr lang="en-US" dirty="0" smtClean="0"/>
-                        <a:t>Graph 9</a:t>
-                      </a:r>
-                      <a:endParaRPr lang="en-US" dirty="0"/>
-                    </a:p>
-                  </a:txBody>
-                  <a:tcPr/>
-                </a:tc>
-                <a:tc>
-                  <a:txBody>
-                    <a:bodyPr/>
-                    <a:lstStyle/>
-                    <a:p>
-                      <a:r>
-                        <a:rPr lang="en-US" dirty="0" smtClean="0"/>
-                        <a:t>6</a:t>
-                      </a:r>
-                      <a:endParaRPr lang="en-US" dirty="0"/>
-                    </a:p>
-                  </a:txBody>
-                  <a:tcPr/>
-                </a:tc>
-                <a:tc>
-                  <a:txBody>
-                    <a:bodyPr/>
-                    <a:lstStyle/>
-                    <a:p>
-                      <a:r>
-                        <a:rPr lang="en-US" dirty="0" smtClean="0"/>
-                        <a:t>3</a:t>
-                      </a:r>
-                      <a:endParaRPr lang="en-US" dirty="0"/>
-                    </a:p>
-                  </a:txBody>
-                  <a:tcPr/>
-                </a:tc>
-                <a:tc>
-                  <a:txBody>
-                    <a:bodyPr/>
-                    <a:lstStyle/>
-                    <a:p>
-                      <a:endParaRPr lang="en-US" dirty="0"/>
-                    </a:p>
-                  </a:txBody>
-                  <a:tcPr/>
-                </a:tc>
-              </a:tr>
-              <a:tr h="370840">
-                <a:tc>
-                  <a:txBody>
-                    <a:bodyPr/>
-                    <a:lstStyle/>
-                    <a:p>
-                      <a:r>
-                        <a:rPr lang="en-US" dirty="0" smtClean="0"/>
-                        <a:t>Graph 10</a:t>
-                      </a:r>
-                      <a:endParaRPr lang="en-US" dirty="0"/>
-                    </a:p>
-                  </a:txBody>
-                  <a:tcPr/>
-                </a:tc>
-                <a:tc>
-                  <a:txBody>
-                    <a:bodyPr/>
-                    <a:lstStyle/>
-                    <a:p>
-                      <a:r>
-                        <a:rPr lang="en-US" dirty="0" smtClean="0"/>
-                        <a:t>3</a:t>
-                      </a:r>
-                      <a:endParaRPr lang="en-US" dirty="0"/>
-                    </a:p>
-                  </a:txBody>
-                  <a:tcPr/>
-                </a:tc>
-                <a:tc>
-                  <a:txBody>
-                    <a:bodyPr/>
-                    <a:lstStyle/>
-                    <a:p>
-                      <a:endParaRPr lang="en-US" dirty="0"/>
-                    </a:p>
-                  </a:txBody>
-                  <a:tcPr/>
-                </a:tc>
-                <a:tc>
-                  <a:txBody>
-                    <a:bodyPr/>
-                    <a:lstStyle/>
-                    <a:p>
-                      <a:r>
-                        <a:rPr lang="en-US" dirty="0" smtClean="0"/>
-                        <a:t>3</a:t>
-                      </a:r>
-                      <a:endParaRPr lang="en-US" dirty="0"/>
-                    </a:p>
-                  </a:txBody>
-                  <a:tcPr/>
-                </a:tc>
-              </a:tr>
-            </a:tbl>
-          </a:graphicData>
-        </a:graphic>
-      </p:graphicFrame>
+        </p:nvPicPr>
+        <p:blipFill>
+          <a:blip r:embed="rId2"/>
+          <a:srcRect/>
+          <a:stretch>
+            <a:fillRect/>
+          </a:stretch>
+        </p:blipFill>
+        <p:spPr bwMode="auto">
+          <a:xfrm>
+            <a:off x="1600200" y="1447800"/>
+            <a:ext cx="5715000" cy="4724400"/>
+          </a:xfrm>
+          <a:prstGeom prst="rect">
+            <a:avLst/>
+          </a:prstGeom>
+          <a:noFill/>
+          <a:ln w="9525">
+            <a:noFill/>
+            <a:miter lim="800000"/>
+            <a:headEnd/>
+            <a:tailEnd/>
+          </a:ln>
+          <a:effectLst/>
+        </p:spPr>
+      </p:pic>
     </p:spTree>
   </p:cSld>
   <p:clrMapOvr>
@@ -4978,640 +6682,114 @@
           <a:p>
             <a:r>
               <a:rPr lang="en-US" dirty="0" smtClean="0"/>
-              <a:t>Results-Part2</a:t>
+              <a:t>Special Cases</a:t>
             </a:r>
             <a:endParaRPr lang="en-US" dirty="0"/>
           </a:p>
         </p:txBody>
       </p:sp>
-      <p:graphicFrame>
-        <p:nvGraphicFramePr>
-          <p:cNvPr id="4" name="Content Placeholder 3"/>
-          <p:cNvGraphicFramePr>
-            <a:graphicFrameLocks noGrp="1"/>
-          </p:cNvGraphicFramePr>
+      <p:sp>
+        <p:nvSpPr>
+          <p:cNvPr id="3" name="Content Placeholder 2"/>
+          <p:cNvSpPr>
+            <a:spLocks noGrp="1"/>
+          </p:cNvSpPr>
           <p:nvPr>
             <p:ph idx="1"/>
           </p:nvPr>
-        </p:nvGraphicFramePr>
-        <p:xfrm>
-          <a:off x="457200" y="1600200"/>
-          <a:ext cx="8229600" cy="4079240"/>
-        </p:xfrm>
-        <a:graphic>
-          <a:graphicData uri="http://schemas.openxmlformats.org/drawingml/2006/table">
-            <a:tbl>
-              <a:tblPr firstRow="1" bandRow="1">
-                <a:tableStyleId>{073A0DAA-6AF3-43AB-8588-CEC1D06C72B9}</a:tableStyleId>
-              </a:tblPr>
-              <a:tblGrid>
-                <a:gridCol w="2057400"/>
-                <a:gridCol w="2057400"/>
-                <a:gridCol w="1828800"/>
-                <a:gridCol w="2286000"/>
-              </a:tblGrid>
-              <a:tr h="370840">
-                <a:tc>
-                  <a:txBody>
-                    <a:bodyPr/>
-                    <a:lstStyle/>
-                    <a:p>
-                      <a:r>
-                        <a:rPr lang="en-US" dirty="0" smtClean="0"/>
-                        <a:t>Graphs</a:t>
-                      </a:r>
-                      <a:endParaRPr lang="en-US" dirty="0"/>
-                    </a:p>
-                  </a:txBody>
-                  <a:tcPr/>
-                </a:tc>
-                <a:tc>
-                  <a:txBody>
-                    <a:bodyPr/>
-                    <a:lstStyle/>
-                    <a:p>
-                      <a:r>
-                        <a:rPr lang="en-US" dirty="0" smtClean="0"/>
-                        <a:t>Upper Bound</a:t>
-                      </a:r>
-                      <a:endParaRPr lang="en-US" dirty="0"/>
-                    </a:p>
-                  </a:txBody>
-                  <a:tcPr/>
-                </a:tc>
-                <a:tc>
-                  <a:txBody>
-                    <a:bodyPr/>
-                    <a:lstStyle/>
-                    <a:p>
-                      <a:r>
-                        <a:rPr lang="en-US" dirty="0" smtClean="0"/>
-                        <a:t>Lower Bound</a:t>
-                      </a:r>
-                      <a:endParaRPr lang="en-US" dirty="0"/>
-                    </a:p>
-                  </a:txBody>
-                  <a:tcPr/>
-                </a:tc>
-                <a:tc>
-                  <a:txBody>
-                    <a:bodyPr/>
-                    <a:lstStyle/>
-                    <a:p>
-                      <a:r>
-                        <a:rPr lang="en-US" dirty="0" smtClean="0"/>
-                        <a:t>Chromatic Number</a:t>
-                      </a:r>
-                      <a:endParaRPr lang="en-US" dirty="0"/>
-                    </a:p>
-                  </a:txBody>
-                  <a:tcPr/>
-                </a:tc>
-              </a:tr>
-              <a:tr h="370840">
-                <a:tc>
-                  <a:txBody>
-                    <a:bodyPr/>
-                    <a:lstStyle/>
-                    <a:p>
-                      <a:r>
-                        <a:rPr lang="en-US" dirty="0" smtClean="0"/>
-                        <a:t>Graph 11</a:t>
-                      </a:r>
-                      <a:endParaRPr lang="en-US" dirty="0"/>
-                    </a:p>
-                  </a:txBody>
-                  <a:tcPr/>
-                </a:tc>
-                <a:tc>
-                  <a:txBody>
-                    <a:bodyPr/>
-                    <a:lstStyle/>
-                    <a:p>
-                      <a:r>
-                        <a:rPr lang="en-US" dirty="0" smtClean="0"/>
-                        <a:t>15</a:t>
-                      </a:r>
-                      <a:endParaRPr lang="en-US" dirty="0"/>
-                    </a:p>
-                  </a:txBody>
-                  <a:tcPr/>
-                </a:tc>
-                <a:tc>
-                  <a:txBody>
-                    <a:bodyPr/>
-                    <a:lstStyle/>
-                    <a:p>
-                      <a:r>
-                        <a:rPr lang="en-US" dirty="0" smtClean="0"/>
-                        <a:t>3</a:t>
-                      </a:r>
-                      <a:endParaRPr lang="en-US" dirty="0"/>
-                    </a:p>
-                  </a:txBody>
-                  <a:tcPr/>
-                </a:tc>
-                <a:tc>
-                  <a:txBody>
-                    <a:bodyPr/>
-                    <a:lstStyle/>
-                    <a:p>
-                      <a:endParaRPr lang="en-US"/>
-                    </a:p>
-                  </a:txBody>
-                  <a:tcPr/>
-                </a:tc>
-              </a:tr>
-              <a:tr h="370840">
-                <a:tc>
-                  <a:txBody>
-                    <a:bodyPr/>
-                    <a:lstStyle/>
-                    <a:p>
-                      <a:r>
-                        <a:rPr lang="en-US" dirty="0" smtClean="0"/>
-                        <a:t>Graph 12</a:t>
-                      </a:r>
-                      <a:endParaRPr lang="en-US" dirty="0"/>
-                    </a:p>
-                  </a:txBody>
-                  <a:tcPr/>
-                </a:tc>
-                <a:tc>
-                  <a:txBody>
-                    <a:bodyPr/>
-                    <a:lstStyle/>
-                    <a:p>
-                      <a:r>
-                        <a:rPr lang="en-US" dirty="0" smtClean="0"/>
-                        <a:t>3</a:t>
-                      </a:r>
-                      <a:endParaRPr lang="en-US" dirty="0"/>
-                    </a:p>
-                  </a:txBody>
-                  <a:tcPr/>
-                </a:tc>
-                <a:tc>
-                  <a:txBody>
-                    <a:bodyPr/>
-                    <a:lstStyle/>
-                    <a:p>
-                      <a:endParaRPr lang="en-US" dirty="0"/>
-                    </a:p>
-                  </a:txBody>
-                  <a:tcPr/>
-                </a:tc>
-                <a:tc>
-                  <a:txBody>
-                    <a:bodyPr/>
-                    <a:lstStyle/>
-                    <a:p>
-                      <a:r>
-                        <a:rPr lang="en-US" dirty="0" smtClean="0"/>
-                        <a:t>2</a:t>
-                      </a:r>
-                      <a:endParaRPr lang="en-US" dirty="0"/>
-                    </a:p>
-                  </a:txBody>
-                  <a:tcPr/>
-                </a:tc>
-              </a:tr>
-              <a:tr h="370840">
-                <a:tc>
-                  <a:txBody>
-                    <a:bodyPr/>
-                    <a:lstStyle/>
-                    <a:p>
-                      <a:r>
-                        <a:rPr lang="en-US" dirty="0" smtClean="0"/>
-                        <a:t>Graph 13</a:t>
-                      </a:r>
-                      <a:endParaRPr lang="en-US" dirty="0"/>
-                    </a:p>
-                  </a:txBody>
-                  <a:tcPr/>
-                </a:tc>
-                <a:tc>
-                  <a:txBody>
-                    <a:bodyPr/>
-                    <a:lstStyle/>
-                    <a:p>
-                      <a:r>
-                        <a:rPr lang="en-US" dirty="0" smtClean="0"/>
-                        <a:t>14</a:t>
-                      </a:r>
-                      <a:endParaRPr lang="en-US" dirty="0"/>
-                    </a:p>
-                  </a:txBody>
-                  <a:tcPr/>
-                </a:tc>
-                <a:tc>
-                  <a:txBody>
-                    <a:bodyPr/>
-                    <a:lstStyle/>
-                    <a:p>
-                      <a:r>
-                        <a:rPr lang="en-US" dirty="0" smtClean="0"/>
-                        <a:t>3</a:t>
-                      </a:r>
-                      <a:endParaRPr lang="en-US" dirty="0"/>
-                    </a:p>
-                  </a:txBody>
-                  <a:tcPr/>
-                </a:tc>
-                <a:tc>
-                  <a:txBody>
-                    <a:bodyPr/>
-                    <a:lstStyle/>
-                    <a:p>
-                      <a:endParaRPr lang="en-US" dirty="0"/>
-                    </a:p>
-                  </a:txBody>
-                  <a:tcPr/>
-                </a:tc>
-              </a:tr>
-              <a:tr h="370840">
-                <a:tc>
-                  <a:txBody>
-                    <a:bodyPr/>
-                    <a:lstStyle/>
-                    <a:p>
-                      <a:r>
-                        <a:rPr lang="en-US" dirty="0" smtClean="0"/>
-                        <a:t>Graph 14</a:t>
-                      </a:r>
-                      <a:endParaRPr lang="en-US" dirty="0"/>
-                    </a:p>
-                  </a:txBody>
-                  <a:tcPr/>
-                </a:tc>
-                <a:tc>
-                  <a:txBody>
-                    <a:bodyPr/>
-                    <a:lstStyle/>
-                    <a:p>
-                      <a:r>
-                        <a:rPr lang="en-US" dirty="0" smtClean="0"/>
-                        <a:t>5</a:t>
-                      </a:r>
-                      <a:endParaRPr lang="en-US" dirty="0"/>
-                    </a:p>
-                  </a:txBody>
-                  <a:tcPr/>
-                </a:tc>
-                <a:tc>
-                  <a:txBody>
-                    <a:bodyPr/>
-                    <a:lstStyle/>
-                    <a:p>
-                      <a:r>
-                        <a:rPr lang="en-US" dirty="0" smtClean="0"/>
-                        <a:t>3</a:t>
-                      </a:r>
-                      <a:endParaRPr lang="en-US" dirty="0"/>
-                    </a:p>
-                  </a:txBody>
-                  <a:tcPr/>
-                </a:tc>
-                <a:tc>
-                  <a:txBody>
-                    <a:bodyPr/>
-                    <a:lstStyle/>
-                    <a:p>
-                      <a:endParaRPr lang="en-US" dirty="0"/>
-                    </a:p>
-                  </a:txBody>
-                  <a:tcPr/>
-                </a:tc>
-              </a:tr>
-              <a:tr h="370840">
-                <a:tc>
-                  <a:txBody>
-                    <a:bodyPr/>
-                    <a:lstStyle/>
-                    <a:p>
-                      <a:r>
-                        <a:rPr lang="en-US" dirty="0" smtClean="0"/>
-                        <a:t>Graph 15</a:t>
-                      </a:r>
-                      <a:endParaRPr lang="en-US" dirty="0"/>
-                    </a:p>
-                  </a:txBody>
-                  <a:tcPr/>
-                </a:tc>
-                <a:tc>
-                  <a:txBody>
-                    <a:bodyPr/>
-                    <a:lstStyle/>
-                    <a:p>
-                      <a:r>
-                        <a:rPr lang="en-US" dirty="0" smtClean="0"/>
-                        <a:t>10</a:t>
-                      </a:r>
-                      <a:endParaRPr lang="en-US" dirty="0"/>
-                    </a:p>
-                  </a:txBody>
-                  <a:tcPr/>
-                </a:tc>
-                <a:tc>
-                  <a:txBody>
-                    <a:bodyPr/>
-                    <a:lstStyle/>
-                    <a:p>
-                      <a:r>
-                        <a:rPr lang="en-US" dirty="0" smtClean="0"/>
-                        <a:t>3</a:t>
-                      </a:r>
-                      <a:endParaRPr lang="en-US" dirty="0"/>
-                    </a:p>
-                  </a:txBody>
-                  <a:tcPr/>
-                </a:tc>
-                <a:tc>
-                  <a:txBody>
-                    <a:bodyPr/>
-                    <a:lstStyle/>
-                    <a:p>
-                      <a:endParaRPr lang="en-US" dirty="0"/>
-                    </a:p>
-                  </a:txBody>
-                  <a:tcPr/>
-                </a:tc>
-              </a:tr>
-              <a:tr h="370840">
-                <a:tc>
-                  <a:txBody>
-                    <a:bodyPr/>
-                    <a:lstStyle/>
-                    <a:p>
-                      <a:r>
-                        <a:rPr lang="en-US" dirty="0" smtClean="0"/>
-                        <a:t>Graph 16</a:t>
-                      </a:r>
-                      <a:endParaRPr lang="en-US" dirty="0"/>
-                    </a:p>
-                  </a:txBody>
-                  <a:tcPr/>
-                </a:tc>
-                <a:tc>
-                  <a:txBody>
-                    <a:bodyPr/>
-                    <a:lstStyle/>
-                    <a:p>
-                      <a:r>
-                        <a:rPr lang="en-US" dirty="0" smtClean="0"/>
-                        <a:t>4</a:t>
-                      </a:r>
-                      <a:endParaRPr lang="en-US" dirty="0"/>
-                    </a:p>
-                  </a:txBody>
-                  <a:tcPr/>
-                </a:tc>
-                <a:tc>
-                  <a:txBody>
-                    <a:bodyPr/>
-                    <a:lstStyle/>
-                    <a:p>
-                      <a:r>
-                        <a:rPr lang="en-US" dirty="0" smtClean="0"/>
-                        <a:t>3</a:t>
-                      </a:r>
-                      <a:endParaRPr lang="en-US" dirty="0"/>
-                    </a:p>
-                  </a:txBody>
-                  <a:tcPr/>
-                </a:tc>
-                <a:tc>
-                  <a:txBody>
-                    <a:bodyPr/>
-                    <a:lstStyle/>
-                    <a:p>
-                      <a:endParaRPr lang="en-US" dirty="0"/>
-                    </a:p>
-                  </a:txBody>
-                  <a:tcPr/>
-                </a:tc>
-              </a:tr>
-              <a:tr h="370840">
-                <a:tc>
-                  <a:txBody>
-                    <a:bodyPr/>
-                    <a:lstStyle/>
-                    <a:p>
-                      <a:r>
-                        <a:rPr lang="en-US" dirty="0" smtClean="0"/>
-                        <a:t>Graph 17</a:t>
-                      </a:r>
-                      <a:endParaRPr lang="en-US" dirty="0"/>
-                    </a:p>
-                  </a:txBody>
-                  <a:tcPr/>
-                </a:tc>
-                <a:tc>
-                  <a:txBody>
-                    <a:bodyPr/>
-                    <a:lstStyle/>
-                    <a:p>
-                      <a:r>
-                        <a:rPr lang="en-US" dirty="0" smtClean="0"/>
-                        <a:t>8</a:t>
-                      </a:r>
-                      <a:endParaRPr lang="en-US" dirty="0"/>
-                    </a:p>
-                  </a:txBody>
-                  <a:tcPr/>
-                </a:tc>
-                <a:tc>
-                  <a:txBody>
-                    <a:bodyPr/>
-                    <a:lstStyle/>
-                    <a:p>
-                      <a:r>
-                        <a:rPr lang="en-US" dirty="0" smtClean="0"/>
-                        <a:t>3</a:t>
-                      </a:r>
-                      <a:endParaRPr lang="en-US" dirty="0"/>
-                    </a:p>
-                  </a:txBody>
-                  <a:tcPr/>
-                </a:tc>
-                <a:tc>
-                  <a:txBody>
-                    <a:bodyPr/>
-                    <a:lstStyle/>
-                    <a:p>
-                      <a:endParaRPr lang="en-US" dirty="0"/>
-                    </a:p>
-                  </a:txBody>
-                  <a:tcPr/>
-                </a:tc>
-              </a:tr>
-              <a:tr h="370840">
-                <a:tc>
-                  <a:txBody>
-                    <a:bodyPr/>
-                    <a:lstStyle/>
-                    <a:p>
-                      <a:r>
-                        <a:rPr lang="en-US" dirty="0" smtClean="0"/>
-                        <a:t>Graph 18</a:t>
-                      </a:r>
-                      <a:endParaRPr lang="en-US" dirty="0"/>
-                    </a:p>
-                  </a:txBody>
-                  <a:tcPr/>
-                </a:tc>
-                <a:tc>
-                  <a:txBody>
-                    <a:bodyPr/>
-                    <a:lstStyle/>
-                    <a:p>
-                      <a:r>
-                        <a:rPr lang="en-US" dirty="0" smtClean="0"/>
-                        <a:t>11</a:t>
-                      </a:r>
-                      <a:endParaRPr lang="en-US" dirty="0"/>
-                    </a:p>
-                  </a:txBody>
-                  <a:tcPr/>
-                </a:tc>
-                <a:tc>
-                  <a:txBody>
-                    <a:bodyPr/>
-                    <a:lstStyle/>
-                    <a:p>
-                      <a:r>
-                        <a:rPr lang="en-US" dirty="0" smtClean="0"/>
-                        <a:t>3</a:t>
-                      </a:r>
-                      <a:endParaRPr lang="en-US" dirty="0"/>
-                    </a:p>
-                  </a:txBody>
-                  <a:tcPr/>
-                </a:tc>
-                <a:tc>
-                  <a:txBody>
-                    <a:bodyPr/>
-                    <a:lstStyle/>
-                    <a:p>
-                      <a:endParaRPr lang="en-US" dirty="0"/>
-                    </a:p>
-                  </a:txBody>
-                  <a:tcPr/>
-                </a:tc>
-              </a:tr>
-              <a:tr h="370840">
-                <a:tc>
-                  <a:txBody>
-                    <a:bodyPr/>
-                    <a:lstStyle/>
-                    <a:p>
-                      <a:r>
-                        <a:rPr lang="en-US" dirty="0" smtClean="0"/>
-                        <a:t>Graph 19</a:t>
-                      </a:r>
-                      <a:endParaRPr lang="en-US" dirty="0"/>
-                    </a:p>
-                  </a:txBody>
-                  <a:tcPr/>
-                </a:tc>
-                <a:tc>
-                  <a:txBody>
-                    <a:bodyPr/>
-                    <a:lstStyle/>
-                    <a:p>
-                      <a:r>
-                        <a:rPr lang="en-US" dirty="0" smtClean="0"/>
-                        <a:t>11</a:t>
-                      </a:r>
-                      <a:endParaRPr lang="en-US" dirty="0"/>
-                    </a:p>
-                  </a:txBody>
-                  <a:tcPr/>
-                </a:tc>
-                <a:tc>
-                  <a:txBody>
-                    <a:bodyPr/>
-                    <a:lstStyle/>
-                    <a:p>
-                      <a:r>
-                        <a:rPr lang="en-US" dirty="0" smtClean="0"/>
-                        <a:t>3</a:t>
-                      </a:r>
-                      <a:endParaRPr lang="en-US" dirty="0"/>
-                    </a:p>
-                  </a:txBody>
-                  <a:tcPr/>
-                </a:tc>
-                <a:tc>
-                  <a:txBody>
-                    <a:bodyPr/>
-                    <a:lstStyle/>
-                    <a:p>
-                      <a:endParaRPr lang="en-US" dirty="0"/>
-                    </a:p>
-                  </a:txBody>
-                  <a:tcPr/>
-                </a:tc>
-              </a:tr>
-              <a:tr h="370840">
-                <a:tc>
-                  <a:txBody>
-                    <a:bodyPr/>
-                    <a:lstStyle/>
-                    <a:p>
-                      <a:r>
-                        <a:rPr lang="en-US" dirty="0" smtClean="0"/>
-                        <a:t>Graph 20</a:t>
-                      </a:r>
-                      <a:endParaRPr lang="en-US" dirty="0"/>
-                    </a:p>
-                  </a:txBody>
-                  <a:tcPr/>
-                </a:tc>
-                <a:tc>
-                  <a:txBody>
-                    <a:bodyPr/>
-                    <a:lstStyle/>
-                    <a:p>
-                      <a:r>
-                        <a:rPr lang="en-US" dirty="0" smtClean="0"/>
-                        <a:t>9</a:t>
-                      </a:r>
-                      <a:endParaRPr lang="en-US" dirty="0"/>
-                    </a:p>
-                  </a:txBody>
-                  <a:tcPr/>
-                </a:tc>
-                <a:tc>
-                  <a:txBody>
-                    <a:bodyPr/>
-                    <a:lstStyle/>
-                    <a:p>
-                      <a:r>
-                        <a:rPr lang="en-US" dirty="0" smtClean="0"/>
-                        <a:t>3</a:t>
-                      </a:r>
-                      <a:endParaRPr lang="en-US" dirty="0"/>
-                    </a:p>
-                  </a:txBody>
-                  <a:tcPr/>
-                </a:tc>
-                <a:tc>
-                  <a:txBody>
-                    <a:bodyPr/>
-                    <a:lstStyle/>
-                    <a:p>
-                      <a:endParaRPr lang="en-US" dirty="0"/>
-                    </a:p>
-                  </a:txBody>
-                  <a:tcPr/>
-                </a:tc>
-              </a:tr>
-            </a:tbl>
-          </a:graphicData>
-        </a:graphic>
-      </p:graphicFrame>
+        </p:nvSpPr>
+        <p:spPr/>
+        <p:txBody>
+          <a:bodyPr/>
+          <a:lstStyle/>
+          <a:p>
+            <a:pPr>
+              <a:buFont typeface="Wingdings" pitchFamily="2" charset="2"/>
+              <a:buChar char="Ø"/>
+            </a:pPr>
+            <a:r>
+              <a:rPr lang="en-US" dirty="0" smtClean="0"/>
+              <a:t>No Vertices Graph</a:t>
+            </a:r>
+          </a:p>
+          <a:p>
+            <a:pPr>
+              <a:buFont typeface="Wingdings" pitchFamily="2" charset="2"/>
+              <a:buChar char="Ø"/>
+            </a:pPr>
+            <a:r>
+              <a:rPr lang="en-US" dirty="0" smtClean="0"/>
+              <a:t>No Edges Graph</a:t>
+            </a:r>
+          </a:p>
+          <a:p>
+            <a:pPr>
+              <a:buFont typeface="Wingdings" pitchFamily="2" charset="2"/>
+              <a:buChar char="Ø"/>
+            </a:pPr>
+            <a:r>
+              <a:rPr lang="en-US" dirty="0" smtClean="0"/>
+              <a:t>Odd Cycle Graph</a:t>
+            </a:r>
+          </a:p>
+          <a:p>
+            <a:pPr>
+              <a:buFont typeface="Wingdings" pitchFamily="2" charset="2"/>
+              <a:buChar char="Ø"/>
+            </a:pPr>
+            <a:r>
+              <a:rPr lang="en-US" dirty="0" smtClean="0"/>
+              <a:t>Wheel Graph</a:t>
+            </a:r>
+          </a:p>
+          <a:p>
+            <a:pPr>
+              <a:buFont typeface="Wingdings" pitchFamily="2" charset="2"/>
+              <a:buChar char="Ø"/>
+            </a:pPr>
+            <a:r>
+              <a:rPr lang="en-US" dirty="0" smtClean="0"/>
+              <a:t>Bipartite Graph</a:t>
+            </a:r>
+          </a:p>
+          <a:p>
+            <a:pPr>
+              <a:buFont typeface="Wingdings" pitchFamily="2" charset="2"/>
+              <a:buChar char="Ø"/>
+            </a:pPr>
+            <a:r>
+              <a:rPr lang="en-US" dirty="0" smtClean="0"/>
+              <a:t>Complete Graph</a:t>
+            </a:r>
+          </a:p>
+        </p:txBody>
+      </p:sp>
+      <p:pic>
+        <p:nvPicPr>
+          <p:cNvPr id="3085" name="Picture 13" descr="C:\Users\Vaishnavi Sirul\AppData\Local\Microsoft\Windows\Temporary Internet Files\Content.IE5\TZFX9FMF\Greedy_colourings.svg[1].png"/>
+          <p:cNvPicPr>
+            <a:picLocks noChangeAspect="1" noChangeArrowheads="1"/>
+          </p:cNvPicPr>
+          <p:nvPr/>
+        </p:nvPicPr>
+        <p:blipFill>
+          <a:blip r:embed="rId2"/>
+          <a:srcRect/>
+          <a:stretch>
+            <a:fillRect/>
+          </a:stretch>
+        </p:blipFill>
+        <p:spPr bwMode="auto">
+          <a:xfrm>
+            <a:off x="3475641" y="3429000"/>
+            <a:ext cx="4508276" cy="2796540"/>
+          </a:xfrm>
+          <a:prstGeom prst="rect">
+            <a:avLst/>
+          </a:prstGeom>
+          <a:noFill/>
+        </p:spPr>
+      </p:pic>
     </p:spTree>
   </p:cSld>
   <p:clrMapOvr>
@@ -5628,9 +6806,9 @@
 </file>
 
 <file path=ppt/theme/theme1.xml><?xml version="1.0" encoding="utf-8"?>
-<a:theme xmlns:a="http://schemas.openxmlformats.org/drawingml/2006/main" name="Apex">
+<a:theme xmlns:a="http://schemas.openxmlformats.org/drawingml/2006/main" name="Opulent">
   <a:themeElements>
-    <a:clrScheme name="Apex">
+    <a:clrScheme name="Opulent">
       <a:dk1>
         <a:sysClr val="windowText" lastClr="000000"/>
       </a:dk1>
@@ -5638,50 +6816,48 @@
         <a:sysClr val="window" lastClr="FFFFFF"/>
       </a:lt1>
       <a:dk2>
-        <a:srgbClr val="69676D"/>
+        <a:srgbClr val="B13F9A"/>
       </a:dk2>
       <a:lt2>
-        <a:srgbClr val="C9C2D1"/>
+        <a:srgbClr val="F4E7ED"/>
       </a:lt2>
       <a:accent1>
-        <a:srgbClr val="CEB966"/>
+        <a:srgbClr val="B83D68"/>
       </a:accent1>
       <a:accent2>
-        <a:srgbClr val="9CB084"/>
+        <a:srgbClr val="AC66BB"/>
       </a:accent2>
       <a:accent3>
-        <a:srgbClr val="6BB1C9"/>
+        <a:srgbClr val="DE6C36"/>
       </a:accent3>
       <a:accent4>
-        <a:srgbClr val="6585CF"/>
+        <a:srgbClr val="F9B639"/>
       </a:accent4>
       <a:accent5>
-        <a:srgbClr val="7E6BC9"/>
+        <a:srgbClr val="CF6DA4"/>
       </a:accent5>
       <a:accent6>
-        <a:srgbClr val="A379BB"/>
+        <a:srgbClr val="FA8D3D"/>
       </a:accent6>
       <a:hlink>
-        <a:srgbClr val="410082"/>
+        <a:srgbClr val="FFDE66"/>
       </a:hlink>
       <a:folHlink>
-        <a:srgbClr val="932968"/>
+        <a:srgbClr val="D490C5"/>
       </a:folHlink>
     </a:clrScheme>
-    <a:fontScheme name="Apex">
+    <a:fontScheme name="Opulent">
       <a:majorFont>
-        <a:latin typeface="Lucida Sans"/>
+        <a:latin typeface="Trebuchet MS"/>
         <a:ea typeface=""/>
         <a:cs typeface=""/>
-        <a:font script="Grek" typeface="Arial"/>
-        <a:font script="Cyrl" typeface="Arial"/>
         <a:font script="Jpan" typeface="HG丸ｺﾞｼｯｸM-PRO"/>
-        <a:font script="Hang" typeface="휴먼옛체"/>
+        <a:font script="Hang" typeface="HY그래픽M"/>
         <a:font script="Hans" typeface="黑体"/>
         <a:font script="Hant" typeface="微軟正黑體"/>
         <a:font script="Arab" typeface="Tahoma"/>
-        <a:font script="Hebr" typeface="Levenim MT"/>
-        <a:font script="Thai" typeface="FreesiaUPC"/>
+        <a:font script="Hebr" typeface="Gisha"/>
+        <a:font script="Thai" typeface="IrisUPC"/>
         <a:font script="Ethi" typeface="Nyala"/>
         <a:font script="Beng" typeface="Vrinda"/>
         <a:font script="Gujr" typeface="Shruti"/>
@@ -5706,22 +6882,20 @@
         <a:font script="Uigh" typeface="Microsoft Uighur"/>
       </a:majorFont>
       <a:minorFont>
-        <a:latin typeface="Book Antiqua"/>
+        <a:latin typeface="Trebuchet MS"/>
         <a:ea typeface=""/>
         <a:cs typeface=""/>
-        <a:font script="Grek" typeface="Times New Roman"/>
-        <a:font script="Cyrl" typeface="Times New Roman"/>
-        <a:font script="Jpan" typeface="HG明朝B"/>
-        <a:font script="Hang" typeface="돋움"/>
-        <a:font script="Hans" typeface="宋体"/>
-        <a:font script="Hant" typeface="新細明體"/>
-        <a:font script="Arab" typeface="Times New Roman"/>
-        <a:font script="Hebr" typeface="David"/>
-        <a:font script="Thai" typeface="EucrosiaUPC"/>
+        <a:font script="Jpan" typeface="HG丸ｺﾞｼｯｸM-PRO"/>
+        <a:font script="Hang" typeface="HY그래픽M"/>
+        <a:font script="Hans" typeface="华文新魏"/>
+        <a:font script="Hant" typeface="微軟正黑體"/>
+        <a:font script="Arab" typeface="Tahoma"/>
+        <a:font script="Hebr" typeface="Gisha"/>
+        <a:font script="Thai" typeface="IrisUPC"/>
         <a:font script="Ethi" typeface="Nyala"/>
         <a:font script="Beng" typeface="Vrinda"/>
         <a:font script="Gujr" typeface="Shruti"/>
-        <a:font script="Khmr" typeface="MoolBoran"/>
+        <a:font script="Khmr" typeface="DaunPenh"/>
         <a:font script="Knda" typeface="Tunga"/>
         <a:font script="Guru" typeface="Raavi"/>
         <a:font script="Cans" typeface="Euphemia"/>
@@ -5738,88 +6912,102 @@
         <a:font script="Laoo" typeface="DokChampa"/>
         <a:font script="Sinh" typeface="Iskoola Pota"/>
         <a:font script="Mong" typeface="Mongolian Baiti"/>
-        <a:font script="Viet" typeface="Times New Roman"/>
+        <a:font script="Viet" typeface="Arial"/>
         <a:font script="Uigh" typeface="Microsoft Uighur"/>
       </a:minorFont>
     </a:fontScheme>
-    <a:fmtScheme name="Apex">
+    <a:fmtScheme name="Opulent">
       <a:fillStyleLst>
         <a:solidFill>
           <a:schemeClr val="phClr"/>
         </a:solidFill>
         <a:gradFill rotWithShape="1">
           <a:gsLst>
-            <a:gs pos="20000">
+            <a:gs pos="0">
               <a:schemeClr val="phClr">
-                <a:tint val="9000"/>
+                <a:tint val="15000"/>
+                <a:satMod val="250000"/>
+              </a:schemeClr>
+            </a:gs>
+            <a:gs pos="49000">
+              <a:schemeClr val="phClr">
+                <a:tint val="50000"/>
+                <a:satMod val="200000"/>
+              </a:schemeClr>
+            </a:gs>
+            <a:gs pos="49100">
+              <a:schemeClr val="phClr">
+                <a:tint val="64000"/>
+                <a:satMod val="160000"/>
+              </a:schemeClr>
+            </a:gs>
+            <a:gs pos="92000">
+              <a:schemeClr val="phClr">
+                <a:tint val="50000"/>
+                <a:satMod val="200000"/>
               </a:schemeClr>
             </a:gs>
             <a:gs pos="100000">
               <a:schemeClr val="phClr">
-                <a:tint val="70000"/>
-                <a:satMod val="100000"/>
+                <a:tint val="43000"/>
+                <a:satMod val="190000"/>
               </a:schemeClr>
             </a:gs>
           </a:gsLst>
-          <a:path path="circle">
-            <a:fillToRect l="-15000" t="-15000" r="115000" b="115000"/>
-          </a:path>
+          <a:lin ang="5400000" scaled="1"/>
         </a:gradFill>
         <a:gradFill rotWithShape="1">
           <a:gsLst>
             <a:gs pos="0">
               <a:schemeClr val="phClr">
-                <a:shade val="60000"/>
+                <a:tint val="74000"/>
               </a:schemeClr>
             </a:gs>
-            <a:gs pos="33000">
+            <a:gs pos="49000">
               <a:schemeClr val="phClr">
-                <a:tint val="86500"/>
+                <a:tint val="96000"/>
+                <a:shade val="84000"/>
+                <a:satMod val="110000"/>
               </a:schemeClr>
             </a:gs>
-            <a:gs pos="46750">
+            <a:gs pos="49100">
               <a:schemeClr val="phClr">
-                <a:tint val="71000"/>
-                <a:satMod val="112000"/>
+                <a:shade val="55000"/>
+                <a:satMod val="150000"/>
               </a:schemeClr>
             </a:gs>
-            <a:gs pos="53000">
+            <a:gs pos="92000">
               <a:schemeClr val="phClr">
-                <a:tint val="71000"/>
-                <a:satMod val="112000"/>
-              </a:schemeClr>
-            </a:gs>
-            <a:gs pos="68000">
-              <a:schemeClr val="phClr">
-                <a:tint val="86000"/>
+                <a:tint val="98000"/>
+                <a:shade val="90000"/>
+                <a:satMod val="128000"/>
               </a:schemeClr>
             </a:gs>
             <a:gs pos="100000">
               <a:schemeClr val="phClr">
-                <a:shade val="60000"/>
+                <a:tint val="90000"/>
+                <a:shade val="97000"/>
+                <a:satMod val="128000"/>
               </a:schemeClr>
             </a:gs>
           </a:gsLst>
-          <a:lin ang="8350000" scaled="1"/>
+          <a:lin ang="5400000" scaled="1"/>
         </a:gradFill>
       </a:fillStyleLst>
       <a:lnStyleLst>
-        <a:ln w="9525" cap="flat" cmpd="sng" algn="ctr">
-          <a:solidFill>
-            <a:schemeClr val="phClr">
-              <a:shade val="48000"/>
-              <a:satMod val="110000"/>
-            </a:schemeClr>
-          </a:solidFill>
-          <a:prstDash val="solid"/>
-        </a:ln>
-        <a:ln w="25400" cap="flat" cmpd="sng" algn="ctr">
+        <a:ln w="11430" cap="flat" cmpd="sng" algn="ctr">
           <a:solidFill>
             <a:schemeClr val="phClr"/>
           </a:solidFill>
           <a:prstDash val="solid"/>
         </a:ln>
-        <a:ln w="38100" cap="flat" cmpd="sng" algn="ctr">
+        <a:ln w="40000" cap="flat" cmpd="sng" algn="ctr">
+          <a:solidFill>
+            <a:schemeClr val="phClr"/>
+          </a:solidFill>
+          <a:prstDash val="solid"/>
+        </a:ln>
+        <a:ln w="31800" cap="flat" cmpd="sng" algn="ctr">
           <a:solidFill>
             <a:schemeClr val="phClr"/>
           </a:solidFill>
@@ -5829,40 +7017,44 @@
       <a:effectStyleLst>
         <a:effectStyle>
           <a:effectLst>
-            <a:outerShdw blurRad="130000" dist="101600" dir="2700000" algn="tl" rotWithShape="0">
-              <a:srgbClr val="000000">
-                <a:alpha val="35000"/>
-              </a:srgbClr>
+            <a:outerShdw blurRad="50800" dist="25000" dir="5400000" rotWithShape="0">
+              <a:schemeClr val="phClr">
+                <a:shade val="30000"/>
+                <a:satMod val="150000"/>
+                <a:alpha val="38000"/>
+              </a:schemeClr>
             </a:outerShdw>
           </a:effectLst>
         </a:effectStyle>
         <a:effectStyle>
           <a:effectLst>
-            <a:outerShdw blurRad="190500" dist="228600" dir="2700000" sy="90000" rotWithShape="0">
-              <a:srgbClr val="000000">
-                <a:alpha val="25500"/>
-              </a:srgbClr>
+            <a:outerShdw blurRad="39000" dist="25400" dir="5400000" rotWithShape="0">
+              <a:schemeClr val="phClr">
+                <a:shade val="33000"/>
+                <a:alpha val="83000"/>
+              </a:schemeClr>
             </a:outerShdw>
           </a:effectLst>
         </a:effectStyle>
         <a:effectStyle>
           <a:effectLst>
-            <a:outerShdw blurRad="190500" dist="228600" dir="2700000" sy="90000" rotWithShape="0">
-              <a:srgbClr val="000000">
-                <a:alpha val="25500"/>
-              </a:srgbClr>
+            <a:outerShdw blurRad="39000" dist="25400" dir="5400000" rotWithShape="0">
+              <a:schemeClr val="phClr">
+                <a:shade val="33000"/>
+                <a:alpha val="83000"/>
+              </a:schemeClr>
             </a:outerShdw>
           </a:effectLst>
           <a:scene3d>
             <a:camera prst="orthographicFront" fov="0">
               <a:rot lat="0" lon="0" rev="0"/>
             </a:camera>
-            <a:lightRig rig="soft" dir="tl">
-              <a:rot lat="0" lon="0" rev="20100000"/>
+            <a:lightRig rig="contrasting" dir="t">
+              <a:rot lat="0" lon="0" rev="1500000"/>
             </a:lightRig>
           </a:scene3d>
-          <a:sp3d>
-            <a:bevelT w="50800" h="50800"/>
+          <a:sp3d extrusionH="127000" prstMaterial="powder">
+            <a:bevelT w="50800" h="63500"/>
           </a:sp3d>
         </a:effectStyle>
       </a:effectStyleLst>
@@ -5874,37 +7066,35 @@
           <a:gsLst>
             <a:gs pos="0">
               <a:schemeClr val="phClr">
-                <a:tint val="50000"/>
-                <a:satMod val="180000"/>
+                <a:tint val="78000"/>
+                <a:satMod val="220000"/>
               </a:schemeClr>
             </a:gs>
             <a:gs pos="100000">
               <a:schemeClr val="phClr">
-                <a:shade val="45000"/>
-                <a:satMod val="120000"/>
+                <a:shade val="35000"/>
+                <a:satMod val="155000"/>
               </a:schemeClr>
             </a:gs>
           </a:gsLst>
           <a:path path="circle">
-            <a:fillToRect r="100000" b="100000"/>
+            <a:fillToRect l="50000" t="50000" r="50000" b="50000"/>
           </a:path>
         </a:gradFill>
         <a:blipFill>
           <a:blip xmlns:r="http://schemas.openxmlformats.org/officeDocument/2006/relationships" r:embed="rId1">
             <a:duotone>
               <a:schemeClr val="phClr">
-                <a:shade val="3000"/>
-                <a:satMod val="110000"/>
+                <a:shade val="60000"/>
+                <a:satMod val="180000"/>
               </a:schemeClr>
               <a:schemeClr val="phClr">
-                <a:tint val="60000"/>
-                <a:satMod val="425000"/>
+                <a:tint val="500"/>
+                <a:satMod val="150000"/>
               </a:schemeClr>
             </a:duotone>
           </a:blip>
-          <a:stretch>
-            <a:fillRect/>
-          </a:stretch>
+          <a:tile tx="0" ty="0" sx="50000" sy="50000" flip="none" algn="tl"/>
         </a:blipFill>
       </a:bgFillStyleLst>
     </a:fmtScheme>

--- a/Project1-1/Phase3/Presentation-Phase3.pptx
+++ b/Project1-1/Phase3/Presentation-Phase3.pptx
@@ -4,18 +4,21 @@
   <p:sldMasterIdLst>
     <p:sldMasterId id="2147483816" r:id="rId1"/>
   </p:sldMasterIdLst>
+  <p:notesMasterIdLst>
+    <p:notesMasterId r:id="rId18"/>
+  </p:notesMasterIdLst>
   <p:sldIdLst>
     <p:sldId id="269" r:id="rId2"/>
     <p:sldId id="270" r:id="rId3"/>
-    <p:sldId id="257" r:id="rId4"/>
-    <p:sldId id="258" r:id="rId5"/>
+    <p:sldId id="258" r:id="rId4"/>
+    <p:sldId id="257" r:id="rId5"/>
     <p:sldId id="259" r:id="rId6"/>
     <p:sldId id="260" r:id="rId7"/>
     <p:sldId id="283" r:id="rId8"/>
     <p:sldId id="276" r:id="rId9"/>
-    <p:sldId id="277" r:id="rId10"/>
-    <p:sldId id="281" r:id="rId11"/>
-    <p:sldId id="282" r:id="rId12"/>
+    <p:sldId id="282" r:id="rId10"/>
+    <p:sldId id="277" r:id="rId11"/>
+    <p:sldId id="281" r:id="rId12"/>
     <p:sldId id="279" r:id="rId13"/>
     <p:sldId id="261" r:id="rId14"/>
     <p:sldId id="273" r:id="rId15"/>
@@ -122,6 +125,437 @@
 </p:presentation>
 </file>
 
+<file path=ppt/notesMasters/notesMaster1.xml><?xml version="1.0" encoding="utf-8"?>
+<p:notesMaster xmlns:a="http://schemas.openxmlformats.org/drawingml/2006/main" xmlns:r="http://schemas.openxmlformats.org/officeDocument/2006/relationships" xmlns:p="http://schemas.openxmlformats.org/presentationml/2006/main">
+  <p:cSld>
+    <p:bg>
+      <p:bgRef idx="1001">
+        <a:schemeClr val="bg1"/>
+      </p:bgRef>
+    </p:bg>
+    <p:spTree>
+      <p:nvGrpSpPr>
+        <p:cNvPr id="1" name=""/>
+        <p:cNvGrpSpPr/>
+        <p:nvPr/>
+      </p:nvGrpSpPr>
+      <p:grpSpPr>
+        <a:xfrm>
+          <a:off x="0" y="0"/>
+          <a:ext cx="0" cy="0"/>
+          <a:chOff x="0" y="0"/>
+          <a:chExt cx="0" cy="0"/>
+        </a:xfrm>
+      </p:grpSpPr>
+      <p:sp>
+        <p:nvSpPr>
+          <p:cNvPr id="2" name="Header Placeholder 1"/>
+          <p:cNvSpPr>
+            <a:spLocks noGrp="1"/>
+          </p:cNvSpPr>
+          <p:nvPr>
+            <p:ph type="hdr" sz="quarter"/>
+          </p:nvPr>
+        </p:nvSpPr>
+        <p:spPr>
+          <a:xfrm>
+            <a:off x="0" y="0"/>
+            <a:ext cx="2971800" cy="457200"/>
+          </a:xfrm>
+          <a:prstGeom prst="rect">
+            <a:avLst/>
+          </a:prstGeom>
+        </p:spPr>
+        <p:txBody>
+          <a:bodyPr vert="horz" lIns="91440" tIns="45720" rIns="91440" bIns="45720" rtlCol="0"/>
+          <a:lstStyle>
+            <a:lvl1pPr algn="l">
+              <a:defRPr sz="1200"/>
+            </a:lvl1pPr>
+          </a:lstStyle>
+          <a:p>
+            <a:endParaRPr lang="en-US"/>
+          </a:p>
+        </p:txBody>
+      </p:sp>
+      <p:sp>
+        <p:nvSpPr>
+          <p:cNvPr id="3" name="Date Placeholder 2"/>
+          <p:cNvSpPr>
+            <a:spLocks noGrp="1"/>
+          </p:cNvSpPr>
+          <p:nvPr>
+            <p:ph type="dt" idx="1"/>
+          </p:nvPr>
+        </p:nvSpPr>
+        <p:spPr>
+          <a:xfrm>
+            <a:off x="3884613" y="0"/>
+            <a:ext cx="2971800" cy="457200"/>
+          </a:xfrm>
+          <a:prstGeom prst="rect">
+            <a:avLst/>
+          </a:prstGeom>
+        </p:spPr>
+        <p:txBody>
+          <a:bodyPr vert="horz" lIns="91440" tIns="45720" rIns="91440" bIns="45720" rtlCol="0"/>
+          <a:lstStyle>
+            <a:lvl1pPr algn="r">
+              <a:defRPr sz="1200"/>
+            </a:lvl1pPr>
+          </a:lstStyle>
+          <a:p>
+            <a:fld id="{B3BF2E0C-6A22-4433-BA2F-F168EE62F7AF}" type="datetimeFigureOut">
+              <a:rPr lang="en-US" smtClean="0"/>
+              <a:pPr/>
+              <a:t>1/21/2019</a:t>
+            </a:fld>
+            <a:endParaRPr lang="en-US"/>
+          </a:p>
+        </p:txBody>
+      </p:sp>
+      <p:sp>
+        <p:nvSpPr>
+          <p:cNvPr id="4" name="Slide Image Placeholder 3"/>
+          <p:cNvSpPr>
+            <a:spLocks noGrp="1" noRot="1" noChangeAspect="1"/>
+          </p:cNvSpPr>
+          <p:nvPr>
+            <p:ph type="sldImg" idx="2"/>
+          </p:nvPr>
+        </p:nvSpPr>
+        <p:spPr>
+          <a:xfrm>
+            <a:off x="1143000" y="685800"/>
+            <a:ext cx="4572000" cy="3429000"/>
+          </a:xfrm>
+          <a:prstGeom prst="rect">
+            <a:avLst/>
+          </a:prstGeom>
+          <a:noFill/>
+          <a:ln w="12700">
+            <a:solidFill>
+              <a:prstClr val="black"/>
+            </a:solidFill>
+          </a:ln>
+        </p:spPr>
+        <p:txBody>
+          <a:bodyPr vert="horz" lIns="91440" tIns="45720" rIns="91440" bIns="45720" rtlCol="0" anchor="ctr"/>
+          <a:lstStyle/>
+          <a:p>
+            <a:endParaRPr lang="en-US"/>
+          </a:p>
+        </p:txBody>
+      </p:sp>
+      <p:sp>
+        <p:nvSpPr>
+          <p:cNvPr id="5" name="Notes Placeholder 4"/>
+          <p:cNvSpPr>
+            <a:spLocks noGrp="1"/>
+          </p:cNvSpPr>
+          <p:nvPr>
+            <p:ph type="body" sz="quarter" idx="3"/>
+          </p:nvPr>
+        </p:nvSpPr>
+        <p:spPr>
+          <a:xfrm>
+            <a:off x="685800" y="4343400"/>
+            <a:ext cx="5486400" cy="4114800"/>
+          </a:xfrm>
+          <a:prstGeom prst="rect">
+            <a:avLst/>
+          </a:prstGeom>
+        </p:spPr>
+        <p:txBody>
+          <a:bodyPr vert="horz" lIns="91440" tIns="45720" rIns="91440" bIns="45720" rtlCol="0">
+            <a:normAutofit/>
+          </a:bodyPr>
+          <a:lstStyle/>
+          <a:p>
+            <a:pPr lvl="0"/>
+            <a:r>
+              <a:rPr lang="en-US" smtClean="0"/>
+              <a:t>Click to edit Master text styles</a:t>
+            </a:r>
+          </a:p>
+          <a:p>
+            <a:pPr lvl="1"/>
+            <a:r>
+              <a:rPr lang="en-US" smtClean="0"/>
+              <a:t>Second level</a:t>
+            </a:r>
+          </a:p>
+          <a:p>
+            <a:pPr lvl="2"/>
+            <a:r>
+              <a:rPr lang="en-US" smtClean="0"/>
+              <a:t>Third level</a:t>
+            </a:r>
+          </a:p>
+          <a:p>
+            <a:pPr lvl="3"/>
+            <a:r>
+              <a:rPr lang="en-US" smtClean="0"/>
+              <a:t>Fourth level</a:t>
+            </a:r>
+          </a:p>
+          <a:p>
+            <a:pPr lvl="4"/>
+            <a:r>
+              <a:rPr lang="en-US" smtClean="0"/>
+              <a:t>Fifth level</a:t>
+            </a:r>
+            <a:endParaRPr lang="en-US"/>
+          </a:p>
+        </p:txBody>
+      </p:sp>
+      <p:sp>
+        <p:nvSpPr>
+          <p:cNvPr id="6" name="Footer Placeholder 5"/>
+          <p:cNvSpPr>
+            <a:spLocks noGrp="1"/>
+          </p:cNvSpPr>
+          <p:nvPr>
+            <p:ph type="ftr" sz="quarter" idx="4"/>
+          </p:nvPr>
+        </p:nvSpPr>
+        <p:spPr>
+          <a:xfrm>
+            <a:off x="0" y="8685213"/>
+            <a:ext cx="2971800" cy="457200"/>
+          </a:xfrm>
+          <a:prstGeom prst="rect">
+            <a:avLst/>
+          </a:prstGeom>
+        </p:spPr>
+        <p:txBody>
+          <a:bodyPr vert="horz" lIns="91440" tIns="45720" rIns="91440" bIns="45720" rtlCol="0" anchor="b"/>
+          <a:lstStyle>
+            <a:lvl1pPr algn="l">
+              <a:defRPr sz="1200"/>
+            </a:lvl1pPr>
+          </a:lstStyle>
+          <a:p>
+            <a:endParaRPr lang="en-US"/>
+          </a:p>
+        </p:txBody>
+      </p:sp>
+      <p:sp>
+        <p:nvSpPr>
+          <p:cNvPr id="7" name="Slide Number Placeholder 6"/>
+          <p:cNvSpPr>
+            <a:spLocks noGrp="1"/>
+          </p:cNvSpPr>
+          <p:nvPr>
+            <p:ph type="sldNum" sz="quarter" idx="5"/>
+          </p:nvPr>
+        </p:nvSpPr>
+        <p:spPr>
+          <a:xfrm>
+            <a:off x="3884613" y="8685213"/>
+            <a:ext cx="2971800" cy="457200"/>
+          </a:xfrm>
+          <a:prstGeom prst="rect">
+            <a:avLst/>
+          </a:prstGeom>
+        </p:spPr>
+        <p:txBody>
+          <a:bodyPr vert="horz" lIns="91440" tIns="45720" rIns="91440" bIns="45720" rtlCol="0" anchor="b"/>
+          <a:lstStyle>
+            <a:lvl1pPr algn="r">
+              <a:defRPr sz="1200"/>
+            </a:lvl1pPr>
+          </a:lstStyle>
+          <a:p>
+            <a:fld id="{B59E620A-D1AC-4CDE-B0C5-00EE80F17136}" type="slidenum">
+              <a:rPr lang="en-US" smtClean="0"/>
+              <a:pPr/>
+              <a:t>‹#›</a:t>
+            </a:fld>
+            <a:endParaRPr lang="en-US"/>
+          </a:p>
+        </p:txBody>
+      </p:sp>
+    </p:spTree>
+  </p:cSld>
+  <p:clrMap bg1="lt1" tx1="dk1" bg2="lt2" tx2="dk2" accent1="accent1" accent2="accent2" accent3="accent3" accent4="accent4" accent5="accent5" accent6="accent6" hlink="hlink" folHlink="folHlink"/>
+  <p:notesStyle>
+    <a:lvl1pPr marL="0" algn="l" defTabSz="914400" rtl="0" eaLnBrk="1" latinLnBrk="0" hangingPunct="1">
+      <a:defRPr sz="1200" kern="1200">
+        <a:solidFill>
+          <a:schemeClr val="tx1"/>
+        </a:solidFill>
+        <a:latin typeface="+mn-lt"/>
+        <a:ea typeface="+mn-ea"/>
+        <a:cs typeface="+mn-cs"/>
+      </a:defRPr>
+    </a:lvl1pPr>
+    <a:lvl2pPr marL="457200" algn="l" defTabSz="914400" rtl="0" eaLnBrk="1" latinLnBrk="0" hangingPunct="1">
+      <a:defRPr sz="1200" kern="1200">
+        <a:solidFill>
+          <a:schemeClr val="tx1"/>
+        </a:solidFill>
+        <a:latin typeface="+mn-lt"/>
+        <a:ea typeface="+mn-ea"/>
+        <a:cs typeface="+mn-cs"/>
+      </a:defRPr>
+    </a:lvl2pPr>
+    <a:lvl3pPr marL="914400" algn="l" defTabSz="914400" rtl="0" eaLnBrk="1" latinLnBrk="0" hangingPunct="1">
+      <a:defRPr sz="1200" kern="1200">
+        <a:solidFill>
+          <a:schemeClr val="tx1"/>
+        </a:solidFill>
+        <a:latin typeface="+mn-lt"/>
+        <a:ea typeface="+mn-ea"/>
+        <a:cs typeface="+mn-cs"/>
+      </a:defRPr>
+    </a:lvl3pPr>
+    <a:lvl4pPr marL="1371600" algn="l" defTabSz="914400" rtl="0" eaLnBrk="1" latinLnBrk="0" hangingPunct="1">
+      <a:defRPr sz="1200" kern="1200">
+        <a:solidFill>
+          <a:schemeClr val="tx1"/>
+        </a:solidFill>
+        <a:latin typeface="+mn-lt"/>
+        <a:ea typeface="+mn-ea"/>
+        <a:cs typeface="+mn-cs"/>
+      </a:defRPr>
+    </a:lvl4pPr>
+    <a:lvl5pPr marL="1828800" algn="l" defTabSz="914400" rtl="0" eaLnBrk="1" latinLnBrk="0" hangingPunct="1">
+      <a:defRPr sz="1200" kern="1200">
+        <a:solidFill>
+          <a:schemeClr val="tx1"/>
+        </a:solidFill>
+        <a:latin typeface="+mn-lt"/>
+        <a:ea typeface="+mn-ea"/>
+        <a:cs typeface="+mn-cs"/>
+      </a:defRPr>
+    </a:lvl5pPr>
+    <a:lvl6pPr marL="2286000" algn="l" defTabSz="914400" rtl="0" eaLnBrk="1" latinLnBrk="0" hangingPunct="1">
+      <a:defRPr sz="1200" kern="1200">
+        <a:solidFill>
+          <a:schemeClr val="tx1"/>
+        </a:solidFill>
+        <a:latin typeface="+mn-lt"/>
+        <a:ea typeface="+mn-ea"/>
+        <a:cs typeface="+mn-cs"/>
+      </a:defRPr>
+    </a:lvl6pPr>
+    <a:lvl7pPr marL="2743200" algn="l" defTabSz="914400" rtl="0" eaLnBrk="1" latinLnBrk="0" hangingPunct="1">
+      <a:defRPr sz="1200" kern="1200">
+        <a:solidFill>
+          <a:schemeClr val="tx1"/>
+        </a:solidFill>
+        <a:latin typeface="+mn-lt"/>
+        <a:ea typeface="+mn-ea"/>
+        <a:cs typeface="+mn-cs"/>
+      </a:defRPr>
+    </a:lvl7pPr>
+    <a:lvl8pPr marL="3200400" algn="l" defTabSz="914400" rtl="0" eaLnBrk="1" latinLnBrk="0" hangingPunct="1">
+      <a:defRPr sz="1200" kern="1200">
+        <a:solidFill>
+          <a:schemeClr val="tx1"/>
+        </a:solidFill>
+        <a:latin typeface="+mn-lt"/>
+        <a:ea typeface="+mn-ea"/>
+        <a:cs typeface="+mn-cs"/>
+      </a:defRPr>
+    </a:lvl8pPr>
+    <a:lvl9pPr marL="3657600" algn="l" defTabSz="914400" rtl="0" eaLnBrk="1" latinLnBrk="0" hangingPunct="1">
+      <a:defRPr sz="1200" kern="1200">
+        <a:solidFill>
+          <a:schemeClr val="tx1"/>
+        </a:solidFill>
+        <a:latin typeface="+mn-lt"/>
+        <a:ea typeface="+mn-ea"/>
+        <a:cs typeface="+mn-cs"/>
+      </a:defRPr>
+    </a:lvl9pPr>
+  </p:notesStyle>
+</p:notesMaster>
+</file>
+
+<file path=ppt/notesSlides/notesSlide1.xml><?xml version="1.0" encoding="utf-8"?>
+<p:notes xmlns:a="http://schemas.openxmlformats.org/drawingml/2006/main" xmlns:r="http://schemas.openxmlformats.org/officeDocument/2006/relationships" xmlns:p="http://schemas.openxmlformats.org/presentationml/2006/main">
+  <p:cSld>
+    <p:spTree>
+      <p:nvGrpSpPr>
+        <p:cNvPr id="1" name=""/>
+        <p:cNvGrpSpPr/>
+        <p:nvPr/>
+      </p:nvGrpSpPr>
+      <p:grpSpPr>
+        <a:xfrm>
+          <a:off x="0" y="0"/>
+          <a:ext cx="0" cy="0"/>
+          <a:chOff x="0" y="0"/>
+          <a:chExt cx="0" cy="0"/>
+        </a:xfrm>
+      </p:grpSpPr>
+      <p:sp>
+        <p:nvSpPr>
+          <p:cNvPr id="2" name="Slide Image Placeholder 1"/>
+          <p:cNvSpPr>
+            <a:spLocks noGrp="1" noRot="1" noChangeAspect="1"/>
+          </p:cNvSpPr>
+          <p:nvPr>
+            <p:ph type="sldImg"/>
+          </p:nvPr>
+        </p:nvSpPr>
+        <p:spPr/>
+      </p:sp>
+      <p:sp>
+        <p:nvSpPr>
+          <p:cNvPr id="3" name="Notes Placeholder 2"/>
+          <p:cNvSpPr>
+            <a:spLocks noGrp="1"/>
+          </p:cNvSpPr>
+          <p:nvPr>
+            <p:ph type="body" idx="1"/>
+          </p:nvPr>
+        </p:nvSpPr>
+        <p:spPr/>
+        <p:txBody>
+          <a:bodyPr>
+            <a:normAutofit/>
+          </a:bodyPr>
+          <a:lstStyle/>
+          <a:p>
+            <a:endParaRPr lang="en-US" dirty="0"/>
+          </a:p>
+        </p:txBody>
+      </p:sp>
+      <p:sp>
+        <p:nvSpPr>
+          <p:cNvPr id="4" name="Slide Number Placeholder 3"/>
+          <p:cNvSpPr>
+            <a:spLocks noGrp="1"/>
+          </p:cNvSpPr>
+          <p:nvPr>
+            <p:ph type="sldNum" sz="quarter" idx="10"/>
+          </p:nvPr>
+        </p:nvSpPr>
+        <p:spPr/>
+        <p:txBody>
+          <a:bodyPr/>
+          <a:lstStyle/>
+          <a:p>
+            <a:fld id="{B59E620A-D1AC-4CDE-B0C5-00EE80F17136}" type="slidenum">
+              <a:rPr lang="en-US" smtClean="0"/>
+              <a:pPr/>
+              <a:t>1</a:t>
+            </a:fld>
+            <a:endParaRPr lang="en-US"/>
+          </a:p>
+        </p:txBody>
+      </p:sp>
+    </p:spTree>
+  </p:cSld>
+  <p:clrMapOvr>
+    <a:masterClrMapping/>
+  </p:clrMapOvr>
+</p:notes>
+</file>
+
 <file path=ppt/slideLayouts/slideLayout1.xml><?xml version="1.0" encoding="utf-8"?>
 <p:sldLayout xmlns:a="http://schemas.openxmlformats.org/drawingml/2006/main" xmlns:r="http://schemas.openxmlformats.org/officeDocument/2006/relationships" xmlns:p="http://schemas.openxmlformats.org/presentationml/2006/main" showMasterSp="0" type="title" preserve="1">
   <p:cSld name="Title Slide">
@@ -393,7 +827,7 @@
             <a:fld id="{BD1DE68A-3EC6-4755-BF6D-7AA5B70F304A}" type="datetimeFigureOut">
               <a:rPr lang="en-US" smtClean="0"/>
               <a:pPr/>
-              <a:t>1/17/2019</a:t>
+              <a:t>1/21/2019</a:t>
             </a:fld>
             <a:endParaRPr lang="en-US"/>
           </a:p>
@@ -594,7 +1028,7 @@
             <a:fld id="{BD1DE68A-3EC6-4755-BF6D-7AA5B70F304A}" type="datetimeFigureOut">
               <a:rPr lang="en-US" smtClean="0"/>
               <a:pPr/>
-              <a:t>1/17/2019</a:t>
+              <a:t>1/21/2019</a:t>
             </a:fld>
             <a:endParaRPr lang="en-US"/>
           </a:p>
@@ -786,7 +1220,7 @@
             <a:fld id="{BD1DE68A-3EC6-4755-BF6D-7AA5B70F304A}" type="datetimeFigureOut">
               <a:rPr lang="en-US" smtClean="0"/>
               <a:pPr/>
-              <a:t>1/17/2019</a:t>
+              <a:t>1/21/2019</a:t>
             </a:fld>
             <a:endParaRPr lang="en-US"/>
           </a:p>
@@ -980,7 +1414,7 @@
             <a:fld id="{BD1DE68A-3EC6-4755-BF6D-7AA5B70F304A}" type="datetimeFigureOut">
               <a:rPr lang="en-US" smtClean="0"/>
               <a:pPr/>
-              <a:t>1/17/2019</a:t>
+              <a:t>1/21/2019</a:t>
             </a:fld>
             <a:endParaRPr lang="en-US"/>
           </a:p>
@@ -1208,7 +1642,7 @@
             <a:fld id="{BD1DE68A-3EC6-4755-BF6D-7AA5B70F304A}" type="datetimeFigureOut">
               <a:rPr lang="en-US" smtClean="0"/>
               <a:pPr/>
-              <a:t>1/17/2019</a:t>
+              <a:t>1/21/2019</a:t>
             </a:fld>
             <a:endParaRPr lang="en-US"/>
           </a:p>
@@ -1501,7 +1935,7 @@
             <a:fld id="{BD1DE68A-3EC6-4755-BF6D-7AA5B70F304A}" type="datetimeFigureOut">
               <a:rPr lang="en-US" smtClean="0"/>
               <a:pPr/>
-              <a:t>1/17/2019</a:t>
+              <a:t>1/21/2019</a:t>
             </a:fld>
             <a:endParaRPr lang="en-US"/>
           </a:p>
@@ -1934,7 +2368,7 @@
             <a:fld id="{BD1DE68A-3EC6-4755-BF6D-7AA5B70F304A}" type="datetimeFigureOut">
               <a:rPr lang="en-US" smtClean="0"/>
               <a:pPr/>
-              <a:t>1/17/2019</a:t>
+              <a:t>1/21/2019</a:t>
             </a:fld>
             <a:endParaRPr lang="en-US"/>
           </a:p>
@@ -2062,7 +2496,7 @@
             <a:fld id="{BD1DE68A-3EC6-4755-BF6D-7AA5B70F304A}" type="datetimeFigureOut">
               <a:rPr lang="en-US" smtClean="0"/>
               <a:pPr/>
-              <a:t>1/17/2019</a:t>
+              <a:t>1/21/2019</a:t>
             </a:fld>
             <a:endParaRPr lang="en-US"/>
           </a:p>
@@ -2167,7 +2601,7 @@
             <a:fld id="{BD1DE68A-3EC6-4755-BF6D-7AA5B70F304A}" type="datetimeFigureOut">
               <a:rPr lang="en-US" smtClean="0"/>
               <a:pPr/>
-              <a:t>1/17/2019</a:t>
+              <a:t>1/21/2019</a:t>
             </a:fld>
             <a:endParaRPr lang="en-US"/>
           </a:p>
@@ -2438,7 +2872,7 @@
             <a:fld id="{BD1DE68A-3EC6-4755-BF6D-7AA5B70F304A}" type="datetimeFigureOut">
               <a:rPr lang="en-US" smtClean="0"/>
               <a:pPr/>
-              <a:t>1/17/2019</a:t>
+              <a:t>1/21/2019</a:t>
             </a:fld>
             <a:endParaRPr lang="en-US"/>
           </a:p>
@@ -2804,7 +3238,7 @@
             <a:fld id="{BD1DE68A-3EC6-4755-BF6D-7AA5B70F304A}" type="datetimeFigureOut">
               <a:rPr lang="en-US" smtClean="0"/>
               <a:pPr/>
-              <a:t>1/17/2019</a:t>
+              <a:t>1/21/2019</a:t>
             </a:fld>
             <a:endParaRPr lang="en-US"/>
           </a:p>
@@ -3161,7 +3595,7 @@
             <a:fld id="{BD1DE68A-3EC6-4755-BF6D-7AA5B70F304A}" type="datetimeFigureOut">
               <a:rPr lang="en-US" smtClean="0"/>
               <a:pPr/>
-              <a:t>1/17/2019</a:t>
+              <a:t>1/21/2019</a:t>
             </a:fld>
             <a:endParaRPr lang="en-US"/>
           </a:p>
@@ -3799,7 +4233,7 @@
           <p:nvPr/>
         </p:nvPicPr>
         <p:blipFill>
-          <a:blip r:embed="rId2" cstate="print"/>
+          <a:blip r:embed="rId3" cstate="print"/>
           <a:srcRect/>
           <a:stretch>
             <a:fillRect/>
@@ -3807,8 +4241,8 @@
         </p:blipFill>
         <p:spPr bwMode="auto">
           <a:xfrm>
-            <a:off x="128016" y="5029200"/>
-            <a:ext cx="2688336" cy="1600200"/>
+            <a:off x="0" y="4876800"/>
+            <a:ext cx="2432304" cy="1447800"/>
           </a:xfrm>
           <a:prstGeom prst="rect">
             <a:avLst/>
@@ -3825,7 +4259,7 @@
           <p:nvPr/>
         </p:nvPicPr>
         <p:blipFill>
-          <a:blip r:embed="rId3"/>
+          <a:blip r:embed="rId4"/>
           <a:srcRect/>
           <a:stretch>
             <a:fillRect/>
@@ -3847,6 +4281,7 @@
   <p:clrMapOvr>
     <a:masterClrMapping/>
   </p:clrMapOvr>
+  <p:transition/>
   <p:timing>
     <p:tnLst>
       <p:par>
@@ -3884,25 +4319,123 @@
             <p:ph type="title"/>
           </p:nvPr>
         </p:nvSpPr>
-        <p:spPr>
-          <a:xfrm>
-            <a:off x="457200" y="2057400"/>
-            <a:ext cx="7391400" cy="1600200"/>
-          </a:xfrm>
-        </p:spPr>
+        <p:spPr/>
         <p:txBody>
           <a:bodyPr/>
           <a:lstStyle/>
           <a:p>
-            <a:pPr algn="ctr"/>
-            <a:r>
-              <a:rPr lang="en-US" sz="7200" dirty="0" smtClean="0"/>
-              <a:t>BRUTE FORCE</a:t>
-            </a:r>
-            <a:endParaRPr lang="en-US" sz="7200" b="1" dirty="0"/>
-          </a:p>
-        </p:txBody>
-      </p:sp>
+            <a:r>
+              <a:rPr lang="en-US" dirty="0" smtClean="0">
+                <a:solidFill>
+                  <a:schemeClr val="bg2">
+                    <a:lumMod val="50000"/>
+                  </a:schemeClr>
+                </a:solidFill>
+              </a:rPr>
+              <a:t>Special Cases</a:t>
+            </a:r>
+            <a:endParaRPr lang="en-US" dirty="0">
+              <a:solidFill>
+                <a:schemeClr val="bg2">
+                  <a:lumMod val="50000"/>
+                </a:schemeClr>
+              </a:solidFill>
+            </a:endParaRPr>
+          </a:p>
+        </p:txBody>
+      </p:sp>
+      <p:sp>
+        <p:nvSpPr>
+          <p:cNvPr id="3" name="Content Placeholder 2"/>
+          <p:cNvSpPr>
+            <a:spLocks noGrp="1"/>
+          </p:cNvSpPr>
+          <p:nvPr>
+            <p:ph idx="1"/>
+          </p:nvPr>
+        </p:nvSpPr>
+        <p:spPr/>
+        <p:txBody>
+          <a:bodyPr/>
+          <a:lstStyle/>
+          <a:p>
+            <a:pPr>
+              <a:buFont typeface="Wingdings" pitchFamily="2" charset="2"/>
+              <a:buChar char="Ø"/>
+            </a:pPr>
+            <a:r>
+              <a:rPr lang="en-US" dirty="0" smtClean="0"/>
+              <a:t>No Vertices Graph</a:t>
+            </a:r>
+          </a:p>
+          <a:p>
+            <a:pPr>
+              <a:buFont typeface="Wingdings" pitchFamily="2" charset="2"/>
+              <a:buChar char="Ø"/>
+            </a:pPr>
+            <a:r>
+              <a:rPr lang="en-US" dirty="0" smtClean="0"/>
+              <a:t>Null Graph</a:t>
+            </a:r>
+          </a:p>
+          <a:p>
+            <a:pPr>
+              <a:buFont typeface="Wingdings" pitchFamily="2" charset="2"/>
+              <a:buChar char="Ø"/>
+            </a:pPr>
+            <a:r>
+              <a:rPr lang="en-US" dirty="0" smtClean="0"/>
+              <a:t>Odd Cycle Graph</a:t>
+            </a:r>
+          </a:p>
+          <a:p>
+            <a:pPr>
+              <a:buFont typeface="Wingdings" pitchFamily="2" charset="2"/>
+              <a:buChar char="Ø"/>
+            </a:pPr>
+            <a:r>
+              <a:rPr lang="en-US" dirty="0" smtClean="0"/>
+              <a:t>Bipartite Graph</a:t>
+            </a:r>
+          </a:p>
+          <a:p>
+            <a:pPr>
+              <a:buFont typeface="Wingdings" pitchFamily="2" charset="2"/>
+              <a:buChar char="Ø"/>
+            </a:pPr>
+            <a:r>
+              <a:rPr lang="en-US" dirty="0" smtClean="0"/>
+              <a:t>Complete Graph</a:t>
+            </a:r>
+          </a:p>
+        </p:txBody>
+      </p:sp>
+      <p:pic>
+        <p:nvPicPr>
+          <p:cNvPr id="3085" name="Picture 13" descr="C:\Users\Vaishnavi Sirul\AppData\Local\Microsoft\Windows\Temporary Internet Files\Content.IE5\TZFX9FMF\Greedy_colourings.svg[1].png"/>
+          <p:cNvPicPr>
+            <a:picLocks noChangeAspect="1" noChangeArrowheads="1"/>
+          </p:cNvPicPr>
+          <p:nvPr/>
+        </p:nvPicPr>
+        <p:blipFill>
+          <a:blip r:embed="rId2"/>
+          <a:srcRect/>
+          <a:stretch>
+            <a:fillRect/>
+          </a:stretch>
+        </p:blipFill>
+        <p:spPr bwMode="auto">
+          <a:xfrm>
+            <a:off x="3429000" y="3429000"/>
+            <a:ext cx="4508276" cy="2796540"/>
+          </a:xfrm>
+          <a:prstGeom prst="rect">
+            <a:avLst/>
+          </a:prstGeom>
+          <a:noFill/>
+        </p:spPr>
+      </p:pic>
     </p:spTree>
   </p:cSld>
   <p:clrMapOvr>
@@ -3947,22 +4480,32 @@
         </p:nvSpPr>
         <p:spPr>
           <a:xfrm>
-            <a:off x="457200" y="2514600"/>
-            <a:ext cx="7242048" cy="1295400"/>
+            <a:off x="457200" y="2057400"/>
+            <a:ext cx="7391400" cy="1600200"/>
           </a:xfrm>
         </p:spPr>
         <p:txBody>
-          <a:bodyPr>
-            <a:normAutofit/>
-          </a:bodyPr>
+          <a:bodyPr/>
           <a:lstStyle/>
           <a:p>
             <a:pPr algn="ctr"/>
             <a:r>
-              <a:rPr lang="en-US" sz="7200" dirty="0" smtClean="0"/>
-              <a:t>LOWER BOUND</a:t>
-            </a:r>
-            <a:endParaRPr lang="en-US" sz="7200" dirty="0"/>
+              <a:rPr lang="en-US" sz="7200" dirty="0" smtClean="0">
+                <a:solidFill>
+                  <a:schemeClr val="bg2">
+                    <a:lumMod val="50000"/>
+                  </a:schemeClr>
+                </a:solidFill>
+              </a:rPr>
+              <a:t>BRUTE FORCE</a:t>
+            </a:r>
+            <a:endParaRPr lang="en-US" sz="7200" b="1" dirty="0">
+              <a:solidFill>
+                <a:schemeClr val="bg2">
+                  <a:lumMod val="50000"/>
+                </a:schemeClr>
+              </a:solidFill>
+            </a:endParaRPr>
           </a:p>
         </p:txBody>
       </p:sp>
@@ -4014,10 +4557,22 @@
           <a:lstStyle/>
           <a:p>
             <a:r>
-              <a:rPr lang="en-US" dirty="0" smtClean="0"/>
+              <a:rPr lang="en-US" dirty="0" smtClean="0">
+                <a:solidFill>
+                  <a:schemeClr val="bg2">
+                    <a:lumMod val="50000"/>
+                  </a:schemeClr>
+                </a:solidFill>
+              </a:rPr>
               <a:t>Genetic Algorithm</a:t>
             </a:r>
-            <a:endParaRPr lang="en-US" dirty="0"/>
+            <a:endParaRPr lang="en-US" dirty="0">
+              <a:solidFill>
+                <a:schemeClr val="bg2">
+                  <a:lumMod val="50000"/>
+                </a:schemeClr>
+              </a:solidFill>
+            </a:endParaRPr>
           </a:p>
         </p:txBody>
       </p:sp>
@@ -4122,14 +4677,28 @@
         </p:nvSpPr>
         <p:spPr/>
         <p:txBody>
-          <a:bodyPr/>
+          <a:bodyPr>
+            <a:normAutofit/>
+          </a:bodyPr>
           <a:lstStyle/>
           <a:p>
             <a:r>
-              <a:rPr lang="en-US" b="1" dirty="0" smtClean="0"/>
+              <a:rPr lang="en-US" sz="4800" b="1" dirty="0" smtClean="0">
+                <a:solidFill>
+                  <a:schemeClr val="bg2">
+                    <a:lumMod val="50000"/>
+                  </a:schemeClr>
+                </a:solidFill>
+              </a:rPr>
               <a:t>Experiments </a:t>
             </a:r>
-            <a:endParaRPr lang="en-US" b="1" dirty="0"/>
+            <a:endParaRPr lang="en-US" sz="4800" b="1" dirty="0">
+              <a:solidFill>
+                <a:schemeClr val="bg2">
+                  <a:lumMod val="50000"/>
+                </a:schemeClr>
+              </a:solidFill>
+            </a:endParaRPr>
           </a:p>
         </p:txBody>
       </p:sp>
@@ -4238,10 +4807,22 @@
           <a:lstStyle/>
           <a:p>
             <a:r>
-              <a:rPr lang="en-US" b="1" dirty="0" smtClean="0"/>
+              <a:rPr lang="en-US" b="1" dirty="0" smtClean="0">
+                <a:solidFill>
+                  <a:schemeClr val="bg2">
+                    <a:lumMod val="50000"/>
+                  </a:schemeClr>
+                </a:solidFill>
+              </a:rPr>
               <a:t>Results-Part1</a:t>
             </a:r>
-            <a:endParaRPr lang="en-US" b="1" dirty="0"/>
+            <a:endParaRPr lang="en-US" b="1" dirty="0">
+              <a:solidFill>
+                <a:schemeClr val="bg2">
+                  <a:lumMod val="50000"/>
+                </a:schemeClr>
+              </a:solidFill>
+            </a:endParaRPr>
           </a:p>
         </p:txBody>
       </p:sp>
@@ -4363,7 +4944,7 @@
                     <a:bodyPr/>
                     <a:lstStyle/>
                     <a:p>
-                      <a:endParaRPr lang="en-US"/>
+                      <a:endParaRPr lang="en-US" dirty="0"/>
                     </a:p>
                   </a:txBody>
                   <a:tcPr marL="80433" marR="80433"/>
@@ -4485,6 +5066,10 @@
                     <a:bodyPr/>
                     <a:lstStyle/>
                     <a:p>
+                      <a:r>
+                        <a:rPr lang="en-US" dirty="0" smtClean="0"/>
+                        <a:t>6</a:t>
+                      </a:r>
                       <a:endParaRPr lang="en-US" dirty="0"/>
                     </a:p>
                   </a:txBody>
@@ -4513,7 +5098,101 @@
                     <a:p>
                       <a:r>
                         <a:rPr lang="en-US" dirty="0" smtClean="0"/>
-                        <a:t>7</a:t>
+                        <a:t>5</a:t>
+                      </a:r>
+                      <a:endParaRPr lang="en-US" dirty="0"/>
+                    </a:p>
+                  </a:txBody>
+                  <a:tcPr marL="80433" marR="80433"/>
+                </a:tc>
+                <a:tc>
+                  <a:txBody>
+                    <a:bodyPr/>
+                    <a:lstStyle/>
+                    <a:p>
+                      <a:r>
+                        <a:rPr lang="en-US" dirty="0" smtClean="0"/>
+                        <a:t>4</a:t>
+                      </a:r>
+                      <a:endParaRPr lang="en-US" dirty="0"/>
+                    </a:p>
+                  </a:txBody>
+                  <a:tcPr marL="80433" marR="80433"/>
+                </a:tc>
+                <a:tc>
+                  <a:txBody>
+                    <a:bodyPr/>
+                    <a:lstStyle/>
+                    <a:p>
+                      <a:endParaRPr lang="en-US" dirty="0"/>
+                    </a:p>
+                  </a:txBody>
+                  <a:tcPr marL="80433" marR="80433"/>
+                </a:tc>
+              </a:tr>
+              <a:tr h="370840">
+                <a:tc>
+                  <a:txBody>
+                    <a:bodyPr/>
+                    <a:lstStyle/>
+                    <a:p>
+                      <a:r>
+                        <a:rPr lang="en-US" dirty="0" smtClean="0"/>
+                        <a:t>Graph 5</a:t>
+                      </a:r>
+                      <a:endParaRPr lang="en-US" dirty="0"/>
+                    </a:p>
+                  </a:txBody>
+                  <a:tcPr marL="80433" marR="80433"/>
+                </a:tc>
+                <a:tc>
+                  <a:txBody>
+                    <a:bodyPr/>
+                    <a:lstStyle/>
+                    <a:p>
+                      <a:r>
+                        <a:rPr lang="en-US" dirty="0" smtClean="0"/>
+                        <a:t>2</a:t>
+                      </a:r>
+                      <a:endParaRPr lang="en-US" dirty="0"/>
+                    </a:p>
+                  </a:txBody>
+                  <a:tcPr marL="80433" marR="80433"/>
+                </a:tc>
+                <a:tc>
+                  <a:txBody>
+                    <a:bodyPr/>
+                    <a:lstStyle/>
+                    <a:p>
+                      <a:endParaRPr lang="en-US" dirty="0"/>
+                    </a:p>
+                  </a:txBody>
+                  <a:tcPr marL="80433" marR="80433"/>
+                </a:tc>
+                <a:tc>
+                  <a:txBody>
+                    <a:bodyPr/>
+                    <a:lstStyle/>
+                    <a:p>
+                      <a:r>
+                        <a:rPr lang="en-US" dirty="0" smtClean="0"/>
+                        <a:t>2</a:t>
+                      </a:r>
+                      <a:endParaRPr lang="en-US" dirty="0"/>
+                    </a:p>
+                  </a:txBody>
+                  <a:tcPr marL="80433" marR="80433"/>
+                </a:tc>
+              </a:tr>
+              <a:tr h="370840">
+                <a:tc>
+                  <a:txBody>
+                    <a:bodyPr/>
+                    <a:lstStyle/>
+                    <a:p>
+                      <a:r>
+                        <a:rPr lang="en-US" dirty="0" smtClean="0"/>
+                        <a:t>Graph 6</a:t>
                       </a:r>
                       <a:endParaRPr lang="en-US" dirty="0"/>
                     </a:p>
@@ -4544,76 +5223,6 @@
                   </a:txBody>
                   <a:tcPr marL="80433" marR="80433"/>
                 </a:tc>
-              </a:tr>
-              <a:tr h="370840">
-                <a:tc>
-                  <a:txBody>
-                    <a:bodyPr/>
-                    <a:lstStyle/>
-                    <a:p>
-                      <a:r>
-                        <a:rPr lang="en-US" dirty="0" smtClean="0"/>
-                        <a:t>Graph 5</a:t>
-                      </a:r>
-                      <a:endParaRPr lang="en-US" dirty="0"/>
-                    </a:p>
-                  </a:txBody>
-                  <a:tcPr marL="80433" marR="80433"/>
-                </a:tc>
-                <a:tc>
-                  <a:txBody>
-                    <a:bodyPr/>
-                    <a:lstStyle/>
-                    <a:p>
-                      <a:r>
-                        <a:rPr lang="en-US" dirty="0" smtClean="0"/>
-                        <a:t>4</a:t>
-                      </a:r>
-                      <a:endParaRPr lang="en-US" dirty="0"/>
-                    </a:p>
-                  </a:txBody>
-                  <a:tcPr marL="80433" marR="80433"/>
-                </a:tc>
-                <a:tc>
-                  <a:txBody>
-                    <a:bodyPr/>
-                    <a:lstStyle/>
-                    <a:p>
-                      <a:endParaRPr lang="en-US" dirty="0"/>
-                    </a:p>
-                  </a:txBody>
-                  <a:tcPr marL="80433" marR="80433"/>
-                </a:tc>
-                <a:tc>
-                  <a:txBody>
-                    <a:bodyPr/>
-                    <a:lstStyle/>
-                    <a:p>
-                      <a:r>
-                        <a:rPr lang="en-US" dirty="0" smtClean="0"/>
-                        <a:t>2</a:t>
-                      </a:r>
-                      <a:endParaRPr lang="en-US" dirty="0"/>
-                    </a:p>
-                  </a:txBody>
-                  <a:tcPr marL="80433" marR="80433"/>
-                </a:tc>
-              </a:tr>
-              <a:tr h="370840">
-                <a:tc>
-                  <a:txBody>
-                    <a:bodyPr/>
-                    <a:lstStyle/>
-                    <a:p>
-                      <a:r>
-                        <a:rPr lang="en-US" dirty="0" smtClean="0"/>
-                        <a:t>Graph 6</a:t>
-                      </a:r>
-                      <a:endParaRPr lang="en-US" dirty="0"/>
-                    </a:p>
-                  </a:txBody>
-                  <a:tcPr marL="80433" marR="80433"/>
-                </a:tc>
                 <a:tc>
                   <a:txBody>
                     <a:bodyPr/>
@@ -4628,30 +5237,6 @@
                   </a:txBody>
                   <a:tcPr marL="80433" marR="80433"/>
                 </a:tc>
-                <a:tc>
-                  <a:txBody>
-                    <a:bodyPr/>
-                    <a:lstStyle/>
-                    <a:p>
-                      <a:endParaRPr lang="en-US" dirty="0"/>
-                    </a:p>
-                  </a:txBody>
-                  <a:tcPr marL="80433" marR="80433"/>
-                </a:tc>
-                <a:tc>
-                  <a:txBody>
-                    <a:bodyPr/>
-                    <a:lstStyle/>
-                    <a:p>
-                      <a:r>
-                        <a:rPr lang="en-US" dirty="0" smtClean="0"/>
-                        <a:t>3</a:t>
-                      </a:r>
-                      <a:endParaRPr lang="en-US" dirty="0"/>
-                    </a:p>
-                  </a:txBody>
-                  <a:tcPr marL="80433" marR="80433"/>
-                </a:tc>
               </a:tr>
               <a:tr h="370840">
                 <a:tc>
@@ -4689,7 +5274,7 @@
                     <a:p>
                       <a:r>
                         <a:rPr lang="en-US" dirty="0" smtClean="0"/>
-                        <a:t>3</a:t>
+                        <a:t>8</a:t>
                       </a:r>
                       <a:endParaRPr lang="en-US" dirty="0"/>
                     </a:p>
@@ -4743,7 +5328,7 @@
                     <a:p>
                       <a:r>
                         <a:rPr lang="en-US" dirty="0" smtClean="0"/>
-                        <a:t>3</a:t>
+                        <a:t>98</a:t>
                       </a:r>
                       <a:endParaRPr lang="en-US" dirty="0"/>
                     </a:p>
@@ -4755,7 +5340,11 @@
                     <a:bodyPr/>
                     <a:lstStyle/>
                     <a:p>
-                      <a:endParaRPr lang="en-US"/>
+                      <a:r>
+                        <a:rPr lang="en-US" dirty="0" smtClean="0"/>
+                        <a:t>98</a:t>
+                      </a:r>
+                      <a:endParaRPr lang="en-US" dirty="0"/>
                     </a:p>
                   </a:txBody>
                   <a:tcPr marL="80433" marR="80433"/>
@@ -4921,10 +5510,22 @@
           <a:lstStyle/>
           <a:p>
             <a:r>
-              <a:rPr lang="en-US" b="1" dirty="0" smtClean="0"/>
+              <a:rPr lang="en-US" b="1" dirty="0" smtClean="0">
+                <a:solidFill>
+                  <a:schemeClr val="bg2">
+                    <a:lumMod val="50000"/>
+                  </a:schemeClr>
+                </a:solidFill>
+              </a:rPr>
               <a:t>Results-Part2</a:t>
             </a:r>
-            <a:endParaRPr lang="en-US" b="1" dirty="0"/>
+            <a:endParaRPr lang="en-US" b="1" dirty="0">
+              <a:solidFill>
+                <a:schemeClr val="bg2">
+                  <a:lumMod val="50000"/>
+                </a:schemeClr>
+              </a:solidFill>
+            </a:endParaRPr>
           </a:p>
         </p:txBody>
       </p:sp>
@@ -5048,7 +5649,7 @@
                     <a:p>
                       <a:r>
                         <a:rPr lang="en-US" dirty="0" smtClean="0"/>
-                        <a:t>3</a:t>
+                        <a:t>15</a:t>
                       </a:r>
                       <a:endParaRPr lang="en-US" dirty="0"/>
                     </a:p>
@@ -5060,7 +5661,11 @@
                     <a:bodyPr/>
                     <a:lstStyle/>
                     <a:p>
-                      <a:endParaRPr lang="en-US"/>
+                      <a:r>
+                        <a:rPr lang="en-US" dirty="0" smtClean="0"/>
+                        <a:t>15</a:t>
+                      </a:r>
+                      <a:endParaRPr lang="en-US" dirty="0"/>
                     </a:p>
                   </a:txBody>
                   <a:tcPr marL="80433" marR="80433"/>
@@ -5088,18 +5693,8 @@
                     <a:p>
                       <a:r>
                         <a:rPr lang="en-US" dirty="0" smtClean="0"/>
-                        <a:t>3</a:t>
+                        <a:t>2</a:t>
                       </a:r>
-                      <a:endParaRPr lang="en-US" dirty="0"/>
-                    </a:p>
-                  </a:txBody>
-                  <a:tcPr marL="80433" marR="80433"/>
-                </a:tc>
-                <a:tc>
-                  <a:txBody>
-                    <a:bodyPr/>
-                    <a:lstStyle/>
-                    <a:p>
                       <a:endParaRPr lang="en-US" dirty="0"/>
                     </a:p>
                   </a:txBody>
@@ -5119,6 +5714,20 @@
                   </a:txBody>
                   <a:tcPr marL="80433" marR="80433"/>
                 </a:tc>
+                <a:tc>
+                  <a:txBody>
+                    <a:bodyPr/>
+                    <a:lstStyle/>
+                    <a:p>
+                      <a:r>
+                        <a:rPr lang="en-US" dirty="0" smtClean="0"/>
+                        <a:t>2</a:t>
+                      </a:r>
+                      <a:endParaRPr lang="en-US" dirty="0"/>
+                    </a:p>
+                  </a:txBody>
+                  <a:tcPr marL="80433" marR="80433"/>
+                </a:tc>
               </a:tr>
               <a:tr h="370840">
                 <a:tc>
@@ -5142,7 +5751,61 @@
                     <a:p>
                       <a:r>
                         <a:rPr lang="en-US" dirty="0" smtClean="0"/>
-                        <a:t>14</a:t>
+                        <a:t>11</a:t>
+                      </a:r>
+                      <a:endParaRPr lang="en-US" dirty="0"/>
+                    </a:p>
+                  </a:txBody>
+                  <a:tcPr marL="80433" marR="80433"/>
+                </a:tc>
+                <a:tc>
+                  <a:txBody>
+                    <a:bodyPr/>
+                    <a:lstStyle/>
+                    <a:p>
+                      <a:r>
+                        <a:rPr lang="en-US" dirty="0" smtClean="0"/>
+                        <a:t>9</a:t>
+                      </a:r>
+                      <a:endParaRPr lang="en-US" dirty="0"/>
+                    </a:p>
+                  </a:txBody>
+                  <a:tcPr marL="80433" marR="80433"/>
+                </a:tc>
+                <a:tc>
+                  <a:txBody>
+                    <a:bodyPr/>
+                    <a:lstStyle/>
+                    <a:p>
+                      <a:endParaRPr lang="en-US" dirty="0"/>
+                    </a:p>
+                  </a:txBody>
+                  <a:tcPr marL="80433" marR="80433"/>
+                </a:tc>
+              </a:tr>
+              <a:tr h="370840">
+                <a:tc>
+                  <a:txBody>
+                    <a:bodyPr/>
+                    <a:lstStyle/>
+                    <a:p>
+                      <a:r>
+                        <a:rPr lang="en-US" dirty="0" smtClean="0"/>
+                        <a:t>Graph 14</a:t>
+                      </a:r>
+                      <a:endParaRPr lang="en-US" dirty="0"/>
+                    </a:p>
+                  </a:txBody>
+                  <a:tcPr marL="80433" marR="80433"/>
+                </a:tc>
+                <a:tc>
+                  <a:txBody>
+                    <a:bodyPr/>
+                    <a:lstStyle/>
+                    <a:p>
+                      <a:r>
+                        <a:rPr lang="en-US" dirty="0" smtClean="0"/>
+                        <a:t>5</a:t>
                       </a:r>
                       <a:endParaRPr lang="en-US" dirty="0"/>
                     </a:p>
@@ -5182,7 +5845,21 @@
                     <a:p>
                       <a:r>
                         <a:rPr lang="en-US" dirty="0" smtClean="0"/>
-                        <a:t>Graph 14</a:t>
+                        <a:t>Graph 15</a:t>
+                      </a:r>
+                      <a:endParaRPr lang="en-US" dirty="0"/>
+                    </a:p>
+                  </a:txBody>
+                  <a:tcPr marL="80433" marR="80433"/>
+                </a:tc>
+                <a:tc>
+                  <a:txBody>
+                    <a:bodyPr/>
+                    <a:lstStyle/>
+                    <a:p>
+                      <a:r>
+                        <a:rPr lang="en-US" dirty="0" smtClean="0"/>
+                        <a:t>10</a:t>
                       </a:r>
                       <a:endParaRPr lang="en-US" dirty="0"/>
                     </a:p>
@@ -5208,6 +5885,46 @@
                     <a:bodyPr/>
                     <a:lstStyle/>
                     <a:p>
+                      <a:endParaRPr lang="en-US" dirty="0"/>
+                    </a:p>
+                  </a:txBody>
+                  <a:tcPr marL="80433" marR="80433"/>
+                </a:tc>
+              </a:tr>
+              <a:tr h="370840">
+                <a:tc>
+                  <a:txBody>
+                    <a:bodyPr/>
+                    <a:lstStyle/>
+                    <a:p>
+                      <a:r>
+                        <a:rPr lang="en-US" dirty="0" smtClean="0"/>
+                        <a:t>Graph 16</a:t>
+                      </a:r>
+                      <a:endParaRPr lang="en-US" dirty="0"/>
+                    </a:p>
+                  </a:txBody>
+                  <a:tcPr marL="80433" marR="80433"/>
+                </a:tc>
+                <a:tc>
+                  <a:txBody>
+                    <a:bodyPr/>
+                    <a:lstStyle/>
+                    <a:p>
+                      <a:r>
+                        <a:rPr lang="en-US" dirty="0" smtClean="0"/>
+                        <a:t>4</a:t>
+                      </a:r>
+                      <a:endParaRPr lang="en-US" dirty="0"/>
+                    </a:p>
+                  </a:txBody>
+                  <a:tcPr marL="80433" marR="80433"/>
+                </a:tc>
+                <a:tc>
+                  <a:txBody>
+                    <a:bodyPr/>
+                    <a:lstStyle/>
+                    <a:p>
                       <a:r>
                         <a:rPr lang="en-US" dirty="0" smtClean="0"/>
                         <a:t>3</a:t>
@@ -5236,7 +5953,79 @@
                     <a:p>
                       <a:r>
                         <a:rPr lang="en-US" dirty="0" smtClean="0"/>
-                        <a:t>Graph 15</a:t>
+                        <a:t>Graph 17</a:t>
+                      </a:r>
+                      <a:endParaRPr lang="en-US" dirty="0"/>
+                    </a:p>
+                  </a:txBody>
+                  <a:tcPr marL="80433" marR="80433"/>
+                </a:tc>
+                <a:tc>
+                  <a:txBody>
+                    <a:bodyPr/>
+                    <a:lstStyle/>
+                    <a:p>
+                      <a:r>
+                        <a:rPr lang="en-US" dirty="0" smtClean="0"/>
+                        <a:t>8</a:t>
+                      </a:r>
+                      <a:endParaRPr lang="en-US" dirty="0"/>
+                    </a:p>
+                  </a:txBody>
+                  <a:tcPr marL="80433" marR="80433"/>
+                </a:tc>
+                <a:tc>
+                  <a:txBody>
+                    <a:bodyPr/>
+                    <a:lstStyle/>
+                    <a:p>
+                      <a:r>
+                        <a:rPr lang="en-US" dirty="0" smtClean="0"/>
+                        <a:t>8</a:t>
+                      </a:r>
+                      <a:endParaRPr lang="en-US" dirty="0"/>
+                    </a:p>
+                  </a:txBody>
+                  <a:tcPr marL="80433" marR="80433"/>
+                </a:tc>
+                <a:tc>
+                  <a:txBody>
+                    <a:bodyPr/>
+                    <a:lstStyle/>
+                    <a:p>
+                      <a:r>
+                        <a:rPr lang="en-US" dirty="0" smtClean="0"/>
+                        <a:t>8</a:t>
+                      </a:r>
+                      <a:endParaRPr lang="en-US" dirty="0"/>
+                    </a:p>
+                  </a:txBody>
+                  <a:tcPr marL="80433" marR="80433"/>
+                </a:tc>
+              </a:tr>
+              <a:tr h="370840">
+                <a:tc>
+                  <a:txBody>
+                    <a:bodyPr/>
+                    <a:lstStyle/>
+                    <a:p>
+                      <a:r>
+                        <a:rPr lang="en-US" dirty="0" smtClean="0"/>
+                        <a:t>Graph 18</a:t>
+                      </a:r>
+                      <a:endParaRPr lang="en-US" dirty="0"/>
+                    </a:p>
+                  </a:txBody>
+                  <a:tcPr marL="80433" marR="80433"/>
+                </a:tc>
+                <a:tc>
+                  <a:txBody>
+                    <a:bodyPr/>
+                    <a:lstStyle/>
+                    <a:p>
+                      <a:r>
+                        <a:rPr lang="en-US" dirty="0" smtClean="0"/>
+                        <a:t>11</a:t>
                       </a:r>
                       <a:endParaRPr lang="en-US" dirty="0"/>
                     </a:p>
@@ -5262,143 +6051,21 @@
                     <a:bodyPr/>
                     <a:lstStyle/>
                     <a:p>
+                      <a:endParaRPr lang="en-US" dirty="0"/>
+                    </a:p>
+                  </a:txBody>
+                  <a:tcPr marL="80433" marR="80433"/>
+                </a:tc>
+              </a:tr>
+              <a:tr h="370840">
+                <a:tc>
+                  <a:txBody>
+                    <a:bodyPr/>
+                    <a:lstStyle/>
+                    <a:p>
                       <a:r>
                         <a:rPr lang="en-US" dirty="0" smtClean="0"/>
-                        <a:t>3</a:t>
-                      </a:r>
-                      <a:endParaRPr lang="en-US" dirty="0"/>
-                    </a:p>
-                  </a:txBody>
-                  <a:tcPr marL="80433" marR="80433"/>
-                </a:tc>
-                <a:tc>
-                  <a:txBody>
-                    <a:bodyPr/>
-                    <a:lstStyle/>
-                    <a:p>
-                      <a:endParaRPr lang="en-US" dirty="0"/>
-                    </a:p>
-                  </a:txBody>
-                  <a:tcPr marL="80433" marR="80433"/>
-                </a:tc>
-              </a:tr>
-              <a:tr h="370840">
-                <a:tc>
-                  <a:txBody>
-                    <a:bodyPr/>
-                    <a:lstStyle/>
-                    <a:p>
-                      <a:r>
-                        <a:rPr lang="en-US" dirty="0" smtClean="0"/>
-                        <a:t>Graph 16</a:t>
-                      </a:r>
-                      <a:endParaRPr lang="en-US" dirty="0"/>
-                    </a:p>
-                  </a:txBody>
-                  <a:tcPr marL="80433" marR="80433"/>
-                </a:tc>
-                <a:tc>
-                  <a:txBody>
-                    <a:bodyPr/>
-                    <a:lstStyle/>
-                    <a:p>
-                      <a:r>
-                        <a:rPr lang="en-US" dirty="0" smtClean="0"/>
-                        <a:t>4</a:t>
-                      </a:r>
-                      <a:endParaRPr lang="en-US" dirty="0"/>
-                    </a:p>
-                  </a:txBody>
-                  <a:tcPr marL="80433" marR="80433"/>
-                </a:tc>
-                <a:tc>
-                  <a:txBody>
-                    <a:bodyPr/>
-                    <a:lstStyle/>
-                    <a:p>
-                      <a:r>
-                        <a:rPr lang="en-US" dirty="0" smtClean="0"/>
-                        <a:t>3</a:t>
-                      </a:r>
-                      <a:endParaRPr lang="en-US" dirty="0"/>
-                    </a:p>
-                  </a:txBody>
-                  <a:tcPr marL="80433" marR="80433"/>
-                </a:tc>
-                <a:tc>
-                  <a:txBody>
-                    <a:bodyPr/>
-                    <a:lstStyle/>
-                    <a:p>
-                      <a:endParaRPr lang="en-US" dirty="0"/>
-                    </a:p>
-                  </a:txBody>
-                  <a:tcPr marL="80433" marR="80433"/>
-                </a:tc>
-              </a:tr>
-              <a:tr h="370840">
-                <a:tc>
-                  <a:txBody>
-                    <a:bodyPr/>
-                    <a:lstStyle/>
-                    <a:p>
-                      <a:r>
-                        <a:rPr lang="en-US" dirty="0" smtClean="0"/>
-                        <a:t>Graph 17</a:t>
-                      </a:r>
-                      <a:endParaRPr lang="en-US" dirty="0"/>
-                    </a:p>
-                  </a:txBody>
-                  <a:tcPr marL="80433" marR="80433"/>
-                </a:tc>
-                <a:tc>
-                  <a:txBody>
-                    <a:bodyPr/>
-                    <a:lstStyle/>
-                    <a:p>
-                      <a:r>
-                        <a:rPr lang="en-US" dirty="0" smtClean="0"/>
-                        <a:t>8</a:t>
-                      </a:r>
-                      <a:endParaRPr lang="en-US" dirty="0"/>
-                    </a:p>
-                  </a:txBody>
-                  <a:tcPr marL="80433" marR="80433"/>
-                </a:tc>
-                <a:tc>
-                  <a:txBody>
-                    <a:bodyPr/>
-                    <a:lstStyle/>
-                    <a:p>
-                      <a:r>
-                        <a:rPr lang="en-US" dirty="0" smtClean="0"/>
-                        <a:t>3</a:t>
-                      </a:r>
-                      <a:endParaRPr lang="en-US" dirty="0"/>
-                    </a:p>
-                  </a:txBody>
-                  <a:tcPr marL="80433" marR="80433"/>
-                </a:tc>
-                <a:tc>
-                  <a:txBody>
-                    <a:bodyPr/>
-                    <a:lstStyle/>
-                    <a:p>
-                      <a:endParaRPr lang="en-US" dirty="0"/>
-                    </a:p>
-                  </a:txBody>
-                  <a:tcPr marL="80433" marR="80433"/>
-                </a:tc>
-              </a:tr>
-              <a:tr h="370840">
-                <a:tc>
-                  <a:txBody>
-                    <a:bodyPr/>
-                    <a:lstStyle/>
-                    <a:p>
-                      <a:r>
-                        <a:rPr lang="en-US" dirty="0" smtClean="0"/>
-                        <a:t>Graph 18</a:t>
+                        <a:t>Graph 19</a:t>
                       </a:r>
                       <a:endParaRPr lang="en-US" dirty="0"/>
                     </a:p>
@@ -5426,33 +6093,7 @@
                     <a:p>
                       <a:r>
                         <a:rPr lang="en-US" dirty="0" smtClean="0"/>
-                        <a:t>3</a:t>
-                      </a:r>
-                      <a:endParaRPr lang="en-US" dirty="0"/>
-                    </a:p>
-                  </a:txBody>
-                  <a:tcPr marL="80433" marR="80433"/>
-                </a:tc>
-                <a:tc>
-                  <a:txBody>
-                    <a:bodyPr/>
-                    <a:lstStyle/>
-                    <a:p>
-                      <a:endParaRPr lang="en-US" dirty="0"/>
-                    </a:p>
-                  </a:txBody>
-                  <a:tcPr marL="80433" marR="80433"/>
-                </a:tc>
-              </a:tr>
-              <a:tr h="370840">
-                <a:tc>
-                  <a:txBody>
-                    <a:bodyPr/>
-                    <a:lstStyle/>
-                    <a:p>
-                      <a:r>
-                        <a:rPr lang="en-US" dirty="0" smtClean="0"/>
-                        <a:t>Graph 19</a:t>
+                        <a:t>11</a:t>
                       </a:r>
                       <a:endParaRPr lang="en-US" dirty="0"/>
                     </a:p>
@@ -5473,30 +6114,6 @@
                   </a:txBody>
                   <a:tcPr marL="80433" marR="80433"/>
                 </a:tc>
-                <a:tc>
-                  <a:txBody>
-                    <a:bodyPr/>
-                    <a:lstStyle/>
-                    <a:p>
-                      <a:r>
-                        <a:rPr lang="en-US" dirty="0" smtClean="0"/>
-                        <a:t>3</a:t>
-                      </a:r>
-                      <a:endParaRPr lang="en-US" dirty="0"/>
-                    </a:p>
-                  </a:txBody>
-                  <a:tcPr marL="80433" marR="80433"/>
-                </a:tc>
-                <a:tc>
-                  <a:txBody>
-                    <a:bodyPr/>
-                    <a:lstStyle/>
-                    <a:p>
-                      <a:endParaRPr lang="en-US" dirty="0"/>
-                    </a:p>
-                  </a:txBody>
-                  <a:tcPr marL="80433" marR="80433"/>
-                </a:tc>
               </a:tr>
               <a:tr h="370840">
                 <a:tc>
@@ -5534,7 +6151,7 @@
                     <a:p>
                       <a:r>
                         <a:rPr lang="en-US" dirty="0" smtClean="0"/>
-                        <a:t>3</a:t>
+                        <a:t>8</a:t>
                       </a:r>
                       <a:endParaRPr lang="en-US" dirty="0"/>
                     </a:p>
@@ -5606,10 +6223,22 @@
           <a:lstStyle/>
           <a:p>
             <a:r>
-              <a:rPr lang="en-US" b="1" dirty="0" smtClean="0"/>
+              <a:rPr lang="en-US" b="1" dirty="0" smtClean="0">
+                <a:solidFill>
+                  <a:schemeClr val="bg2">
+                    <a:lumMod val="50000"/>
+                  </a:schemeClr>
+                </a:solidFill>
+              </a:rPr>
               <a:t>Conclusion</a:t>
             </a:r>
-            <a:endParaRPr lang="en-US" b="1" dirty="0"/>
+            <a:endParaRPr lang="en-US" b="1" dirty="0">
+              <a:solidFill>
+                <a:schemeClr val="bg2">
+                  <a:lumMod val="50000"/>
+                </a:schemeClr>
+              </a:solidFill>
+            </a:endParaRPr>
           </a:p>
         </p:txBody>
       </p:sp>
@@ -5628,24 +6257,30 @@
           <a:bodyPr/>
           <a:lstStyle/>
           <a:p>
+            <a:pPr>
+              <a:buFont typeface="Wingdings" pitchFamily="2" charset="2"/>
+              <a:buChar char="Ø"/>
+            </a:pPr>
             <a:r>
               <a:rPr lang="en-US" dirty="0" smtClean="0"/>
-              <a:t>Our algorithms work better for smaller graphs.</a:t>
-            </a:r>
-          </a:p>
-          <a:p>
-            <a:r>
-              <a:rPr lang="en-US" dirty="0" smtClean="0"/>
-              <a:t>Our algorithms work better for special structured graphs.</a:t>
-            </a:r>
-          </a:p>
-          <a:p>
+              <a:t>Our algorithms work better for smaller graphs and special structured graphs.</a:t>
+            </a:r>
+          </a:p>
+          <a:p>
+            <a:pPr>
+              <a:buFont typeface="Wingdings" pitchFamily="2" charset="2"/>
+              <a:buChar char="Ø"/>
+            </a:pPr>
             <a:r>
               <a:rPr lang="en-US" dirty="0" smtClean="0"/>
               <a:t>Greedy Algorithm works faster than Genetic Algorithm.</a:t>
             </a:r>
           </a:p>
           <a:p>
+            <a:pPr>
+              <a:buFont typeface="Wingdings" pitchFamily="2" charset="2"/>
+              <a:buChar char="Ø"/>
+            </a:pPr>
             <a:r>
               <a:rPr lang="en-US" dirty="0" smtClean="0"/>
               <a:t>Genetic Algorithm gives better results than Greedy Algorithm.</a:t>
@@ -5717,9 +6352,13 @@
             <a:pPr algn="ctr"/>
             <a:r>
               <a:rPr lang="en-US" b="1" dirty="0" smtClean="0"/>
-              <a:t>     Group-Members</a:t>
-            </a:r>
-            <a:endParaRPr lang="en-US" b="1" dirty="0"/>
+              <a:t>   		  </a:t>
+            </a:r>
+            <a:r>
+              <a:rPr lang="en-US" sz="5400" b="1" dirty="0" smtClean="0"/>
+              <a:t>Group-Members</a:t>
+            </a:r>
+            <a:endParaRPr lang="en-US" sz="5400" b="1" dirty="0"/>
           </a:p>
         </p:txBody>
       </p:sp>
@@ -5736,7 +6375,7 @@
         <p:spPr>
           <a:xfrm>
             <a:off x="2743200" y="1752600"/>
-            <a:ext cx="6400800" cy="3505200"/>
+            <a:ext cx="6400800" cy="3048000"/>
           </a:xfrm>
         </p:spPr>
         <p:txBody>
@@ -5749,86 +6388,42 @@
               <a:buFont typeface="Wingdings" pitchFamily="2" charset="2"/>
               <a:buChar char="Ø"/>
             </a:pPr>
-            <a:r>
-              <a:rPr lang="en-US" sz="3200" b="1" dirty="0" err="1" smtClean="0">
-                <a:solidFill>
-                  <a:schemeClr val="bg1"/>
-                </a:solidFill>
-              </a:rPr>
-              <a:t>Tu</a:t>
-            </a:r>
             <a:r>
               <a:rPr lang="en-US" sz="3200" b="1" dirty="0" smtClean="0">
                 <a:solidFill>
                   <a:schemeClr val="bg1"/>
                 </a:solidFill>
               </a:rPr>
-              <a:t> </a:t>
-            </a:r>
-            <a:r>
-              <a:rPr lang="en-US" sz="3200" b="1" dirty="0" err="1" smtClean="0">
-                <a:solidFill>
-                  <a:schemeClr val="bg1"/>
-                </a:solidFill>
-              </a:rPr>
-              <a:t>Anh</a:t>
-            </a:r>
+              <a:t>Tu Anh Dinh</a:t>
+            </a:r>
+          </a:p>
+          <a:p>
+            <a:pPr algn="l">
+              <a:buFont typeface="Wingdings" pitchFamily="2" charset="2"/>
+              <a:buChar char="Ø"/>
+            </a:pPr>
             <a:r>
               <a:rPr lang="en-US" sz="3200" b="1" dirty="0" smtClean="0">
                 <a:solidFill>
                   <a:schemeClr val="bg1"/>
                 </a:solidFill>
               </a:rPr>
-              <a:t> </a:t>
-            </a:r>
-            <a:r>
-              <a:rPr lang="en-US" sz="3200" b="1" dirty="0" err="1" smtClean="0">
-                <a:solidFill>
-                  <a:schemeClr val="bg1"/>
-                </a:solidFill>
-              </a:rPr>
-              <a:t>Dinh</a:t>
-            </a:r>
-            <a:endParaRPr lang="en-US" sz="3200" b="1" dirty="0" smtClean="0">
-              <a:solidFill>
-                <a:schemeClr val="bg1"/>
-              </a:solidFill>
-            </a:endParaRPr>
+              <a:t>Vaishnavi Velaga</a:t>
+            </a:r>
           </a:p>
           <a:p>
             <a:pPr algn="l">
               <a:buFont typeface="Wingdings" pitchFamily="2" charset="2"/>
               <a:buChar char="Ø"/>
             </a:pPr>
-            <a:r>
-              <a:rPr lang="en-US" sz="3200" b="1" dirty="0" err="1" smtClean="0">
-                <a:solidFill>
-                  <a:schemeClr val="bg1"/>
-                </a:solidFill>
-              </a:rPr>
-              <a:t>Vaishnavi</a:t>
-            </a:r>
             <a:r>
               <a:rPr lang="en-US" sz="3200" b="1" dirty="0" smtClean="0">
                 <a:solidFill>
                   <a:schemeClr val="bg1"/>
                 </a:solidFill>
               </a:rPr>
-              <a:t> </a:t>
-            </a:r>
-            <a:r>
-              <a:rPr lang="en-US" sz="3200" b="1" dirty="0" err="1" smtClean="0">
-                <a:solidFill>
-                  <a:schemeClr val="bg1"/>
-                </a:solidFill>
-              </a:rPr>
-              <a:t>Velaga</a:t>
-            </a:r>
-            <a:endParaRPr lang="en-US" sz="3200" b="1" dirty="0" smtClean="0">
-              <a:solidFill>
-                <a:schemeClr val="bg1"/>
-              </a:solidFill>
-            </a:endParaRPr>
+              <a:t>Rudy Wessels</a:t>
+            </a:r>
           </a:p>
           <a:p>
             <a:pPr algn="l">
@@ -5841,21 +6436,8 @@
                   <a:schemeClr val="bg1"/>
                 </a:solidFill>
               </a:rPr>
-              <a:t>Rudy </a:t>
-            </a:r>
-            <a:r>
-              <a:rPr lang="en-US" sz="3200" b="1" dirty="0" err="1" smtClean="0">
-                <a:solidFill>
-                  <a:schemeClr val="bg1"/>
-                </a:solidFill>
-              </a:rPr>
-              <a:t>Wessels</a:t>
-            </a:r>
-            <a:endParaRPr lang="en-US" sz="3200" b="1" dirty="0" smtClean="0">
-              <a:solidFill>
-                <a:schemeClr val="bg1"/>
-              </a:solidFill>
-            </a:endParaRPr>
+              <a:t>Oskar Wielgos</a:t>
+            </a:r>
           </a:p>
           <a:p>
             <a:pPr algn="l">
@@ -5868,70 +6450,11 @@
                   <a:schemeClr val="bg1"/>
                 </a:solidFill>
               </a:rPr>
-              <a:t>Oskar </a:t>
-            </a:r>
-            <a:r>
-              <a:rPr lang="en-US" sz="3200" b="1" dirty="0" err="1" smtClean="0">
-                <a:solidFill>
-                  <a:schemeClr val="bg1"/>
-                </a:solidFill>
-              </a:rPr>
-              <a:t>Wielgos</a:t>
-            </a:r>
-            <a:endParaRPr lang="en-US" sz="3200" b="1" dirty="0" smtClean="0">
-              <a:solidFill>
-                <a:schemeClr val="bg1"/>
-              </a:solidFill>
-            </a:endParaRPr>
-          </a:p>
-          <a:p>
-            <a:pPr algn="l">
-              <a:buFont typeface="Wingdings" pitchFamily="2" charset="2"/>
-              <a:buChar char="Ø"/>
-            </a:pPr>
-            <a:r>
-              <a:rPr lang="en-US" sz="3200" b="1" dirty="0" smtClean="0">
-                <a:solidFill>
-                  <a:schemeClr val="bg1"/>
-                </a:solidFill>
-              </a:rPr>
-              <a:t>Michal </a:t>
-            </a:r>
-            <a:r>
-              <a:rPr lang="en-US" sz="3200" b="1" dirty="0" err="1" smtClean="0">
-                <a:solidFill>
-                  <a:schemeClr val="bg1"/>
-                </a:solidFill>
-              </a:rPr>
-              <a:t>Jarski</a:t>
-            </a:r>
-            <a:endParaRPr lang="en-US" sz="3200" b="1" dirty="0" smtClean="0">
-              <a:solidFill>
-                <a:schemeClr val="bg1"/>
-              </a:solidFill>
-            </a:endParaRPr>
-          </a:p>
-          <a:p>
-            <a:pPr algn="l">
-              <a:buFont typeface="Wingdings" pitchFamily="2" charset="2"/>
-              <a:buChar char="Ø"/>
-            </a:pPr>
-            <a:r>
-              <a:rPr lang="en-US" sz="3200" b="1" dirty="0" smtClean="0">
-                <a:solidFill>
-                  <a:schemeClr val="bg1"/>
-                </a:solidFill>
-              </a:rPr>
-              <a:t>Louis </a:t>
-            </a:r>
-            <a:r>
-              <a:rPr lang="en-US" sz="3200" b="1" dirty="0" err="1" smtClean="0">
-                <a:solidFill>
-                  <a:schemeClr val="bg1"/>
-                </a:solidFill>
-              </a:rPr>
-              <a:t>Mottet</a:t>
-            </a:r>
+              <a:t>Michal Jarski</a:t>
+            </a:r>
+          </a:p>
+          <a:p>
+            <a:pPr algn="l"/>
             <a:endParaRPr lang="en-US" sz="3200" b="1" dirty="0" smtClean="0">
               <a:solidFill>
                 <a:schemeClr val="bg1"/>
@@ -6001,10 +6524,22 @@
           <a:lstStyle/>
           <a:p>
             <a:r>
-              <a:rPr lang="en-US" sz="4800" b="1" dirty="0" smtClean="0"/>
-              <a:t>AGENDA</a:t>
-            </a:r>
-            <a:endParaRPr lang="en-US" sz="4800" b="1" dirty="0"/>
+              <a:rPr lang="en-US" sz="5400" b="1" dirty="0" smtClean="0">
+                <a:solidFill>
+                  <a:schemeClr val="bg2">
+                    <a:lumMod val="50000"/>
+                  </a:schemeClr>
+                </a:solidFill>
+              </a:rPr>
+              <a:t>Problem Statement</a:t>
+            </a:r>
+            <a:endParaRPr lang="en-US" sz="5400" b="1" dirty="0">
+              <a:solidFill>
+                <a:schemeClr val="bg2">
+                  <a:lumMod val="50000"/>
+                </a:schemeClr>
+              </a:solidFill>
+            </a:endParaRPr>
           </a:p>
         </p:txBody>
       </p:sp>
@@ -6026,64 +6561,13 @@
           <a:lstStyle/>
           <a:p>
             <a:pPr>
-              <a:buFont typeface="Wingdings" pitchFamily="2" charset="2"/>
-              <a:buChar char="Ø"/>
+              <a:buNone/>
             </a:pPr>
             <a:r>
-              <a:rPr lang="en-US" sz="3600" b="1" dirty="0" smtClean="0"/>
-              <a:t>Problem Statement</a:t>
-            </a:r>
-          </a:p>
-          <a:p>
-            <a:pPr>
-              <a:buFont typeface="Wingdings" pitchFamily="2" charset="2"/>
-              <a:buChar char="Ø"/>
-            </a:pPr>
-            <a:r>
-              <a:rPr lang="en-US" sz="3600" b="1" dirty="0" smtClean="0"/>
-              <a:t>Work Flow</a:t>
-            </a:r>
-          </a:p>
-          <a:p>
-            <a:pPr>
-              <a:buFont typeface="Wingdings" pitchFamily="2" charset="2"/>
-              <a:buChar char="Ø"/>
-            </a:pPr>
-            <a:r>
-              <a:rPr lang="en-US" sz="3600" b="1" dirty="0" smtClean="0"/>
-              <a:t>Algorithms</a:t>
-            </a:r>
-          </a:p>
-          <a:p>
-            <a:pPr>
-              <a:buFont typeface="Wingdings" pitchFamily="2" charset="2"/>
-              <a:buChar char="Ø"/>
-            </a:pPr>
-            <a:r>
-              <a:rPr lang="en-US" sz="3600" b="1" dirty="0" smtClean="0"/>
-              <a:t>Experiments </a:t>
-            </a:r>
-          </a:p>
-          <a:p>
-            <a:pPr>
-              <a:buFont typeface="Wingdings" pitchFamily="2" charset="2"/>
-              <a:buChar char="Ø"/>
-            </a:pPr>
-            <a:r>
-              <a:rPr lang="en-US" sz="3600" b="1" dirty="0" smtClean="0"/>
-              <a:t>Results</a:t>
-            </a:r>
-          </a:p>
-          <a:p>
-            <a:pPr>
-              <a:buFont typeface="Wingdings" pitchFamily="2" charset="2"/>
-              <a:buChar char="Ø"/>
-            </a:pPr>
-            <a:r>
-              <a:rPr lang="en-US" sz="3600" b="1" dirty="0" smtClean="0"/>
-              <a:t>Conclusion</a:t>
-            </a:r>
-            <a:endParaRPr lang="en-US" sz="3600" b="1" dirty="0"/>
+              <a:rPr lang="en-US" sz="5400" b="1" dirty="0" smtClean="0"/>
+              <a:t>“How to compute  the chromatic number of different graphs?”</a:t>
+            </a:r>
+            <a:endParaRPr lang="en-US" sz="5400" b="1" dirty="0"/>
           </a:p>
         </p:txBody>
       </p:sp>
@@ -6131,42 +6615,107 @@
         </p:nvSpPr>
         <p:spPr/>
         <p:txBody>
-          <a:bodyPr/>
-          <a:lstStyle/>
-          <a:p>
-            <a:r>
-              <a:rPr lang="en-US" b="1" dirty="0" smtClean="0"/>
-              <a:t>Problem Statement</a:t>
-            </a:r>
-            <a:endParaRPr lang="en-US" b="1" dirty="0"/>
-          </a:p>
-        </p:txBody>
-      </p:sp>
-      <p:sp>
-        <p:nvSpPr>
-          <p:cNvPr id="3" name="Content Placeholder 2"/>
-          <p:cNvSpPr>
-            <a:spLocks noGrp="1"/>
-          </p:cNvSpPr>
-          <p:nvPr>
-            <p:ph idx="1"/>
-          </p:nvPr>
-        </p:nvSpPr>
-        <p:spPr/>
-        <p:txBody>
           <a:bodyPr>
             <a:normAutofit/>
           </a:bodyPr>
           <a:lstStyle/>
           <a:p>
+            <a:r>
+              <a:rPr lang="en-US" sz="5400" b="1" dirty="0" smtClean="0">
+                <a:solidFill>
+                  <a:schemeClr val="bg2">
+                    <a:lumMod val="50000"/>
+                  </a:schemeClr>
+                </a:solidFill>
+              </a:rPr>
+              <a:t>AGENDA</a:t>
+            </a:r>
+            <a:endParaRPr lang="en-US" sz="5400" b="1" dirty="0">
+              <a:solidFill>
+                <a:schemeClr val="bg2">
+                  <a:lumMod val="50000"/>
+                </a:schemeClr>
+              </a:solidFill>
+            </a:endParaRPr>
+          </a:p>
+        </p:txBody>
+      </p:sp>
+      <p:sp>
+        <p:nvSpPr>
+          <p:cNvPr id="3" name="Content Placeholder 2"/>
+          <p:cNvSpPr>
+            <a:spLocks noGrp="1"/>
+          </p:cNvSpPr>
+          <p:nvPr>
+            <p:ph idx="1"/>
+          </p:nvPr>
+        </p:nvSpPr>
+        <p:spPr/>
+        <p:txBody>
+          <a:bodyPr>
+            <a:normAutofit/>
+          </a:bodyPr>
+          <a:lstStyle/>
+          <a:p>
             <a:pPr>
-              <a:buNone/>
+              <a:buFont typeface="Wingdings" pitchFamily="2" charset="2"/>
+              <a:buChar char="Ø"/>
             </a:pPr>
             <a:r>
-              <a:rPr lang="en-US" sz="5400" b="1" dirty="0" smtClean="0"/>
-              <a:t>“How to compute  the chromatic number of different graphs?”</a:t>
-            </a:r>
-            <a:endParaRPr lang="en-US" sz="5400" b="1" dirty="0"/>
+              <a:rPr lang="en-US" sz="3600" b="1" dirty="0" smtClean="0"/>
+              <a:t>Problem Statement</a:t>
+            </a:r>
+          </a:p>
+          <a:p>
+            <a:pPr>
+              <a:buFont typeface="Wingdings" pitchFamily="2" charset="2"/>
+              <a:buChar char="Ø"/>
+            </a:pPr>
+            <a:r>
+              <a:rPr lang="en-US" sz="3600" b="1" dirty="0" smtClean="0"/>
+              <a:t>Work Flow</a:t>
+            </a:r>
+          </a:p>
+          <a:p>
+            <a:pPr>
+              <a:buFont typeface="Wingdings" pitchFamily="2" charset="2"/>
+              <a:buChar char="Ø"/>
+            </a:pPr>
+            <a:r>
+              <a:rPr lang="en-US" sz="3600" b="1" dirty="0" smtClean="0"/>
+              <a:t>Algorithms</a:t>
+            </a:r>
+          </a:p>
+          <a:p>
+            <a:pPr>
+              <a:buFont typeface="Wingdings" pitchFamily="2" charset="2"/>
+              <a:buChar char="Ø"/>
+            </a:pPr>
+            <a:r>
+              <a:rPr lang="en-US" sz="3600" b="1" dirty="0" smtClean="0"/>
+              <a:t>Experiments </a:t>
+            </a:r>
+          </a:p>
+          <a:p>
+            <a:pPr>
+              <a:buFont typeface="Wingdings" pitchFamily="2" charset="2"/>
+              <a:buChar char="Ø"/>
+            </a:pPr>
+            <a:r>
+              <a:rPr lang="en-US" sz="3600" b="1" dirty="0" smtClean="0"/>
+              <a:t>Results</a:t>
+            </a:r>
+          </a:p>
+          <a:p>
+            <a:pPr>
+              <a:buFont typeface="Wingdings" pitchFamily="2" charset="2"/>
+              <a:buChar char="Ø"/>
+            </a:pPr>
+            <a:r>
+              <a:rPr lang="en-US" sz="3600" b="1" dirty="0" smtClean="0"/>
+              <a:t>Conclusion</a:t>
+            </a:r>
+            <a:endParaRPr lang="en-US" sz="3600" b="1" dirty="0"/>
           </a:p>
         </p:txBody>
       </p:sp>
@@ -6218,10 +6767,22 @@
           <a:lstStyle/>
           <a:p>
             <a:r>
-              <a:rPr lang="en-US" dirty="0" smtClean="0"/>
+              <a:rPr lang="en-US" dirty="0" smtClean="0">
+                <a:solidFill>
+                  <a:schemeClr val="bg2">
+                    <a:lumMod val="50000"/>
+                  </a:schemeClr>
+                </a:solidFill>
+              </a:rPr>
               <a:t>General Work Flow</a:t>
             </a:r>
-            <a:endParaRPr lang="en-US" dirty="0"/>
+            <a:endParaRPr lang="en-US" dirty="0">
+              <a:solidFill>
+                <a:schemeClr val="bg2">
+                  <a:lumMod val="50000"/>
+                </a:schemeClr>
+              </a:solidFill>
+            </a:endParaRPr>
           </a:p>
         </p:txBody>
       </p:sp>
@@ -6240,32 +6801,40 @@
           <a:bodyPr/>
           <a:lstStyle/>
           <a:p>
+            <a:pPr>
+              <a:buFont typeface="Wingdings" pitchFamily="2" charset="2"/>
+              <a:buChar char="Ø"/>
+            </a:pPr>
             <a:r>
               <a:rPr lang="en-US" dirty="0" smtClean="0"/>
               <a:t>Find upper bound  - Greedy Algorithm</a:t>
             </a:r>
           </a:p>
           <a:p>
+            <a:pPr>
+              <a:buFont typeface="Wingdings" pitchFamily="2" charset="2"/>
+              <a:buChar char="Ø"/>
+            </a:pPr>
             <a:r>
               <a:rPr lang="en-US" dirty="0" smtClean="0"/>
               <a:t>Decompose the graph</a:t>
             </a:r>
           </a:p>
           <a:p>
+            <a:pPr>
+              <a:buFont typeface="Wingdings" pitchFamily="2" charset="2"/>
+              <a:buChar char="Ø"/>
+            </a:pPr>
             <a:r>
               <a:rPr lang="en-US" dirty="0" smtClean="0"/>
-              <a:t>For each </a:t>
-            </a:r>
-            <a:r>
-              <a:rPr lang="en-US" dirty="0" err="1" smtClean="0"/>
-              <a:t>subgraph</a:t>
-            </a:r>
-            <a:r>
-              <a:rPr lang="en-US" dirty="0" smtClean="0"/>
-              <a:t> – check special cases – run Brute Force</a:t>
-            </a:r>
-          </a:p>
-          <a:p>
+              <a:t>For each subgraph – check special cases –Find sub upper  &amp;  lower bound(Greedy Algorithm) -run Brute Force</a:t>
+            </a:r>
+          </a:p>
+          <a:p>
+            <a:pPr>
+              <a:buFont typeface="Wingdings" pitchFamily="2" charset="2"/>
+              <a:buChar char="Ø"/>
+            </a:pPr>
             <a:r>
               <a:rPr lang="en-US" dirty="0" smtClean="0"/>
               <a:t>Genetic Algorithm</a:t>
@@ -6336,10 +6905,22 @@
           <a:lstStyle/>
           <a:p>
             <a:r>
-              <a:rPr lang="en-US" b="1" dirty="0" smtClean="0"/>
+              <a:rPr lang="en-US" b="1" dirty="0" smtClean="0">
+                <a:solidFill>
+                  <a:schemeClr val="bg2">
+                    <a:lumMod val="50000"/>
+                  </a:schemeClr>
+                </a:solidFill>
+              </a:rPr>
               <a:t>Algorithms</a:t>
             </a:r>
-            <a:endParaRPr lang="en-US" b="1" dirty="0"/>
+            <a:endParaRPr lang="en-US" b="1" dirty="0">
+              <a:solidFill>
+                <a:schemeClr val="bg2">
+                  <a:lumMod val="50000"/>
+                </a:schemeClr>
+              </a:solidFill>
+            </a:endParaRPr>
           </a:p>
         </p:txBody>
       </p:sp>
@@ -6375,9 +6956,10 @@
               <a:buChar char="Ø"/>
             </a:pPr>
             <a:r>
-              <a:rPr lang="en-US" sz="3600" b="1" dirty="0" smtClean="0"/>
-              <a:t>Greedy Algorithm</a:t>
-            </a:r>
+              <a:rPr lang="en-US" sz="3600" b="1" smtClean="0"/>
+              <a:t>Upper Bound</a:t>
+            </a:r>
+            <a:endParaRPr lang="en-US" sz="3600" b="1" dirty="0" smtClean="0"/>
           </a:p>
           <a:p>
             <a:pPr>
@@ -6386,8 +6968,9 @@
             </a:pPr>
             <a:r>
               <a:rPr lang="en-US" sz="3600" b="1" dirty="0" smtClean="0"/>
-              <a:t>Special Cases</a:t>
-            </a:r>
+              <a:t>Lower Bound</a:t>
+            </a:r>
+            <a:endParaRPr lang="en-US" sz="3600" b="1" dirty="0" smtClean="0"/>
           </a:p>
           <a:p>
             <a:pPr>
@@ -6396,7 +6979,7 @@
             </a:pPr>
             <a:r>
               <a:rPr lang="en-US" sz="3600" b="1" dirty="0" smtClean="0"/>
-              <a:t>Brute Force</a:t>
+              <a:t>Special Cases</a:t>
             </a:r>
           </a:p>
           <a:p>
@@ -6406,7 +6989,7 @@
             </a:pPr>
             <a:r>
               <a:rPr lang="en-US" sz="3600" b="1" dirty="0" smtClean="0"/>
-              <a:t>Lower Bound</a:t>
+              <a:t>Brute Force</a:t>
             </a:r>
           </a:p>
           <a:p>
@@ -6416,7 +6999,11 @@
             </a:pPr>
             <a:r>
               <a:rPr lang="en-US" sz="3600" b="1" dirty="0" smtClean="0"/>
-              <a:t>Genetic Algorithm</a:t>
+              <a:t>Genetic </a:t>
+            </a:r>
+            <a:r>
+              <a:rPr lang="en-US" sz="3600" b="1" dirty="0" smtClean="0"/>
+              <a:t>Algorithm</a:t>
             </a:r>
             <a:endParaRPr lang="en-US" sz="3600" b="1" dirty="0"/>
           </a:p>
@@ -6501,10 +7088,22 @@
           <a:lstStyle/>
           <a:p>
             <a:r>
-              <a:rPr lang="en-US" dirty="0" smtClean="0"/>
+              <a:rPr lang="en-US" dirty="0" smtClean="0">
+                <a:solidFill>
+                  <a:schemeClr val="bg2">
+                    <a:lumMod val="50000"/>
+                  </a:schemeClr>
+                </a:solidFill>
+              </a:rPr>
               <a:t>GRAPH DECOMPOSITION</a:t>
             </a:r>
-            <a:endParaRPr lang="en-US" dirty="0"/>
+            <a:endParaRPr lang="en-US" dirty="0">
+              <a:solidFill>
+                <a:schemeClr val="bg2">
+                  <a:lumMod val="50000"/>
+                </a:schemeClr>
+              </a:solidFill>
+            </a:endParaRPr>
           </a:p>
         </p:txBody>
       </p:sp>
@@ -6527,8 +7126,8 @@
         </p:blipFill>
         <p:spPr bwMode="auto">
           <a:xfrm>
-            <a:off x="1371600" y="838200"/>
-            <a:ext cx="5105400" cy="6019800"/>
+            <a:off x="1143000" y="838200"/>
+            <a:ext cx="5334000" cy="6019800"/>
           </a:xfrm>
           <a:prstGeom prst="rect">
             <a:avLst/>
@@ -6585,16 +7184,35 @@
             <p:ph type="title"/>
           </p:nvPr>
         </p:nvSpPr>
-        <p:spPr/>
-        <p:txBody>
-          <a:bodyPr/>
+        <p:spPr>
+          <a:xfrm>
+            <a:off x="457200" y="320040"/>
+            <a:ext cx="7239000" cy="670560"/>
+          </a:xfrm>
+        </p:spPr>
+        <p:txBody>
+          <a:bodyPr>
+            <a:normAutofit/>
+          </a:bodyPr>
           <a:lstStyle/>
           <a:p>
             <a:r>
-              <a:rPr lang="en-US" dirty="0" smtClean="0"/>
-              <a:t>Greedy Algorithm</a:t>
-            </a:r>
-            <a:endParaRPr lang="en-US" dirty="0"/>
+              <a:rPr lang="en-US" sz="3200" dirty="0" smtClean="0">
+                <a:solidFill>
+                  <a:schemeClr val="bg2">
+                    <a:lumMod val="50000"/>
+                  </a:schemeClr>
+                </a:solidFill>
+              </a:rPr>
+              <a:t>UPPER BOUND(Greedy Algorithm)</a:t>
+            </a:r>
+            <a:endParaRPr lang="en-US" sz="3200" dirty="0">
+              <a:solidFill>
+                <a:schemeClr val="bg2">
+                  <a:lumMod val="50000"/>
+                </a:schemeClr>
+              </a:solidFill>
+            </a:endParaRPr>
           </a:p>
         </p:txBody>
       </p:sp>
@@ -6617,8 +7235,8 @@
         </p:blipFill>
         <p:spPr bwMode="auto">
           <a:xfrm>
-            <a:off x="1600200" y="1447800"/>
-            <a:ext cx="5715000" cy="4724400"/>
+            <a:off x="1219200" y="1295400"/>
+            <a:ext cx="6096000" cy="5105400"/>
           </a:xfrm>
           <a:prstGeom prst="rect">
             <a:avLst/>
@@ -6675,121 +7293,49 @@
             <p:ph type="title"/>
           </p:nvPr>
         </p:nvSpPr>
-        <p:spPr/>
-        <p:txBody>
-          <a:bodyPr/>
+        <p:spPr>
+          <a:xfrm>
+            <a:off x="457200" y="1676400"/>
+            <a:ext cx="7242048" cy="533400"/>
+          </a:xfrm>
+        </p:spPr>
+        <p:txBody>
+          <a:bodyPr>
+            <a:normAutofit/>
+          </a:bodyPr>
           <a:lstStyle/>
           <a:p>
-            <a:r>
-              <a:rPr lang="en-US" dirty="0" smtClean="0"/>
-              <a:t>Special Cases</a:t>
-            </a:r>
-            <a:endParaRPr lang="en-US" dirty="0"/>
-          </a:p>
-        </p:txBody>
-      </p:sp>
-      <p:sp>
-        <p:nvSpPr>
-          <p:cNvPr id="3" name="Content Placeholder 2"/>
-          <p:cNvSpPr>
-            <a:spLocks noGrp="1"/>
-          </p:cNvSpPr>
-          <p:nvPr>
-            <p:ph idx="1"/>
-          </p:nvPr>
-        </p:nvSpPr>
-        <p:spPr/>
-        <p:txBody>
-          <a:bodyPr/>
-          <a:lstStyle/>
-          <a:p>
-            <a:pPr>
-              <a:buFont typeface="Wingdings" pitchFamily="2" charset="2"/>
-              <a:buChar char="Ø"/>
-            </a:pPr>
-            <a:r>
-              <a:rPr lang="en-US" dirty="0" smtClean="0"/>
-              <a:t>No Vertices Graph</a:t>
-            </a:r>
-          </a:p>
-          <a:p>
-            <a:pPr>
-              <a:buFont typeface="Wingdings" pitchFamily="2" charset="2"/>
-              <a:buChar char="Ø"/>
-            </a:pPr>
-            <a:r>
-              <a:rPr lang="en-US" dirty="0" smtClean="0"/>
-              <a:t>No Edges Graph</a:t>
-            </a:r>
-          </a:p>
-          <a:p>
-            <a:pPr>
-              <a:buFont typeface="Wingdings" pitchFamily="2" charset="2"/>
-              <a:buChar char="Ø"/>
-            </a:pPr>
-            <a:r>
-              <a:rPr lang="en-US" dirty="0" smtClean="0"/>
-              <a:t>Odd Cycle Graph</a:t>
-            </a:r>
-          </a:p>
-          <a:p>
-            <a:pPr>
-              <a:buFont typeface="Wingdings" pitchFamily="2" charset="2"/>
-              <a:buChar char="Ø"/>
-            </a:pPr>
-            <a:r>
-              <a:rPr lang="en-US" dirty="0" smtClean="0"/>
-              <a:t>Wheel Graph</a:t>
-            </a:r>
-          </a:p>
-          <a:p>
-            <a:pPr>
-              <a:buFont typeface="Wingdings" pitchFamily="2" charset="2"/>
-              <a:buChar char="Ø"/>
-            </a:pPr>
-            <a:r>
-              <a:rPr lang="en-US" dirty="0" smtClean="0"/>
-              <a:t>Bipartite Graph</a:t>
-            </a:r>
-          </a:p>
-          <a:p>
-            <a:pPr>
-              <a:buFont typeface="Wingdings" pitchFamily="2" charset="2"/>
-              <a:buChar char="Ø"/>
-            </a:pPr>
-            <a:r>
-              <a:rPr lang="en-US" dirty="0" smtClean="0"/>
-              <a:t>Complete Graph</a:t>
-            </a:r>
-          </a:p>
-        </p:txBody>
-      </p:sp>
-      <p:pic>
-        <p:nvPicPr>
-          <p:cNvPr id="3085" name="Picture 13" descr="C:\Users\Vaishnavi Sirul\AppData\Local\Microsoft\Windows\Temporary Internet Files\Content.IE5\TZFX9FMF\Greedy_colourings.svg[1].png"/>
-          <p:cNvPicPr>
-            <a:picLocks noChangeAspect="1" noChangeArrowheads="1"/>
-          </p:cNvPicPr>
-          <p:nvPr/>
-        </p:nvPicPr>
-        <p:blipFill>
-          <a:blip r:embed="rId2"/>
-          <a:srcRect/>
-          <a:stretch>
-            <a:fillRect/>
-          </a:stretch>
-        </p:blipFill>
-        <p:spPr bwMode="auto">
-          <a:xfrm>
-            <a:off x="3475641" y="3429000"/>
-            <a:ext cx="4508276" cy="2796540"/>
-          </a:xfrm>
-          <a:prstGeom prst="rect">
-            <a:avLst/>
-          </a:prstGeom>
-          <a:noFill/>
-        </p:spPr>
-      </p:pic>
+            <a:pPr algn="ctr"/>
+            <a:r>
+              <a:rPr lang="en-US" sz="3200" dirty="0" smtClean="0">
+                <a:solidFill>
+                  <a:schemeClr val="bg2">
+                    <a:lumMod val="50000"/>
+                  </a:schemeClr>
+                </a:solidFill>
+              </a:rPr>
+              <a:t>LOWER </a:t>
+            </a:r>
+            <a:r>
+              <a:rPr lang="en-US" sz="3200" dirty="0" smtClean="0">
+                <a:solidFill>
+                  <a:schemeClr val="bg2">
+                    <a:lumMod val="50000"/>
+                  </a:schemeClr>
+                </a:solidFill>
+              </a:rPr>
+              <a:t>BOUND(GREEDY ALGORITHM)</a:t>
+            </a:r>
+            <a:endParaRPr lang="en-US" sz="3200" dirty="0">
+              <a:solidFill>
+                <a:schemeClr val="bg2">
+                  <a:lumMod val="50000"/>
+                </a:schemeClr>
+              </a:solidFill>
+            </a:endParaRPr>
+          </a:p>
+        </p:txBody>
+      </p:sp>
     </p:spTree>
   </p:cSld>
   <p:clrMapOvr>
@@ -7102,4 +7648,287 @@
   <a:objectDefaults/>
   <a:extraClrSchemeLst/>
 </a:theme>
+</file>
+
+<file path=ppt/theme/theme2.xml><?xml version="1.0" encoding="utf-8"?>
+<a:theme xmlns:a="http://schemas.openxmlformats.org/drawingml/2006/main" name="Office Theme">
+  <a:themeElements>
+    <a:clrScheme name="Office">
+      <a:dk1>
+        <a:sysClr val="windowText" lastClr="000000"/>
+      </a:dk1>
+      <a:lt1>
+        <a:sysClr val="window" lastClr="FFFFFF"/>
+      </a:lt1>
+      <a:dk2>
+        <a:srgbClr val="1F497D"/>
+      </a:dk2>
+      <a:lt2>
+        <a:srgbClr val="EEECE1"/>
+      </a:lt2>
+      <a:accent1>
+        <a:srgbClr val="4F81BD"/>
+      </a:accent1>
+      <a:accent2>
+        <a:srgbClr val="C0504D"/>
+      </a:accent2>
+      <a:accent3>
+        <a:srgbClr val="9BBB59"/>
+      </a:accent3>
+      <a:accent4>
+        <a:srgbClr val="8064A2"/>
+      </a:accent4>
+      <a:accent5>
+        <a:srgbClr val="4BACC6"/>
+      </a:accent5>
+      <a:accent6>
+        <a:srgbClr val="F79646"/>
+      </a:accent6>
+      <a:hlink>
+        <a:srgbClr val="0000FF"/>
+      </a:hlink>
+      <a:folHlink>
+        <a:srgbClr val="800080"/>
+      </a:folHlink>
+    </a:clrScheme>
+    <a:fontScheme name="Office">
+      <a:majorFont>
+        <a:latin typeface="Calibri"/>
+        <a:ea typeface=""/>
+        <a:cs typeface=""/>
+        <a:font script="Jpan" typeface="ＭＳ Ｐゴシック"/>
+        <a:font script="Hang" typeface="맑은 고딕"/>
+        <a:font script="Hans" typeface="宋体"/>
+        <a:font script="Hant" typeface="新細明體"/>
+        <a:font script="Arab" typeface="Times New Roman"/>
+        <a:font script="Hebr" typeface="Times New Roman"/>
+        <a:font script="Thai" typeface="Angsana New"/>
+        <a:font script="Ethi" typeface="Nyala"/>
+        <a:font script="Beng" typeface="Vrinda"/>
+        <a:font script="Gujr" typeface="Shruti"/>
+        <a:font script="Khmr" typeface="MoolBoran"/>
+        <a:font script="Knda" typeface="Tunga"/>
+        <a:font script="Guru" typeface="Raavi"/>
+        <a:font script="Cans" typeface="Euphemia"/>
+        <a:font script="Cher" typeface="Plantagenet Cherokee"/>
+        <a:font script="Yiii" typeface="Microsoft Yi Baiti"/>
+        <a:font script="Tibt" typeface="Microsoft Himalaya"/>
+        <a:font script="Thaa" typeface="MV Boli"/>
+        <a:font script="Deva" typeface="Mangal"/>
+        <a:font script="Telu" typeface="Gautami"/>
+        <a:font script="Taml" typeface="Latha"/>
+        <a:font script="Syrc" typeface="Estrangelo Edessa"/>
+        <a:font script="Orya" typeface="Kalinga"/>
+        <a:font script="Mlym" typeface="Kartika"/>
+        <a:font script="Laoo" typeface="DokChampa"/>
+        <a:font script="Sinh" typeface="Iskoola Pota"/>
+        <a:font script="Mong" typeface="Mongolian Baiti"/>
+        <a:font script="Viet" typeface="Times New Roman"/>
+        <a:font script="Uigh" typeface="Microsoft Uighur"/>
+      </a:majorFont>
+      <a:minorFont>
+        <a:latin typeface="Calibri"/>
+        <a:ea typeface=""/>
+        <a:cs typeface=""/>
+        <a:font script="Jpan" typeface="ＭＳ Ｐゴシック"/>
+        <a:font script="Hang" typeface="맑은 고딕"/>
+        <a:font script="Hans" typeface="宋体"/>
+        <a:font script="Hant" typeface="新細明體"/>
+        <a:font script="Arab" typeface="Arial"/>
+        <a:font script="Hebr" typeface="Arial"/>
+        <a:font script="Thai" typeface="Cordia New"/>
+        <a:font script="Ethi" typeface="Nyala"/>
+        <a:font script="Beng" typeface="Vrinda"/>
+        <a:font script="Gujr" typeface="Shruti"/>
+        <a:font script="Khmr" typeface="DaunPenh"/>
+        <a:font script="Knda" typeface="Tunga"/>
+        <a:font script="Guru" typeface="Raavi"/>
+        <a:font script="Cans" typeface="Euphemia"/>
+        <a:font script="Cher" typeface="Plantagenet Cherokee"/>
+        <a:font script="Yiii" typeface="Microsoft Yi Baiti"/>
+        <a:font script="Tibt" typeface="Microsoft Himalaya"/>
+        <a:font script="Thaa" typeface="MV Boli"/>
+        <a:font script="Deva" typeface="Mangal"/>
+        <a:font script="Telu" typeface="Gautami"/>
+        <a:font script="Taml" typeface="Latha"/>
+        <a:font script="Syrc" typeface="Estrangelo Edessa"/>
+        <a:font script="Orya" typeface="Kalinga"/>
+        <a:font script="Mlym" typeface="Kartika"/>
+        <a:font script="Laoo" typeface="DokChampa"/>
+        <a:font script="Sinh" typeface="Iskoola Pota"/>
+        <a:font script="Mong" typeface="Mongolian Baiti"/>
+        <a:font script="Viet" typeface="Arial"/>
+        <a:font script="Uigh" typeface="Microsoft Uighur"/>
+      </a:minorFont>
+    </a:fontScheme>
+    <a:fmtScheme name="Office">
+      <a:fillStyleLst>
+        <a:solidFill>
+          <a:schemeClr val="phClr"/>
+        </a:solidFill>
+        <a:gradFill rotWithShape="1">
+          <a:gsLst>
+            <a:gs pos="0">
+              <a:schemeClr val="phClr">
+                <a:tint val="50000"/>
+                <a:satMod val="300000"/>
+              </a:schemeClr>
+            </a:gs>
+            <a:gs pos="35000">
+              <a:schemeClr val="phClr">
+                <a:tint val="37000"/>
+                <a:satMod val="300000"/>
+              </a:schemeClr>
+            </a:gs>
+            <a:gs pos="100000">
+              <a:schemeClr val="phClr">
+                <a:tint val="15000"/>
+                <a:satMod val="350000"/>
+              </a:schemeClr>
+            </a:gs>
+          </a:gsLst>
+          <a:lin ang="16200000" scaled="1"/>
+        </a:gradFill>
+        <a:gradFill rotWithShape="1">
+          <a:gsLst>
+            <a:gs pos="0">
+              <a:schemeClr val="phClr">
+                <a:shade val="51000"/>
+                <a:satMod val="130000"/>
+              </a:schemeClr>
+            </a:gs>
+            <a:gs pos="80000">
+              <a:schemeClr val="phClr">
+                <a:shade val="93000"/>
+                <a:satMod val="130000"/>
+              </a:schemeClr>
+            </a:gs>
+            <a:gs pos="100000">
+              <a:schemeClr val="phClr">
+                <a:shade val="94000"/>
+                <a:satMod val="135000"/>
+              </a:schemeClr>
+            </a:gs>
+          </a:gsLst>
+          <a:lin ang="16200000" scaled="0"/>
+        </a:gradFill>
+      </a:fillStyleLst>
+      <a:lnStyleLst>
+        <a:ln w="9525" cap="flat" cmpd="sng" algn="ctr">
+          <a:solidFill>
+            <a:schemeClr val="phClr">
+              <a:shade val="95000"/>
+              <a:satMod val="105000"/>
+            </a:schemeClr>
+          </a:solidFill>
+          <a:prstDash val="solid"/>
+        </a:ln>
+        <a:ln w="25400" cap="flat" cmpd="sng" algn="ctr">
+          <a:solidFill>
+            <a:schemeClr val="phClr"/>
+          </a:solidFill>
+          <a:prstDash val="solid"/>
+        </a:ln>
+        <a:ln w="38100" cap="flat" cmpd="sng" algn="ctr">
+          <a:solidFill>
+            <a:schemeClr val="phClr"/>
+          </a:solidFill>
+          <a:prstDash val="solid"/>
+        </a:ln>
+      </a:lnStyleLst>
+      <a:effectStyleLst>
+        <a:effectStyle>
+          <a:effectLst>
+            <a:outerShdw blurRad="40000" dist="20000" dir="5400000" rotWithShape="0">
+              <a:srgbClr val="000000">
+                <a:alpha val="38000"/>
+              </a:srgbClr>
+            </a:outerShdw>
+          </a:effectLst>
+        </a:effectStyle>
+        <a:effectStyle>
+          <a:effectLst>
+            <a:outerShdw blurRad="40000" dist="23000" dir="5400000" rotWithShape="0">
+              <a:srgbClr val="000000">
+                <a:alpha val="35000"/>
+              </a:srgbClr>
+            </a:outerShdw>
+          </a:effectLst>
+        </a:effectStyle>
+        <a:effectStyle>
+          <a:effectLst>
+            <a:outerShdw blurRad="40000" dist="23000" dir="5400000" rotWithShape="0">
+              <a:srgbClr val="000000">
+                <a:alpha val="35000"/>
+              </a:srgbClr>
+            </a:outerShdw>
+          </a:effectLst>
+          <a:scene3d>
+            <a:camera prst="orthographicFront">
+              <a:rot lat="0" lon="0" rev="0"/>
+            </a:camera>
+            <a:lightRig rig="threePt" dir="t">
+              <a:rot lat="0" lon="0" rev="1200000"/>
+            </a:lightRig>
+          </a:scene3d>
+          <a:sp3d>
+            <a:bevelT w="63500" h="25400"/>
+          </a:sp3d>
+        </a:effectStyle>
+      </a:effectStyleLst>
+      <a:bgFillStyleLst>
+        <a:solidFill>
+          <a:schemeClr val="phClr"/>
+        </a:solidFill>
+        <a:gradFill rotWithShape="1">
+          <a:gsLst>
+            <a:gs pos="0">
+              <a:schemeClr val="phClr">
+                <a:tint val="40000"/>
+                <a:satMod val="350000"/>
+              </a:schemeClr>
+            </a:gs>
+            <a:gs pos="40000">
+              <a:schemeClr val="phClr">
+                <a:tint val="45000"/>
+                <a:shade val="99000"/>
+                <a:satMod val="350000"/>
+              </a:schemeClr>
+            </a:gs>
+            <a:gs pos="100000">
+              <a:schemeClr val="phClr">
+                <a:shade val="20000"/>
+                <a:satMod val="255000"/>
+              </a:schemeClr>
+            </a:gs>
+          </a:gsLst>
+          <a:path path="circle">
+            <a:fillToRect l="50000" t="-80000" r="50000" b="180000"/>
+          </a:path>
+        </a:gradFill>
+        <a:gradFill rotWithShape="1">
+          <a:gsLst>
+            <a:gs pos="0">
+              <a:schemeClr val="phClr">
+                <a:tint val="80000"/>
+                <a:satMod val="300000"/>
+              </a:schemeClr>
+            </a:gs>
+            <a:gs pos="100000">
+              <a:schemeClr val="phClr">
+                <a:shade val="30000"/>
+                <a:satMod val="200000"/>
+              </a:schemeClr>
+            </a:gs>
+          </a:gsLst>
+          <a:path path="circle">
+            <a:fillToRect l="50000" t="50000" r="50000" b="50000"/>
+          </a:path>
+        </a:gradFill>
+      </a:bgFillStyleLst>
+    </a:fmtScheme>
+  </a:themeElements>
+  <a:objectDefaults/>
+  <a:extraClrSchemeLst/>
+</a:theme>
 </file>
--- a/Project1-1/Phase3/Presentation-Phase3.pptx
+++ b/Project1-1/Phase3/Presentation-Phase3.pptx
@@ -208,7 +208,7 @@
             <a:fld id="{B3BF2E0C-6A22-4433-BA2F-F168EE62F7AF}" type="datetimeFigureOut">
               <a:rPr lang="en-US" smtClean="0"/>
               <a:pPr/>
-              <a:t>1/21/2019</a:t>
+              <a:t>1/22/2019</a:t>
             </a:fld>
             <a:endParaRPr lang="en-US"/>
           </a:p>
@@ -827,7 +827,7 @@
             <a:fld id="{BD1DE68A-3EC6-4755-BF6D-7AA5B70F304A}" type="datetimeFigureOut">
               <a:rPr lang="en-US" smtClean="0"/>
               <a:pPr/>
-              <a:t>1/21/2019</a:t>
+              <a:t>1/22/2019</a:t>
             </a:fld>
             <a:endParaRPr lang="en-US"/>
           </a:p>
@@ -1028,7 +1028,7 @@
             <a:fld id="{BD1DE68A-3EC6-4755-BF6D-7AA5B70F304A}" type="datetimeFigureOut">
               <a:rPr lang="en-US" smtClean="0"/>
               <a:pPr/>
-              <a:t>1/21/2019</a:t>
+              <a:t>1/22/2019</a:t>
             </a:fld>
             <a:endParaRPr lang="en-US"/>
           </a:p>
@@ -1220,7 +1220,7 @@
             <a:fld id="{BD1DE68A-3EC6-4755-BF6D-7AA5B70F304A}" type="datetimeFigureOut">
               <a:rPr lang="en-US" smtClean="0"/>
               <a:pPr/>
-              <a:t>1/21/2019</a:t>
+              <a:t>1/22/2019</a:t>
             </a:fld>
             <a:endParaRPr lang="en-US"/>
           </a:p>
@@ -1414,7 +1414,7 @@
             <a:fld id="{BD1DE68A-3EC6-4755-BF6D-7AA5B70F304A}" type="datetimeFigureOut">
               <a:rPr lang="en-US" smtClean="0"/>
               <a:pPr/>
-              <a:t>1/21/2019</a:t>
+              <a:t>1/22/2019</a:t>
             </a:fld>
             <a:endParaRPr lang="en-US"/>
           </a:p>
@@ -1642,7 +1642,7 @@
             <a:fld id="{BD1DE68A-3EC6-4755-BF6D-7AA5B70F304A}" type="datetimeFigureOut">
               <a:rPr lang="en-US" smtClean="0"/>
               <a:pPr/>
-              <a:t>1/21/2019</a:t>
+              <a:t>1/22/2019</a:t>
             </a:fld>
             <a:endParaRPr lang="en-US"/>
           </a:p>
@@ -1935,7 +1935,7 @@
             <a:fld id="{BD1DE68A-3EC6-4755-BF6D-7AA5B70F304A}" type="datetimeFigureOut">
               <a:rPr lang="en-US" smtClean="0"/>
               <a:pPr/>
-              <a:t>1/21/2019</a:t>
+              <a:t>1/22/2019</a:t>
             </a:fld>
             <a:endParaRPr lang="en-US"/>
           </a:p>
@@ -2368,7 +2368,7 @@
             <a:fld id="{BD1DE68A-3EC6-4755-BF6D-7AA5B70F304A}" type="datetimeFigureOut">
               <a:rPr lang="en-US" smtClean="0"/>
               <a:pPr/>
-              <a:t>1/21/2019</a:t>
+              <a:t>1/22/2019</a:t>
             </a:fld>
             <a:endParaRPr lang="en-US"/>
           </a:p>
@@ -2496,7 +2496,7 @@
             <a:fld id="{BD1DE68A-3EC6-4755-BF6D-7AA5B70F304A}" type="datetimeFigureOut">
               <a:rPr lang="en-US" smtClean="0"/>
               <a:pPr/>
-              <a:t>1/21/2019</a:t>
+              <a:t>1/22/2019</a:t>
             </a:fld>
             <a:endParaRPr lang="en-US"/>
           </a:p>
@@ -2601,7 +2601,7 @@
             <a:fld id="{BD1DE68A-3EC6-4755-BF6D-7AA5B70F304A}" type="datetimeFigureOut">
               <a:rPr lang="en-US" smtClean="0"/>
               <a:pPr/>
-              <a:t>1/21/2019</a:t>
+              <a:t>1/22/2019</a:t>
             </a:fld>
             <a:endParaRPr lang="en-US"/>
           </a:p>
@@ -2872,7 +2872,7 @@
             <a:fld id="{BD1DE68A-3EC6-4755-BF6D-7AA5B70F304A}" type="datetimeFigureOut">
               <a:rPr lang="en-US" smtClean="0"/>
               <a:pPr/>
-              <a:t>1/21/2019</a:t>
+              <a:t>1/22/2019</a:t>
             </a:fld>
             <a:endParaRPr lang="en-US"/>
           </a:p>
@@ -3238,7 +3238,7 @@
             <a:fld id="{BD1DE68A-3EC6-4755-BF6D-7AA5B70F304A}" type="datetimeFigureOut">
               <a:rPr lang="en-US" smtClean="0"/>
               <a:pPr/>
-              <a:t>1/21/2019</a:t>
+              <a:t>1/22/2019</a:t>
             </a:fld>
             <a:endParaRPr lang="en-US"/>
           </a:p>
@@ -3595,7 +3595,7 @@
             <a:fld id="{BD1DE68A-3EC6-4755-BF6D-7AA5B70F304A}" type="datetimeFigureOut">
               <a:rPr lang="en-US" smtClean="0"/>
               <a:pPr/>
-              <a:t>1/21/2019</a:t>
+              <a:t>1/22/2019</a:t>
             </a:fld>
             <a:endParaRPr lang="en-US"/>
           </a:p>
@@ -6827,7 +6827,7 @@
             </a:pPr>
             <a:r>
               <a:rPr lang="en-US" dirty="0" smtClean="0"/>
-              <a:t>For each subgraph – check special cases –Find sub upper  &amp;  lower bound(Greedy Algorithm) -run Brute Force</a:t>
+              <a:t>For each components– check special cases –Find upper  &amp;  lower bound(Greedy Algorithm) of the components-run Brute Force</a:t>
             </a:r>
           </a:p>
           <a:p>
@@ -6970,7 +6970,6 @@
               <a:rPr lang="en-US" sz="3600" b="1" dirty="0" smtClean="0"/>
               <a:t>Lower Bound</a:t>
             </a:r>
-            <a:endParaRPr lang="en-US" sz="3600" b="1" dirty="0" smtClean="0"/>
           </a:p>
           <a:p>
             <a:pPr>
@@ -6999,11 +6998,7 @@
             </a:pPr>
             <a:r>
               <a:rPr lang="en-US" sz="3600" b="1" dirty="0" smtClean="0"/>
-              <a:t>Genetic </a:t>
-            </a:r>
-            <a:r>
-              <a:rPr lang="en-US" sz="3600" b="1" dirty="0" smtClean="0"/>
-              <a:t>Algorithm</a:t>
+              <a:t>Genetic Algorithm</a:t>
             </a:r>
             <a:endParaRPr lang="en-US" sz="3600" b="1" dirty="0"/>
           </a:p>
@@ -7314,17 +7309,7 @@
                   </a:schemeClr>
                 </a:solidFill>
               </a:rPr>
-              <a:t>LOWER </a:t>
-            </a:r>
-            <a:r>
-              <a:rPr lang="en-US" sz="3200" dirty="0" smtClean="0">
-                <a:solidFill>
-                  <a:schemeClr val="bg2">
-                    <a:lumMod val="50000"/>
-                  </a:schemeClr>
-                </a:solidFill>
-              </a:rPr>
-              <a:t>BOUND(GREEDY ALGORITHM)</a:t>
+              <a:t>LOWER BOUND(GREEDY ALGORITHM)</a:t>
             </a:r>
             <a:endParaRPr lang="en-US" sz="3200" dirty="0">
               <a:solidFill>

--- a/Project1-1/Phase3/Presentation-Phase3.pptx
+++ b/Project1-1/Phase3/Presentation-Phase3.pptx
@@ -122,6 +122,22 @@
       </a:defRPr>
     </a:lvl9pPr>
   </p:defaultTextStyle>
+  <p:extLst>
+    <p:ext uri="{EFAFB233-063F-42B5-8137-9DF3F51BA10A}">
+      <p15:sldGuideLst xmlns:p15="http://schemas.microsoft.com/office/powerpoint/2012/main">
+        <p15:guide id="1" orient="horz" pos="2160">
+          <p15:clr>
+            <a:srgbClr val="A4A3A4"/>
+          </p15:clr>
+        </p15:guide>
+        <p15:guide id="2" pos="2880">
+          <p15:clr>
+            <a:srgbClr val="A4A3A4"/>
+          </p15:clr>
+        </p15:guide>
+      </p15:sldGuideLst>
+    </p:ext>
+  </p:extLst>
 </p:presentation>
 </file>
 
@@ -208,7 +224,7 @@
             <a:fld id="{B3BF2E0C-6A22-4433-BA2F-F168EE62F7AF}" type="datetimeFigureOut">
               <a:rPr lang="en-US" smtClean="0"/>
               <a:pPr/>
-              <a:t>1/21/2019</a:t>
+              <a:t>1/22/19</a:t>
             </a:fld>
             <a:endParaRPr lang="en-US"/>
           </a:p>
@@ -274,38 +290,37 @@
           <a:p>
             <a:pPr lvl="0"/>
             <a:r>
-              <a:rPr lang="en-US" smtClean="0"/>
+              <a:rPr lang="en-US"/>
               <a:t>Click to edit Master text styles</a:t>
             </a:r>
           </a:p>
           <a:p>
             <a:pPr lvl="1"/>
             <a:r>
-              <a:rPr lang="en-US" smtClean="0"/>
+              <a:rPr lang="en-US"/>
               <a:t>Second level</a:t>
             </a:r>
           </a:p>
           <a:p>
             <a:pPr lvl="2"/>
             <a:r>
-              <a:rPr lang="en-US" smtClean="0"/>
+              <a:rPr lang="en-US"/>
               <a:t>Third level</a:t>
             </a:r>
           </a:p>
           <a:p>
             <a:pPr lvl="3"/>
             <a:r>
-              <a:rPr lang="en-US" smtClean="0"/>
+              <a:rPr lang="en-US"/>
               <a:t>Fourth level</a:t>
             </a:r>
           </a:p>
           <a:p>
             <a:pPr lvl="4"/>
             <a:r>
-              <a:rPr lang="en-US" smtClean="0"/>
+              <a:rPr lang="en-US"/>
               <a:t>Fifth level</a:t>
             </a:r>
-            <a:endParaRPr lang="en-US"/>
           </a:p>
         </p:txBody>
       </p:sp>
@@ -648,9 +663,7 @@
         </p:style>
         <p:txBody>
           <a:bodyPr anchor="ctr"/>
-          <a:lstStyle>
-            <a:extLst/>
-          </a:lstStyle>
+          <a:lstStyle/>
           <a:p>
             <a:pPr algn="ctr" eaLnBrk="1" latinLnBrk="0" hangingPunct="1"/>
             <a:endParaRPr kumimoji="0" lang="en-US"/>
@@ -689,9 +702,7 @@
         </p:spPr>
         <p:txBody>
           <a:bodyPr vert="horz" wrap="square" lIns="91440" tIns="45720" rIns="91440" bIns="45720" anchor="t" compatLnSpc="1"/>
-          <a:lstStyle>
-            <a:extLst/>
-          </a:lstStyle>
+          <a:lstStyle/>
           <a:p>
             <a:endParaRPr kumimoji="0" lang="en-US"/>
           </a:p>
@@ -725,10 +736,9 @@
           </a:lstStyle>
           <a:p>
             <a:r>
-              <a:rPr kumimoji="0" lang="en-US" smtClean="0"/>
+              <a:rPr kumimoji="0" lang="en-US"/>
               <a:t>Click to edit Master title style</a:t>
             </a:r>
-            <a:endParaRPr kumimoji="0" lang="en-US"/>
           </a:p>
         </p:txBody>
       </p:sp>
@@ -788,10 +798,9 @@
           </a:lstStyle>
           <a:p>
             <a:r>
-              <a:rPr kumimoji="0" lang="en-US" smtClean="0"/>
+              <a:rPr kumimoji="0" lang="en-US"/>
               <a:t>Click to edit Master subtitle style</a:t>
             </a:r>
-            <a:endParaRPr kumimoji="0" lang="en-US"/>
           </a:p>
         </p:txBody>
       </p:sp>
@@ -827,7 +836,7 @@
             <a:fld id="{BD1DE68A-3EC6-4755-BF6D-7AA5B70F304A}" type="datetimeFigureOut">
               <a:rPr lang="en-US" smtClean="0"/>
               <a:pPr/>
-              <a:t>1/21/2019</a:t>
+              <a:t>1/22/19</a:t>
             </a:fld>
             <a:endParaRPr lang="en-US"/>
           </a:p>
@@ -942,93 +951,86 @@
         <p:spPr/>
         <p:txBody>
           <a:bodyPr/>
-          <a:lstStyle>
-            <a:extLst/>
-          </a:lstStyle>
-          <a:p>
-            <a:r>
-              <a:rPr kumimoji="0" lang="en-US" smtClean="0"/>
+          <a:lstStyle/>
+          <a:p>
+            <a:r>
+              <a:rPr kumimoji="0" lang="en-US"/>
               <a:t>Click to edit Master title style</a:t>
             </a:r>
+          </a:p>
+        </p:txBody>
+      </p:sp>
+      <p:sp>
+        <p:nvSpPr>
+          <p:cNvPr id="3" name="Vertical Text Placeholder 2"/>
+          <p:cNvSpPr>
+            <a:spLocks noGrp="1"/>
+          </p:cNvSpPr>
+          <p:nvPr>
+            <p:ph type="body" orient="vert" idx="1"/>
+          </p:nvPr>
+        </p:nvSpPr>
+        <p:spPr/>
+        <p:txBody>
+          <a:bodyPr vert="eaVert"/>
+          <a:lstStyle/>
+          <a:p>
+            <a:pPr lvl="0" eaLnBrk="1" latinLnBrk="0" hangingPunct="1"/>
+            <a:r>
+              <a:rPr lang="en-US"/>
+              <a:t>Click to edit Master text styles</a:t>
+            </a:r>
+          </a:p>
+          <a:p>
+            <a:pPr lvl="1" eaLnBrk="1" latinLnBrk="0" hangingPunct="1"/>
+            <a:r>
+              <a:rPr lang="en-US"/>
+              <a:t>Second level</a:t>
+            </a:r>
+          </a:p>
+          <a:p>
+            <a:pPr lvl="2" eaLnBrk="1" latinLnBrk="0" hangingPunct="1"/>
+            <a:r>
+              <a:rPr lang="en-US"/>
+              <a:t>Third level</a:t>
+            </a:r>
+          </a:p>
+          <a:p>
+            <a:pPr lvl="3" eaLnBrk="1" latinLnBrk="0" hangingPunct="1"/>
+            <a:r>
+              <a:rPr lang="en-US"/>
+              <a:t>Fourth level</a:t>
+            </a:r>
+          </a:p>
+          <a:p>
+            <a:pPr lvl="4" eaLnBrk="1" latinLnBrk="0" hangingPunct="1"/>
+            <a:r>
+              <a:rPr lang="en-US"/>
+              <a:t>Fifth level</a:t>
+            </a:r>
             <a:endParaRPr kumimoji="0" lang="en-US"/>
           </a:p>
         </p:txBody>
       </p:sp>
       <p:sp>
         <p:nvSpPr>
-          <p:cNvPr id="3" name="Vertical Text Placeholder 2"/>
-          <p:cNvSpPr>
-            <a:spLocks noGrp="1"/>
-          </p:cNvSpPr>
-          <p:nvPr>
-            <p:ph type="body" orient="vert" idx="1"/>
+          <p:cNvPr id="4" name="Date Placeholder 3"/>
+          <p:cNvSpPr>
+            <a:spLocks noGrp="1"/>
+          </p:cNvSpPr>
+          <p:nvPr>
+            <p:ph type="dt" sz="half" idx="10"/>
           </p:nvPr>
         </p:nvSpPr>
         <p:spPr/>
         <p:txBody>
-          <a:bodyPr vert="eaVert"/>
-          <a:lstStyle>
-            <a:extLst/>
-          </a:lstStyle>
-          <a:p>
-            <a:pPr lvl="0" eaLnBrk="1" latinLnBrk="0" hangingPunct="1"/>
-            <a:r>
-              <a:rPr lang="en-US" smtClean="0"/>
-              <a:t>Click to edit Master text styles</a:t>
-            </a:r>
-          </a:p>
-          <a:p>
-            <a:pPr lvl="1" eaLnBrk="1" latinLnBrk="0" hangingPunct="1"/>
-            <a:r>
-              <a:rPr lang="en-US" smtClean="0"/>
-              <a:t>Second level</a:t>
-            </a:r>
-          </a:p>
-          <a:p>
-            <a:pPr lvl="2" eaLnBrk="1" latinLnBrk="0" hangingPunct="1"/>
-            <a:r>
-              <a:rPr lang="en-US" smtClean="0"/>
-              <a:t>Third level</a:t>
-            </a:r>
-          </a:p>
-          <a:p>
-            <a:pPr lvl="3" eaLnBrk="1" latinLnBrk="0" hangingPunct="1"/>
-            <a:r>
-              <a:rPr lang="en-US" smtClean="0"/>
-              <a:t>Fourth level</a:t>
-            </a:r>
-          </a:p>
-          <a:p>
-            <a:pPr lvl="4" eaLnBrk="1" latinLnBrk="0" hangingPunct="1"/>
-            <a:r>
-              <a:rPr lang="en-US" smtClean="0"/>
-              <a:t>Fifth level</a:t>
-            </a:r>
-            <a:endParaRPr kumimoji="0" lang="en-US"/>
-          </a:p>
-        </p:txBody>
-      </p:sp>
-      <p:sp>
-        <p:nvSpPr>
-          <p:cNvPr id="4" name="Date Placeholder 3"/>
-          <p:cNvSpPr>
-            <a:spLocks noGrp="1"/>
-          </p:cNvSpPr>
-          <p:nvPr>
-            <p:ph type="dt" sz="half" idx="10"/>
-          </p:nvPr>
-        </p:nvSpPr>
-        <p:spPr/>
-        <p:txBody>
           <a:bodyPr/>
-          <a:lstStyle>
-            <a:extLst/>
-          </a:lstStyle>
+          <a:lstStyle/>
           <a:p>
             <a:fld id="{BD1DE68A-3EC6-4755-BF6D-7AA5B70F304A}" type="datetimeFigureOut">
               <a:rPr lang="en-US" smtClean="0"/>
               <a:pPr/>
-              <a:t>1/21/2019</a:t>
+              <a:t>1/22/19</a:t>
             </a:fld>
             <a:endParaRPr lang="en-US"/>
           </a:p>
@@ -1047,9 +1049,7 @@
         <p:spPr/>
         <p:txBody>
           <a:bodyPr/>
-          <a:lstStyle>
-            <a:extLst/>
-          </a:lstStyle>
+          <a:lstStyle/>
           <a:p>
             <a:endParaRPr lang="en-US"/>
           </a:p>
@@ -1068,9 +1068,7 @@
         <p:spPr/>
         <p:txBody>
           <a:bodyPr/>
-          <a:lstStyle>
-            <a:extLst/>
-          </a:lstStyle>
+          <a:lstStyle/>
           <a:p>
             <a:fld id="{7200EB88-BA5E-4C42-8EC7-BD2ED3DE0F3C}" type="slidenum">
               <a:rPr lang="en-US" smtClean="0"/>
@@ -1124,15 +1122,12 @@
         </p:spPr>
         <p:txBody>
           <a:bodyPr vert="eaVert" anchor="t"/>
-          <a:lstStyle>
-            <a:extLst/>
-          </a:lstStyle>
-          <a:p>
-            <a:r>
-              <a:rPr kumimoji="0" lang="en-US" smtClean="0"/>
+          <a:lstStyle/>
+          <a:p>
+            <a:r>
+              <a:rPr kumimoji="0" lang="en-US"/>
               <a:t>Click to edit Master title style</a:t>
             </a:r>
-            <a:endParaRPr kumimoji="0" lang="en-US"/>
           </a:p>
         </p:txBody>
       </p:sp>
@@ -1154,41 +1149,39 @@
         </p:spPr>
         <p:txBody>
           <a:bodyPr vert="eaVert"/>
-          <a:lstStyle>
-            <a:extLst/>
-          </a:lstStyle>
+          <a:lstStyle/>
           <a:p>
             <a:pPr lvl="0" eaLnBrk="1" latinLnBrk="0" hangingPunct="1"/>
             <a:r>
-              <a:rPr lang="en-US" smtClean="0"/>
+              <a:rPr lang="en-US"/>
               <a:t>Click to edit Master text styles</a:t>
             </a:r>
           </a:p>
           <a:p>
             <a:pPr lvl="1" eaLnBrk="1" latinLnBrk="0" hangingPunct="1"/>
             <a:r>
-              <a:rPr lang="en-US" smtClean="0"/>
+              <a:rPr lang="en-US"/>
               <a:t>Second level</a:t>
             </a:r>
           </a:p>
           <a:p>
             <a:pPr lvl="2" eaLnBrk="1" latinLnBrk="0" hangingPunct="1"/>
             <a:r>
-              <a:rPr lang="en-US" smtClean="0"/>
+              <a:rPr lang="en-US"/>
               <a:t>Third level</a:t>
             </a:r>
           </a:p>
           <a:p>
             <a:pPr lvl="3" eaLnBrk="1" latinLnBrk="0" hangingPunct="1"/>
             <a:r>
-              <a:rPr lang="en-US" smtClean="0"/>
+              <a:rPr lang="en-US"/>
               <a:t>Fourth level</a:t>
             </a:r>
           </a:p>
           <a:p>
             <a:pPr lvl="4" eaLnBrk="1" latinLnBrk="0" hangingPunct="1"/>
             <a:r>
-              <a:rPr lang="en-US" smtClean="0"/>
+              <a:rPr lang="en-US"/>
               <a:t>Fifth level</a:t>
             </a:r>
             <a:endParaRPr kumimoji="0" lang="en-US"/>
@@ -1213,14 +1206,12 @@
         </p:spPr>
         <p:txBody>
           <a:bodyPr/>
-          <a:lstStyle>
-            <a:extLst/>
-          </a:lstStyle>
+          <a:lstStyle/>
           <a:p>
             <a:fld id="{BD1DE68A-3EC6-4755-BF6D-7AA5B70F304A}" type="datetimeFigureOut">
               <a:rPr lang="en-US" smtClean="0"/>
               <a:pPr/>
-              <a:t>1/21/2019</a:t>
+              <a:t>1/22/19</a:t>
             </a:fld>
             <a:endParaRPr lang="en-US"/>
           </a:p>
@@ -1244,9 +1235,7 @@
         </p:spPr>
         <p:txBody>
           <a:bodyPr/>
-          <a:lstStyle>
-            <a:extLst/>
-          </a:lstStyle>
+          <a:lstStyle/>
           <a:p>
             <a:endParaRPr lang="en-US"/>
           </a:p>
@@ -1328,93 +1317,86 @@
         <p:spPr/>
         <p:txBody>
           <a:bodyPr/>
-          <a:lstStyle>
-            <a:extLst/>
-          </a:lstStyle>
-          <a:p>
-            <a:r>
-              <a:rPr kumimoji="0" lang="en-US" smtClean="0"/>
+          <a:lstStyle/>
+          <a:p>
+            <a:r>
+              <a:rPr kumimoji="0" lang="en-US"/>
               <a:t>Click to edit Master title style</a:t>
             </a:r>
+          </a:p>
+        </p:txBody>
+      </p:sp>
+      <p:sp>
+        <p:nvSpPr>
+          <p:cNvPr id="3" name="Content Placeholder 2"/>
+          <p:cNvSpPr>
+            <a:spLocks noGrp="1"/>
+          </p:cNvSpPr>
+          <p:nvPr>
+            <p:ph idx="1"/>
+          </p:nvPr>
+        </p:nvSpPr>
+        <p:spPr/>
+        <p:txBody>
+          <a:bodyPr/>
+          <a:lstStyle/>
+          <a:p>
+            <a:pPr lvl="0" eaLnBrk="1" latinLnBrk="0" hangingPunct="1"/>
+            <a:r>
+              <a:rPr lang="en-US"/>
+              <a:t>Click to edit Master text styles</a:t>
+            </a:r>
+          </a:p>
+          <a:p>
+            <a:pPr lvl="1" eaLnBrk="1" latinLnBrk="0" hangingPunct="1"/>
+            <a:r>
+              <a:rPr lang="en-US"/>
+              <a:t>Second level</a:t>
+            </a:r>
+          </a:p>
+          <a:p>
+            <a:pPr lvl="2" eaLnBrk="1" latinLnBrk="0" hangingPunct="1"/>
+            <a:r>
+              <a:rPr lang="en-US"/>
+              <a:t>Third level</a:t>
+            </a:r>
+          </a:p>
+          <a:p>
+            <a:pPr lvl="3" eaLnBrk="1" latinLnBrk="0" hangingPunct="1"/>
+            <a:r>
+              <a:rPr lang="en-US"/>
+              <a:t>Fourth level</a:t>
+            </a:r>
+          </a:p>
+          <a:p>
+            <a:pPr lvl="4" eaLnBrk="1" latinLnBrk="0" hangingPunct="1"/>
+            <a:r>
+              <a:rPr lang="en-US"/>
+              <a:t>Fifth level</a:t>
+            </a:r>
             <a:endParaRPr kumimoji="0" lang="en-US"/>
           </a:p>
         </p:txBody>
       </p:sp>
       <p:sp>
         <p:nvSpPr>
-          <p:cNvPr id="3" name="Content Placeholder 2"/>
-          <p:cNvSpPr>
-            <a:spLocks noGrp="1"/>
-          </p:cNvSpPr>
-          <p:nvPr>
-            <p:ph idx="1"/>
+          <p:cNvPr id="4" name="Date Placeholder 3"/>
+          <p:cNvSpPr>
+            <a:spLocks noGrp="1"/>
+          </p:cNvSpPr>
+          <p:nvPr>
+            <p:ph type="dt" sz="half" idx="10"/>
           </p:nvPr>
         </p:nvSpPr>
         <p:spPr/>
         <p:txBody>
           <a:bodyPr/>
-          <a:lstStyle>
-            <a:extLst/>
-          </a:lstStyle>
-          <a:p>
-            <a:pPr lvl="0" eaLnBrk="1" latinLnBrk="0" hangingPunct="1"/>
-            <a:r>
-              <a:rPr lang="en-US" smtClean="0"/>
-              <a:t>Click to edit Master text styles</a:t>
-            </a:r>
-          </a:p>
-          <a:p>
-            <a:pPr lvl="1" eaLnBrk="1" latinLnBrk="0" hangingPunct="1"/>
-            <a:r>
-              <a:rPr lang="en-US" smtClean="0"/>
-              <a:t>Second level</a:t>
-            </a:r>
-          </a:p>
-          <a:p>
-            <a:pPr lvl="2" eaLnBrk="1" latinLnBrk="0" hangingPunct="1"/>
-            <a:r>
-              <a:rPr lang="en-US" smtClean="0"/>
-              <a:t>Third level</a:t>
-            </a:r>
-          </a:p>
-          <a:p>
-            <a:pPr lvl="3" eaLnBrk="1" latinLnBrk="0" hangingPunct="1"/>
-            <a:r>
-              <a:rPr lang="en-US" smtClean="0"/>
-              <a:t>Fourth level</a:t>
-            </a:r>
-          </a:p>
-          <a:p>
-            <a:pPr lvl="4" eaLnBrk="1" latinLnBrk="0" hangingPunct="1"/>
-            <a:r>
-              <a:rPr lang="en-US" smtClean="0"/>
-              <a:t>Fifth level</a:t>
-            </a:r>
-            <a:endParaRPr kumimoji="0" lang="en-US"/>
-          </a:p>
-        </p:txBody>
-      </p:sp>
-      <p:sp>
-        <p:nvSpPr>
-          <p:cNvPr id="4" name="Date Placeholder 3"/>
-          <p:cNvSpPr>
-            <a:spLocks noGrp="1"/>
-          </p:cNvSpPr>
-          <p:nvPr>
-            <p:ph type="dt" sz="half" idx="10"/>
-          </p:nvPr>
-        </p:nvSpPr>
-        <p:spPr/>
-        <p:txBody>
-          <a:bodyPr/>
-          <a:lstStyle>
-            <a:extLst/>
-          </a:lstStyle>
+          <a:lstStyle/>
           <a:p>
             <a:fld id="{BD1DE68A-3EC6-4755-BF6D-7AA5B70F304A}" type="datetimeFigureOut">
               <a:rPr lang="en-US" smtClean="0"/>
               <a:pPr/>
-              <a:t>1/21/2019</a:t>
+              <a:t>1/22/19</a:t>
             </a:fld>
             <a:endParaRPr lang="en-US"/>
           </a:p>
@@ -1433,9 +1415,7 @@
         <p:spPr/>
         <p:txBody>
           <a:bodyPr/>
-          <a:lstStyle>
-            <a:extLst/>
-          </a:lstStyle>
+          <a:lstStyle/>
           <a:p>
             <a:endParaRPr lang="en-US"/>
           </a:p>
@@ -1454,9 +1434,7 @@
         <p:spPr/>
         <p:txBody>
           <a:bodyPr/>
-          <a:lstStyle>
-            <a:extLst/>
-          </a:lstStyle>
+          <a:lstStyle/>
           <a:p>
             <a:fld id="{7200EB88-BA5E-4C42-8EC7-BD2ED3DE0F3C}" type="slidenum">
               <a:rPr lang="en-US" smtClean="0"/>
@@ -1524,10 +1502,9 @@
           </a:lstStyle>
           <a:p>
             <a:r>
-              <a:rPr kumimoji="0" lang="en-US" smtClean="0"/>
+              <a:rPr kumimoji="0" lang="en-US"/>
               <a:t>Click to edit Master title style</a:t>
             </a:r>
-            <a:endParaRPr kumimoji="0" lang="en-US"/>
           </a:p>
         </p:txBody>
       </p:sp>
@@ -1604,7 +1581,7 @@
           <a:p>
             <a:pPr lvl="0" eaLnBrk="1" latinLnBrk="0" hangingPunct="1"/>
             <a:r>
-              <a:rPr kumimoji="0" lang="en-US" smtClean="0"/>
+              <a:rPr kumimoji="0" lang="en-US"/>
               <a:t>Click to edit Master text styles</a:t>
             </a:r>
           </a:p>
@@ -1642,7 +1619,7 @@
             <a:fld id="{BD1DE68A-3EC6-4755-BF6D-7AA5B70F304A}" type="datetimeFigureOut">
               <a:rPr lang="en-US" smtClean="0"/>
               <a:pPr/>
-              <a:t>1/21/2019</a:t>
+              <a:t>1/22/19</a:t>
             </a:fld>
             <a:endParaRPr lang="en-US"/>
           </a:p>
@@ -1699,9 +1676,7 @@
         </p:spPr>
         <p:txBody>
           <a:bodyPr/>
-          <a:lstStyle>
-            <a:extLst/>
-          </a:lstStyle>
+          <a:lstStyle/>
           <a:p>
             <a:fld id="{7200EB88-BA5E-4C42-8EC7-BD2ED3DE0F3C}" type="slidenum">
               <a:rPr lang="en-US" smtClean="0"/>
@@ -1755,15 +1730,12 @@
         </p:spPr>
         <p:txBody>
           <a:bodyPr/>
-          <a:lstStyle>
-            <a:extLst/>
-          </a:lstStyle>
-          <a:p>
-            <a:r>
-              <a:rPr kumimoji="0" lang="en-US" smtClean="0"/>
+          <a:lstStyle/>
+          <a:p>
+            <a:r>
+              <a:rPr kumimoji="0" lang="en-US"/>
               <a:t>Click to edit Master title style</a:t>
             </a:r>
-            <a:endParaRPr kumimoji="0" lang="en-US"/>
           </a:p>
         </p:txBody>
       </p:sp>
@@ -1806,35 +1778,35 @@
           <a:p>
             <a:pPr lvl="0" eaLnBrk="1" latinLnBrk="0" hangingPunct="1"/>
             <a:r>
-              <a:rPr lang="en-US" smtClean="0"/>
+              <a:rPr lang="en-US"/>
               <a:t>Click to edit Master text styles</a:t>
             </a:r>
           </a:p>
           <a:p>
             <a:pPr lvl="1" eaLnBrk="1" latinLnBrk="0" hangingPunct="1"/>
             <a:r>
-              <a:rPr lang="en-US" smtClean="0"/>
+              <a:rPr lang="en-US"/>
               <a:t>Second level</a:t>
             </a:r>
           </a:p>
           <a:p>
             <a:pPr lvl="2" eaLnBrk="1" latinLnBrk="0" hangingPunct="1"/>
             <a:r>
-              <a:rPr lang="en-US" smtClean="0"/>
+              <a:rPr lang="en-US"/>
               <a:t>Third level</a:t>
             </a:r>
           </a:p>
           <a:p>
             <a:pPr lvl="3" eaLnBrk="1" latinLnBrk="0" hangingPunct="1"/>
             <a:r>
-              <a:rPr lang="en-US" smtClean="0"/>
+              <a:rPr lang="en-US"/>
               <a:t>Fourth level</a:t>
             </a:r>
           </a:p>
           <a:p>
             <a:pPr lvl="4" eaLnBrk="1" latinLnBrk="0" hangingPunct="1"/>
             <a:r>
-              <a:rPr lang="en-US" smtClean="0"/>
+              <a:rPr lang="en-US"/>
               <a:t>Fifth level</a:t>
             </a:r>
             <a:endParaRPr kumimoji="0" lang="en-US"/>
@@ -1880,35 +1852,35 @@
           <a:p>
             <a:pPr lvl="0" eaLnBrk="1" latinLnBrk="0" hangingPunct="1"/>
             <a:r>
-              <a:rPr lang="en-US" smtClean="0"/>
+              <a:rPr lang="en-US"/>
               <a:t>Click to edit Master text styles</a:t>
             </a:r>
           </a:p>
           <a:p>
             <a:pPr lvl="1" eaLnBrk="1" latinLnBrk="0" hangingPunct="1"/>
             <a:r>
-              <a:rPr lang="en-US" smtClean="0"/>
+              <a:rPr lang="en-US"/>
               <a:t>Second level</a:t>
             </a:r>
           </a:p>
           <a:p>
             <a:pPr lvl="2" eaLnBrk="1" latinLnBrk="0" hangingPunct="1"/>
             <a:r>
-              <a:rPr lang="en-US" smtClean="0"/>
+              <a:rPr lang="en-US"/>
               <a:t>Third level</a:t>
             </a:r>
           </a:p>
           <a:p>
             <a:pPr lvl="3" eaLnBrk="1" latinLnBrk="0" hangingPunct="1"/>
             <a:r>
-              <a:rPr lang="en-US" smtClean="0"/>
+              <a:rPr lang="en-US"/>
               <a:t>Fourth level</a:t>
             </a:r>
           </a:p>
           <a:p>
             <a:pPr lvl="4" eaLnBrk="1" latinLnBrk="0" hangingPunct="1"/>
             <a:r>
-              <a:rPr lang="en-US" smtClean="0"/>
+              <a:rPr lang="en-US"/>
               <a:t>Fifth level</a:t>
             </a:r>
             <a:endParaRPr kumimoji="0" lang="en-US"/>
@@ -1928,14 +1900,12 @@
         <p:spPr/>
         <p:txBody>
           <a:bodyPr/>
-          <a:lstStyle>
-            <a:extLst/>
-          </a:lstStyle>
+          <a:lstStyle/>
           <a:p>
             <a:fld id="{BD1DE68A-3EC6-4755-BF6D-7AA5B70F304A}" type="datetimeFigureOut">
               <a:rPr lang="en-US" smtClean="0"/>
               <a:pPr/>
-              <a:t>1/21/2019</a:t>
+              <a:t>1/22/19</a:t>
             </a:fld>
             <a:endParaRPr lang="en-US"/>
           </a:p>
@@ -1954,9 +1924,7 @@
         <p:spPr/>
         <p:txBody>
           <a:bodyPr/>
-          <a:lstStyle>
-            <a:extLst/>
-          </a:lstStyle>
+          <a:lstStyle/>
           <a:p>
             <a:endParaRPr lang="en-US"/>
           </a:p>
@@ -1975,9 +1943,7 @@
         <p:spPr/>
         <p:txBody>
           <a:bodyPr/>
-          <a:lstStyle>
-            <a:extLst/>
-          </a:lstStyle>
+          <a:lstStyle/>
           <a:p>
             <a:fld id="{7200EB88-BA5E-4C42-8EC7-BD2ED3DE0F3C}" type="slidenum">
               <a:rPr lang="en-US" smtClean="0"/>
@@ -2039,10 +2005,9 @@
           </a:lstStyle>
           <a:p>
             <a:r>
-              <a:rPr kumimoji="0" lang="en-US" smtClean="0"/>
+              <a:rPr kumimoji="0" lang="en-US"/>
               <a:t>Click to edit Master title style</a:t>
             </a:r>
-            <a:endParaRPr kumimoji="0" lang="en-US"/>
           </a:p>
         </p:txBody>
       </p:sp>
@@ -2117,7 +2082,7 @@
           <a:p>
             <a:pPr lvl="0" eaLnBrk="1" latinLnBrk="0" hangingPunct="1"/>
             <a:r>
-              <a:rPr kumimoji="0" lang="en-US" smtClean="0"/>
+              <a:rPr kumimoji="0" lang="en-US"/>
               <a:t>Click to edit Master text styles</a:t>
             </a:r>
           </a:p>
@@ -2194,7 +2159,7 @@
           <a:p>
             <a:pPr lvl="0" eaLnBrk="1" latinLnBrk="0" hangingPunct="1"/>
             <a:r>
-              <a:rPr kumimoji="0" lang="en-US" smtClean="0"/>
+              <a:rPr kumimoji="0" lang="en-US"/>
               <a:t>Click to edit Master text styles</a:t>
             </a:r>
           </a:p>
@@ -2239,35 +2204,35 @@
           <a:p>
             <a:pPr lvl="0" eaLnBrk="1" latinLnBrk="0" hangingPunct="1"/>
             <a:r>
-              <a:rPr lang="en-US" smtClean="0"/>
+              <a:rPr lang="en-US"/>
               <a:t>Click to edit Master text styles</a:t>
             </a:r>
           </a:p>
           <a:p>
             <a:pPr lvl="1" eaLnBrk="1" latinLnBrk="0" hangingPunct="1"/>
             <a:r>
-              <a:rPr lang="en-US" smtClean="0"/>
+              <a:rPr lang="en-US"/>
               <a:t>Second level</a:t>
             </a:r>
           </a:p>
           <a:p>
             <a:pPr lvl="2" eaLnBrk="1" latinLnBrk="0" hangingPunct="1"/>
             <a:r>
-              <a:rPr lang="en-US" smtClean="0"/>
+              <a:rPr lang="en-US"/>
               <a:t>Third level</a:t>
             </a:r>
           </a:p>
           <a:p>
             <a:pPr lvl="3" eaLnBrk="1" latinLnBrk="0" hangingPunct="1"/>
             <a:r>
-              <a:rPr lang="en-US" smtClean="0"/>
+              <a:rPr lang="en-US"/>
               <a:t>Fourth level</a:t>
             </a:r>
           </a:p>
           <a:p>
             <a:pPr lvl="4" eaLnBrk="1" latinLnBrk="0" hangingPunct="1"/>
             <a:r>
-              <a:rPr lang="en-US" smtClean="0"/>
+              <a:rPr lang="en-US"/>
               <a:t>Fifth level</a:t>
             </a:r>
             <a:endParaRPr kumimoji="0" lang="en-US"/>
@@ -2313,35 +2278,35 @@
           <a:p>
             <a:pPr lvl="0" eaLnBrk="1" latinLnBrk="0" hangingPunct="1"/>
             <a:r>
-              <a:rPr lang="en-US" smtClean="0"/>
+              <a:rPr lang="en-US"/>
               <a:t>Click to edit Master text styles</a:t>
             </a:r>
           </a:p>
           <a:p>
             <a:pPr lvl="1" eaLnBrk="1" latinLnBrk="0" hangingPunct="1"/>
             <a:r>
-              <a:rPr lang="en-US" smtClean="0"/>
+              <a:rPr lang="en-US"/>
               <a:t>Second level</a:t>
             </a:r>
           </a:p>
           <a:p>
             <a:pPr lvl="2" eaLnBrk="1" latinLnBrk="0" hangingPunct="1"/>
             <a:r>
-              <a:rPr lang="en-US" smtClean="0"/>
+              <a:rPr lang="en-US"/>
               <a:t>Third level</a:t>
             </a:r>
           </a:p>
           <a:p>
             <a:pPr lvl="3" eaLnBrk="1" latinLnBrk="0" hangingPunct="1"/>
             <a:r>
-              <a:rPr lang="en-US" smtClean="0"/>
+              <a:rPr lang="en-US"/>
               <a:t>Fourth level</a:t>
             </a:r>
           </a:p>
           <a:p>
             <a:pPr lvl="4" eaLnBrk="1" latinLnBrk="0" hangingPunct="1"/>
             <a:r>
-              <a:rPr lang="en-US" smtClean="0"/>
+              <a:rPr lang="en-US"/>
               <a:t>Fifth level</a:t>
             </a:r>
             <a:endParaRPr kumimoji="0" lang="en-US"/>
@@ -2361,14 +2326,12 @@
         <p:spPr/>
         <p:txBody>
           <a:bodyPr/>
-          <a:lstStyle>
-            <a:extLst/>
-          </a:lstStyle>
+          <a:lstStyle/>
           <a:p>
             <a:fld id="{BD1DE68A-3EC6-4755-BF6D-7AA5B70F304A}" type="datetimeFigureOut">
               <a:rPr lang="en-US" smtClean="0"/>
               <a:pPr/>
-              <a:t>1/21/2019</a:t>
+              <a:t>1/22/19</a:t>
             </a:fld>
             <a:endParaRPr lang="en-US"/>
           </a:p>
@@ -2387,9 +2350,7 @@
         <p:spPr/>
         <p:txBody>
           <a:bodyPr/>
-          <a:lstStyle>
-            <a:extLst/>
-          </a:lstStyle>
+          <a:lstStyle/>
           <a:p>
             <a:endParaRPr lang="en-US"/>
           </a:p>
@@ -2408,9 +2369,7 @@
         <p:spPr/>
         <p:txBody>
           <a:bodyPr/>
-          <a:lstStyle>
-            <a:extLst/>
-          </a:lstStyle>
+          <a:lstStyle/>
           <a:p>
             <a:fld id="{7200EB88-BA5E-4C42-8EC7-BD2ED3DE0F3C}" type="slidenum">
               <a:rPr lang="en-US" smtClean="0"/>
@@ -2464,15 +2423,12 @@
         </p:spPr>
         <p:txBody>
           <a:bodyPr/>
-          <a:lstStyle>
-            <a:extLst/>
-          </a:lstStyle>
-          <a:p>
-            <a:r>
-              <a:rPr kumimoji="0" lang="en-US" smtClean="0"/>
+          <a:lstStyle/>
+          <a:p>
+            <a:r>
+              <a:rPr kumimoji="0" lang="en-US"/>
               <a:t>Click to edit Master title style</a:t>
             </a:r>
-            <a:endParaRPr kumimoji="0" lang="en-US"/>
           </a:p>
         </p:txBody>
       </p:sp>
@@ -2489,14 +2445,12 @@
         <p:spPr/>
         <p:txBody>
           <a:bodyPr/>
-          <a:lstStyle>
-            <a:extLst/>
-          </a:lstStyle>
+          <a:lstStyle/>
           <a:p>
             <a:fld id="{BD1DE68A-3EC6-4755-BF6D-7AA5B70F304A}" type="datetimeFigureOut">
               <a:rPr lang="en-US" smtClean="0"/>
               <a:pPr/>
-              <a:t>1/21/2019</a:t>
+              <a:t>1/22/19</a:t>
             </a:fld>
             <a:endParaRPr lang="en-US"/>
           </a:p>
@@ -2515,9 +2469,7 @@
         <p:spPr/>
         <p:txBody>
           <a:bodyPr/>
-          <a:lstStyle>
-            <a:extLst/>
-          </a:lstStyle>
+          <a:lstStyle/>
           <a:p>
             <a:endParaRPr lang="en-US"/>
           </a:p>
@@ -2536,9 +2488,7 @@
         <p:spPr/>
         <p:txBody>
           <a:bodyPr/>
-          <a:lstStyle>
-            <a:extLst/>
-          </a:lstStyle>
+          <a:lstStyle/>
           <a:p>
             <a:fld id="{7200EB88-BA5E-4C42-8EC7-BD2ED3DE0F3C}" type="slidenum">
               <a:rPr lang="en-US" smtClean="0"/>
@@ -2601,7 +2551,7 @@
             <a:fld id="{BD1DE68A-3EC6-4755-BF6D-7AA5B70F304A}" type="datetimeFigureOut">
               <a:rPr lang="en-US" smtClean="0"/>
               <a:pPr/>
-              <a:t>1/21/2019</a:t>
+              <a:t>1/22/19</a:t>
             </a:fld>
             <a:endParaRPr lang="en-US"/>
           </a:p>
@@ -2648,9 +2598,7 @@
         <p:spPr/>
         <p:txBody>
           <a:bodyPr/>
-          <a:lstStyle>
-            <a:extLst/>
-          </a:lstStyle>
+          <a:lstStyle/>
           <a:p>
             <a:fld id="{7200EB88-BA5E-4C42-8EC7-BD2ED3DE0F3C}" type="slidenum">
               <a:rPr lang="en-US" smtClean="0"/>
@@ -2713,10 +2661,9 @@
           </a:lstStyle>
           <a:p>
             <a:r>
-              <a:rPr kumimoji="0" lang="en-US" smtClean="0"/>
+              <a:rPr kumimoji="0" lang="en-US"/>
               <a:t>Click to edit Master title style</a:t>
             </a:r>
-            <a:endParaRPr kumimoji="0" lang="en-US"/>
           </a:p>
         </p:txBody>
       </p:sp>
@@ -2772,7 +2719,7 @@
           <a:p>
             <a:pPr lvl="0" eaLnBrk="1" latinLnBrk="0" hangingPunct="1"/>
             <a:r>
-              <a:rPr kumimoji="0" lang="en-US" smtClean="0"/>
+              <a:rPr kumimoji="0" lang="en-US"/>
               <a:t>Click to edit Master text styles</a:t>
             </a:r>
           </a:p>
@@ -2817,35 +2764,35 @@
           <a:p>
             <a:pPr lvl="0" eaLnBrk="1" latinLnBrk="0" hangingPunct="1"/>
             <a:r>
-              <a:rPr lang="en-US" smtClean="0"/>
+              <a:rPr lang="en-US"/>
               <a:t>Click to edit Master text styles</a:t>
             </a:r>
           </a:p>
           <a:p>
             <a:pPr lvl="1" eaLnBrk="1" latinLnBrk="0" hangingPunct="1"/>
             <a:r>
-              <a:rPr lang="en-US" smtClean="0"/>
+              <a:rPr lang="en-US"/>
               <a:t>Second level</a:t>
             </a:r>
           </a:p>
           <a:p>
             <a:pPr lvl="2" eaLnBrk="1" latinLnBrk="0" hangingPunct="1"/>
             <a:r>
-              <a:rPr lang="en-US" smtClean="0"/>
+              <a:rPr lang="en-US"/>
               <a:t>Third level</a:t>
             </a:r>
           </a:p>
           <a:p>
             <a:pPr lvl="3" eaLnBrk="1" latinLnBrk="0" hangingPunct="1"/>
             <a:r>
-              <a:rPr lang="en-US" smtClean="0"/>
+              <a:rPr lang="en-US"/>
               <a:t>Fourth level</a:t>
             </a:r>
           </a:p>
           <a:p>
             <a:pPr lvl="4" eaLnBrk="1" latinLnBrk="0" hangingPunct="1"/>
             <a:r>
-              <a:rPr lang="en-US" smtClean="0"/>
+              <a:rPr lang="en-US"/>
               <a:t>Fifth level</a:t>
             </a:r>
             <a:endParaRPr kumimoji="0" lang="en-US"/>
@@ -2865,14 +2812,12 @@
         <p:spPr/>
         <p:txBody>
           <a:bodyPr/>
-          <a:lstStyle>
-            <a:extLst/>
-          </a:lstStyle>
+          <a:lstStyle/>
           <a:p>
             <a:fld id="{BD1DE68A-3EC6-4755-BF6D-7AA5B70F304A}" type="datetimeFigureOut">
               <a:rPr lang="en-US" smtClean="0"/>
               <a:pPr/>
-              <a:t>1/21/2019</a:t>
+              <a:t>1/22/19</a:t>
             </a:fld>
             <a:endParaRPr lang="en-US"/>
           </a:p>
@@ -2891,9 +2836,7 @@
         <p:spPr/>
         <p:txBody>
           <a:bodyPr/>
-          <a:lstStyle>
-            <a:extLst/>
-          </a:lstStyle>
+          <a:lstStyle/>
           <a:p>
             <a:endParaRPr lang="en-US"/>
           </a:p>
@@ -2912,9 +2855,7 @@
         <p:spPr/>
         <p:txBody>
           <a:bodyPr/>
-          <a:lstStyle>
-            <a:extLst/>
-          </a:lstStyle>
+          <a:lstStyle/>
           <a:p>
             <a:fld id="{7200EB88-BA5E-4C42-8EC7-BD2ED3DE0F3C}" type="slidenum">
               <a:rPr lang="en-US" smtClean="0"/>
@@ -3002,9 +2943,7 @@
         </p:style>
         <p:txBody>
           <a:bodyPr rtlCol="0" anchor="ctr"/>
-          <a:lstStyle>
-            <a:extLst/>
-          </a:lstStyle>
+          <a:lstStyle/>
           <a:p>
             <a:pPr algn="ctr" eaLnBrk="1" latinLnBrk="0" hangingPunct="1"/>
             <a:endParaRPr kumimoji="0" lang="en-US"/>
@@ -3058,9 +2997,7 @@
         </p:style>
         <p:txBody>
           <a:bodyPr rtlCol="0" anchor="ctr"/>
-          <a:lstStyle>
-            <a:extLst/>
-          </a:lstStyle>
+          <a:lstStyle/>
           <a:p>
             <a:pPr algn="ctr" eaLnBrk="1" latinLnBrk="0" hangingPunct="1"/>
             <a:endParaRPr kumimoji="0" lang="en-US"/>
@@ -3134,7 +3071,7 @@
           </a:lstStyle>
           <a:p>
             <a:r>
-              <a:rPr kumimoji="0" lang="en-US" smtClean="0"/>
+              <a:rPr kumimoji="0" lang="en-US"/>
               <a:t>Click to edit Master title style</a:t>
             </a:r>
             <a:endParaRPr kumimoji="0" lang="en-US" dirty="0"/>
@@ -3212,7 +3149,7 @@
               <a:defRPr/>
             </a:pPr>
             <a:r>
-              <a:rPr kumimoji="0" lang="en-US" smtClean="0"/>
+              <a:rPr kumimoji="0" lang="en-US"/>
               <a:t>Click to edit Master text styles</a:t>
             </a:r>
           </a:p>
@@ -3231,14 +3168,12 @@
         <p:spPr/>
         <p:txBody>
           <a:bodyPr/>
-          <a:lstStyle>
-            <a:extLst/>
-          </a:lstStyle>
+          <a:lstStyle/>
           <a:p>
             <a:fld id="{BD1DE68A-3EC6-4755-BF6D-7AA5B70F304A}" type="datetimeFigureOut">
               <a:rPr lang="en-US" smtClean="0"/>
               <a:pPr/>
-              <a:t>1/21/2019</a:t>
+              <a:t>1/22/19</a:t>
             </a:fld>
             <a:endParaRPr lang="en-US"/>
           </a:p>
@@ -3257,9 +3192,7 @@
         <p:spPr/>
         <p:txBody>
           <a:bodyPr/>
-          <a:lstStyle>
-            <a:extLst/>
-          </a:lstStyle>
+          <a:lstStyle/>
           <a:p>
             <a:endParaRPr lang="en-US"/>
           </a:p>
@@ -3278,9 +3211,7 @@
         <p:spPr/>
         <p:txBody>
           <a:bodyPr/>
-          <a:lstStyle>
-            <a:extLst/>
-          </a:lstStyle>
+          <a:lstStyle/>
           <a:p>
             <a:fld id="{7200EB88-BA5E-4C42-8EC7-BD2ED3DE0F3C}" type="slidenum">
               <a:rPr lang="en-US" smtClean="0"/>
@@ -3345,7 +3276,7 @@
           </a:lstStyle>
           <a:p>
             <a:r>
-              <a:rPr kumimoji="0" lang="en-US" smtClean="0"/>
+              <a:rPr kumimoji="0" lang="en-US"/>
               <a:t>Click icon to add picture</a:t>
             </a:r>
             <a:endParaRPr kumimoji="0" lang="en-US" dirty="0"/>
@@ -3452,9 +3383,7 @@
         </p:style>
         <p:txBody>
           <a:bodyPr anchor="ctr"/>
-          <a:lstStyle>
-            <a:extLst/>
-          </a:lstStyle>
+          <a:lstStyle/>
           <a:p>
             <a:pPr algn="ctr" eaLnBrk="1" latinLnBrk="0" hangingPunct="1"/>
             <a:endParaRPr kumimoji="0" lang="en-US"/>
@@ -3484,15 +3413,12 @@
           <a:bodyPr vert="horz" lIns="45720" tIns="0" rIns="45720" bIns="0" anchor="b" anchorCtr="0">
             <a:normAutofit/>
           </a:bodyPr>
-          <a:lstStyle>
-            <a:extLst/>
-          </a:lstStyle>
-          <a:p>
-            <a:r>
-              <a:rPr kumimoji="0" lang="en-US" smtClean="0"/>
+          <a:lstStyle/>
+          <a:p>
+            <a:r>
+              <a:rPr kumimoji="0" lang="en-US"/>
               <a:t>Click to edit Master title style</a:t>
             </a:r>
-            <a:endParaRPr kumimoji="0" lang="en-US"/>
           </a:p>
         </p:txBody>
       </p:sp>
@@ -3519,44 +3445,41 @@
           <a:bodyPr vert="horz">
             <a:normAutofit/>
           </a:bodyPr>
-          <a:lstStyle>
-            <a:extLst/>
-          </a:lstStyle>
+          <a:lstStyle/>
           <a:p>
             <a:pPr lvl="0" eaLnBrk="1" latinLnBrk="0" hangingPunct="1"/>
             <a:r>
-              <a:rPr kumimoji="0" lang="en-US" smtClean="0"/>
+              <a:rPr kumimoji="0" lang="en-US"/>
               <a:t>Click to edit Master text styles</a:t>
             </a:r>
           </a:p>
           <a:p>
             <a:pPr lvl="1" eaLnBrk="1" latinLnBrk="0" hangingPunct="1"/>
             <a:r>
-              <a:rPr kumimoji="0" lang="en-US" smtClean="0"/>
+              <a:rPr kumimoji="0" lang="en-US"/>
               <a:t>Second level</a:t>
             </a:r>
           </a:p>
           <a:p>
             <a:pPr lvl="2" eaLnBrk="1" latinLnBrk="0" hangingPunct="1"/>
             <a:r>
-              <a:rPr kumimoji="0" lang="en-US" smtClean="0"/>
+              <a:rPr kumimoji="0" lang="en-US"/>
               <a:t>Third level</a:t>
             </a:r>
           </a:p>
           <a:p>
             <a:pPr lvl="3" eaLnBrk="1" latinLnBrk="0" hangingPunct="1"/>
             <a:r>
-              <a:rPr kumimoji="0" lang="en-US" smtClean="0"/>
+              <a:rPr kumimoji="0" lang="en-US"/>
               <a:t>Fourth level</a:t>
             </a:r>
           </a:p>
           <a:p>
             <a:pPr lvl="4" eaLnBrk="1" latinLnBrk="0" hangingPunct="1"/>
             <a:r>
-              <a:rPr kumimoji="0" lang="en-US" smtClean="0"/>
+              <a:rPr kumimoji="0" lang="en-US"/>
               <a:t>Fifth level</a:t>
             </a:r>
-            <a:endParaRPr kumimoji="0" lang="en-US"/>
           </a:p>
         </p:txBody>
       </p:sp>
@@ -3595,7 +3518,7 @@
             <a:fld id="{BD1DE68A-3EC6-4755-BF6D-7AA5B70F304A}" type="datetimeFigureOut">
               <a:rPr lang="en-US" smtClean="0"/>
               <a:pPr/>
-              <a:t>1/21/2019</a:t>
+              <a:t>1/22/19</a:t>
             </a:fld>
             <a:endParaRPr lang="en-US"/>
           </a:p>
@@ -4066,10 +3989,9 @@
           <a:lstStyle/>
           <a:p>
             <a:r>
-              <a:rPr lang="en-US" sz="5400" b="1" dirty="0" smtClean="0"/>
+              <a:rPr lang="en-US" sz="5400" b="1" dirty="0"/>
               <a:t>GRAPH-COLORING</a:t>
             </a:r>
-            <a:endParaRPr lang="en-US" sz="5400" b="1" dirty="0"/>
           </a:p>
         </p:txBody>
       </p:sp>
@@ -4097,7 +4019,7 @@
           <a:p>
             <a:pPr algn="ctr"/>
             <a:r>
-              <a:rPr lang="en-US" sz="4400" dirty="0" smtClean="0">
+              <a:rPr lang="en-US" sz="4400" dirty="0">
                 <a:solidFill>
                   <a:schemeClr val="tx1"/>
                 </a:solidFill>
@@ -4108,7 +4030,7 @@
           <a:p>
             <a:pPr algn="l"/>
             <a:r>
-              <a:rPr lang="en-US" sz="4400" i="1" dirty="0" smtClean="0">
+              <a:rPr lang="en-US" sz="4400" i="1" dirty="0">
                 <a:solidFill>
                   <a:schemeClr val="tx1"/>
                 </a:solidFill>
@@ -4164,7 +4086,7 @@
               <a:tabLst/>
               <a:defRPr/>
             </a:pPr>
-            <a:endParaRPr kumimoji="0" lang="en-US" sz="2800" b="0" i="0" u="none" strike="noStrike" kern="1200" cap="none" spc="0" normalizeH="0" baseline="0" noProof="0" dirty="0" smtClean="0">
+            <a:endParaRPr kumimoji="0" lang="en-US" sz="2800" b="0" i="0" u="none" strike="noStrike" kern="1200" cap="none" spc="0" normalizeH="0" baseline="0" noProof="0" dirty="0">
               <a:ln>
                 <a:noFill/>
               </a:ln>
@@ -4282,13 +4204,6 @@
     <a:masterClrMapping/>
   </p:clrMapOvr>
   <p:transition/>
-  <p:timing>
-    <p:tnLst>
-      <p:par>
-        <p:cTn id="1" dur="indefinite" restart="never" nodeType="tmRoot"/>
-      </p:par>
-    </p:tnLst>
-  </p:timing>
 </p:sld>
 </file>
 
@@ -4325,7 +4240,7 @@
           <a:lstStyle/>
           <a:p>
             <a:r>
-              <a:rPr lang="en-US" dirty="0" smtClean="0">
+              <a:rPr lang="en-US" dirty="0">
                 <a:solidFill>
                   <a:schemeClr val="bg2">
                     <a:lumMod val="50000"/>
@@ -4334,13 +4249,6 @@
               </a:rPr>
               <a:t>Special Cases</a:t>
             </a:r>
-            <a:endParaRPr lang="en-US" dirty="0">
-              <a:solidFill>
-                <a:schemeClr val="bg2">
-                  <a:lumMod val="50000"/>
-                </a:schemeClr>
-              </a:solidFill>
-            </a:endParaRPr>
           </a:p>
         </p:txBody>
       </p:sp>
@@ -4364,8 +4272,8 @@
               <a:buChar char="Ø"/>
             </a:pPr>
             <a:r>
-              <a:rPr lang="en-US" dirty="0" smtClean="0"/>
-              <a:t>No Vertices Graph</a:t>
+              <a:rPr lang="en-US" dirty="0"/>
+              <a:t>No-vertex Graph</a:t>
             </a:r>
           </a:p>
           <a:p>
@@ -4374,8 +4282,8 @@
               <a:buChar char="Ø"/>
             </a:pPr>
             <a:r>
-              <a:rPr lang="en-US" dirty="0" smtClean="0"/>
-              <a:t>Null Graph</a:t>
+              <a:rPr lang="en-US" dirty="0"/>
+              <a:t>No-edges Graph</a:t>
             </a:r>
           </a:p>
           <a:p>
@@ -4384,7 +4292,7 @@
               <a:buChar char="Ø"/>
             </a:pPr>
             <a:r>
-              <a:rPr lang="en-US" dirty="0" smtClean="0"/>
+              <a:rPr lang="en-US" dirty="0"/>
               <a:t>Odd Cycle Graph</a:t>
             </a:r>
           </a:p>
@@ -4394,7 +4302,7 @@
               <a:buChar char="Ø"/>
             </a:pPr>
             <a:r>
-              <a:rPr lang="en-US" dirty="0" smtClean="0"/>
+              <a:rPr lang="en-US" dirty="0"/>
               <a:t>Bipartite Graph</a:t>
             </a:r>
           </a:p>
@@ -4404,7 +4312,7 @@
               <a:buChar char="Ø"/>
             </a:pPr>
             <a:r>
-              <a:rPr lang="en-US" dirty="0" smtClean="0"/>
+              <a:rPr lang="en-US" dirty="0"/>
               <a:t>Complete Graph</a:t>
             </a:r>
           </a:p>
@@ -4441,13 +4349,6 @@
   <p:clrMapOvr>
     <a:masterClrMapping/>
   </p:clrMapOvr>
-  <p:timing>
-    <p:tnLst>
-      <p:par>
-        <p:cTn id="1" dur="indefinite" restart="never" nodeType="tmRoot"/>
-      </p:par>
-    </p:tnLst>
-  </p:timing>
 </p:sld>
 </file>
 
@@ -4490,7 +4391,7 @@
           <a:p>
             <a:pPr algn="ctr"/>
             <a:r>
-              <a:rPr lang="en-US" sz="7200" dirty="0" smtClean="0">
+              <a:rPr lang="en-US" sz="7200" dirty="0">
                 <a:solidFill>
                   <a:schemeClr val="bg2">
                     <a:lumMod val="50000"/>
@@ -4514,13 +4415,6 @@
   <p:clrMapOvr>
     <a:masterClrMapping/>
   </p:clrMapOvr>
-  <p:timing>
-    <p:tnLst>
-      <p:par>
-        <p:cTn id="1" dur="indefinite" restart="never" nodeType="tmRoot"/>
-      </p:par>
-    </p:tnLst>
-  </p:timing>
 </p:sld>
 </file>
 
@@ -4557,7 +4451,7 @@
           <a:lstStyle/>
           <a:p>
             <a:r>
-              <a:rPr lang="en-US" dirty="0" smtClean="0">
+              <a:rPr lang="en-US" dirty="0">
                 <a:solidFill>
                   <a:schemeClr val="bg2">
                     <a:lumMod val="50000"/>
@@ -4566,13 +4460,6 @@
               </a:rPr>
               <a:t>Genetic Algorithm</a:t>
             </a:r>
-            <a:endParaRPr lang="en-US" dirty="0">
-              <a:solidFill>
-                <a:schemeClr val="bg2">
-                  <a:lumMod val="50000"/>
-                </a:schemeClr>
-              </a:solidFill>
-            </a:endParaRPr>
           </a:p>
         </p:txBody>
       </p:sp>
@@ -4596,7 +4483,7 @@
               <a:buChar char="Ø"/>
             </a:pPr>
             <a:r>
-              <a:rPr lang="en-US" dirty="0" smtClean="0"/>
+              <a:rPr lang="en-US" dirty="0"/>
               <a:t>Fitness </a:t>
             </a:r>
           </a:p>
@@ -4606,7 +4493,7 @@
               <a:buChar char="Ø"/>
             </a:pPr>
             <a:r>
-              <a:rPr lang="en-US" dirty="0" smtClean="0"/>
+              <a:rPr lang="en-US" dirty="0"/>
               <a:t>Selection</a:t>
             </a:r>
           </a:p>
@@ -4616,7 +4503,7 @@
               <a:buChar char="Ø"/>
             </a:pPr>
             <a:r>
-              <a:rPr lang="en-US" dirty="0" smtClean="0"/>
+              <a:rPr lang="en-US" dirty="0"/>
               <a:t>Crossover</a:t>
             </a:r>
           </a:p>
@@ -4626,10 +4513,9 @@
               <a:buChar char="Ø"/>
             </a:pPr>
             <a:r>
-              <a:rPr lang="en-US" dirty="0" smtClean="0"/>
+              <a:rPr lang="en-US" dirty="0"/>
               <a:t>Mutation</a:t>
             </a:r>
-            <a:endParaRPr lang="en-US" dirty="0"/>
           </a:p>
         </p:txBody>
       </p:sp>
@@ -4638,13 +4524,6 @@
   <p:clrMapOvr>
     <a:masterClrMapping/>
   </p:clrMapOvr>
-  <p:timing>
-    <p:tnLst>
-      <p:par>
-        <p:cTn id="1" dur="indefinite" restart="never" nodeType="tmRoot"/>
-      </p:par>
-    </p:tnLst>
-  </p:timing>
 </p:sld>
 </file>
 
@@ -4683,7 +4562,7 @@
           <a:lstStyle/>
           <a:p>
             <a:r>
-              <a:rPr lang="en-US" sz="4800" b="1" dirty="0" smtClean="0">
+              <a:rPr lang="en-US" sz="4800" b="1" dirty="0">
                 <a:solidFill>
                   <a:schemeClr val="bg2">
                     <a:lumMod val="50000"/>
@@ -4692,13 +4571,6 @@
               </a:rPr>
               <a:t>Experiments </a:t>
             </a:r>
-            <a:endParaRPr lang="en-US" sz="4800" b="1" dirty="0">
-              <a:solidFill>
-                <a:schemeClr val="bg2">
-                  <a:lumMod val="50000"/>
-                </a:schemeClr>
-              </a:solidFill>
-            </a:endParaRPr>
           </a:p>
         </p:txBody>
       </p:sp>
@@ -4724,7 +4596,7 @@
               <a:buChar char="Ø"/>
             </a:pPr>
             <a:r>
-              <a:rPr lang="en-US" sz="3600" dirty="0" smtClean="0"/>
+              <a:rPr lang="en-US" sz="3600" dirty="0"/>
               <a:t>Experiments on the different structure graphs</a:t>
             </a:r>
           </a:p>
@@ -4734,7 +4606,7 @@
               <a:buChar char="Ø"/>
             </a:pPr>
             <a:r>
-              <a:rPr lang="en-US" sz="3600" dirty="0" smtClean="0"/>
+              <a:rPr lang="en-US" sz="3600" dirty="0"/>
               <a:t>Genetic Algorithm</a:t>
             </a:r>
           </a:p>
@@ -4743,7 +4615,7 @@
               <a:buNone/>
             </a:pPr>
             <a:r>
-              <a:rPr lang="en-US" sz="3200" dirty="0" smtClean="0"/>
+              <a:rPr lang="en-US" sz="3200" dirty="0"/>
               <a:t>	-Genetic VS Greedy</a:t>
             </a:r>
           </a:p>
@@ -4752,10 +4624,9 @@
               <a:buNone/>
             </a:pPr>
             <a:r>
-              <a:rPr lang="en-US" sz="3200" dirty="0" smtClean="0"/>
+              <a:rPr lang="en-US" sz="3200" dirty="0"/>
               <a:t>	-Altering population/rates</a:t>
             </a:r>
-            <a:endParaRPr lang="en-US" sz="3200" dirty="0"/>
           </a:p>
         </p:txBody>
       </p:sp>
@@ -4764,13 +4635,6 @@
   <p:clrMapOvr>
     <a:masterClrMapping/>
   </p:clrMapOvr>
-  <p:timing>
-    <p:tnLst>
-      <p:par>
-        <p:cTn id="1" dur="indefinite" restart="never" nodeType="tmRoot"/>
-      </p:par>
-    </p:tnLst>
-  </p:timing>
 </p:sld>
 </file>
 
@@ -4807,7 +4671,7 @@
           <a:lstStyle/>
           <a:p>
             <a:r>
-              <a:rPr lang="en-US" b="1" dirty="0" smtClean="0">
+              <a:rPr lang="en-US" b="1" dirty="0">
                 <a:solidFill>
                   <a:schemeClr val="bg2">
                     <a:lumMod val="50000"/>
@@ -4816,13 +4680,6 @@
               </a:rPr>
               <a:t>Results-Part1</a:t>
             </a:r>
-            <a:endParaRPr lang="en-US" b="1" dirty="0">
-              <a:solidFill>
-                <a:schemeClr val="bg2">
-                  <a:lumMod val="50000"/>
-                </a:schemeClr>
-              </a:solidFill>
-            </a:endParaRPr>
           </a:p>
         </p:txBody>
       </p:sp>
@@ -4834,6 +4691,11 @@
           </p:cNvGraphicFramePr>
           <p:nvPr>
             <p:ph idx="1"/>
+            <p:extLst>
+              <p:ext uri="{D42A27DB-BD31-4B8C-83A1-F6EECF244321}">
+                <p14:modId xmlns:p14="http://schemas.microsoft.com/office/powerpoint/2010/main" val="3345910028"/>
+              </p:ext>
+            </p:extLst>
           </p:nvPr>
         </p:nvGraphicFramePr>
         <p:xfrm>
@@ -4847,10 +4709,34 @@
                 <a:tableStyleId>{073A0DAA-6AF3-43AB-8588-CEC1D06C72B9}</a:tableStyleId>
               </a:tblPr>
               <a:tblGrid>
-                <a:gridCol w="1809750"/>
-                <a:gridCol w="1809750"/>
-                <a:gridCol w="1608667"/>
-                <a:gridCol w="2010833"/>
+                <a:gridCol w="1809750">
+                  <a:extLst>
+                    <a:ext uri="{9D8B030D-6E8A-4147-A177-3AD203B41FA5}">
+                      <a16:colId xmlns:a16="http://schemas.microsoft.com/office/drawing/2014/main" val="20000"/>
+                    </a:ext>
+                  </a:extLst>
+                </a:gridCol>
+                <a:gridCol w="1809750">
+                  <a:extLst>
+                    <a:ext uri="{9D8B030D-6E8A-4147-A177-3AD203B41FA5}">
+                      <a16:colId xmlns:a16="http://schemas.microsoft.com/office/drawing/2014/main" val="20001"/>
+                    </a:ext>
+                  </a:extLst>
+                </a:gridCol>
+                <a:gridCol w="1608667">
+                  <a:extLst>
+                    <a:ext uri="{9D8B030D-6E8A-4147-A177-3AD203B41FA5}">
+                      <a16:colId xmlns:a16="http://schemas.microsoft.com/office/drawing/2014/main" val="20002"/>
+                    </a:ext>
+                  </a:extLst>
+                </a:gridCol>
+                <a:gridCol w="2010833">
+                  <a:extLst>
+                    <a:ext uri="{9D8B030D-6E8A-4147-A177-3AD203B41FA5}">
+                      <a16:colId xmlns:a16="http://schemas.microsoft.com/office/drawing/2014/main" val="20003"/>
+                    </a:ext>
+                  </a:extLst>
+                </a:gridCol>
               </a:tblGrid>
               <a:tr h="370840">
                 <a:tc>
@@ -4859,10 +4745,9 @@
                     <a:lstStyle/>
                     <a:p>
                       <a:r>
-                        <a:rPr lang="en-US" dirty="0" smtClean="0"/>
+                        <a:rPr lang="en-US" dirty="0"/>
                         <a:t>Graphs</a:t>
                       </a:r>
-                      <a:endParaRPr lang="en-US" dirty="0"/>
                     </a:p>
                   </a:txBody>
                   <a:tcPr marL="80433" marR="80433"/>
@@ -4873,10 +4758,9 @@
                     <a:lstStyle/>
                     <a:p>
                       <a:r>
-                        <a:rPr lang="en-US" dirty="0" smtClean="0"/>
+                        <a:rPr lang="en-US" dirty="0"/>
                         <a:t>Upper Bound</a:t>
                       </a:r>
-                      <a:endParaRPr lang="en-US" dirty="0"/>
                     </a:p>
                   </a:txBody>
                   <a:tcPr marL="80433" marR="80433"/>
@@ -4887,10 +4771,9 @@
                     <a:lstStyle/>
                     <a:p>
                       <a:r>
-                        <a:rPr lang="en-US" dirty="0" smtClean="0"/>
+                        <a:rPr lang="en-US" dirty="0"/>
                         <a:t>Lower Bound</a:t>
                       </a:r>
-                      <a:endParaRPr lang="en-US" dirty="0"/>
                     </a:p>
                   </a:txBody>
                   <a:tcPr marL="80433" marR="80433"/>
@@ -4901,14 +4784,18 @@
                     <a:lstStyle/>
                     <a:p>
                       <a:r>
-                        <a:rPr lang="en-US" dirty="0" smtClean="0"/>
+                        <a:rPr lang="en-US" dirty="0"/>
                         <a:t>Chromatic Number</a:t>
                       </a:r>
-                      <a:endParaRPr lang="en-US" dirty="0"/>
-                    </a:p>
-                  </a:txBody>
-                  <a:tcPr marL="80433" marR="80433"/>
-                </a:tc>
+                    </a:p>
+                  </a:txBody>
+                  <a:tcPr marL="80433" marR="80433"/>
+                </a:tc>
+                <a:extLst>
+                  <a:ext uri="{0D108BD9-81ED-4DB2-BD59-A6C34878D82A}">
+                    <a16:rowId xmlns:a16="http://schemas.microsoft.com/office/drawing/2014/main" val="10000"/>
+                  </a:ext>
+                </a:extLst>
               </a:tr>
               <a:tr h="370840">
                 <a:tc>
@@ -4917,10 +4804,9 @@
                     <a:lstStyle/>
                     <a:p>
                       <a:r>
-                        <a:rPr lang="en-US" dirty="0" smtClean="0"/>
+                        <a:rPr lang="en-US" dirty="0"/>
                         <a:t>Graph 1</a:t>
                       </a:r>
-                      <a:endParaRPr lang="en-US" dirty="0"/>
                     </a:p>
                   </a:txBody>
                   <a:tcPr marL="80433" marR="80433"/>
@@ -4931,9 +4817,18 @@
                     <a:lstStyle/>
                     <a:p>
                       <a:r>
-                        <a:rPr lang="en-US" dirty="0" smtClean="0"/>
+                        <a:rPr lang="en-US" dirty="0"/>
                         <a:t>3</a:t>
                       </a:r>
+                    </a:p>
+                  </a:txBody>
+                  <a:tcPr marL="80433" marR="80433"/>
+                </a:tc>
+                <a:tc>
+                  <a:txBody>
+                    <a:bodyPr/>
+                    <a:lstStyle/>
+                    <a:p>
                       <a:endParaRPr lang="en-US" dirty="0"/>
                     </a:p>
                   </a:txBody>
@@ -4944,25 +4839,19 @@
                     <a:bodyPr/>
                     <a:lstStyle/>
                     <a:p>
-                      <a:endParaRPr lang="en-US" dirty="0"/>
-                    </a:p>
-                  </a:txBody>
-                  <a:tcPr marL="80433" marR="80433"/>
-                </a:tc>
-                <a:tc>
-                  <a:txBody>
-                    <a:bodyPr/>
-                    <a:lstStyle/>
-                    <a:p>
                       <a:r>
-                        <a:rPr lang="en-US" dirty="0" smtClean="0"/>
+                        <a:rPr lang="en-US" dirty="0"/>
                         <a:t>3</a:t>
                       </a:r>
-                      <a:endParaRPr lang="en-US" dirty="0"/>
-                    </a:p>
-                  </a:txBody>
-                  <a:tcPr marL="80433" marR="80433"/>
-                </a:tc>
+                    </a:p>
+                  </a:txBody>
+                  <a:tcPr marL="80433" marR="80433"/>
+                </a:tc>
+                <a:extLst>
+                  <a:ext uri="{0D108BD9-81ED-4DB2-BD59-A6C34878D82A}">
+                    <a16:rowId xmlns:a16="http://schemas.microsoft.com/office/drawing/2014/main" val="10001"/>
+                  </a:ext>
+                </a:extLst>
               </a:tr>
               <a:tr h="370840">
                 <a:tc>
@@ -4971,10 +4860,9 @@
                     <a:lstStyle/>
                     <a:p>
                       <a:r>
-                        <a:rPr lang="en-US" dirty="0" smtClean="0"/>
+                        <a:rPr lang="en-US" dirty="0"/>
                         <a:t>Graph 2</a:t>
                       </a:r>
-                      <a:endParaRPr lang="en-US" dirty="0"/>
                     </a:p>
                   </a:txBody>
                   <a:tcPr marL="80433" marR="80433"/>
@@ -4985,10 +4873,9 @@
                     <a:lstStyle/>
                     <a:p>
                       <a:r>
-                        <a:rPr lang="en-US" dirty="0" smtClean="0"/>
+                        <a:rPr lang="en-US" dirty="0"/>
                         <a:t>5</a:t>
                       </a:r>
-                      <a:endParaRPr lang="en-US" dirty="0"/>
                     </a:p>
                   </a:txBody>
                   <a:tcPr marL="80433" marR="80433"/>
@@ -4999,24 +4886,28 @@
                     <a:lstStyle/>
                     <a:p>
                       <a:r>
-                        <a:rPr lang="en-US" dirty="0" smtClean="0"/>
+                        <a:rPr lang="en-US" dirty="0"/>
                         <a:t>3</a:t>
                       </a:r>
+                    </a:p>
+                  </a:txBody>
+                  <a:tcPr marL="80433" marR="80433"/>
+                </a:tc>
+                <a:tc>
+                  <a:txBody>
+                    <a:bodyPr/>
+                    <a:lstStyle/>
+                    <a:p>
                       <a:endParaRPr lang="en-US" dirty="0"/>
                     </a:p>
                   </a:txBody>
                   <a:tcPr marL="80433" marR="80433"/>
                 </a:tc>
-                <a:tc>
-                  <a:txBody>
-                    <a:bodyPr/>
-                    <a:lstStyle/>
-                    <a:p>
-                      <a:endParaRPr lang="en-US" dirty="0"/>
-                    </a:p>
-                  </a:txBody>
-                  <a:tcPr marL="80433" marR="80433"/>
-                </a:tc>
+                <a:extLst>
+                  <a:ext uri="{0D108BD9-81ED-4DB2-BD59-A6C34878D82A}">
+                    <a16:rowId xmlns:a16="http://schemas.microsoft.com/office/drawing/2014/main" val="10002"/>
+                  </a:ext>
+                </a:extLst>
               </a:tr>
               <a:tr h="370840">
                 <a:tc>
@@ -5025,56 +4916,396 @@
                     <a:lstStyle/>
                     <a:p>
                       <a:r>
-                        <a:rPr lang="en-US" dirty="0" smtClean="0"/>
+                        <a:rPr lang="en-US" dirty="0"/>
                         <a:t>Graph 3</a:t>
                       </a:r>
+                    </a:p>
+                  </a:txBody>
+                  <a:tcPr marL="80433" marR="80433"/>
+                </a:tc>
+                <a:tc>
+                  <a:txBody>
+                    <a:bodyPr/>
+                    <a:lstStyle/>
+                    <a:p>
+                      <a:r>
+                        <a:rPr lang="en-US" u="none" dirty="0"/>
+                        <a:t>6</a:t>
+                      </a:r>
+                    </a:p>
+                  </a:txBody>
+                  <a:tcPr marL="80433" marR="80433"/>
+                </a:tc>
+                <a:tc>
+                  <a:txBody>
+                    <a:bodyPr/>
+                    <a:lstStyle/>
+                    <a:p>
+                      <a:r>
+                        <a:rPr lang="en-US" dirty="0"/>
+                        <a:t>6</a:t>
+                      </a:r>
+                    </a:p>
+                  </a:txBody>
+                  <a:tcPr marL="80433" marR="80433"/>
+                </a:tc>
+                <a:tc>
+                  <a:txBody>
+                    <a:bodyPr/>
+                    <a:lstStyle/>
+                    <a:p>
+                      <a:r>
+                        <a:rPr lang="en-US" dirty="0"/>
+                        <a:t>6</a:t>
+                      </a:r>
+                    </a:p>
+                  </a:txBody>
+                  <a:tcPr marL="80433" marR="80433"/>
+                </a:tc>
+                <a:extLst>
+                  <a:ext uri="{0D108BD9-81ED-4DB2-BD59-A6C34878D82A}">
+                    <a16:rowId xmlns:a16="http://schemas.microsoft.com/office/drawing/2014/main" val="10003"/>
+                  </a:ext>
+                </a:extLst>
+              </a:tr>
+              <a:tr h="370840">
+                <a:tc>
+                  <a:txBody>
+                    <a:bodyPr/>
+                    <a:lstStyle/>
+                    <a:p>
+                      <a:r>
+                        <a:rPr lang="en-US" dirty="0"/>
+                        <a:t>Graph 4</a:t>
+                      </a:r>
+                    </a:p>
+                  </a:txBody>
+                  <a:tcPr marL="80433" marR="80433"/>
+                </a:tc>
+                <a:tc>
+                  <a:txBody>
+                    <a:bodyPr/>
+                    <a:lstStyle/>
+                    <a:p>
+                      <a:r>
+                        <a:rPr lang="en-US" dirty="0"/>
+                        <a:t>5</a:t>
+                      </a:r>
+                    </a:p>
+                  </a:txBody>
+                  <a:tcPr marL="80433" marR="80433"/>
+                </a:tc>
+                <a:tc>
+                  <a:txBody>
+                    <a:bodyPr/>
+                    <a:lstStyle/>
+                    <a:p>
+                      <a:r>
+                        <a:rPr lang="en-US" dirty="0"/>
+                        <a:t>4</a:t>
+                      </a:r>
+                    </a:p>
+                  </a:txBody>
+                  <a:tcPr marL="80433" marR="80433"/>
+                </a:tc>
+                <a:tc>
+                  <a:txBody>
+                    <a:bodyPr/>
+                    <a:lstStyle/>
+                    <a:p>
                       <a:endParaRPr lang="en-US" dirty="0"/>
                     </a:p>
                   </a:txBody>
                   <a:tcPr marL="80433" marR="80433"/>
                 </a:tc>
+                <a:extLst>
+                  <a:ext uri="{0D108BD9-81ED-4DB2-BD59-A6C34878D82A}">
+                    <a16:rowId xmlns:a16="http://schemas.microsoft.com/office/drawing/2014/main" val="10004"/>
+                  </a:ext>
+                </a:extLst>
+              </a:tr>
+              <a:tr h="370840">
                 <a:tc>
                   <a:txBody>
                     <a:bodyPr/>
                     <a:lstStyle/>
                     <a:p>
                       <a:r>
-                        <a:rPr lang="en-US" u="none" dirty="0" smtClean="0"/>
+                        <a:rPr lang="en-US" dirty="0"/>
+                        <a:t>Graph 5</a:t>
+                      </a:r>
+                    </a:p>
+                  </a:txBody>
+                  <a:tcPr marL="80433" marR="80433"/>
+                </a:tc>
+                <a:tc>
+                  <a:txBody>
+                    <a:bodyPr/>
+                    <a:lstStyle/>
+                    <a:p>
+                      <a:r>
+                        <a:rPr lang="en-US" dirty="0"/>
+                        <a:t>2</a:t>
+                      </a:r>
+                    </a:p>
+                  </a:txBody>
+                  <a:tcPr marL="80433" marR="80433"/>
+                </a:tc>
+                <a:tc>
+                  <a:txBody>
+                    <a:bodyPr/>
+                    <a:lstStyle/>
+                    <a:p>
+                      <a:endParaRPr lang="en-US" dirty="0"/>
+                    </a:p>
+                  </a:txBody>
+                  <a:tcPr marL="80433" marR="80433"/>
+                </a:tc>
+                <a:tc>
+                  <a:txBody>
+                    <a:bodyPr/>
+                    <a:lstStyle/>
+                    <a:p>
+                      <a:r>
+                        <a:rPr lang="en-US" dirty="0"/>
+                        <a:t>2</a:t>
+                      </a:r>
+                    </a:p>
+                  </a:txBody>
+                  <a:tcPr marL="80433" marR="80433"/>
+                </a:tc>
+                <a:extLst>
+                  <a:ext uri="{0D108BD9-81ED-4DB2-BD59-A6C34878D82A}">
+                    <a16:rowId xmlns:a16="http://schemas.microsoft.com/office/drawing/2014/main" val="10005"/>
+                  </a:ext>
+                </a:extLst>
+              </a:tr>
+              <a:tr h="370840">
+                <a:tc>
+                  <a:txBody>
+                    <a:bodyPr/>
+                    <a:lstStyle/>
+                    <a:p>
+                      <a:r>
+                        <a:rPr lang="en-US" dirty="0"/>
+                        <a:t>Graph 6</a:t>
+                      </a:r>
+                    </a:p>
+                  </a:txBody>
+                  <a:tcPr marL="80433" marR="80433"/>
+                </a:tc>
+                <a:tc>
+                  <a:txBody>
+                    <a:bodyPr/>
+                    <a:lstStyle/>
+                    <a:p>
+                      <a:r>
+                        <a:rPr lang="en-US" dirty="0"/>
+                        <a:t>3</a:t>
+                      </a:r>
+                    </a:p>
+                  </a:txBody>
+                  <a:tcPr marL="80433" marR="80433"/>
+                </a:tc>
+                <a:tc>
+                  <a:txBody>
+                    <a:bodyPr/>
+                    <a:lstStyle/>
+                    <a:p>
+                      <a:endParaRPr lang="en-US" dirty="0"/>
+                    </a:p>
+                  </a:txBody>
+                  <a:tcPr marL="80433" marR="80433"/>
+                </a:tc>
+                <a:tc>
+                  <a:txBody>
+                    <a:bodyPr/>
+                    <a:lstStyle/>
+                    <a:p>
+                      <a:r>
+                        <a:rPr lang="en-US" dirty="0"/>
+                        <a:t>3</a:t>
+                      </a:r>
+                    </a:p>
+                  </a:txBody>
+                  <a:tcPr marL="80433" marR="80433"/>
+                </a:tc>
+                <a:extLst>
+                  <a:ext uri="{0D108BD9-81ED-4DB2-BD59-A6C34878D82A}">
+                    <a16:rowId xmlns:a16="http://schemas.microsoft.com/office/drawing/2014/main" val="10006"/>
+                  </a:ext>
+                </a:extLst>
+              </a:tr>
+              <a:tr h="370840">
+                <a:tc>
+                  <a:txBody>
+                    <a:bodyPr/>
+                    <a:lstStyle/>
+                    <a:p>
+                      <a:r>
+                        <a:rPr lang="en-US" dirty="0"/>
+                        <a:t>Graph 7</a:t>
+                      </a:r>
+                    </a:p>
+                  </a:txBody>
+                  <a:tcPr marL="80433" marR="80433"/>
+                </a:tc>
+                <a:tc>
+                  <a:txBody>
+                    <a:bodyPr/>
+                    <a:lstStyle/>
+                    <a:p>
+                      <a:r>
+                        <a:rPr lang="en-US" dirty="0"/>
+                        <a:t>12</a:t>
+                      </a:r>
+                    </a:p>
+                  </a:txBody>
+                  <a:tcPr marL="80433" marR="80433"/>
+                </a:tc>
+                <a:tc>
+                  <a:txBody>
+                    <a:bodyPr/>
+                    <a:lstStyle/>
+                    <a:p>
+                      <a:r>
+                        <a:rPr lang="en-US" dirty="0"/>
                         <a:t>8</a:t>
                       </a:r>
-                      <a:endParaRPr lang="en-US" u="none" dirty="0"/>
-                    </a:p>
-                  </a:txBody>
-                  <a:tcPr marL="80433" marR="80433"/>
-                </a:tc>
+                    </a:p>
+                  </a:txBody>
+                  <a:tcPr marL="80433" marR="80433"/>
+                </a:tc>
+                <a:tc>
+                  <a:txBody>
+                    <a:bodyPr/>
+                    <a:lstStyle/>
+                    <a:p>
+                      <a:endParaRPr lang="en-US" dirty="0"/>
+                    </a:p>
+                  </a:txBody>
+                  <a:tcPr marL="80433" marR="80433"/>
+                </a:tc>
+                <a:extLst>
+                  <a:ext uri="{0D108BD9-81ED-4DB2-BD59-A6C34878D82A}">
+                    <a16:rowId xmlns:a16="http://schemas.microsoft.com/office/drawing/2014/main" val="10007"/>
+                  </a:ext>
+                </a:extLst>
+              </a:tr>
+              <a:tr h="370840">
                 <a:tc>
                   <a:txBody>
                     <a:bodyPr/>
                     <a:lstStyle/>
                     <a:p>
                       <a:r>
-                        <a:rPr lang="en-US" dirty="0" smtClean="0"/>
+                        <a:rPr lang="en-US" dirty="0"/>
+                        <a:t>Graph 8</a:t>
+                      </a:r>
+                    </a:p>
+                  </a:txBody>
+                  <a:tcPr marL="80433" marR="80433"/>
+                </a:tc>
+                <a:tc>
+                  <a:txBody>
+                    <a:bodyPr/>
+                    <a:lstStyle/>
+                    <a:p>
+                      <a:r>
+                        <a:rPr lang="en-US" dirty="0"/>
+                        <a:t>98</a:t>
+                      </a:r>
+                    </a:p>
+                  </a:txBody>
+                  <a:tcPr marL="80433" marR="80433"/>
+                </a:tc>
+                <a:tc>
+                  <a:txBody>
+                    <a:bodyPr/>
+                    <a:lstStyle/>
+                    <a:p>
+                      <a:r>
+                        <a:rPr lang="en-US" dirty="0"/>
+                        <a:t>98</a:t>
+                      </a:r>
+                    </a:p>
+                  </a:txBody>
+                  <a:tcPr marL="80433" marR="80433"/>
+                </a:tc>
+                <a:tc>
+                  <a:txBody>
+                    <a:bodyPr/>
+                    <a:lstStyle/>
+                    <a:p>
+                      <a:r>
+                        <a:rPr lang="en-US" dirty="0"/>
+                        <a:t>98</a:t>
+                      </a:r>
+                    </a:p>
+                  </a:txBody>
+                  <a:tcPr marL="80433" marR="80433"/>
+                </a:tc>
+                <a:extLst>
+                  <a:ext uri="{0D108BD9-81ED-4DB2-BD59-A6C34878D82A}">
+                    <a16:rowId xmlns:a16="http://schemas.microsoft.com/office/drawing/2014/main" val="10008"/>
+                  </a:ext>
+                </a:extLst>
+              </a:tr>
+              <a:tr h="370840">
+                <a:tc>
+                  <a:txBody>
+                    <a:bodyPr/>
+                    <a:lstStyle/>
+                    <a:p>
+                      <a:r>
+                        <a:rPr lang="en-US" dirty="0"/>
+                        <a:t>Graph 9</a:t>
+                      </a:r>
+                    </a:p>
+                  </a:txBody>
+                  <a:tcPr marL="80433" marR="80433"/>
+                </a:tc>
+                <a:tc>
+                  <a:txBody>
+                    <a:bodyPr/>
+                    <a:lstStyle/>
+                    <a:p>
+                      <a:r>
+                        <a:rPr lang="en-US" dirty="0"/>
                         <a:t>6</a:t>
                       </a:r>
+                    </a:p>
+                  </a:txBody>
+                  <a:tcPr marL="80433" marR="80433"/>
+                </a:tc>
+                <a:tc>
+                  <a:txBody>
+                    <a:bodyPr/>
+                    <a:lstStyle/>
+                    <a:p>
+                      <a:r>
+                        <a:rPr lang="en-US" dirty="0"/>
+                        <a:t>3</a:t>
+                      </a:r>
+                    </a:p>
+                  </a:txBody>
+                  <a:tcPr marL="80433" marR="80433"/>
+                </a:tc>
+                <a:tc>
+                  <a:txBody>
+                    <a:bodyPr/>
+                    <a:lstStyle/>
+                    <a:p>
                       <a:endParaRPr lang="en-US" dirty="0"/>
                     </a:p>
                   </a:txBody>
                   <a:tcPr marL="80433" marR="80433"/>
                 </a:tc>
-                <a:tc>
-                  <a:txBody>
-                    <a:bodyPr/>
-                    <a:lstStyle/>
-                    <a:p>
-                      <a:r>
-                        <a:rPr lang="en-US" dirty="0" smtClean="0"/>
-                        <a:t>6</a:t>
-                      </a:r>
-                      <a:endParaRPr lang="en-US" dirty="0"/>
-                    </a:p>
-                  </a:txBody>
-                  <a:tcPr marL="80433" marR="80433"/>
-                </a:tc>
+                <a:extLst>
+                  <a:ext uri="{0D108BD9-81ED-4DB2-BD59-A6C34878D82A}">
+                    <a16:rowId xmlns:a16="http://schemas.microsoft.com/office/drawing/2014/main" val="10009"/>
+                  </a:ext>
+                </a:extLst>
               </a:tr>
               <a:tr h="370840">
                 <a:tc>
@@ -5083,10 +5314,9 @@
                     <a:lstStyle/>
                     <a:p>
                       <a:r>
-                        <a:rPr lang="en-US" dirty="0" smtClean="0"/>
-                        <a:t>Graph 4</a:t>
+                        <a:rPr lang="en-US" dirty="0"/>
+                        <a:t>Graph 10</a:t>
                       </a:r>
-                      <a:endParaRPr lang="en-US" dirty="0"/>
                     </a:p>
                   </a:txBody>
                   <a:tcPr marL="80433" marR="80433"/>
@@ -5097,117 +5327,18 @@
                     <a:lstStyle/>
                     <a:p>
                       <a:r>
-                        <a:rPr lang="en-US" dirty="0" smtClean="0"/>
-                        <a:t>5</a:t>
-                      </a:r>
-                      <a:endParaRPr lang="en-US" dirty="0"/>
-                    </a:p>
-                  </a:txBody>
-                  <a:tcPr marL="80433" marR="80433"/>
-                </a:tc>
-                <a:tc>
-                  <a:txBody>
-                    <a:bodyPr/>
-                    <a:lstStyle/>
-                    <a:p>
-                      <a:r>
-                        <a:rPr lang="en-US" dirty="0" smtClean="0"/>
-                        <a:t>4</a:t>
-                      </a:r>
-                      <a:endParaRPr lang="en-US" dirty="0"/>
-                    </a:p>
-                  </a:txBody>
-                  <a:tcPr marL="80433" marR="80433"/>
-                </a:tc>
-                <a:tc>
-                  <a:txBody>
-                    <a:bodyPr/>
-                    <a:lstStyle/>
-                    <a:p>
-                      <a:endParaRPr lang="en-US" dirty="0"/>
-                    </a:p>
-                  </a:txBody>
-                  <a:tcPr marL="80433" marR="80433"/>
-                </a:tc>
-              </a:tr>
-              <a:tr h="370840">
-                <a:tc>
-                  <a:txBody>
-                    <a:bodyPr/>
-                    <a:lstStyle/>
-                    <a:p>
-                      <a:r>
-                        <a:rPr lang="en-US" dirty="0" smtClean="0"/>
-                        <a:t>Graph 5</a:t>
-                      </a:r>
-                      <a:endParaRPr lang="en-US" dirty="0"/>
-                    </a:p>
-                  </a:txBody>
-                  <a:tcPr marL="80433" marR="80433"/>
-                </a:tc>
-                <a:tc>
-                  <a:txBody>
-                    <a:bodyPr/>
-                    <a:lstStyle/>
-                    <a:p>
-                      <a:r>
-                        <a:rPr lang="en-US" dirty="0" smtClean="0"/>
-                        <a:t>2</a:t>
-                      </a:r>
-                      <a:endParaRPr lang="en-US" dirty="0"/>
-                    </a:p>
-                  </a:txBody>
-                  <a:tcPr marL="80433" marR="80433"/>
-                </a:tc>
-                <a:tc>
-                  <a:txBody>
-                    <a:bodyPr/>
-                    <a:lstStyle/>
-                    <a:p>
-                      <a:endParaRPr lang="en-US" dirty="0"/>
-                    </a:p>
-                  </a:txBody>
-                  <a:tcPr marL="80433" marR="80433"/>
-                </a:tc>
-                <a:tc>
-                  <a:txBody>
-                    <a:bodyPr/>
-                    <a:lstStyle/>
-                    <a:p>
-                      <a:r>
-                        <a:rPr lang="en-US" dirty="0" smtClean="0"/>
-                        <a:t>2</a:t>
-                      </a:r>
-                      <a:endParaRPr lang="en-US" dirty="0"/>
-                    </a:p>
-                  </a:txBody>
-                  <a:tcPr marL="80433" marR="80433"/>
-                </a:tc>
-              </a:tr>
-              <a:tr h="370840">
-                <a:tc>
-                  <a:txBody>
-                    <a:bodyPr/>
-                    <a:lstStyle/>
-                    <a:p>
-                      <a:r>
-                        <a:rPr lang="en-US" dirty="0" smtClean="0"/>
-                        <a:t>Graph 6</a:t>
-                      </a:r>
-                      <a:endParaRPr lang="en-US" dirty="0"/>
-                    </a:p>
-                  </a:txBody>
-                  <a:tcPr marL="80433" marR="80433"/>
-                </a:tc>
-                <a:tc>
-                  <a:txBody>
-                    <a:bodyPr/>
-                    <a:lstStyle/>
-                    <a:p>
-                      <a:r>
-                        <a:rPr lang="en-US" dirty="0" smtClean="0"/>
+                        <a:rPr lang="en-US" dirty="0"/>
                         <a:t>3</a:t>
                       </a:r>
+                    </a:p>
+                  </a:txBody>
+                  <a:tcPr marL="80433" marR="80433"/>
+                </a:tc>
+                <a:tc>
+                  <a:txBody>
+                    <a:bodyPr/>
+                    <a:lstStyle/>
+                    <a:p>
                       <a:endParaRPr lang="en-US" dirty="0"/>
                     </a:p>
                   </a:txBody>
@@ -5218,245 +5349,19 @@
                     <a:bodyPr/>
                     <a:lstStyle/>
                     <a:p>
-                      <a:endParaRPr lang="en-US" dirty="0"/>
-                    </a:p>
-                  </a:txBody>
-                  <a:tcPr marL="80433" marR="80433"/>
-                </a:tc>
-                <a:tc>
-                  <a:txBody>
-                    <a:bodyPr/>
-                    <a:lstStyle/>
-                    <a:p>
                       <a:r>
-                        <a:rPr lang="en-US" dirty="0" smtClean="0"/>
+                        <a:rPr lang="en-US" dirty="0"/>
                         <a:t>3</a:t>
                       </a:r>
-                      <a:endParaRPr lang="en-US" dirty="0"/>
-                    </a:p>
-                  </a:txBody>
-                  <a:tcPr marL="80433" marR="80433"/>
-                </a:tc>
-              </a:tr>
-              <a:tr h="370840">
-                <a:tc>
-                  <a:txBody>
-                    <a:bodyPr/>
-                    <a:lstStyle/>
-                    <a:p>
-                      <a:r>
-                        <a:rPr lang="en-US" dirty="0" smtClean="0"/>
-                        <a:t>Graph 7</a:t>
-                      </a:r>
-                      <a:endParaRPr lang="en-US" dirty="0"/>
-                    </a:p>
-                  </a:txBody>
-                  <a:tcPr marL="80433" marR="80433"/>
-                </a:tc>
-                <a:tc>
-                  <a:txBody>
-                    <a:bodyPr/>
-                    <a:lstStyle/>
-                    <a:p>
-                      <a:r>
-                        <a:rPr lang="en-US" dirty="0" smtClean="0"/>
-                        <a:t>12</a:t>
-                      </a:r>
-                      <a:endParaRPr lang="en-US" dirty="0"/>
-                    </a:p>
-                  </a:txBody>
-                  <a:tcPr marL="80433" marR="80433"/>
-                </a:tc>
-                <a:tc>
-                  <a:txBody>
-                    <a:bodyPr/>
-                    <a:lstStyle/>
-                    <a:p>
-                      <a:r>
-                        <a:rPr lang="en-US" dirty="0" smtClean="0"/>
-                        <a:t>8</a:t>
-                      </a:r>
-                      <a:endParaRPr lang="en-US" dirty="0"/>
-                    </a:p>
-                  </a:txBody>
-                  <a:tcPr marL="80433" marR="80433"/>
-                </a:tc>
-                <a:tc>
-                  <a:txBody>
-                    <a:bodyPr/>
-                    <a:lstStyle/>
-                    <a:p>
-                      <a:endParaRPr lang="en-US" dirty="0"/>
-                    </a:p>
-                  </a:txBody>
-                  <a:tcPr marL="80433" marR="80433"/>
-                </a:tc>
-              </a:tr>
-              <a:tr h="370840">
-                <a:tc>
-                  <a:txBody>
-                    <a:bodyPr/>
-                    <a:lstStyle/>
-                    <a:p>
-                      <a:r>
-                        <a:rPr lang="en-US" dirty="0" smtClean="0"/>
-                        <a:t>Graph 8</a:t>
-                      </a:r>
-                      <a:endParaRPr lang="en-US" dirty="0"/>
-                    </a:p>
-                  </a:txBody>
-                  <a:tcPr marL="80433" marR="80433"/>
-                </a:tc>
-                <a:tc>
-                  <a:txBody>
-                    <a:bodyPr/>
-                    <a:lstStyle/>
-                    <a:p>
-                      <a:r>
-                        <a:rPr lang="en-US" dirty="0" smtClean="0"/>
-                        <a:t>98</a:t>
-                      </a:r>
-                      <a:endParaRPr lang="en-US" dirty="0"/>
-                    </a:p>
-                  </a:txBody>
-                  <a:tcPr marL="80433" marR="80433"/>
-                </a:tc>
-                <a:tc>
-                  <a:txBody>
-                    <a:bodyPr/>
-                    <a:lstStyle/>
-                    <a:p>
-                      <a:r>
-                        <a:rPr lang="en-US" dirty="0" smtClean="0"/>
-                        <a:t>98</a:t>
-                      </a:r>
-                      <a:endParaRPr lang="en-US" dirty="0"/>
-                    </a:p>
-                  </a:txBody>
-                  <a:tcPr marL="80433" marR="80433"/>
-                </a:tc>
-                <a:tc>
-                  <a:txBody>
-                    <a:bodyPr/>
-                    <a:lstStyle/>
-                    <a:p>
-                      <a:r>
-                        <a:rPr lang="en-US" dirty="0" smtClean="0"/>
-                        <a:t>98</a:t>
-                      </a:r>
-                      <a:endParaRPr lang="en-US" dirty="0"/>
-                    </a:p>
-                  </a:txBody>
-                  <a:tcPr marL="80433" marR="80433"/>
-                </a:tc>
-              </a:tr>
-              <a:tr h="370840">
-                <a:tc>
-                  <a:txBody>
-                    <a:bodyPr/>
-                    <a:lstStyle/>
-                    <a:p>
-                      <a:r>
-                        <a:rPr lang="en-US" dirty="0" smtClean="0"/>
-                        <a:t>Graph 9</a:t>
-                      </a:r>
-                      <a:endParaRPr lang="en-US" dirty="0"/>
-                    </a:p>
-                  </a:txBody>
-                  <a:tcPr marL="80433" marR="80433"/>
-                </a:tc>
-                <a:tc>
-                  <a:txBody>
-                    <a:bodyPr/>
-                    <a:lstStyle/>
-                    <a:p>
-                      <a:r>
-                        <a:rPr lang="en-US" dirty="0" smtClean="0"/>
-                        <a:t>6</a:t>
-                      </a:r>
-                      <a:endParaRPr lang="en-US" dirty="0"/>
-                    </a:p>
-                  </a:txBody>
-                  <a:tcPr marL="80433" marR="80433"/>
-                </a:tc>
-                <a:tc>
-                  <a:txBody>
-                    <a:bodyPr/>
-                    <a:lstStyle/>
-                    <a:p>
-                      <a:r>
-                        <a:rPr lang="en-US" dirty="0" smtClean="0"/>
-                        <a:t>3</a:t>
-                      </a:r>
-                      <a:endParaRPr lang="en-US" dirty="0"/>
-                    </a:p>
-                  </a:txBody>
-                  <a:tcPr marL="80433" marR="80433"/>
-                </a:tc>
-                <a:tc>
-                  <a:txBody>
-                    <a:bodyPr/>
-                    <a:lstStyle/>
-                    <a:p>
-                      <a:endParaRPr lang="en-US" dirty="0"/>
-                    </a:p>
-                  </a:txBody>
-                  <a:tcPr marL="80433" marR="80433"/>
-                </a:tc>
-              </a:tr>
-              <a:tr h="370840">
-                <a:tc>
-                  <a:txBody>
-                    <a:bodyPr/>
-                    <a:lstStyle/>
-                    <a:p>
-                      <a:r>
-                        <a:rPr lang="en-US" dirty="0" smtClean="0"/>
-                        <a:t>Graph 10</a:t>
-                      </a:r>
-                      <a:endParaRPr lang="en-US" dirty="0"/>
-                    </a:p>
-                  </a:txBody>
-                  <a:tcPr marL="80433" marR="80433"/>
-                </a:tc>
-                <a:tc>
-                  <a:txBody>
-                    <a:bodyPr/>
-                    <a:lstStyle/>
-                    <a:p>
-                      <a:r>
-                        <a:rPr lang="en-US" dirty="0" smtClean="0"/>
-                        <a:t>3</a:t>
-                      </a:r>
-                      <a:endParaRPr lang="en-US" dirty="0"/>
-                    </a:p>
-                  </a:txBody>
-                  <a:tcPr marL="80433" marR="80433"/>
-                </a:tc>
-                <a:tc>
-                  <a:txBody>
-                    <a:bodyPr/>
-                    <a:lstStyle/>
-                    <a:p>
-                      <a:endParaRPr lang="en-US" dirty="0"/>
-                    </a:p>
-                  </a:txBody>
-                  <a:tcPr marL="80433" marR="80433"/>
-                </a:tc>
-                <a:tc>
-                  <a:txBody>
-                    <a:bodyPr/>
-                    <a:lstStyle/>
-                    <a:p>
-                      <a:r>
-                        <a:rPr lang="en-US" dirty="0" smtClean="0"/>
-                        <a:t>3</a:t>
-                      </a:r>
-                      <a:endParaRPr lang="en-US" dirty="0"/>
-                    </a:p>
-                  </a:txBody>
-                  <a:tcPr marL="80433" marR="80433"/>
-                </a:tc>
+                    </a:p>
+                  </a:txBody>
+                  <a:tcPr marL="80433" marR="80433"/>
+                </a:tc>
+                <a:extLst>
+                  <a:ext uri="{0D108BD9-81ED-4DB2-BD59-A6C34878D82A}">
+                    <a16:rowId xmlns:a16="http://schemas.microsoft.com/office/drawing/2014/main" val="10010"/>
+                  </a:ext>
+                </a:extLst>
               </a:tr>
             </a:tbl>
           </a:graphicData>
@@ -5467,13 +5372,6 @@
   <p:clrMapOvr>
     <a:masterClrMapping/>
   </p:clrMapOvr>
-  <p:timing>
-    <p:tnLst>
-      <p:par>
-        <p:cTn id="1" dur="indefinite" restart="never" nodeType="tmRoot"/>
-      </p:par>
-    </p:tnLst>
-  </p:timing>
 </p:sld>
 </file>
 
@@ -5510,7 +5408,7 @@
           <a:lstStyle/>
           <a:p>
             <a:r>
-              <a:rPr lang="en-US" b="1" dirty="0" smtClean="0">
+              <a:rPr lang="en-US" b="1" dirty="0">
                 <a:solidFill>
                   <a:schemeClr val="bg2">
                     <a:lumMod val="50000"/>
@@ -5519,13 +5417,6 @@
               </a:rPr>
               <a:t>Results-Part2</a:t>
             </a:r>
-            <a:endParaRPr lang="en-US" b="1" dirty="0">
-              <a:solidFill>
-                <a:schemeClr val="bg2">
-                  <a:lumMod val="50000"/>
-                </a:schemeClr>
-              </a:solidFill>
-            </a:endParaRPr>
           </a:p>
         </p:txBody>
       </p:sp>
@@ -5550,10 +5441,34 @@
                 <a:tableStyleId>{073A0DAA-6AF3-43AB-8588-CEC1D06C72B9}</a:tableStyleId>
               </a:tblPr>
               <a:tblGrid>
-                <a:gridCol w="1809750"/>
-                <a:gridCol w="1809750"/>
-                <a:gridCol w="1608667"/>
-                <a:gridCol w="2010833"/>
+                <a:gridCol w="1809750">
+                  <a:extLst>
+                    <a:ext uri="{9D8B030D-6E8A-4147-A177-3AD203B41FA5}">
+                      <a16:colId xmlns:a16="http://schemas.microsoft.com/office/drawing/2014/main" val="20000"/>
+                    </a:ext>
+                  </a:extLst>
+                </a:gridCol>
+                <a:gridCol w="1809750">
+                  <a:extLst>
+                    <a:ext uri="{9D8B030D-6E8A-4147-A177-3AD203B41FA5}">
+                      <a16:colId xmlns:a16="http://schemas.microsoft.com/office/drawing/2014/main" val="20001"/>
+                    </a:ext>
+                  </a:extLst>
+                </a:gridCol>
+                <a:gridCol w="1608667">
+                  <a:extLst>
+                    <a:ext uri="{9D8B030D-6E8A-4147-A177-3AD203B41FA5}">
+                      <a16:colId xmlns:a16="http://schemas.microsoft.com/office/drawing/2014/main" val="20002"/>
+                    </a:ext>
+                  </a:extLst>
+                </a:gridCol>
+                <a:gridCol w="2010833">
+                  <a:extLst>
+                    <a:ext uri="{9D8B030D-6E8A-4147-A177-3AD203B41FA5}">
+                      <a16:colId xmlns:a16="http://schemas.microsoft.com/office/drawing/2014/main" val="20003"/>
+                    </a:ext>
+                  </a:extLst>
+                </a:gridCol>
               </a:tblGrid>
               <a:tr h="370840">
                 <a:tc>
@@ -5562,10 +5477,9 @@
                     <a:lstStyle/>
                     <a:p>
                       <a:r>
-                        <a:rPr lang="en-US" dirty="0" smtClean="0"/>
+                        <a:rPr lang="en-US" dirty="0"/>
                         <a:t>Graphs</a:t>
                       </a:r>
-                      <a:endParaRPr lang="en-US" dirty="0"/>
                     </a:p>
                   </a:txBody>
                   <a:tcPr marL="80433" marR="80433"/>
@@ -5576,10 +5490,9 @@
                     <a:lstStyle/>
                     <a:p>
                       <a:r>
-                        <a:rPr lang="en-US" dirty="0" smtClean="0"/>
+                        <a:rPr lang="en-US" dirty="0"/>
                         <a:t>Upper Bound</a:t>
                       </a:r>
-                      <a:endParaRPr lang="en-US" dirty="0"/>
                     </a:p>
                   </a:txBody>
                   <a:tcPr marL="80433" marR="80433"/>
@@ -5590,10 +5503,9 @@
                     <a:lstStyle/>
                     <a:p>
                       <a:r>
-                        <a:rPr lang="en-US" dirty="0" smtClean="0"/>
+                        <a:rPr lang="en-US" dirty="0"/>
                         <a:t>Lower Bound</a:t>
                       </a:r>
-                      <a:endParaRPr lang="en-US" dirty="0"/>
                     </a:p>
                   </a:txBody>
                   <a:tcPr marL="80433" marR="80433"/>
@@ -5604,14 +5516,18 @@
                     <a:lstStyle/>
                     <a:p>
                       <a:r>
-                        <a:rPr lang="en-US" dirty="0" smtClean="0"/>
+                        <a:rPr lang="en-US" dirty="0"/>
                         <a:t>Chromatic Number</a:t>
                       </a:r>
-                      <a:endParaRPr lang="en-US" dirty="0"/>
-                    </a:p>
-                  </a:txBody>
-                  <a:tcPr marL="80433" marR="80433"/>
-                </a:tc>
+                    </a:p>
+                  </a:txBody>
+                  <a:tcPr marL="80433" marR="80433"/>
+                </a:tc>
+                <a:extLst>
+                  <a:ext uri="{0D108BD9-81ED-4DB2-BD59-A6C34878D82A}">
+                    <a16:rowId xmlns:a16="http://schemas.microsoft.com/office/drawing/2014/main" val="10000"/>
+                  </a:ext>
+                </a:extLst>
               </a:tr>
               <a:tr h="370840">
                 <a:tc>
@@ -5620,10 +5536,9 @@
                     <a:lstStyle/>
                     <a:p>
                       <a:r>
-                        <a:rPr lang="en-US" dirty="0" smtClean="0"/>
+                        <a:rPr lang="en-US" dirty="0"/>
                         <a:t>Graph 11</a:t>
                       </a:r>
-                      <a:endParaRPr lang="en-US" dirty="0"/>
                     </a:p>
                   </a:txBody>
                   <a:tcPr marL="80433" marR="80433"/>
@@ -5634,10 +5549,9 @@
                     <a:lstStyle/>
                     <a:p>
                       <a:r>
-                        <a:rPr lang="en-US" dirty="0" smtClean="0"/>
+                        <a:rPr lang="en-US" dirty="0"/>
                         <a:t>15</a:t>
                       </a:r>
-                      <a:endParaRPr lang="en-US" dirty="0"/>
                     </a:p>
                   </a:txBody>
                   <a:tcPr marL="80433" marR="80433"/>
@@ -5648,10 +5562,9 @@
                     <a:lstStyle/>
                     <a:p>
                       <a:r>
-                        <a:rPr lang="en-US" dirty="0" smtClean="0"/>
+                        <a:rPr lang="en-US" dirty="0"/>
                         <a:t>15</a:t>
                       </a:r>
-                      <a:endParaRPr lang="en-US" dirty="0"/>
                     </a:p>
                   </a:txBody>
                   <a:tcPr marL="80433" marR="80433"/>
@@ -5662,14 +5575,18 @@
                     <a:lstStyle/>
                     <a:p>
                       <a:r>
-                        <a:rPr lang="en-US" dirty="0" smtClean="0"/>
+                        <a:rPr lang="en-US" dirty="0"/>
                         <a:t>15</a:t>
                       </a:r>
-                      <a:endParaRPr lang="en-US" dirty="0"/>
-                    </a:p>
-                  </a:txBody>
-                  <a:tcPr marL="80433" marR="80433"/>
-                </a:tc>
+                    </a:p>
+                  </a:txBody>
+                  <a:tcPr marL="80433" marR="80433"/>
+                </a:tc>
+                <a:extLst>
+                  <a:ext uri="{0D108BD9-81ED-4DB2-BD59-A6C34878D82A}">
+                    <a16:rowId xmlns:a16="http://schemas.microsoft.com/office/drawing/2014/main" val="10001"/>
+                  </a:ext>
+                </a:extLst>
               </a:tr>
               <a:tr h="370840">
                 <a:tc>
@@ -5678,10 +5595,9 @@
                     <a:lstStyle/>
                     <a:p>
                       <a:r>
-                        <a:rPr lang="en-US" dirty="0" smtClean="0"/>
+                        <a:rPr lang="en-US" dirty="0"/>
                         <a:t>Graph 12</a:t>
                       </a:r>
-                      <a:endParaRPr lang="en-US" dirty="0"/>
                     </a:p>
                   </a:txBody>
                   <a:tcPr marL="80433" marR="80433"/>
@@ -5692,10 +5608,9 @@
                     <a:lstStyle/>
                     <a:p>
                       <a:r>
-                        <a:rPr lang="en-US" dirty="0" smtClean="0"/>
+                        <a:rPr lang="en-US" dirty="0"/>
                         <a:t>2</a:t>
                       </a:r>
-                      <a:endParaRPr lang="en-US" dirty="0"/>
                     </a:p>
                   </a:txBody>
                   <a:tcPr marL="80433" marR="80433"/>
@@ -5706,10 +5621,9 @@
                     <a:lstStyle/>
                     <a:p>
                       <a:r>
-                        <a:rPr lang="en-US" dirty="0" smtClean="0"/>
+                        <a:rPr lang="en-US" dirty="0"/>
                         <a:t>2</a:t>
                       </a:r>
-                      <a:endParaRPr lang="en-US" dirty="0"/>
                     </a:p>
                   </a:txBody>
                   <a:tcPr marL="80433" marR="80433"/>
@@ -5720,14 +5634,18 @@
                     <a:lstStyle/>
                     <a:p>
                       <a:r>
-                        <a:rPr lang="en-US" dirty="0" smtClean="0"/>
+                        <a:rPr lang="en-US" dirty="0"/>
                         <a:t>2</a:t>
                       </a:r>
-                      <a:endParaRPr lang="en-US" dirty="0"/>
-                    </a:p>
-                  </a:txBody>
-                  <a:tcPr marL="80433" marR="80433"/>
-                </a:tc>
+                    </a:p>
+                  </a:txBody>
+                  <a:tcPr marL="80433" marR="80433"/>
+                </a:tc>
+                <a:extLst>
+                  <a:ext uri="{0D108BD9-81ED-4DB2-BD59-A6C34878D82A}">
+                    <a16:rowId xmlns:a16="http://schemas.microsoft.com/office/drawing/2014/main" val="10002"/>
+                  </a:ext>
+                </a:extLst>
               </a:tr>
               <a:tr h="370840">
                 <a:tc>
@@ -5736,10 +5654,9 @@
                     <a:lstStyle/>
                     <a:p>
                       <a:r>
-                        <a:rPr lang="en-US" dirty="0" smtClean="0"/>
+                        <a:rPr lang="en-US" dirty="0"/>
                         <a:t>Graph 13</a:t>
                       </a:r>
-                      <a:endParaRPr lang="en-US" dirty="0"/>
                     </a:p>
                   </a:txBody>
                   <a:tcPr marL="80433" marR="80433"/>
@@ -5750,10 +5667,9 @@
                     <a:lstStyle/>
                     <a:p>
                       <a:r>
-                        <a:rPr lang="en-US" dirty="0" smtClean="0"/>
+                        <a:rPr lang="en-US" dirty="0"/>
                         <a:t>11</a:t>
                       </a:r>
-                      <a:endParaRPr lang="en-US" dirty="0"/>
                     </a:p>
                   </a:txBody>
                   <a:tcPr marL="80433" marR="80433"/>
@@ -5764,24 +5680,28 @@
                     <a:lstStyle/>
                     <a:p>
                       <a:r>
-                        <a:rPr lang="en-US" dirty="0" smtClean="0"/>
+                        <a:rPr lang="en-US" dirty="0"/>
                         <a:t>9</a:t>
                       </a:r>
+                    </a:p>
+                  </a:txBody>
+                  <a:tcPr marL="80433" marR="80433"/>
+                </a:tc>
+                <a:tc>
+                  <a:txBody>
+                    <a:bodyPr/>
+                    <a:lstStyle/>
+                    <a:p>
                       <a:endParaRPr lang="en-US" dirty="0"/>
                     </a:p>
                   </a:txBody>
                   <a:tcPr marL="80433" marR="80433"/>
                 </a:tc>
-                <a:tc>
-                  <a:txBody>
-                    <a:bodyPr/>
-                    <a:lstStyle/>
-                    <a:p>
-                      <a:endParaRPr lang="en-US" dirty="0"/>
-                    </a:p>
-                  </a:txBody>
-                  <a:tcPr marL="80433" marR="80433"/>
-                </a:tc>
+                <a:extLst>
+                  <a:ext uri="{0D108BD9-81ED-4DB2-BD59-A6C34878D82A}">
+                    <a16:rowId xmlns:a16="http://schemas.microsoft.com/office/drawing/2014/main" val="10003"/>
+                  </a:ext>
+                </a:extLst>
               </a:tr>
               <a:tr h="370840">
                 <a:tc>
@@ -5790,10 +5710,9 @@
                     <a:lstStyle/>
                     <a:p>
                       <a:r>
-                        <a:rPr lang="en-US" dirty="0" smtClean="0"/>
+                        <a:rPr lang="en-US" dirty="0"/>
                         <a:t>Graph 14</a:t>
                       </a:r>
-                      <a:endParaRPr lang="en-US" dirty="0"/>
                     </a:p>
                   </a:txBody>
                   <a:tcPr marL="80433" marR="80433"/>
@@ -5804,10 +5723,9 @@
                     <a:lstStyle/>
                     <a:p>
                       <a:r>
-                        <a:rPr lang="en-US" dirty="0" smtClean="0"/>
+                        <a:rPr lang="en-US" dirty="0"/>
                         <a:t>5</a:t>
                       </a:r>
-                      <a:endParaRPr lang="en-US" dirty="0"/>
                     </a:p>
                   </a:txBody>
                   <a:tcPr marL="80433" marR="80433"/>
@@ -5818,24 +5736,28 @@
                     <a:lstStyle/>
                     <a:p>
                       <a:r>
-                        <a:rPr lang="en-US" dirty="0" smtClean="0"/>
+                        <a:rPr lang="en-US" dirty="0"/>
                         <a:t>3</a:t>
                       </a:r>
+                    </a:p>
+                  </a:txBody>
+                  <a:tcPr marL="80433" marR="80433"/>
+                </a:tc>
+                <a:tc>
+                  <a:txBody>
+                    <a:bodyPr/>
+                    <a:lstStyle/>
+                    <a:p>
                       <a:endParaRPr lang="en-US" dirty="0"/>
                     </a:p>
                   </a:txBody>
                   <a:tcPr marL="80433" marR="80433"/>
                 </a:tc>
-                <a:tc>
-                  <a:txBody>
-                    <a:bodyPr/>
-                    <a:lstStyle/>
-                    <a:p>
-                      <a:endParaRPr lang="en-US" dirty="0"/>
-                    </a:p>
-                  </a:txBody>
-                  <a:tcPr marL="80433" marR="80433"/>
-                </a:tc>
+                <a:extLst>
+                  <a:ext uri="{0D108BD9-81ED-4DB2-BD59-A6C34878D82A}">
+                    <a16:rowId xmlns:a16="http://schemas.microsoft.com/office/drawing/2014/main" val="10004"/>
+                  </a:ext>
+                </a:extLst>
               </a:tr>
               <a:tr h="370840">
                 <a:tc>
@@ -5844,10 +5766,9 @@
                     <a:lstStyle/>
                     <a:p>
                       <a:r>
-                        <a:rPr lang="en-US" dirty="0" smtClean="0"/>
+                        <a:rPr lang="en-US" dirty="0"/>
                         <a:t>Graph 15</a:t>
                       </a:r>
-                      <a:endParaRPr lang="en-US" dirty="0"/>
                     </a:p>
                   </a:txBody>
                   <a:tcPr marL="80433" marR="80433"/>
@@ -5858,10 +5779,9 @@
                     <a:lstStyle/>
                     <a:p>
                       <a:r>
-                        <a:rPr lang="en-US" dirty="0" smtClean="0"/>
+                        <a:rPr lang="en-US" dirty="0"/>
                         <a:t>10</a:t>
                       </a:r>
-                      <a:endParaRPr lang="en-US" dirty="0"/>
                     </a:p>
                   </a:txBody>
                   <a:tcPr marL="80433" marR="80433"/>
@@ -5872,24 +5792,28 @@
                     <a:lstStyle/>
                     <a:p>
                       <a:r>
-                        <a:rPr lang="en-US" dirty="0" smtClean="0"/>
+                        <a:rPr lang="en-US" dirty="0"/>
                         <a:t>5</a:t>
                       </a:r>
+                    </a:p>
+                  </a:txBody>
+                  <a:tcPr marL="80433" marR="80433"/>
+                </a:tc>
+                <a:tc>
+                  <a:txBody>
+                    <a:bodyPr/>
+                    <a:lstStyle/>
+                    <a:p>
                       <a:endParaRPr lang="en-US" dirty="0"/>
                     </a:p>
                   </a:txBody>
                   <a:tcPr marL="80433" marR="80433"/>
                 </a:tc>
-                <a:tc>
-                  <a:txBody>
-                    <a:bodyPr/>
-                    <a:lstStyle/>
-                    <a:p>
-                      <a:endParaRPr lang="en-US" dirty="0"/>
-                    </a:p>
-                  </a:txBody>
-                  <a:tcPr marL="80433" marR="80433"/>
-                </a:tc>
+                <a:extLst>
+                  <a:ext uri="{0D108BD9-81ED-4DB2-BD59-A6C34878D82A}">
+                    <a16:rowId xmlns:a16="http://schemas.microsoft.com/office/drawing/2014/main" val="10005"/>
+                  </a:ext>
+                </a:extLst>
               </a:tr>
               <a:tr h="370840">
                 <a:tc>
@@ -5898,10 +5822,9 @@
                     <a:lstStyle/>
                     <a:p>
                       <a:r>
-                        <a:rPr lang="en-US" dirty="0" smtClean="0"/>
+                        <a:rPr lang="en-US" dirty="0"/>
                         <a:t>Graph 16</a:t>
                       </a:r>
-                      <a:endParaRPr lang="en-US" dirty="0"/>
                     </a:p>
                   </a:txBody>
                   <a:tcPr marL="80433" marR="80433"/>
@@ -5912,10 +5835,9 @@
                     <a:lstStyle/>
                     <a:p>
                       <a:r>
-                        <a:rPr lang="en-US" dirty="0" smtClean="0"/>
+                        <a:rPr lang="en-US" dirty="0"/>
                         <a:t>4</a:t>
                       </a:r>
-                      <a:endParaRPr lang="en-US" dirty="0"/>
                     </a:p>
                   </a:txBody>
                   <a:tcPr marL="80433" marR="80433"/>
@@ -5926,24 +5848,28 @@
                     <a:lstStyle/>
                     <a:p>
                       <a:r>
-                        <a:rPr lang="en-US" dirty="0" smtClean="0"/>
+                        <a:rPr lang="en-US" dirty="0"/>
                         <a:t>3</a:t>
                       </a:r>
+                    </a:p>
+                  </a:txBody>
+                  <a:tcPr marL="80433" marR="80433"/>
+                </a:tc>
+                <a:tc>
+                  <a:txBody>
+                    <a:bodyPr/>
+                    <a:lstStyle/>
+                    <a:p>
                       <a:endParaRPr lang="en-US" dirty="0"/>
                     </a:p>
                   </a:txBody>
                   <a:tcPr marL="80433" marR="80433"/>
                 </a:tc>
-                <a:tc>
-                  <a:txBody>
-                    <a:bodyPr/>
-                    <a:lstStyle/>
-                    <a:p>
-                      <a:endParaRPr lang="en-US" dirty="0"/>
-                    </a:p>
-                  </a:txBody>
-                  <a:tcPr marL="80433" marR="80433"/>
-                </a:tc>
+                <a:extLst>
+                  <a:ext uri="{0D108BD9-81ED-4DB2-BD59-A6C34878D82A}">
+                    <a16:rowId xmlns:a16="http://schemas.microsoft.com/office/drawing/2014/main" val="10006"/>
+                  </a:ext>
+                </a:extLst>
               </a:tr>
               <a:tr h="370840">
                 <a:tc>
@@ -5952,10 +5878,9 @@
                     <a:lstStyle/>
                     <a:p>
                       <a:r>
-                        <a:rPr lang="en-US" dirty="0" smtClean="0"/>
+                        <a:rPr lang="en-US" dirty="0"/>
                         <a:t>Graph 17</a:t>
                       </a:r>
-                      <a:endParaRPr lang="en-US" dirty="0"/>
                     </a:p>
                   </a:txBody>
                   <a:tcPr marL="80433" marR="80433"/>
@@ -5966,10 +5891,9 @@
                     <a:lstStyle/>
                     <a:p>
                       <a:r>
-                        <a:rPr lang="en-US" dirty="0" smtClean="0"/>
+                        <a:rPr lang="en-US" dirty="0"/>
                         <a:t>8</a:t>
                       </a:r>
-                      <a:endParaRPr lang="en-US" dirty="0"/>
                     </a:p>
                   </a:txBody>
                   <a:tcPr marL="80433" marR="80433"/>
@@ -5980,10 +5904,9 @@
                     <a:lstStyle/>
                     <a:p>
                       <a:r>
-                        <a:rPr lang="en-US" dirty="0" smtClean="0"/>
+                        <a:rPr lang="en-US" dirty="0"/>
                         <a:t>8</a:t>
                       </a:r>
-                      <a:endParaRPr lang="en-US" dirty="0"/>
                     </a:p>
                   </a:txBody>
                   <a:tcPr marL="80433" marR="80433"/>
@@ -5994,14 +5917,18 @@
                     <a:lstStyle/>
                     <a:p>
                       <a:r>
-                        <a:rPr lang="en-US" dirty="0" smtClean="0"/>
+                        <a:rPr lang="en-US" dirty="0"/>
                         <a:t>8</a:t>
                       </a:r>
-                      <a:endParaRPr lang="en-US" dirty="0"/>
-                    </a:p>
-                  </a:txBody>
-                  <a:tcPr marL="80433" marR="80433"/>
-                </a:tc>
+                    </a:p>
+                  </a:txBody>
+                  <a:tcPr marL="80433" marR="80433"/>
+                </a:tc>
+                <a:extLst>
+                  <a:ext uri="{0D108BD9-81ED-4DB2-BD59-A6C34878D82A}">
+                    <a16:rowId xmlns:a16="http://schemas.microsoft.com/office/drawing/2014/main" val="10007"/>
+                  </a:ext>
+                </a:extLst>
               </a:tr>
               <a:tr h="370840">
                 <a:tc>
@@ -6010,10 +5937,9 @@
                     <a:lstStyle/>
                     <a:p>
                       <a:r>
-                        <a:rPr lang="en-US" dirty="0" smtClean="0"/>
+                        <a:rPr lang="en-US" dirty="0"/>
                         <a:t>Graph 18</a:t>
                       </a:r>
-                      <a:endParaRPr lang="en-US" dirty="0"/>
                     </a:p>
                   </a:txBody>
                   <a:tcPr marL="80433" marR="80433"/>
@@ -6024,10 +5950,9 @@
                     <a:lstStyle/>
                     <a:p>
                       <a:r>
-                        <a:rPr lang="en-US" dirty="0" smtClean="0"/>
+                        <a:rPr lang="en-US" dirty="0"/>
                         <a:t>11</a:t>
                       </a:r>
-                      <a:endParaRPr lang="en-US" dirty="0"/>
                     </a:p>
                   </a:txBody>
                   <a:tcPr marL="80433" marR="80433"/>
@@ -6038,24 +5963,28 @@
                     <a:lstStyle/>
                     <a:p>
                       <a:r>
-                        <a:rPr lang="en-US" dirty="0" smtClean="0"/>
+                        <a:rPr lang="en-US" dirty="0"/>
                         <a:t>10</a:t>
                       </a:r>
+                    </a:p>
+                  </a:txBody>
+                  <a:tcPr marL="80433" marR="80433"/>
+                </a:tc>
+                <a:tc>
+                  <a:txBody>
+                    <a:bodyPr/>
+                    <a:lstStyle/>
+                    <a:p>
                       <a:endParaRPr lang="en-US" dirty="0"/>
                     </a:p>
                   </a:txBody>
                   <a:tcPr marL="80433" marR="80433"/>
                 </a:tc>
-                <a:tc>
-                  <a:txBody>
-                    <a:bodyPr/>
-                    <a:lstStyle/>
-                    <a:p>
-                      <a:endParaRPr lang="en-US" dirty="0"/>
-                    </a:p>
-                  </a:txBody>
-                  <a:tcPr marL="80433" marR="80433"/>
-                </a:tc>
+                <a:extLst>
+                  <a:ext uri="{0D108BD9-81ED-4DB2-BD59-A6C34878D82A}">
+                    <a16:rowId xmlns:a16="http://schemas.microsoft.com/office/drawing/2014/main" val="10008"/>
+                  </a:ext>
+                </a:extLst>
               </a:tr>
               <a:tr h="370840">
                 <a:tc>
@@ -6064,10 +5993,9 @@
                     <a:lstStyle/>
                     <a:p>
                       <a:r>
-                        <a:rPr lang="en-US" dirty="0" smtClean="0"/>
+                        <a:rPr lang="en-US" dirty="0"/>
                         <a:t>Graph 19</a:t>
                       </a:r>
-                      <a:endParaRPr lang="en-US" dirty="0"/>
                     </a:p>
                   </a:txBody>
                   <a:tcPr marL="80433" marR="80433"/>
@@ -6078,10 +6006,9 @@
                     <a:lstStyle/>
                     <a:p>
                       <a:r>
-                        <a:rPr lang="en-US" dirty="0" smtClean="0"/>
+                        <a:rPr lang="en-US" dirty="0"/>
                         <a:t>11</a:t>
                       </a:r>
-                      <a:endParaRPr lang="en-US" dirty="0"/>
                     </a:p>
                   </a:txBody>
                   <a:tcPr marL="80433" marR="80433"/>
@@ -6092,10 +6019,9 @@
                     <a:lstStyle/>
                     <a:p>
                       <a:r>
-                        <a:rPr lang="en-US" dirty="0" smtClean="0"/>
+                        <a:rPr lang="en-US" dirty="0"/>
                         <a:t>11</a:t>
                       </a:r>
-                      <a:endParaRPr lang="en-US" dirty="0"/>
                     </a:p>
                   </a:txBody>
                   <a:tcPr marL="80433" marR="80433"/>
@@ -6106,14 +6032,18 @@
                     <a:lstStyle/>
                     <a:p>
                       <a:r>
-                        <a:rPr lang="en-US" dirty="0" smtClean="0"/>
+                        <a:rPr lang="en-US" dirty="0"/>
                         <a:t>11</a:t>
                       </a:r>
-                      <a:endParaRPr lang="en-US" dirty="0"/>
-                    </a:p>
-                  </a:txBody>
-                  <a:tcPr marL="80433" marR="80433"/>
-                </a:tc>
+                    </a:p>
+                  </a:txBody>
+                  <a:tcPr marL="80433" marR="80433"/>
+                </a:tc>
+                <a:extLst>
+                  <a:ext uri="{0D108BD9-81ED-4DB2-BD59-A6C34878D82A}">
+                    <a16:rowId xmlns:a16="http://schemas.microsoft.com/office/drawing/2014/main" val="10009"/>
+                  </a:ext>
+                </a:extLst>
               </a:tr>
               <a:tr h="370840">
                 <a:tc>
@@ -6122,10 +6052,9 @@
                     <a:lstStyle/>
                     <a:p>
                       <a:r>
-                        <a:rPr lang="en-US" dirty="0" smtClean="0"/>
+                        <a:rPr lang="en-US" dirty="0"/>
                         <a:t>Graph 20</a:t>
                       </a:r>
-                      <a:endParaRPr lang="en-US" dirty="0"/>
                     </a:p>
                   </a:txBody>
                   <a:tcPr marL="80433" marR="80433"/>
@@ -6136,10 +6065,9 @@
                     <a:lstStyle/>
                     <a:p>
                       <a:r>
-                        <a:rPr lang="en-US" dirty="0" smtClean="0"/>
+                        <a:rPr lang="en-US" dirty="0"/>
                         <a:t>9</a:t>
                       </a:r>
-                      <a:endParaRPr lang="en-US" dirty="0"/>
                     </a:p>
                   </a:txBody>
                   <a:tcPr marL="80433" marR="80433"/>
@@ -6150,24 +6078,28 @@
                     <a:lstStyle/>
                     <a:p>
                       <a:r>
-                        <a:rPr lang="en-US" dirty="0" smtClean="0"/>
+                        <a:rPr lang="en-US" dirty="0"/>
                         <a:t>8</a:t>
                       </a:r>
+                    </a:p>
+                  </a:txBody>
+                  <a:tcPr marL="80433" marR="80433"/>
+                </a:tc>
+                <a:tc>
+                  <a:txBody>
+                    <a:bodyPr/>
+                    <a:lstStyle/>
+                    <a:p>
                       <a:endParaRPr lang="en-US" dirty="0"/>
                     </a:p>
                   </a:txBody>
                   <a:tcPr marL="80433" marR="80433"/>
                 </a:tc>
-                <a:tc>
-                  <a:txBody>
-                    <a:bodyPr/>
-                    <a:lstStyle/>
-                    <a:p>
-                      <a:endParaRPr lang="en-US" dirty="0"/>
-                    </a:p>
-                  </a:txBody>
-                  <a:tcPr marL="80433" marR="80433"/>
-                </a:tc>
+                <a:extLst>
+                  <a:ext uri="{0D108BD9-81ED-4DB2-BD59-A6C34878D82A}">
+                    <a16:rowId xmlns:a16="http://schemas.microsoft.com/office/drawing/2014/main" val="10010"/>
+                  </a:ext>
+                </a:extLst>
               </a:tr>
             </a:tbl>
           </a:graphicData>
@@ -6178,13 +6110,6 @@
   <p:clrMapOvr>
     <a:masterClrMapping/>
   </p:clrMapOvr>
-  <p:timing>
-    <p:tnLst>
-      <p:par>
-        <p:cTn id="1" dur="indefinite" restart="never" nodeType="tmRoot"/>
-      </p:par>
-    </p:tnLst>
-  </p:timing>
 </p:sld>
 </file>
 
@@ -6223,7 +6148,7 @@
           <a:lstStyle/>
           <a:p>
             <a:r>
-              <a:rPr lang="en-US" b="1" dirty="0" smtClean="0">
+              <a:rPr lang="en-US" b="1" dirty="0">
                 <a:solidFill>
                   <a:schemeClr val="bg2">
                     <a:lumMod val="50000"/>
@@ -6232,13 +6157,6 @@
               </a:rPr>
               <a:t>Conclusion</a:t>
             </a:r>
-            <a:endParaRPr lang="en-US" b="1" dirty="0">
-              <a:solidFill>
-                <a:schemeClr val="bg2">
-                  <a:lumMod val="50000"/>
-                </a:schemeClr>
-              </a:solidFill>
-            </a:endParaRPr>
           </a:p>
         </p:txBody>
       </p:sp>
@@ -6262,7 +6180,7 @@
               <a:buChar char="Ø"/>
             </a:pPr>
             <a:r>
-              <a:rPr lang="en-US" dirty="0" smtClean="0"/>
+              <a:rPr lang="en-US" dirty="0"/>
               <a:t>Our algorithms work better for smaller graphs and special structured graphs.</a:t>
             </a:r>
           </a:p>
@@ -6272,7 +6190,7 @@
               <a:buChar char="Ø"/>
             </a:pPr>
             <a:r>
-              <a:rPr lang="en-US" dirty="0" smtClean="0"/>
+              <a:rPr lang="en-US" dirty="0"/>
               <a:t>Greedy Algorithm works faster than Genetic Algorithm.</a:t>
             </a:r>
           </a:p>
@@ -6282,15 +6200,15 @@
               <a:buChar char="Ø"/>
             </a:pPr>
             <a:r>
-              <a:rPr lang="en-US" dirty="0" smtClean="0"/>
+              <a:rPr lang="en-US" dirty="0"/>
               <a:t>Genetic Algorithm gives better results than Greedy Algorithm.</a:t>
             </a:r>
           </a:p>
           <a:p>
-            <a:endParaRPr lang="en-US" dirty="0" smtClean="0"/>
-          </a:p>
-          <a:p>
-            <a:endParaRPr lang="en-US" dirty="0" smtClean="0"/>
+            <a:endParaRPr lang="en-US" dirty="0"/>
+          </a:p>
+          <a:p>
+            <a:endParaRPr lang="en-US" dirty="0"/>
           </a:p>
           <a:p>
             <a:endParaRPr lang="en-US" dirty="0"/>
@@ -6302,13 +6220,6 @@
   <p:clrMapOvr>
     <a:masterClrMapping/>
   </p:clrMapOvr>
-  <p:timing>
-    <p:tnLst>
-      <p:par>
-        <p:cTn id="1" dur="indefinite" restart="never" nodeType="tmRoot"/>
-      </p:par>
-    </p:tnLst>
-  </p:timing>
 </p:sld>
 </file>
 
@@ -6351,14 +6262,13 @@
           <a:p>
             <a:pPr algn="ctr"/>
             <a:r>
-              <a:rPr lang="en-US" b="1" dirty="0" smtClean="0"/>
+              <a:rPr lang="en-US" b="1" dirty="0"/>
               <a:t>   		  </a:t>
             </a:r>
             <a:r>
-              <a:rPr lang="en-US" sz="5400" b="1" dirty="0" smtClean="0"/>
+              <a:rPr lang="en-US" sz="5400" b="1" dirty="0"/>
               <a:t>Group-Members</a:t>
             </a:r>
-            <a:endParaRPr lang="en-US" sz="5400" b="1" dirty="0"/>
           </a:p>
         </p:txBody>
       </p:sp>
@@ -6389,7 +6299,7 @@
               <a:buChar char="Ø"/>
             </a:pPr>
             <a:r>
-              <a:rPr lang="en-US" sz="3200" b="1" dirty="0" smtClean="0">
+              <a:rPr lang="en-US" sz="3200" b="1" dirty="0">
                 <a:solidFill>
                   <a:schemeClr val="bg1"/>
                 </a:solidFill>
@@ -6403,7 +6313,7 @@
               <a:buChar char="Ø"/>
             </a:pPr>
             <a:r>
-              <a:rPr lang="en-US" sz="3200" b="1" dirty="0" smtClean="0">
+              <a:rPr lang="en-US" sz="3200" b="1" dirty="0">
                 <a:solidFill>
                   <a:schemeClr val="bg1"/>
                 </a:solidFill>
@@ -6417,7 +6327,7 @@
               <a:buChar char="Ø"/>
             </a:pPr>
             <a:r>
-              <a:rPr lang="en-US" sz="3200" b="1" dirty="0" smtClean="0">
+              <a:rPr lang="en-US" sz="3200" b="1" dirty="0">
                 <a:solidFill>
                   <a:schemeClr val="bg1"/>
                 </a:solidFill>
@@ -6431,7 +6341,7 @@
               <a:buChar char="Ø"/>
             </a:pPr>
             <a:r>
-              <a:rPr lang="en-US" sz="3200" b="1" dirty="0" smtClean="0">
+              <a:rPr lang="en-US" sz="3200" b="1" dirty="0">
                 <a:solidFill>
                   <a:schemeClr val="bg1"/>
                 </a:solidFill>
@@ -6445,7 +6355,7 @@
               <a:buChar char="Ø"/>
             </a:pPr>
             <a:r>
-              <a:rPr lang="en-US" sz="3200" b="1" dirty="0" smtClean="0">
+              <a:rPr lang="en-US" sz="3200" b="1" dirty="0">
                 <a:solidFill>
                   <a:schemeClr val="bg1"/>
                 </a:solidFill>
@@ -6455,7 +6365,7 @@
           </a:p>
           <a:p>
             <a:pPr algn="l"/>
-            <a:endParaRPr lang="en-US" sz="3200" b="1" dirty="0" smtClean="0">
+            <a:endParaRPr lang="en-US" sz="3200" b="1" dirty="0">
               <a:solidFill>
                 <a:schemeClr val="bg1"/>
               </a:solidFill>
@@ -6479,13 +6389,6 @@
   <p:clrMapOvr>
     <a:masterClrMapping/>
   </p:clrMapOvr>
-  <p:timing>
-    <p:tnLst>
-      <p:par>
-        <p:cTn id="1" dur="indefinite" restart="never" nodeType="tmRoot"/>
-      </p:par>
-    </p:tnLst>
-  </p:timing>
 </p:sld>
 </file>
 
@@ -6524,7 +6427,7 @@
           <a:lstStyle/>
           <a:p>
             <a:r>
-              <a:rPr lang="en-US" sz="5400" b="1" dirty="0" smtClean="0">
+              <a:rPr lang="en-US" sz="5400" b="1" dirty="0">
                 <a:solidFill>
                   <a:schemeClr val="bg2">
                     <a:lumMod val="50000"/>
@@ -6533,13 +6436,6 @@
               </a:rPr>
               <a:t>Problem Statement</a:t>
             </a:r>
-            <a:endParaRPr lang="en-US" sz="5400" b="1" dirty="0">
-              <a:solidFill>
-                <a:schemeClr val="bg2">
-                  <a:lumMod val="50000"/>
-                </a:schemeClr>
-              </a:solidFill>
-            </a:endParaRPr>
           </a:p>
         </p:txBody>
       </p:sp>
@@ -6564,10 +6460,9 @@
               <a:buNone/>
             </a:pPr>
             <a:r>
-              <a:rPr lang="en-US" sz="5400" b="1" dirty="0" smtClean="0"/>
+              <a:rPr lang="en-US" sz="5400" b="1" dirty="0"/>
               <a:t>“How to compute  the chromatic number of different graphs?”</a:t>
             </a:r>
-            <a:endParaRPr lang="en-US" sz="5400" b="1" dirty="0"/>
           </a:p>
         </p:txBody>
       </p:sp>
@@ -6576,13 +6471,6 @@
   <p:clrMapOvr>
     <a:masterClrMapping/>
   </p:clrMapOvr>
-  <p:timing>
-    <p:tnLst>
-      <p:par>
-        <p:cTn id="1" dur="indefinite" restart="never" nodeType="tmRoot"/>
-      </p:par>
-    </p:tnLst>
-  </p:timing>
 </p:sld>
 </file>
 
@@ -6621,7 +6509,7 @@
           <a:lstStyle/>
           <a:p>
             <a:r>
-              <a:rPr lang="en-US" sz="5400" b="1" dirty="0" smtClean="0">
+              <a:rPr lang="en-US" sz="5400" b="1" dirty="0">
                 <a:solidFill>
                   <a:schemeClr val="bg2">
                     <a:lumMod val="50000"/>
@@ -6630,13 +6518,6 @@
               </a:rPr>
               <a:t>AGENDA</a:t>
             </a:r>
-            <a:endParaRPr lang="en-US" sz="5400" b="1" dirty="0">
-              <a:solidFill>
-                <a:schemeClr val="bg2">
-                  <a:lumMod val="50000"/>
-                </a:schemeClr>
-              </a:solidFill>
-            </a:endParaRPr>
           </a:p>
         </p:txBody>
       </p:sp>
@@ -6662,7 +6543,7 @@
               <a:buChar char="Ø"/>
             </a:pPr>
             <a:r>
-              <a:rPr lang="en-US" sz="3600" b="1" dirty="0" smtClean="0"/>
+              <a:rPr lang="en-US" sz="3600" b="1" dirty="0"/>
               <a:t>Problem Statement</a:t>
             </a:r>
           </a:p>
@@ -6672,7 +6553,7 @@
               <a:buChar char="Ø"/>
             </a:pPr>
             <a:r>
-              <a:rPr lang="en-US" sz="3600" b="1" dirty="0" smtClean="0"/>
+              <a:rPr lang="en-US" sz="3600" b="1" dirty="0"/>
               <a:t>Work Flow</a:t>
             </a:r>
           </a:p>
@@ -6682,7 +6563,7 @@
               <a:buChar char="Ø"/>
             </a:pPr>
             <a:r>
-              <a:rPr lang="en-US" sz="3600" b="1" dirty="0" smtClean="0"/>
+              <a:rPr lang="en-US" sz="3600" b="1" dirty="0"/>
               <a:t>Algorithms</a:t>
             </a:r>
           </a:p>
@@ -6692,7 +6573,7 @@
               <a:buChar char="Ø"/>
             </a:pPr>
             <a:r>
-              <a:rPr lang="en-US" sz="3600" b="1" dirty="0" smtClean="0"/>
+              <a:rPr lang="en-US" sz="3600" b="1" dirty="0"/>
               <a:t>Experiments </a:t>
             </a:r>
           </a:p>
@@ -6702,7 +6583,7 @@
               <a:buChar char="Ø"/>
             </a:pPr>
             <a:r>
-              <a:rPr lang="en-US" sz="3600" b="1" dirty="0" smtClean="0"/>
+              <a:rPr lang="en-US" sz="3600" b="1" dirty="0"/>
               <a:t>Results</a:t>
             </a:r>
           </a:p>
@@ -6712,10 +6593,9 @@
               <a:buChar char="Ø"/>
             </a:pPr>
             <a:r>
-              <a:rPr lang="en-US" sz="3600" b="1" dirty="0" smtClean="0"/>
+              <a:rPr lang="en-US" sz="3600" b="1" dirty="0"/>
               <a:t>Conclusion</a:t>
             </a:r>
-            <a:endParaRPr lang="en-US" sz="3600" b="1" dirty="0"/>
           </a:p>
         </p:txBody>
       </p:sp>
@@ -6724,13 +6604,6 @@
   <p:clrMapOvr>
     <a:masterClrMapping/>
   </p:clrMapOvr>
-  <p:timing>
-    <p:tnLst>
-      <p:par>
-        <p:cTn id="1" dur="indefinite" restart="never" nodeType="tmRoot"/>
-      </p:par>
-    </p:tnLst>
-  </p:timing>
 </p:sld>
 </file>
 
@@ -6767,7 +6640,7 @@
           <a:lstStyle/>
           <a:p>
             <a:r>
-              <a:rPr lang="en-US" dirty="0" smtClean="0">
+              <a:rPr lang="en-US" dirty="0">
                 <a:solidFill>
                   <a:schemeClr val="bg2">
                     <a:lumMod val="50000"/>
@@ -6776,13 +6649,6 @@
               </a:rPr>
               <a:t>General Work Flow</a:t>
             </a:r>
-            <a:endParaRPr lang="en-US" dirty="0">
-              <a:solidFill>
-                <a:schemeClr val="bg2">
-                  <a:lumMod val="50000"/>
-                </a:schemeClr>
-              </a:solidFill>
-            </a:endParaRPr>
           </a:p>
         </p:txBody>
       </p:sp>
@@ -6796,7 +6662,12 @@
             <p:ph idx="1"/>
           </p:nvPr>
         </p:nvSpPr>
-        <p:spPr/>
+        <p:spPr>
+          <a:xfrm>
+            <a:off x="457200" y="1609416"/>
+            <a:ext cx="7696200" cy="4846320"/>
+          </a:xfrm>
+        </p:spPr>
         <p:txBody>
           <a:bodyPr/>
           <a:lstStyle/>
@@ -6806,8 +6677,8 @@
               <a:buChar char="Ø"/>
             </a:pPr>
             <a:r>
-              <a:rPr lang="en-US" dirty="0" smtClean="0"/>
-              <a:t>Find upper bound  - Greedy Algorithm</a:t>
+              <a:rPr lang="en-US" dirty="0"/>
+              <a:t>Find upper bound - Greedy Algorithm</a:t>
             </a:r>
           </a:p>
           <a:p>
@@ -6816,7 +6687,7 @@
               <a:buChar char="Ø"/>
             </a:pPr>
             <a:r>
-              <a:rPr lang="en-US" dirty="0" smtClean="0"/>
+              <a:rPr lang="en-US" dirty="0"/>
               <a:t>Decompose the graph</a:t>
             </a:r>
           </a:p>
@@ -6826,8 +6697,35 @@
               <a:buChar char="Ø"/>
             </a:pPr>
             <a:r>
-              <a:rPr lang="en-US" dirty="0" smtClean="0"/>
-              <a:t>For each subgraph – check special cases –Find sub upper  &amp;  lower bound(Greedy Algorithm) -run Brute Force</a:t>
+              <a:rPr lang="en-US" dirty="0"/>
+              <a:t>For each component:</a:t>
+            </a:r>
+          </a:p>
+          <a:p>
+            <a:pPr marL="0" indent="0">
+              <a:buNone/>
+            </a:pPr>
+            <a:r>
+              <a:rPr lang="en-US" dirty="0"/>
+              <a:t>      Check special cases</a:t>
+            </a:r>
+          </a:p>
+          <a:p>
+            <a:pPr marL="0" indent="0">
+              <a:buNone/>
+            </a:pPr>
+            <a:r>
+              <a:rPr lang="en-US" dirty="0"/>
+              <a:t>      Find upper  &amp;  lower bound(Greedy Algorithm)</a:t>
+            </a:r>
+          </a:p>
+          <a:p>
+            <a:pPr marL="0" indent="0">
+              <a:buNone/>
+            </a:pPr>
+            <a:r>
+              <a:rPr lang="en-US" dirty="0"/>
+              <a:t>      Run Brute Force</a:t>
             </a:r>
           </a:p>
           <a:p>
@@ -6836,19 +6734,19 @@
               <a:buChar char="Ø"/>
             </a:pPr>
             <a:r>
-              <a:rPr lang="en-US" dirty="0" smtClean="0"/>
+              <a:rPr lang="en-US" dirty="0"/>
               <a:t>Genetic Algorithm</a:t>
             </a:r>
           </a:p>
           <a:p>
-            <a:endParaRPr lang="en-US" dirty="0" smtClean="0"/>
+            <a:endParaRPr lang="en-US" dirty="0"/>
           </a:p>
           <a:p>
             <a:pPr>
               <a:buNone/>
             </a:pPr>
             <a:r>
-              <a:rPr lang="en-US" dirty="0" smtClean="0"/>
+              <a:rPr lang="en-US" dirty="0"/>
               <a:t> </a:t>
             </a:r>
           </a:p>
@@ -6862,13 +6760,6 @@
   <p:clrMapOvr>
     <a:masterClrMapping/>
   </p:clrMapOvr>
-  <p:timing>
-    <p:tnLst>
-      <p:par>
-        <p:cTn id="1" dur="indefinite" restart="never" nodeType="tmRoot"/>
-      </p:par>
-    </p:tnLst>
-  </p:timing>
 </p:sld>
 </file>
 
@@ -6905,7 +6796,7 @@
           <a:lstStyle/>
           <a:p>
             <a:r>
-              <a:rPr lang="en-US" b="1" dirty="0" smtClean="0">
+              <a:rPr lang="en-US" b="1" dirty="0">
                 <a:solidFill>
                   <a:schemeClr val="bg2">
                     <a:lumMod val="50000"/>
@@ -6914,13 +6805,6 @@
               </a:rPr>
               <a:t>Algorithms</a:t>
             </a:r>
-            <a:endParaRPr lang="en-US" b="1" dirty="0">
-              <a:solidFill>
-                <a:schemeClr val="bg2">
-                  <a:lumMod val="50000"/>
-                </a:schemeClr>
-              </a:solidFill>
-            </a:endParaRPr>
           </a:p>
         </p:txBody>
       </p:sp>
@@ -6946,7 +6830,7 @@
               <a:buChar char="Ø"/>
             </a:pPr>
             <a:r>
-              <a:rPr lang="en-US" sz="3600" b="1" dirty="0" smtClean="0"/>
+              <a:rPr lang="en-US" sz="3600" b="1" dirty="0"/>
               <a:t>Graph Decomposition</a:t>
             </a:r>
           </a:p>
@@ -6956,10 +6840,10 @@
               <a:buChar char="Ø"/>
             </a:pPr>
             <a:r>
-              <a:rPr lang="en-US" sz="3600" b="1" smtClean="0"/>
+              <a:rPr lang="en-US" sz="3600" b="1"/>
               <a:t>Upper Bound</a:t>
             </a:r>
-            <a:endParaRPr lang="en-US" sz="3600" b="1" dirty="0" smtClean="0"/>
+            <a:endParaRPr lang="en-US" sz="3600" b="1" dirty="0"/>
           </a:p>
           <a:p>
             <a:pPr>
@@ -6967,10 +6851,9 @@
               <a:buChar char="Ø"/>
             </a:pPr>
             <a:r>
-              <a:rPr lang="en-US" sz="3600" b="1" dirty="0" smtClean="0"/>
+              <a:rPr lang="en-US" sz="3600" b="1" dirty="0"/>
               <a:t>Lower Bound</a:t>
             </a:r>
-            <a:endParaRPr lang="en-US" sz="3600" b="1" dirty="0" smtClean="0"/>
           </a:p>
           <a:p>
             <a:pPr>
@@ -6978,7 +6861,7 @@
               <a:buChar char="Ø"/>
             </a:pPr>
             <a:r>
-              <a:rPr lang="en-US" sz="3600" b="1" dirty="0" smtClean="0"/>
+              <a:rPr lang="en-US" sz="3600" b="1" dirty="0"/>
               <a:t>Special Cases</a:t>
             </a:r>
           </a:p>
@@ -6988,7 +6871,7 @@
               <a:buChar char="Ø"/>
             </a:pPr>
             <a:r>
-              <a:rPr lang="en-US" sz="3600" b="1" dirty="0" smtClean="0"/>
+              <a:rPr lang="en-US" sz="3600" b="1" dirty="0"/>
               <a:t>Brute Force</a:t>
             </a:r>
           </a:p>
@@ -6998,14 +6881,9 @@
               <a:buChar char="Ø"/>
             </a:pPr>
             <a:r>
-              <a:rPr lang="en-US" sz="3600" b="1" dirty="0" smtClean="0"/>
-              <a:t>Genetic </a:t>
-            </a:r>
-            <a:r>
-              <a:rPr lang="en-US" sz="3600" b="1" dirty="0" smtClean="0"/>
-              <a:t>Algorithm</a:t>
-            </a:r>
-            <a:endParaRPr lang="en-US" sz="3600" b="1" dirty="0"/>
+              <a:rPr lang="en-US" sz="3600" b="1" dirty="0"/>
+              <a:t>Genetic Algorithm</a:t>
+            </a:r>
           </a:p>
         </p:txBody>
       </p:sp>
@@ -7040,13 +6918,6 @@
   <p:clrMapOvr>
     <a:masterClrMapping/>
   </p:clrMapOvr>
-  <p:timing>
-    <p:tnLst>
-      <p:par>
-        <p:cTn id="1" dur="indefinite" restart="never" nodeType="tmRoot"/>
-      </p:par>
-    </p:tnLst>
-  </p:timing>
 </p:sld>
 </file>
 
@@ -7088,7 +6959,7 @@
           <a:lstStyle/>
           <a:p>
             <a:r>
-              <a:rPr lang="en-US" dirty="0" smtClean="0">
+              <a:rPr lang="en-US" dirty="0">
                 <a:solidFill>
                   <a:schemeClr val="bg2">
                     <a:lumMod val="50000"/>
@@ -7097,63 +6968,84 @@
               </a:rPr>
               <a:t>GRAPH DECOMPOSITION</a:t>
             </a:r>
-            <a:endParaRPr lang="en-US" dirty="0">
-              <a:solidFill>
-                <a:schemeClr val="bg2">
-                  <a:lumMod val="50000"/>
-                </a:schemeClr>
-              </a:solidFill>
-            </a:endParaRPr>
           </a:p>
         </p:txBody>
       </p:sp>
       <p:pic>
         <p:nvPicPr>
-          <p:cNvPr id="1026" name="Picture 2"/>
+          <p:cNvPr id="6" name="Content Placeholder 5">
+            <a:extLst>
+              <a:ext uri="{FF2B5EF4-FFF2-40B4-BE49-F238E27FC236}">
+                <a16:creationId xmlns:a16="http://schemas.microsoft.com/office/drawing/2014/main" id="{E0187024-6A65-3747-91C2-591F2E0C16A5}"/>
+              </a:ext>
+            </a:extLst>
+          </p:cNvPr>
           <p:cNvPicPr>
-            <a:picLocks noGrp="1" noChangeAspect="1" noChangeArrowheads="1"/>
+            <a:picLocks noGrp="1" noChangeAspect="1"/>
           </p:cNvPicPr>
           <p:nvPr>
             <p:ph idx="1"/>
           </p:nvPr>
         </p:nvPicPr>
         <p:blipFill>
-          <a:blip r:embed="rId2"/>
-          <a:srcRect/>
+          <a:blip r:embed="rId2">
+            <a:extLst>
+              <a:ext uri="{28A0092B-C50C-407E-A947-70E740481C1C}">
+                <a14:useLocalDpi xmlns:a14="http://schemas.microsoft.com/office/drawing/2010/main" val="0"/>
+              </a:ext>
+            </a:extLst>
+          </a:blip>
           <a:stretch>
             <a:fillRect/>
           </a:stretch>
         </p:blipFill>
-        <p:spPr bwMode="auto">
+        <p:spPr>
           <a:xfrm>
-            <a:off x="1143000" y="838200"/>
-            <a:ext cx="5334000" cy="6019800"/>
+            <a:off x="1143000" y="1706526"/>
+            <a:ext cx="5752353" cy="2286000"/>
+          </a:xfrm>
+        </p:spPr>
+      </p:pic>
+      <p:sp>
+        <p:nvSpPr>
+          <p:cNvPr id="7" name="TextBox 6">
+            <a:extLst>
+              <a:ext uri="{FF2B5EF4-FFF2-40B4-BE49-F238E27FC236}">
+                <a16:creationId xmlns:a16="http://schemas.microsoft.com/office/drawing/2014/main" id="{90115A4C-C9FC-8043-AADC-FB9303A4674F}"/>
+              </a:ext>
+            </a:extLst>
+          </p:cNvPr>
+          <p:cNvSpPr txBox="1"/>
+          <p:nvPr/>
+        </p:nvSpPr>
+        <p:spPr>
+          <a:xfrm>
+            <a:off x="762000" y="4419600"/>
+            <a:ext cx="6781800" cy="400110"/>
           </a:xfrm>
           <a:prstGeom prst="rect">
             <a:avLst/>
           </a:prstGeom>
           <a:noFill/>
-          <a:ln w="9525">
-            <a:noFill/>
-            <a:miter lim="800000"/>
-            <a:headEnd/>
-            <a:tailEnd/>
-          </a:ln>
-          <a:effectLst/>
         </p:spPr>
-      </p:pic>
+        <p:txBody>
+          <a:bodyPr wrap="square" rtlCol="0">
+            <a:spAutoFit/>
+          </a:bodyPr>
+          <a:lstStyle/>
+          <a:p>
+            <a:r>
+              <a:rPr lang="en-US" sz="2000" dirty="0"/>
+              <a:t>A graph (a) before decomposed and (b) after decomposed</a:t>
+            </a:r>
+          </a:p>
+        </p:txBody>
+      </p:sp>
     </p:spTree>
   </p:cSld>
   <p:clrMapOvr>
     <a:masterClrMapping/>
   </p:clrMapOvr>
-  <p:timing>
-    <p:tnLst>
-      <p:par>
-        <p:cTn id="1" dur="indefinite" restart="never" nodeType="tmRoot"/>
-      </p:par>
-    </p:tnLst>
-  </p:timing>
 </p:sld>
 </file>
 
@@ -7197,7 +7089,7 @@
           <a:lstStyle/>
           <a:p>
             <a:r>
-              <a:rPr lang="en-US" sz="3200" dirty="0" smtClean="0">
+              <a:rPr lang="en-US" sz="3200" dirty="0">
                 <a:solidFill>
                   <a:schemeClr val="bg2">
                     <a:lumMod val="50000"/>
@@ -7206,63 +7098,53 @@
               </a:rPr>
               <a:t>UPPER BOUND(Greedy Algorithm)</a:t>
             </a:r>
-            <a:endParaRPr lang="en-US" sz="3200" dirty="0">
-              <a:solidFill>
-                <a:schemeClr val="bg2">
-                  <a:lumMod val="50000"/>
-                </a:schemeClr>
-              </a:solidFill>
-            </a:endParaRPr>
-          </a:p>
-        </p:txBody>
-      </p:sp>
-      <p:pic>
-        <p:nvPicPr>
-          <p:cNvPr id="2050" name="Picture 2"/>
-          <p:cNvPicPr>
-            <a:picLocks noGrp="1" noChangeAspect="1" noChangeArrowheads="1"/>
-          </p:cNvPicPr>
+          </a:p>
+        </p:txBody>
+      </p:sp>
+      <p:sp>
+        <p:nvSpPr>
+          <p:cNvPr id="4" name="Content Placeholder 3">
+            <a:extLst>
+              <a:ext uri="{FF2B5EF4-FFF2-40B4-BE49-F238E27FC236}">
+                <a16:creationId xmlns:a16="http://schemas.microsoft.com/office/drawing/2014/main" id="{39CE7C8F-0F13-E943-88CE-1DCF6E7AB5E0}"/>
+              </a:ext>
+            </a:extLst>
+          </p:cNvPr>
+          <p:cNvSpPr>
+            <a:spLocks noGrp="1"/>
+          </p:cNvSpPr>
           <p:nvPr>
             <p:ph idx="1"/>
           </p:nvPr>
-        </p:nvPicPr>
-        <p:blipFill>
-          <a:blip r:embed="rId2"/>
-          <a:srcRect/>
-          <a:stretch>
-            <a:fillRect/>
-          </a:stretch>
-        </p:blipFill>
-        <p:spPr bwMode="auto">
+        </p:nvSpPr>
+        <p:spPr>
           <a:xfrm>
-            <a:off x="1219200" y="1295400"/>
-            <a:ext cx="6096000" cy="5105400"/>
+            <a:off x="457200" y="1600200"/>
+            <a:ext cx="7239000" cy="4855536"/>
           </a:xfrm>
-          <a:prstGeom prst="rect">
-            <a:avLst/>
-          </a:prstGeom>
-          <a:noFill/>
-          <a:ln w="9525">
-            <a:noFill/>
-            <a:miter lim="800000"/>
-            <a:headEnd/>
-            <a:tailEnd/>
-          </a:ln>
-          <a:effectLst/>
         </p:spPr>
-      </p:pic>
+        <p:txBody>
+          <a:bodyPr/>
+          <a:lstStyle/>
+          <a:p>
+            <a:r>
+              <a:rPr lang="en-US" dirty="0"/>
+              <a:t>Sort vertices based on their degrees</a:t>
+            </a:r>
+          </a:p>
+          <a:p>
+            <a:r>
+              <a:rPr lang="en-US" dirty="0"/>
+              <a:t>Reuse available colors</a:t>
+            </a:r>
+          </a:p>
+        </p:txBody>
+      </p:sp>
     </p:spTree>
   </p:cSld>
   <p:clrMapOvr>
     <a:masterClrMapping/>
   </p:clrMapOvr>
-  <p:timing>
-    <p:tnLst>
-      <p:par>
-        <p:cTn id="1" dur="indefinite" restart="never" nodeType="tmRoot"/>
-      </p:par>
-    </p:tnLst>
-  </p:timing>
 </p:sld>
 </file>
 
@@ -7295,7 +7177,7 @@
         </p:nvSpPr>
         <p:spPr>
           <a:xfrm>
-            <a:off x="457200" y="1676400"/>
+            <a:off x="457200" y="914400"/>
             <a:ext cx="7242048" cy="533400"/>
           </a:xfrm>
         </p:spPr>
@@ -7307,32 +7189,235 @@
           <a:p>
             <a:pPr algn="ctr"/>
             <a:r>
-              <a:rPr lang="en-US" sz="3200" dirty="0" smtClean="0">
+              <a:rPr lang="en-US" sz="3200" dirty="0">
                 <a:solidFill>
                   <a:schemeClr val="bg2">
                     <a:lumMod val="50000"/>
                   </a:schemeClr>
                 </a:solidFill>
               </a:rPr>
-              <a:t>LOWER </a:t>
-            </a:r>
-            <a:r>
-              <a:rPr lang="en-US" sz="3200" dirty="0" smtClean="0">
+              <a:t>LOWER BOUND(GREEDY ALGORITHM)</a:t>
+            </a:r>
+          </a:p>
+        </p:txBody>
+      </p:sp>
+      <p:sp>
+        <p:nvSpPr>
+          <p:cNvPr id="7" name="Content Placeholder 3">
+            <a:extLst>
+              <a:ext uri="{FF2B5EF4-FFF2-40B4-BE49-F238E27FC236}">
+                <a16:creationId xmlns:a16="http://schemas.microsoft.com/office/drawing/2014/main" id="{214C686B-C60A-D545-AD8E-1A1B0AD02A57}"/>
+              </a:ext>
+            </a:extLst>
+          </p:cNvPr>
+          <p:cNvSpPr txBox="1">
+            <a:spLocks/>
+          </p:cNvSpPr>
+          <p:nvPr/>
+        </p:nvSpPr>
+        <p:spPr>
+          <a:xfrm>
+            <a:off x="457200" y="1600200"/>
+            <a:ext cx="7239000" cy="4855536"/>
+          </a:xfrm>
+          <a:prstGeom prst="rect">
+            <a:avLst/>
+          </a:prstGeom>
+        </p:spPr>
+        <p:txBody>
+          <a:bodyPr/>
+          <a:lstStyle>
+            <a:lvl1pPr marL="274320" indent="-274320" algn="l" rtl="0" eaLnBrk="1" latinLnBrk="0" hangingPunct="1">
+              <a:spcBef>
+                <a:spcPts val="600"/>
+              </a:spcBef>
+              <a:buClr>
+                <a:schemeClr val="tx2"/>
+              </a:buClr>
+              <a:buSzPct val="73000"/>
+              <a:buFont typeface="Wingdings 2"/>
+              <a:buChar char=""/>
+              <a:defRPr kumimoji="0" sz="2600" kern="1200" baseline="0">
                 <a:solidFill>
-                  <a:schemeClr val="bg2">
-                    <a:lumMod val="50000"/>
+                  <a:schemeClr val="tx1"/>
+                </a:solidFill>
+                <a:latin typeface="+mn-lt"/>
+                <a:ea typeface="+mn-ea"/>
+                <a:cs typeface="+mn-cs"/>
+              </a:defRPr>
+            </a:lvl1pPr>
+            <a:lvl2pPr marL="521208" indent="-228600" algn="l" rtl="0" eaLnBrk="1" latinLnBrk="0" hangingPunct="1">
+              <a:spcBef>
+                <a:spcPts val="500"/>
+              </a:spcBef>
+              <a:buClr>
+                <a:schemeClr val="accent4"/>
+              </a:buClr>
+              <a:buSzPct val="80000"/>
+              <a:buFont typeface="Wingdings 2"/>
+              <a:buChar char=""/>
+              <a:defRPr kumimoji="0" sz="2300" kern="1200">
+                <a:solidFill>
+                  <a:schemeClr val="tx1">
+                    <a:tint val="85000"/>
                   </a:schemeClr>
                 </a:solidFill>
-              </a:rPr>
-              <a:t>BOUND(GREEDY ALGORITHM)</a:t>
-            </a:r>
-            <a:endParaRPr lang="en-US" sz="3200" dirty="0">
-              <a:solidFill>
-                <a:schemeClr val="bg2">
-                  <a:lumMod val="50000"/>
-                </a:schemeClr>
-              </a:solidFill>
-            </a:endParaRPr>
+                <a:latin typeface="+mn-lt"/>
+                <a:ea typeface="+mn-ea"/>
+                <a:cs typeface="+mn-cs"/>
+              </a:defRPr>
+            </a:lvl2pPr>
+            <a:lvl3pPr marL="758952" indent="-228600" algn="l" rtl="0" eaLnBrk="1" latinLnBrk="0" hangingPunct="1">
+              <a:spcBef>
+                <a:spcPts val="400"/>
+              </a:spcBef>
+              <a:buClr>
+                <a:schemeClr val="accent4"/>
+              </a:buClr>
+              <a:buSzPct val="60000"/>
+              <a:buFont typeface="Wingdings"/>
+              <a:buChar char=""/>
+              <a:defRPr kumimoji="0" sz="2000" kern="1200">
+                <a:solidFill>
+                  <a:schemeClr val="tx1"/>
+                </a:solidFill>
+                <a:latin typeface="+mn-lt"/>
+                <a:ea typeface="+mn-ea"/>
+                <a:cs typeface="+mn-cs"/>
+              </a:defRPr>
+            </a:lvl3pPr>
+            <a:lvl4pPr marL="1005840" indent="-228600" algn="l" rtl="0" eaLnBrk="1" latinLnBrk="0" hangingPunct="1">
+              <a:spcBef>
+                <a:spcPct val="20000"/>
+              </a:spcBef>
+              <a:buClr>
+                <a:schemeClr val="accent4"/>
+              </a:buClr>
+              <a:buSzPct val="80000"/>
+              <a:buFont typeface="Wingdings 2"/>
+              <a:buChar char=""/>
+              <a:defRPr kumimoji="0" sz="2000" kern="1200">
+                <a:solidFill>
+                  <a:schemeClr val="tx1">
+                    <a:tint val="85000"/>
+                  </a:schemeClr>
+                </a:solidFill>
+                <a:latin typeface="+mn-lt"/>
+                <a:ea typeface="+mn-ea"/>
+                <a:cs typeface="+mn-cs"/>
+              </a:defRPr>
+            </a:lvl4pPr>
+            <a:lvl5pPr marL="1280160" indent="-228600" algn="l" rtl="0" eaLnBrk="1" latinLnBrk="0" hangingPunct="1">
+              <a:spcBef>
+                <a:spcPts val="400"/>
+              </a:spcBef>
+              <a:buClr>
+                <a:schemeClr val="accent4"/>
+              </a:buClr>
+              <a:buSzPct val="70000"/>
+              <a:buFont typeface="Wingdings"/>
+              <a:buChar char=""/>
+              <a:defRPr kumimoji="0" sz="1800" kern="1200">
+                <a:solidFill>
+                  <a:schemeClr val="tx1"/>
+                </a:solidFill>
+                <a:latin typeface="+mn-lt"/>
+                <a:ea typeface="+mn-ea"/>
+                <a:cs typeface="+mn-cs"/>
+              </a:defRPr>
+            </a:lvl5pPr>
+            <a:lvl6pPr marL="1472184" indent="-182880" algn="l" rtl="0" eaLnBrk="1" latinLnBrk="0" hangingPunct="1">
+              <a:spcBef>
+                <a:spcPts val="400"/>
+              </a:spcBef>
+              <a:buClr>
+                <a:schemeClr val="accent4"/>
+              </a:buClr>
+              <a:buSzPct val="80000"/>
+              <a:buFont typeface="Wingdings 2"/>
+              <a:buChar char=""/>
+              <a:defRPr kumimoji="0" sz="1800" kern="1200">
+                <a:solidFill>
+                  <a:schemeClr val="tx1">
+                    <a:tint val="85000"/>
+                  </a:schemeClr>
+                </a:solidFill>
+                <a:latin typeface="+mn-lt"/>
+                <a:ea typeface="+mn-ea"/>
+                <a:cs typeface="+mn-cs"/>
+              </a:defRPr>
+            </a:lvl6pPr>
+            <a:lvl7pPr marL="1673352" indent="-182880" algn="l" rtl="0" eaLnBrk="1" latinLnBrk="0" hangingPunct="1">
+              <a:spcBef>
+                <a:spcPct val="20000"/>
+              </a:spcBef>
+              <a:buClr>
+                <a:schemeClr val="accent4"/>
+              </a:buClr>
+              <a:buSzPct val="80000"/>
+              <a:buFont typeface="Wingdings 2"/>
+              <a:buChar char=""/>
+              <a:defRPr kumimoji="0" sz="1600" kern="1200" baseline="0">
+                <a:solidFill>
+                  <a:schemeClr val="tx1"/>
+                </a:solidFill>
+                <a:latin typeface="+mn-lt"/>
+                <a:ea typeface="+mn-ea"/>
+                <a:cs typeface="+mn-cs"/>
+              </a:defRPr>
+            </a:lvl7pPr>
+            <a:lvl8pPr marL="1847088" indent="-182880" algn="l" rtl="0" eaLnBrk="1" latinLnBrk="0" hangingPunct="1">
+              <a:spcBef>
+                <a:spcPts val="300"/>
+              </a:spcBef>
+              <a:buClr>
+                <a:schemeClr val="accent4"/>
+              </a:buClr>
+              <a:buSzPct val="100000"/>
+              <a:buChar char="•"/>
+              <a:defRPr kumimoji="0" sz="1600" kern="1200" baseline="0">
+                <a:solidFill>
+                  <a:schemeClr val="tx1">
+                    <a:tint val="85000"/>
+                  </a:schemeClr>
+                </a:solidFill>
+                <a:latin typeface="+mn-lt"/>
+                <a:ea typeface="+mn-ea"/>
+                <a:cs typeface="+mn-cs"/>
+              </a:defRPr>
+            </a:lvl8pPr>
+            <a:lvl9pPr marL="2057400" indent="-182880" algn="l" rtl="0" eaLnBrk="1" latinLnBrk="0" hangingPunct="1">
+              <a:spcBef>
+                <a:spcPct val="20000"/>
+              </a:spcBef>
+              <a:buClr>
+                <a:schemeClr val="accent4"/>
+              </a:buClr>
+              <a:buSzPct val="100000"/>
+              <a:buFont typeface="Wingdings"/>
+              <a:buChar char="§"/>
+              <a:defRPr kumimoji="0" sz="1400" kern="1200" baseline="0">
+                <a:solidFill>
+                  <a:schemeClr val="tx1"/>
+                </a:solidFill>
+                <a:latin typeface="+mn-lt"/>
+                <a:ea typeface="+mn-ea"/>
+                <a:cs typeface="+mn-cs"/>
+              </a:defRPr>
+            </a:lvl9pPr>
+            <a:extLst/>
+          </a:lstStyle>
+          <a:p>
+            <a:r>
+              <a:rPr lang="en-US" dirty="0"/>
+              <a:t>Finds several cliques</a:t>
+            </a:r>
+          </a:p>
+          <a:p>
+            <a:r>
+              <a:rPr lang="en-US" dirty="0"/>
+              <a:t>Does not guarantee to find maximum clique</a:t>
+            </a:r>
           </a:p>
         </p:txBody>
       </p:sp>
@@ -7341,13 +7426,6 @@
   <p:clrMapOvr>
     <a:masterClrMapping/>
   </p:clrMapOvr>
-  <p:timing>
-    <p:tnLst>
-      <p:par>
-        <p:cTn id="1" dur="indefinite" restart="never" nodeType="tmRoot"/>
-      </p:par>
-    </p:tnLst>
-  </p:timing>
 </p:sld>
 </file>
 
